--- a/Presentation.pptx
+++ b/Presentation.pptx
@@ -6,6 +6,10 @@
   </p:sldMasterIdLst>
   <p:sldIdLst>
     <p:sldId id="256" r:id="rId2"/>
+    <p:sldId id="257" r:id="rId3"/>
+    <p:sldId id="258" r:id="rId4"/>
+    <p:sldId id="259" r:id="rId5"/>
+    <p:sldId id="260" r:id="rId6"/>
   </p:sldIdLst>
   <p:sldSz cx="12192000" cy="6858000"/>
   <p:notesSz cx="6858000" cy="9144000"/>
@@ -112,16 +116,77 @@
 </p:presentation>
 </file>
 
-<file path=ppt/revisionInfo.xml><?xml version="1.0" encoding="utf-8"?>
-<p1510:revInfo xmlns:a="http://schemas.openxmlformats.org/drawingml/2006/main" xmlns:r="http://schemas.openxmlformats.org/officeDocument/2006/relationships" xmlns:p1510="http://schemas.microsoft.com/office/powerpoint/2015/10/main">
-  <p1510:revLst>
-    <p1510:client id="{6808E06D-317C-48B5-80AB-C63B5B44D7D8}" v="31" dt="2024-04-28T21:41:38.167"/>
-  </p1510:revLst>
-</p1510:revInfo>
-</file>
-
 <file path=ppt/changesInfos/changesInfo1.xml><?xml version="1.0" encoding="utf-8"?>
 <pc:chgInfo xmlns:a="http://schemas.openxmlformats.org/drawingml/2006/main" xmlns:r="http://schemas.openxmlformats.org/officeDocument/2006/relationships" xmlns:ac="http://schemas.microsoft.com/office/drawing/2013/main/command" xmlns:pc="http://schemas.microsoft.com/office/powerpoint/2013/main/command">
+  <pc:docChgLst>
+    <pc:chgData name="Eduardo Savian" userId="83fefb37af455394" providerId="LiveId" clId="{212EF4F1-877B-4B80-88EE-35A0BC77C71A}"/>
+    <pc:docChg chg="custSel addSld modSld">
+      <pc:chgData name="Eduardo Savian" userId="83fefb37af455394" providerId="LiveId" clId="{212EF4F1-877B-4B80-88EE-35A0BC77C71A}" dt="2024-05-03T19:36:56.092" v="52" actId="20577"/>
+      <pc:docMkLst>
+        <pc:docMk/>
+      </pc:docMkLst>
+      <pc:sldChg chg="modSp new mod">
+        <pc:chgData name="Eduardo Savian" userId="83fefb37af455394" providerId="LiveId" clId="{212EF4F1-877B-4B80-88EE-35A0BC77C71A}" dt="2024-05-03T18:53:11.223" v="29" actId="20577"/>
+        <pc:sldMkLst>
+          <pc:docMk/>
+          <pc:sldMk cId="3775945265" sldId="257"/>
+        </pc:sldMkLst>
+        <pc:spChg chg="mod">
+          <ac:chgData name="Eduardo Savian" userId="83fefb37af455394" providerId="LiveId" clId="{212EF4F1-877B-4B80-88EE-35A0BC77C71A}" dt="2024-05-03T18:53:11.223" v="29" actId="20577"/>
+          <ac:spMkLst>
+            <pc:docMk/>
+            <pc:sldMk cId="3775945265" sldId="257"/>
+            <ac:spMk id="2" creationId="{D6ADE00D-4311-50C4-8DF9-71AEE4CBFBA6}"/>
+          </ac:spMkLst>
+        </pc:spChg>
+      </pc:sldChg>
+      <pc:sldChg chg="modSp new mod">
+        <pc:chgData name="Eduardo Savian" userId="83fefb37af455394" providerId="LiveId" clId="{212EF4F1-877B-4B80-88EE-35A0BC77C71A}" dt="2024-05-03T19:36:56.092" v="52" actId="20577"/>
+        <pc:sldMkLst>
+          <pc:docMk/>
+          <pc:sldMk cId="1767302655" sldId="258"/>
+        </pc:sldMkLst>
+        <pc:spChg chg="mod">
+          <ac:chgData name="Eduardo Savian" userId="83fefb37af455394" providerId="LiveId" clId="{212EF4F1-877B-4B80-88EE-35A0BC77C71A}" dt="2024-05-03T19:36:56.092" v="52" actId="20577"/>
+          <ac:spMkLst>
+            <pc:docMk/>
+            <pc:sldMk cId="1767302655" sldId="258"/>
+            <ac:spMk id="2" creationId="{3DA2759E-6509-5739-997F-79FBA3389A58}"/>
+          </ac:spMkLst>
+        </pc:spChg>
+      </pc:sldChg>
+      <pc:sldChg chg="new">
+        <pc:chgData name="Eduardo Savian" userId="83fefb37af455394" providerId="LiveId" clId="{212EF4F1-877B-4B80-88EE-35A0BC77C71A}" dt="2024-05-03T18:52:10.151" v="2" actId="680"/>
+        <pc:sldMkLst>
+          <pc:docMk/>
+          <pc:sldMk cId="1967995460" sldId="259"/>
+        </pc:sldMkLst>
+      </pc:sldChg>
+      <pc:sldChg chg="delSp modSp new mod">
+        <pc:chgData name="Eduardo Savian" userId="83fefb37af455394" providerId="LiveId" clId="{212EF4F1-877B-4B80-88EE-35A0BC77C71A}" dt="2024-05-03T18:53:01.392" v="19" actId="1076"/>
+        <pc:sldMkLst>
+          <pc:docMk/>
+          <pc:sldMk cId="2210678312" sldId="260"/>
+        </pc:sldMkLst>
+        <pc:spChg chg="mod">
+          <ac:chgData name="Eduardo Savian" userId="83fefb37af455394" providerId="LiveId" clId="{212EF4F1-877B-4B80-88EE-35A0BC77C71A}" dt="2024-05-03T18:53:01.392" v="19" actId="1076"/>
+          <ac:spMkLst>
+            <pc:docMk/>
+            <pc:sldMk cId="2210678312" sldId="260"/>
+            <ac:spMk id="2" creationId="{B1F35A36-4B8A-CC21-A7B3-D24FC5357485}"/>
+          </ac:spMkLst>
+        </pc:spChg>
+        <pc:spChg chg="del">
+          <ac:chgData name="Eduardo Savian" userId="83fefb37af455394" providerId="LiveId" clId="{212EF4F1-877B-4B80-88EE-35A0BC77C71A}" dt="2024-05-03T18:52:32.529" v="12" actId="478"/>
+          <ac:spMkLst>
+            <pc:docMk/>
+            <pc:sldMk cId="2210678312" sldId="260"/>
+            <ac:spMk id="3" creationId="{4F31A53A-45B9-5159-56F8-275BCFA8167B}"/>
+          </ac:spMkLst>
+        </pc:spChg>
+      </pc:sldChg>
+    </pc:docChg>
+  </pc:docChgLst>
   <pc:docChgLst>
     <pc:chgData name="Eduardo Savian" userId="83fefb37af455394" providerId="Windows Live" clId="Web-{6808E06D-317C-48B5-80AB-C63B5B44D7D8}"/>
     <pc:docChg chg="modSld addMainMaster delMainMaster">
@@ -734,7 +799,7 @@
           <a:p>
             <a:fld id="{C4270120-CDFC-48DE-A6EA-6DEEDD0E436A}" type="datetimeFigureOut">
               <a:rPr lang="en-US" dirty="0"/>
-              <a:t>4/28/2024</a:t>
+              <a:t>5/3/2024</a:t>
             </a:fld>
             <a:endParaRPr lang="en-US" dirty="0"/>
           </a:p>
@@ -792,7 +857,7 @@
           <a:p>
             <a:fld id="{196A61CA-0502-4EE4-9724-96EA822543E5}" type="slidenum">
               <a:rPr lang="en-US" dirty="0"/>
-              <a:t>‹#›</a:t>
+              <a:t>‹nº›</a:t>
             </a:fld>
             <a:endParaRPr lang="en-US" dirty="0"/>
           </a:p>
@@ -1028,7 +1093,7 @@
           <a:p>
             <a:fld id="{2A1F5BA7-0A17-4D30-9B66-E29324151C73}" type="datetimeFigureOut">
               <a:rPr lang="en-US" dirty="0"/>
-              <a:t>4/28/2024</a:t>
+              <a:t>5/3/2024</a:t>
             </a:fld>
             <a:endParaRPr lang="en-US" dirty="0"/>
           </a:p>
@@ -1086,7 +1151,7 @@
           <a:p>
             <a:fld id="{196A61CA-0502-4EE4-9724-96EA822543E5}" type="slidenum">
               <a:rPr lang="en-US" dirty="0"/>
-              <a:t>‹#›</a:t>
+              <a:t>‹nº›</a:t>
             </a:fld>
             <a:endParaRPr lang="en-US" dirty="0"/>
           </a:p>
@@ -1284,7 +1349,7 @@
           <a:p>
             <a:fld id="{76BEBB1B-D40A-4DB9-B3DE-BAAE675B83CD}" type="datetimeFigureOut">
               <a:rPr lang="en-US" dirty="0"/>
-              <a:t>4/28/2024</a:t>
+              <a:t>5/3/2024</a:t>
             </a:fld>
             <a:endParaRPr lang="en-US" dirty="0"/>
           </a:p>
@@ -1342,7 +1407,7 @@
           <a:p>
             <a:fld id="{196A61CA-0502-4EE4-9724-96EA822543E5}" type="slidenum">
               <a:rPr lang="en-US" dirty="0"/>
-              <a:t>‹#›</a:t>
+              <a:t>‹nº›</a:t>
             </a:fld>
             <a:endParaRPr lang="en-US" dirty="0"/>
           </a:p>
@@ -1540,7 +1605,7 @@
           <a:p>
             <a:fld id="{A3C9FAAF-C467-4C93-8ECD-39AF5A14D498}" type="datetimeFigureOut">
               <a:rPr lang="en-US" dirty="0"/>
-              <a:t>4/28/2024</a:t>
+              <a:t>5/3/2024</a:t>
             </a:fld>
             <a:endParaRPr lang="en-US" dirty="0"/>
           </a:p>
@@ -1598,7 +1663,7 @@
           <a:p>
             <a:fld id="{196A61CA-0502-4EE4-9724-96EA822543E5}" type="slidenum">
               <a:rPr lang="en-US" dirty="0"/>
-              <a:t>‹#›</a:t>
+              <a:t>‹nº›</a:t>
             </a:fld>
             <a:endParaRPr lang="en-US" dirty="0"/>
           </a:p>
@@ -1865,7 +1930,7 @@
           <a:p>
             <a:fld id="{3E37E480-B2BA-4553-A144-61E7F75833ED}" type="datetimeFigureOut">
               <a:rPr lang="en-US" dirty="0"/>
-              <a:t>4/28/2024</a:t>
+              <a:t>5/3/2024</a:t>
             </a:fld>
             <a:endParaRPr lang="en-US" dirty="0"/>
           </a:p>
@@ -1923,7 +1988,7 @@
           <a:p>
             <a:fld id="{196A61CA-0502-4EE4-9724-96EA822543E5}" type="slidenum">
               <a:rPr lang="en-US" dirty="0"/>
-              <a:t>‹#›</a:t>
+              <a:t>‹nº›</a:t>
             </a:fld>
             <a:endParaRPr lang="en-US" dirty="0"/>
           </a:p>
@@ -2219,7 +2284,7 @@
           <a:p>
             <a:fld id="{390E682A-6B53-4B08-AE4D-4C5E659103CC}" type="datetimeFigureOut">
               <a:rPr lang="en-US" dirty="0"/>
-              <a:t>4/28/2024</a:t>
+              <a:t>5/3/2024</a:t>
             </a:fld>
             <a:endParaRPr lang="en-US" dirty="0"/>
           </a:p>
@@ -2277,7 +2342,7 @@
           <a:p>
             <a:fld id="{196A61CA-0502-4EE4-9724-96EA822543E5}" type="slidenum">
               <a:rPr lang="en-US" dirty="0"/>
-              <a:t>‹#›</a:t>
+              <a:t>‹nº›</a:t>
             </a:fld>
             <a:endParaRPr lang="en-US" dirty="0"/>
           </a:p>
@@ -2735,7 +2800,7 @@
           <a:p>
             <a:fld id="{7C69F0F6-BEBB-4894-ABB2-75C5CBE0DDB9}" type="datetimeFigureOut">
               <a:rPr lang="en-US" dirty="0"/>
-              <a:t>4/28/2024</a:t>
+              <a:t>5/3/2024</a:t>
             </a:fld>
             <a:endParaRPr lang="en-US" dirty="0"/>
           </a:p>
@@ -2793,7 +2858,7 @@
           <a:p>
             <a:fld id="{196A61CA-0502-4EE4-9724-96EA822543E5}" type="slidenum">
               <a:rPr lang="en-US" dirty="0"/>
-              <a:t>‹#›</a:t>
+              <a:t>‹nº›</a:t>
             </a:fld>
             <a:endParaRPr lang="en-US" dirty="0"/>
           </a:p>
@@ -3051,7 +3116,7 @@
           <a:p>
             <a:fld id="{8B3E9E5F-17D9-4A30-9DA3-64E46A6DF111}" type="datetimeFigureOut">
               <a:rPr lang="en-US" dirty="0"/>
-              <a:t>4/28/2024</a:t>
+              <a:t>5/3/2024</a:t>
             </a:fld>
             <a:endParaRPr lang="en-US" dirty="0"/>
           </a:p>
@@ -3109,7 +3174,7 @@
           <a:p>
             <a:fld id="{196A61CA-0502-4EE4-9724-96EA822543E5}" type="slidenum">
               <a:rPr lang="en-US" dirty="0"/>
-              <a:t>‹#›</a:t>
+              <a:t>‹nº›</a:t>
             </a:fld>
             <a:endParaRPr lang="en-US" dirty="0"/>
           </a:p>
@@ -3168,7 +3233,7 @@
           <a:p>
             <a:fld id="{033AC5F0-3BC3-4718-BCCA-24B5655EC864}" type="datetimeFigureOut">
               <a:rPr lang="en-US" dirty="0"/>
-              <a:t>4/28/2024</a:t>
+              <a:t>5/3/2024</a:t>
             </a:fld>
             <a:endParaRPr lang="en-US" dirty="0"/>
           </a:p>
@@ -3226,7 +3291,7 @@
           <a:p>
             <a:fld id="{196A61CA-0502-4EE4-9724-96EA822543E5}" type="slidenum">
               <a:rPr lang="en-US" dirty="0"/>
-              <a:t>‹#›</a:t>
+              <a:t>‹nº›</a:t>
             </a:fld>
             <a:endParaRPr lang="en-US" dirty="0"/>
           </a:p>
@@ -3513,7 +3578,7 @@
           <a:p>
             <a:fld id="{9EB8BD81-465B-40F2-9A54-9DF3B12AF598}" type="datetimeFigureOut">
               <a:rPr lang="en-US" dirty="0"/>
-              <a:t>4/28/2024</a:t>
+              <a:t>5/3/2024</a:t>
             </a:fld>
             <a:endParaRPr lang="en-US" dirty="0"/>
           </a:p>
@@ -3571,7 +3636,7 @@
           <a:p>
             <a:fld id="{196A61CA-0502-4EE4-9724-96EA822543E5}" type="slidenum">
               <a:rPr lang="en-US" dirty="0"/>
-              <a:t>‹#›</a:t>
+              <a:t>‹nº›</a:t>
             </a:fld>
             <a:endParaRPr lang="en-US" dirty="0"/>
           </a:p>
@@ -3817,7 +3882,7 @@
           <a:p>
             <a:fld id="{F04B3CEF-64EF-4C43-9530-8E9CBFD2CAD1}" type="datetimeFigureOut">
               <a:rPr lang="en-US" dirty="0"/>
-              <a:t>4/28/2024</a:t>
+              <a:t>5/3/2024</a:t>
             </a:fld>
             <a:endParaRPr lang="en-US" dirty="0"/>
           </a:p>
@@ -3875,7 +3940,7 @@
           <a:p>
             <a:fld id="{196A61CA-0502-4EE4-9724-96EA822543E5}" type="slidenum">
               <a:rPr lang="en-US" dirty="0"/>
-              <a:t>‹#›</a:t>
+              <a:t>‹nº›</a:t>
             </a:fld>
             <a:endParaRPr lang="en-US" dirty="0"/>
           </a:p>
@@ -4060,7 +4125,7 @@
           <a:p>
             <a:fld id="{B70A3DFD-A535-46B2-84C1-61DC8B16A904}" type="datetimeFigureOut">
               <a:rPr lang="en-US" dirty="0"/>
-              <a:t>4/28/2024</a:t>
+              <a:t>5/3/2024</a:t>
             </a:fld>
             <a:endParaRPr lang="en-US" dirty="0"/>
           </a:p>
@@ -4153,7 +4218,7 @@
           <a:p>
             <a:fld id="{196A61CA-0502-4EE4-9724-96EA822543E5}" type="slidenum">
               <a:rPr lang="en-US" dirty="0"/>
-              <a:t>‹#›</a:t>
+              <a:t>‹nº›</a:t>
             </a:fld>
             <a:endParaRPr lang="en-US" dirty="0"/>
           </a:p>
@@ -4585,6 +4650,679 @@
 </p:sld>
 </file>
 
+<file path=ppt/slides/slide2.xml><?xml version="1.0" encoding="utf-8"?>
+<p:sld xmlns:a="http://schemas.openxmlformats.org/drawingml/2006/main" xmlns:r="http://schemas.openxmlformats.org/officeDocument/2006/relationships" xmlns:p="http://schemas.openxmlformats.org/presentationml/2006/main">
+  <p:cSld>
+    <p:spTree>
+      <p:nvGrpSpPr>
+        <p:cNvPr id="1" name=""/>
+        <p:cNvGrpSpPr/>
+        <p:nvPr/>
+      </p:nvGrpSpPr>
+      <p:grpSpPr>
+        <a:xfrm>
+          <a:off x="0" y="0"/>
+          <a:ext cx="0" cy="0"/>
+          <a:chOff x="0" y="0"/>
+          <a:chExt cx="0" cy="0"/>
+        </a:xfrm>
+      </p:grpSpPr>
+      <p:sp>
+        <p:nvSpPr>
+          <p:cNvPr id="2" name="Título 1">
+            <a:extLst>
+              <a:ext uri="{FF2B5EF4-FFF2-40B4-BE49-F238E27FC236}">
+                <a16:creationId xmlns:a16="http://schemas.microsoft.com/office/drawing/2014/main" id="{D6ADE00D-4311-50C4-8DF9-71AEE4CBFBA6}"/>
+              </a:ext>
+            </a:extLst>
+          </p:cNvPr>
+          <p:cNvSpPr>
+            <a:spLocks noGrp="1"/>
+          </p:cNvSpPr>
+          <p:nvPr>
+            <p:ph type="title"/>
+          </p:nvPr>
+        </p:nvSpPr>
+        <p:spPr/>
+        <p:txBody>
+          <a:bodyPr/>
+          <a:lstStyle/>
+          <a:p>
+            <a:r>
+              <a:rPr lang="en-US" dirty="0" err="1"/>
+              <a:t>Introdução</a:t>
+            </a:r>
+            <a:endParaRPr lang="pt-BR" dirty="0"/>
+          </a:p>
+        </p:txBody>
+      </p:sp>
+      <p:sp>
+        <p:nvSpPr>
+          <p:cNvPr id="3" name="Espaço Reservado para Conteúdo 2">
+            <a:extLst>
+              <a:ext uri="{FF2B5EF4-FFF2-40B4-BE49-F238E27FC236}">
+                <a16:creationId xmlns:a16="http://schemas.microsoft.com/office/drawing/2014/main" id="{A3B4ADFF-18FA-819A-E2DD-F32D67BA3A8E}"/>
+              </a:ext>
+            </a:extLst>
+          </p:cNvPr>
+          <p:cNvSpPr>
+            <a:spLocks noGrp="1"/>
+          </p:cNvSpPr>
+          <p:nvPr>
+            <p:ph idx="1"/>
+          </p:nvPr>
+        </p:nvSpPr>
+        <p:spPr/>
+        <p:txBody>
+          <a:bodyPr/>
+          <a:lstStyle/>
+          <a:p>
+            <a:endParaRPr lang="pt-BR"/>
+          </a:p>
+        </p:txBody>
+      </p:sp>
+      <p:sp>
+        <p:nvSpPr>
+          <p:cNvPr id="4" name="Espaço Reservado para Data 3">
+            <a:extLst>
+              <a:ext uri="{FF2B5EF4-FFF2-40B4-BE49-F238E27FC236}">
+                <a16:creationId xmlns:a16="http://schemas.microsoft.com/office/drawing/2014/main" id="{DB215652-CD47-035A-D24D-F14EE46A4092}"/>
+              </a:ext>
+            </a:extLst>
+          </p:cNvPr>
+          <p:cNvSpPr>
+            <a:spLocks noGrp="1"/>
+          </p:cNvSpPr>
+          <p:nvPr>
+            <p:ph type="dt" sz="half" idx="10"/>
+          </p:nvPr>
+        </p:nvSpPr>
+        <p:spPr/>
+        <p:txBody>
+          <a:bodyPr/>
+          <a:lstStyle/>
+          <a:p>
+            <a:fld id="{9FBE1B50-9130-47DA-B4F9-EEE798F3A0B6}" type="datetime1">
+              <a:rPr lang="en-US" smtClean="0"/>
+              <a:t>5/3/2024</a:t>
+            </a:fld>
+            <a:endParaRPr lang="en-US" dirty="0"/>
+          </a:p>
+        </p:txBody>
+      </p:sp>
+      <p:sp>
+        <p:nvSpPr>
+          <p:cNvPr id="5" name="Espaço Reservado para Rodapé 4">
+            <a:extLst>
+              <a:ext uri="{FF2B5EF4-FFF2-40B4-BE49-F238E27FC236}">
+                <a16:creationId xmlns:a16="http://schemas.microsoft.com/office/drawing/2014/main" id="{3381B339-BCA0-D98E-7BEC-F5F86A2EBAE0}"/>
+              </a:ext>
+            </a:extLst>
+          </p:cNvPr>
+          <p:cNvSpPr>
+            <a:spLocks noGrp="1"/>
+          </p:cNvSpPr>
+          <p:nvPr>
+            <p:ph type="ftr" sz="quarter" idx="11"/>
+          </p:nvPr>
+        </p:nvSpPr>
+        <p:spPr/>
+        <p:txBody>
+          <a:bodyPr/>
+          <a:lstStyle/>
+          <a:p>
+            <a:r>
+              <a:rPr lang="en-US"/>
+              <a:t>
+              </a:t>
+            </a:r>
+            <a:endParaRPr lang="en-US" dirty="0"/>
+          </a:p>
+        </p:txBody>
+      </p:sp>
+      <p:sp>
+        <p:nvSpPr>
+          <p:cNvPr id="6" name="Espaço Reservado para Número de Slide 5">
+            <a:extLst>
+              <a:ext uri="{FF2B5EF4-FFF2-40B4-BE49-F238E27FC236}">
+                <a16:creationId xmlns:a16="http://schemas.microsoft.com/office/drawing/2014/main" id="{245176F3-9B8F-5D0D-56B6-881A0F8BAE27}"/>
+              </a:ext>
+            </a:extLst>
+          </p:cNvPr>
+          <p:cNvSpPr>
+            <a:spLocks noGrp="1"/>
+          </p:cNvSpPr>
+          <p:nvPr>
+            <p:ph type="sldNum" sz="quarter" idx="12"/>
+          </p:nvPr>
+        </p:nvSpPr>
+        <p:spPr/>
+        <p:txBody>
+          <a:bodyPr/>
+          <a:lstStyle/>
+          <a:p>
+            <a:fld id="{196A61CA-0502-4EE4-9724-96EA822543E5}" type="slidenum">
+              <a:rPr lang="en-US" smtClean="0"/>
+              <a:t>2</a:t>
+            </a:fld>
+            <a:endParaRPr lang="en-US" dirty="0"/>
+          </a:p>
+        </p:txBody>
+      </p:sp>
+    </p:spTree>
+    <p:extLst>
+      <p:ext uri="{BB962C8B-B14F-4D97-AF65-F5344CB8AC3E}">
+        <p14:creationId xmlns:p14="http://schemas.microsoft.com/office/powerpoint/2010/main" val="3775945265"/>
+      </p:ext>
+    </p:extLst>
+  </p:cSld>
+  <p:clrMapOvr>
+    <a:masterClrMapping/>
+  </p:clrMapOvr>
+</p:sld>
+</file>
+
+<file path=ppt/slides/slide3.xml><?xml version="1.0" encoding="utf-8"?>
+<p:sld xmlns:a="http://schemas.openxmlformats.org/drawingml/2006/main" xmlns:r="http://schemas.openxmlformats.org/officeDocument/2006/relationships" xmlns:p="http://schemas.openxmlformats.org/presentationml/2006/main">
+  <p:cSld>
+    <p:spTree>
+      <p:nvGrpSpPr>
+        <p:cNvPr id="1" name=""/>
+        <p:cNvGrpSpPr/>
+        <p:nvPr/>
+      </p:nvGrpSpPr>
+      <p:grpSpPr>
+        <a:xfrm>
+          <a:off x="0" y="0"/>
+          <a:ext cx="0" cy="0"/>
+          <a:chOff x="0" y="0"/>
+          <a:chExt cx="0" cy="0"/>
+        </a:xfrm>
+      </p:grpSpPr>
+      <p:sp>
+        <p:nvSpPr>
+          <p:cNvPr id="2" name="Título 1">
+            <a:extLst>
+              <a:ext uri="{FF2B5EF4-FFF2-40B4-BE49-F238E27FC236}">
+                <a16:creationId xmlns:a16="http://schemas.microsoft.com/office/drawing/2014/main" id="{3DA2759E-6509-5739-997F-79FBA3389A58}"/>
+              </a:ext>
+            </a:extLst>
+          </p:cNvPr>
+          <p:cNvSpPr>
+            <a:spLocks noGrp="1"/>
+          </p:cNvSpPr>
+          <p:nvPr>
+            <p:ph type="title"/>
+          </p:nvPr>
+        </p:nvSpPr>
+        <p:spPr/>
+        <p:txBody>
+          <a:bodyPr/>
+          <a:lstStyle/>
+          <a:p>
+            <a:r>
+              <a:rPr lang="en-US" dirty="0" err="1"/>
+              <a:t>Funções</a:t>
+            </a:r>
+            <a:r>
+              <a:rPr lang="en-US" dirty="0"/>
+              <a:t> de </a:t>
+            </a:r>
+            <a:r>
+              <a:rPr lang="en-US" dirty="0" err="1"/>
+              <a:t>similaridade</a:t>
+            </a:r>
+            <a:endParaRPr lang="pt-BR" dirty="0"/>
+          </a:p>
+        </p:txBody>
+      </p:sp>
+      <p:sp>
+        <p:nvSpPr>
+          <p:cNvPr id="3" name="Espaço Reservado para Conteúdo 2">
+            <a:extLst>
+              <a:ext uri="{FF2B5EF4-FFF2-40B4-BE49-F238E27FC236}">
+                <a16:creationId xmlns:a16="http://schemas.microsoft.com/office/drawing/2014/main" id="{AD684354-353E-8862-FCBF-8C22177AF4B9}"/>
+              </a:ext>
+            </a:extLst>
+          </p:cNvPr>
+          <p:cNvSpPr>
+            <a:spLocks noGrp="1"/>
+          </p:cNvSpPr>
+          <p:nvPr>
+            <p:ph idx="1"/>
+          </p:nvPr>
+        </p:nvSpPr>
+        <p:spPr/>
+        <p:txBody>
+          <a:bodyPr/>
+          <a:lstStyle/>
+          <a:p>
+            <a:endParaRPr lang="pt-BR" dirty="0"/>
+          </a:p>
+        </p:txBody>
+      </p:sp>
+      <p:sp>
+        <p:nvSpPr>
+          <p:cNvPr id="4" name="Espaço Reservado para Data 3">
+            <a:extLst>
+              <a:ext uri="{FF2B5EF4-FFF2-40B4-BE49-F238E27FC236}">
+                <a16:creationId xmlns:a16="http://schemas.microsoft.com/office/drawing/2014/main" id="{01FADF07-4BC5-F71C-E155-7E699903405F}"/>
+              </a:ext>
+            </a:extLst>
+          </p:cNvPr>
+          <p:cNvSpPr>
+            <a:spLocks noGrp="1"/>
+          </p:cNvSpPr>
+          <p:nvPr>
+            <p:ph type="dt" sz="half" idx="10"/>
+          </p:nvPr>
+        </p:nvSpPr>
+        <p:spPr/>
+        <p:txBody>
+          <a:bodyPr/>
+          <a:lstStyle/>
+          <a:p>
+            <a:fld id="{A6D1F2CA-FA0A-421E-92E7-5CBF624CA0D2}" type="datetime1">
+              <a:rPr lang="en-US" smtClean="0"/>
+              <a:t>5/3/2024</a:t>
+            </a:fld>
+            <a:endParaRPr lang="en-US" dirty="0"/>
+          </a:p>
+        </p:txBody>
+      </p:sp>
+      <p:sp>
+        <p:nvSpPr>
+          <p:cNvPr id="5" name="Espaço Reservado para Rodapé 4">
+            <a:extLst>
+              <a:ext uri="{FF2B5EF4-FFF2-40B4-BE49-F238E27FC236}">
+                <a16:creationId xmlns:a16="http://schemas.microsoft.com/office/drawing/2014/main" id="{C30563B5-F358-CCDC-BE50-1AA3C53B3CC6}"/>
+              </a:ext>
+            </a:extLst>
+          </p:cNvPr>
+          <p:cNvSpPr>
+            <a:spLocks noGrp="1"/>
+          </p:cNvSpPr>
+          <p:nvPr>
+            <p:ph type="ftr" sz="quarter" idx="11"/>
+          </p:nvPr>
+        </p:nvSpPr>
+        <p:spPr/>
+        <p:txBody>
+          <a:bodyPr/>
+          <a:lstStyle/>
+          <a:p>
+            <a:r>
+              <a:rPr lang="en-US"/>
+              <a:t>
+              </a:t>
+            </a:r>
+            <a:endParaRPr lang="en-US" dirty="0"/>
+          </a:p>
+        </p:txBody>
+      </p:sp>
+      <p:sp>
+        <p:nvSpPr>
+          <p:cNvPr id="6" name="Espaço Reservado para Número de Slide 5">
+            <a:extLst>
+              <a:ext uri="{FF2B5EF4-FFF2-40B4-BE49-F238E27FC236}">
+                <a16:creationId xmlns:a16="http://schemas.microsoft.com/office/drawing/2014/main" id="{D5485450-93CC-472B-2AE9-4E3E69B21993}"/>
+              </a:ext>
+            </a:extLst>
+          </p:cNvPr>
+          <p:cNvSpPr>
+            <a:spLocks noGrp="1"/>
+          </p:cNvSpPr>
+          <p:nvPr>
+            <p:ph type="sldNum" sz="quarter" idx="12"/>
+          </p:nvPr>
+        </p:nvSpPr>
+        <p:spPr/>
+        <p:txBody>
+          <a:bodyPr/>
+          <a:lstStyle/>
+          <a:p>
+            <a:fld id="{196A61CA-0502-4EE4-9724-96EA822543E5}" type="slidenum">
+              <a:rPr lang="en-US" smtClean="0"/>
+              <a:t>3</a:t>
+            </a:fld>
+            <a:endParaRPr lang="en-US" dirty="0"/>
+          </a:p>
+        </p:txBody>
+      </p:sp>
+    </p:spTree>
+    <p:extLst>
+      <p:ext uri="{BB962C8B-B14F-4D97-AF65-F5344CB8AC3E}">
+        <p14:creationId xmlns:p14="http://schemas.microsoft.com/office/powerpoint/2010/main" val="1767302655"/>
+      </p:ext>
+    </p:extLst>
+  </p:cSld>
+  <p:clrMapOvr>
+    <a:masterClrMapping/>
+  </p:clrMapOvr>
+</p:sld>
+</file>
+
+<file path=ppt/slides/slide4.xml><?xml version="1.0" encoding="utf-8"?>
+<p:sld xmlns:a="http://schemas.openxmlformats.org/drawingml/2006/main" xmlns:r="http://schemas.openxmlformats.org/officeDocument/2006/relationships" xmlns:p="http://schemas.openxmlformats.org/presentationml/2006/main">
+  <p:cSld>
+    <p:spTree>
+      <p:nvGrpSpPr>
+        <p:cNvPr id="1" name=""/>
+        <p:cNvGrpSpPr/>
+        <p:nvPr/>
+      </p:nvGrpSpPr>
+      <p:grpSpPr>
+        <a:xfrm>
+          <a:off x="0" y="0"/>
+          <a:ext cx="0" cy="0"/>
+          <a:chOff x="0" y="0"/>
+          <a:chExt cx="0" cy="0"/>
+        </a:xfrm>
+      </p:grpSpPr>
+      <p:sp>
+        <p:nvSpPr>
+          <p:cNvPr id="2" name="Título 1">
+            <a:extLst>
+              <a:ext uri="{FF2B5EF4-FFF2-40B4-BE49-F238E27FC236}">
+                <a16:creationId xmlns:a16="http://schemas.microsoft.com/office/drawing/2014/main" id="{39887D89-22FC-622C-690A-E2571C8358CE}"/>
+              </a:ext>
+            </a:extLst>
+          </p:cNvPr>
+          <p:cNvSpPr>
+            <a:spLocks noGrp="1"/>
+          </p:cNvSpPr>
+          <p:nvPr>
+            <p:ph type="title"/>
+          </p:nvPr>
+        </p:nvSpPr>
+        <p:spPr/>
+        <p:txBody>
+          <a:bodyPr/>
+          <a:lstStyle/>
+          <a:p>
+            <a:endParaRPr lang="pt-BR"/>
+          </a:p>
+        </p:txBody>
+      </p:sp>
+      <p:sp>
+        <p:nvSpPr>
+          <p:cNvPr id="3" name="Espaço Reservado para Conteúdo 2">
+            <a:extLst>
+              <a:ext uri="{FF2B5EF4-FFF2-40B4-BE49-F238E27FC236}">
+                <a16:creationId xmlns:a16="http://schemas.microsoft.com/office/drawing/2014/main" id="{D18A5516-B06F-36C5-F2E3-84103FADF1AC}"/>
+              </a:ext>
+            </a:extLst>
+          </p:cNvPr>
+          <p:cNvSpPr>
+            <a:spLocks noGrp="1"/>
+          </p:cNvSpPr>
+          <p:nvPr>
+            <p:ph idx="1"/>
+          </p:nvPr>
+        </p:nvSpPr>
+        <p:spPr/>
+        <p:txBody>
+          <a:bodyPr/>
+          <a:lstStyle/>
+          <a:p>
+            <a:endParaRPr lang="pt-BR"/>
+          </a:p>
+        </p:txBody>
+      </p:sp>
+      <p:sp>
+        <p:nvSpPr>
+          <p:cNvPr id="4" name="Espaço Reservado para Data 3">
+            <a:extLst>
+              <a:ext uri="{FF2B5EF4-FFF2-40B4-BE49-F238E27FC236}">
+                <a16:creationId xmlns:a16="http://schemas.microsoft.com/office/drawing/2014/main" id="{FBBE62BA-F7B8-8240-F43C-643DB196171D}"/>
+              </a:ext>
+            </a:extLst>
+          </p:cNvPr>
+          <p:cNvSpPr>
+            <a:spLocks noGrp="1"/>
+          </p:cNvSpPr>
+          <p:nvPr>
+            <p:ph type="dt" sz="half" idx="10"/>
+          </p:nvPr>
+        </p:nvSpPr>
+        <p:spPr/>
+        <p:txBody>
+          <a:bodyPr/>
+          <a:lstStyle/>
+          <a:p>
+            <a:fld id="{9E427858-1B63-42BF-A081-F881375F2F0E}" type="datetime1">
+              <a:rPr lang="en-US" smtClean="0"/>
+              <a:t>5/3/2024</a:t>
+            </a:fld>
+            <a:endParaRPr lang="en-US" dirty="0"/>
+          </a:p>
+        </p:txBody>
+      </p:sp>
+      <p:sp>
+        <p:nvSpPr>
+          <p:cNvPr id="5" name="Espaço Reservado para Rodapé 4">
+            <a:extLst>
+              <a:ext uri="{FF2B5EF4-FFF2-40B4-BE49-F238E27FC236}">
+                <a16:creationId xmlns:a16="http://schemas.microsoft.com/office/drawing/2014/main" id="{BB056759-BDF5-5450-E526-02C0EF64F525}"/>
+              </a:ext>
+            </a:extLst>
+          </p:cNvPr>
+          <p:cNvSpPr>
+            <a:spLocks noGrp="1"/>
+          </p:cNvSpPr>
+          <p:nvPr>
+            <p:ph type="ftr" sz="quarter" idx="11"/>
+          </p:nvPr>
+        </p:nvSpPr>
+        <p:spPr/>
+        <p:txBody>
+          <a:bodyPr/>
+          <a:lstStyle/>
+          <a:p>
+            <a:r>
+              <a:rPr lang="en-US"/>
+              <a:t>
+              </a:t>
+            </a:r>
+            <a:endParaRPr lang="en-US" dirty="0"/>
+          </a:p>
+        </p:txBody>
+      </p:sp>
+      <p:sp>
+        <p:nvSpPr>
+          <p:cNvPr id="6" name="Espaço Reservado para Número de Slide 5">
+            <a:extLst>
+              <a:ext uri="{FF2B5EF4-FFF2-40B4-BE49-F238E27FC236}">
+                <a16:creationId xmlns:a16="http://schemas.microsoft.com/office/drawing/2014/main" id="{4CA22887-B5A5-3AD7-1BCD-A285BC742658}"/>
+              </a:ext>
+            </a:extLst>
+          </p:cNvPr>
+          <p:cNvSpPr>
+            <a:spLocks noGrp="1"/>
+          </p:cNvSpPr>
+          <p:nvPr>
+            <p:ph type="sldNum" sz="quarter" idx="12"/>
+          </p:nvPr>
+        </p:nvSpPr>
+        <p:spPr/>
+        <p:txBody>
+          <a:bodyPr/>
+          <a:lstStyle/>
+          <a:p>
+            <a:fld id="{196A61CA-0502-4EE4-9724-96EA822543E5}" type="slidenum">
+              <a:rPr lang="en-US" smtClean="0"/>
+              <a:t>4</a:t>
+            </a:fld>
+            <a:endParaRPr lang="en-US" dirty="0"/>
+          </a:p>
+        </p:txBody>
+      </p:sp>
+    </p:spTree>
+    <p:extLst>
+      <p:ext uri="{BB962C8B-B14F-4D97-AF65-F5344CB8AC3E}">
+        <p14:creationId xmlns:p14="http://schemas.microsoft.com/office/powerpoint/2010/main" val="1967995460"/>
+      </p:ext>
+    </p:extLst>
+  </p:cSld>
+  <p:clrMapOvr>
+    <a:masterClrMapping/>
+  </p:clrMapOvr>
+</p:sld>
+</file>
+
+<file path=ppt/slides/slide5.xml><?xml version="1.0" encoding="utf-8"?>
+<p:sld xmlns:a="http://schemas.openxmlformats.org/drawingml/2006/main" xmlns:r="http://schemas.openxmlformats.org/officeDocument/2006/relationships" xmlns:p="http://schemas.openxmlformats.org/presentationml/2006/main">
+  <p:cSld>
+    <p:spTree>
+      <p:nvGrpSpPr>
+        <p:cNvPr id="1" name=""/>
+        <p:cNvGrpSpPr/>
+        <p:nvPr/>
+      </p:nvGrpSpPr>
+      <p:grpSpPr>
+        <a:xfrm>
+          <a:off x="0" y="0"/>
+          <a:ext cx="0" cy="0"/>
+          <a:chOff x="0" y="0"/>
+          <a:chExt cx="0" cy="0"/>
+        </a:xfrm>
+      </p:grpSpPr>
+      <p:sp>
+        <p:nvSpPr>
+          <p:cNvPr id="2" name="Título 1">
+            <a:extLst>
+              <a:ext uri="{FF2B5EF4-FFF2-40B4-BE49-F238E27FC236}">
+                <a16:creationId xmlns:a16="http://schemas.microsoft.com/office/drawing/2014/main" id="{B1F35A36-4B8A-CC21-A7B3-D24FC5357485}"/>
+              </a:ext>
+            </a:extLst>
+          </p:cNvPr>
+          <p:cNvSpPr>
+            <a:spLocks noGrp="1"/>
+          </p:cNvSpPr>
+          <p:nvPr>
+            <p:ph type="title"/>
+          </p:nvPr>
+        </p:nvSpPr>
+        <p:spPr>
+          <a:xfrm>
+            <a:off x="1371828" y="2217082"/>
+            <a:ext cx="9448343" cy="1820173"/>
+          </a:xfrm>
+        </p:spPr>
+        <p:txBody>
+          <a:bodyPr/>
+          <a:lstStyle/>
+          <a:p>
+            <a:pPr algn="ctr"/>
+            <a:r>
+              <a:rPr lang="en-US" sz="5400" dirty="0" err="1"/>
+              <a:t>Obrigado</a:t>
+            </a:r>
+            <a:endParaRPr lang="pt-BR" sz="5400" dirty="0"/>
+          </a:p>
+        </p:txBody>
+      </p:sp>
+      <p:sp>
+        <p:nvSpPr>
+          <p:cNvPr id="4" name="Espaço Reservado para Data 3">
+            <a:extLst>
+              <a:ext uri="{FF2B5EF4-FFF2-40B4-BE49-F238E27FC236}">
+                <a16:creationId xmlns:a16="http://schemas.microsoft.com/office/drawing/2014/main" id="{50137EE9-4887-8E0A-6349-CC3BFA083A91}"/>
+              </a:ext>
+            </a:extLst>
+          </p:cNvPr>
+          <p:cNvSpPr>
+            <a:spLocks noGrp="1"/>
+          </p:cNvSpPr>
+          <p:nvPr>
+            <p:ph type="dt" sz="half" idx="10"/>
+          </p:nvPr>
+        </p:nvSpPr>
+        <p:spPr/>
+        <p:txBody>
+          <a:bodyPr/>
+          <a:lstStyle/>
+          <a:p>
+            <a:fld id="{8ADC9E49-246E-484A-926C-3041536DB8F7}" type="datetime1">
+              <a:rPr lang="en-US" smtClean="0"/>
+              <a:t>5/3/2024</a:t>
+            </a:fld>
+            <a:endParaRPr lang="en-US" dirty="0"/>
+          </a:p>
+        </p:txBody>
+      </p:sp>
+      <p:sp>
+        <p:nvSpPr>
+          <p:cNvPr id="5" name="Espaço Reservado para Rodapé 4">
+            <a:extLst>
+              <a:ext uri="{FF2B5EF4-FFF2-40B4-BE49-F238E27FC236}">
+                <a16:creationId xmlns:a16="http://schemas.microsoft.com/office/drawing/2014/main" id="{F359168D-AE6A-4BA1-7FED-DC37B5B538AC}"/>
+              </a:ext>
+            </a:extLst>
+          </p:cNvPr>
+          <p:cNvSpPr>
+            <a:spLocks noGrp="1"/>
+          </p:cNvSpPr>
+          <p:nvPr>
+            <p:ph type="ftr" sz="quarter" idx="11"/>
+          </p:nvPr>
+        </p:nvSpPr>
+        <p:spPr/>
+        <p:txBody>
+          <a:bodyPr/>
+          <a:lstStyle/>
+          <a:p>
+            <a:r>
+              <a:rPr lang="en-US"/>
+              <a:t>
+              </a:t>
+            </a:r>
+            <a:endParaRPr lang="en-US" dirty="0"/>
+          </a:p>
+        </p:txBody>
+      </p:sp>
+      <p:sp>
+        <p:nvSpPr>
+          <p:cNvPr id="6" name="Espaço Reservado para Número de Slide 5">
+            <a:extLst>
+              <a:ext uri="{FF2B5EF4-FFF2-40B4-BE49-F238E27FC236}">
+                <a16:creationId xmlns:a16="http://schemas.microsoft.com/office/drawing/2014/main" id="{4880F13E-F76E-22C7-A8C6-39DB72471046}"/>
+              </a:ext>
+            </a:extLst>
+          </p:cNvPr>
+          <p:cNvSpPr>
+            <a:spLocks noGrp="1"/>
+          </p:cNvSpPr>
+          <p:nvPr>
+            <p:ph type="sldNum" sz="quarter" idx="12"/>
+          </p:nvPr>
+        </p:nvSpPr>
+        <p:spPr/>
+        <p:txBody>
+          <a:bodyPr/>
+          <a:lstStyle/>
+          <a:p>
+            <a:fld id="{196A61CA-0502-4EE4-9724-96EA822543E5}" type="slidenum">
+              <a:rPr lang="en-US" smtClean="0"/>
+              <a:t>5</a:t>
+            </a:fld>
+            <a:endParaRPr lang="en-US" dirty="0"/>
+          </a:p>
+        </p:txBody>
+      </p:sp>
+    </p:spTree>
+    <p:extLst>
+      <p:ext uri="{BB962C8B-B14F-4D97-AF65-F5344CB8AC3E}">
+        <p14:creationId xmlns:p14="http://schemas.microsoft.com/office/powerpoint/2010/main" val="2210678312"/>
+      </p:ext>
+    </p:extLst>
+  </p:cSld>
+  <p:clrMapOvr>
+    <a:masterClrMapping/>
+  </p:clrMapOvr>
+</p:sld>
+</file>
+
 <file path=ppt/theme/theme1.xml><?xml version="1.0" encoding="utf-8"?>
 <a:theme xmlns:a="http://schemas.openxmlformats.org/drawingml/2006/main" name="PortalVTI">
   <a:themeElements>

--- a/Presentation.pptx
+++ b/Presentation.pptx
@@ -2,7 +2,7 @@
 <file path=ppt/presentation.xml><?xml version="1.0" encoding="utf-8"?>
 <p:presentation xmlns:a="http://schemas.openxmlformats.org/drawingml/2006/main" xmlns:r="http://schemas.openxmlformats.org/officeDocument/2006/relationships" xmlns:p="http://schemas.openxmlformats.org/presentationml/2006/main" saveSubsetFonts="1">
   <p:sldMasterIdLst>
-    <p:sldMasterId id="2147483702" r:id="rId1"/>
+    <p:sldMasterId id="2147483726" r:id="rId1"/>
   </p:sldMasterIdLst>
   <p:sldIdLst>
     <p:sldId id="256" r:id="rId2"/>
@@ -116,8 +116,500 @@
 </p:presentation>
 </file>
 
+<file path=ppt/revisionInfo.xml><?xml version="1.0" encoding="utf-8"?>
+<p1510:revInfo xmlns:a="http://schemas.openxmlformats.org/drawingml/2006/main" xmlns:r="http://schemas.openxmlformats.org/officeDocument/2006/relationships" xmlns:p1510="http://schemas.microsoft.com/office/powerpoint/2015/10/main">
+  <p1510:revLst>
+    <p1510:client id="{236A428B-EB3A-4EDA-8B94-5C42A3C67680}" v="15" dt="2024-05-08T01:13:54.042"/>
+  </p1510:revLst>
+</p1510:revInfo>
+</file>
+
 <file path=ppt/changesInfos/changesInfo1.xml><?xml version="1.0" encoding="utf-8"?>
 <pc:chgInfo xmlns:a="http://schemas.openxmlformats.org/drawingml/2006/main" xmlns:r="http://schemas.openxmlformats.org/officeDocument/2006/relationships" xmlns:ac="http://schemas.microsoft.com/office/drawing/2013/main/command" xmlns:pc="http://schemas.microsoft.com/office/powerpoint/2013/main/command">
+  <pc:docChgLst>
+    <pc:chgData name="Eduardo Savian" userId="83fefb37af455394" providerId="Windows Live" clId="Web-{6808E06D-317C-48B5-80AB-C63B5B44D7D8}"/>
+    <pc:docChg chg="modSld addMainMaster delMainMaster">
+      <pc:chgData name="Eduardo Savian" userId="83fefb37af455394" providerId="Windows Live" clId="Web-{6808E06D-317C-48B5-80AB-C63B5B44D7D8}" dt="2024-04-28T21:41:36.386" v="27" actId="20577"/>
+      <pc:docMkLst>
+        <pc:docMk/>
+      </pc:docMkLst>
+      <pc:sldChg chg="modSp mod modClrScheme chgLayout">
+        <pc:chgData name="Eduardo Savian" userId="83fefb37af455394" providerId="Windows Live" clId="Web-{6808E06D-317C-48B5-80AB-C63B5B44D7D8}" dt="2024-04-28T21:41:36.386" v="27" actId="20577"/>
+        <pc:sldMkLst>
+          <pc:docMk/>
+          <pc:sldMk cId="109857222" sldId="256"/>
+        </pc:sldMkLst>
+        <pc:spChg chg="mod ord">
+          <ac:chgData name="Eduardo Savian" userId="83fefb37af455394" providerId="Windows Live" clId="Web-{6808E06D-317C-48B5-80AB-C63B5B44D7D8}" dt="2024-04-28T21:41:28.213" v="8" actId="20577"/>
+          <ac:spMkLst>
+            <pc:docMk/>
+            <pc:sldMk cId="109857222" sldId="256"/>
+            <ac:spMk id="2" creationId="{00000000-0000-0000-0000-000000000000}"/>
+          </ac:spMkLst>
+        </pc:spChg>
+        <pc:spChg chg="mod ord">
+          <ac:chgData name="Eduardo Savian" userId="83fefb37af455394" providerId="Windows Live" clId="Web-{6808E06D-317C-48B5-80AB-C63B5B44D7D8}" dt="2024-04-28T21:41:36.386" v="27" actId="20577"/>
+          <ac:spMkLst>
+            <pc:docMk/>
+            <pc:sldMk cId="109857222" sldId="256"/>
+            <ac:spMk id="3" creationId="{00000000-0000-0000-0000-000000000000}"/>
+          </ac:spMkLst>
+        </pc:spChg>
+      </pc:sldChg>
+      <pc:sldMasterChg chg="del delSldLayout">
+        <pc:chgData name="Eduardo Savian" userId="83fefb37af455394" providerId="Windows Live" clId="Web-{6808E06D-317C-48B5-80AB-C63B5B44D7D8}" dt="2024-04-28T21:40:56.681" v="0"/>
+        <pc:sldMasterMkLst>
+          <pc:docMk/>
+          <pc:sldMasterMk cId="2460954070" sldId="2147483660"/>
+        </pc:sldMasterMkLst>
+        <pc:sldLayoutChg chg="del">
+          <pc:chgData name="Eduardo Savian" userId="83fefb37af455394" providerId="Windows Live" clId="Web-{6808E06D-317C-48B5-80AB-C63B5B44D7D8}" dt="2024-04-28T21:40:56.681" v="0"/>
+          <pc:sldLayoutMkLst>
+            <pc:docMk/>
+            <pc:sldMasterMk cId="2460954070" sldId="2147483660"/>
+            <pc:sldLayoutMk cId="2385387890" sldId="2147483661"/>
+          </pc:sldLayoutMkLst>
+        </pc:sldLayoutChg>
+        <pc:sldLayoutChg chg="del">
+          <pc:chgData name="Eduardo Savian" userId="83fefb37af455394" providerId="Windows Live" clId="Web-{6808E06D-317C-48B5-80AB-C63B5B44D7D8}" dt="2024-04-28T21:40:56.681" v="0"/>
+          <pc:sldLayoutMkLst>
+            <pc:docMk/>
+            <pc:sldMasterMk cId="2460954070" sldId="2147483660"/>
+            <pc:sldLayoutMk cId="949138452" sldId="2147483662"/>
+          </pc:sldLayoutMkLst>
+        </pc:sldLayoutChg>
+        <pc:sldLayoutChg chg="del">
+          <pc:chgData name="Eduardo Savian" userId="83fefb37af455394" providerId="Windows Live" clId="Web-{6808E06D-317C-48B5-80AB-C63B5B44D7D8}" dt="2024-04-28T21:40:56.681" v="0"/>
+          <pc:sldLayoutMkLst>
+            <pc:docMk/>
+            <pc:sldMasterMk cId="2460954070" sldId="2147483660"/>
+            <pc:sldLayoutMk cId="2591524520" sldId="2147483663"/>
+          </pc:sldLayoutMkLst>
+        </pc:sldLayoutChg>
+        <pc:sldLayoutChg chg="del">
+          <pc:chgData name="Eduardo Savian" userId="83fefb37af455394" providerId="Windows Live" clId="Web-{6808E06D-317C-48B5-80AB-C63B5B44D7D8}" dt="2024-04-28T21:40:56.681" v="0"/>
+          <pc:sldLayoutMkLst>
+            <pc:docMk/>
+            <pc:sldMasterMk cId="2460954070" sldId="2147483660"/>
+            <pc:sldLayoutMk cId="1203092039" sldId="2147483664"/>
+          </pc:sldLayoutMkLst>
+        </pc:sldLayoutChg>
+        <pc:sldLayoutChg chg="del">
+          <pc:chgData name="Eduardo Savian" userId="83fefb37af455394" providerId="Windows Live" clId="Web-{6808E06D-317C-48B5-80AB-C63B5B44D7D8}" dt="2024-04-28T21:40:56.681" v="0"/>
+          <pc:sldLayoutMkLst>
+            <pc:docMk/>
+            <pc:sldMasterMk cId="2460954070" sldId="2147483660"/>
+            <pc:sldLayoutMk cId="3733172339" sldId="2147483665"/>
+          </pc:sldLayoutMkLst>
+        </pc:sldLayoutChg>
+        <pc:sldLayoutChg chg="del">
+          <pc:chgData name="Eduardo Savian" userId="83fefb37af455394" providerId="Windows Live" clId="Web-{6808E06D-317C-48B5-80AB-C63B5B44D7D8}" dt="2024-04-28T21:40:56.681" v="0"/>
+          <pc:sldLayoutMkLst>
+            <pc:docMk/>
+            <pc:sldMasterMk cId="2460954070" sldId="2147483660"/>
+            <pc:sldLayoutMk cId="3210312558" sldId="2147483666"/>
+          </pc:sldLayoutMkLst>
+        </pc:sldLayoutChg>
+        <pc:sldLayoutChg chg="del">
+          <pc:chgData name="Eduardo Savian" userId="83fefb37af455394" providerId="Windows Live" clId="Web-{6808E06D-317C-48B5-80AB-C63B5B44D7D8}" dt="2024-04-28T21:40:56.681" v="0"/>
+          <pc:sldLayoutMkLst>
+            <pc:docMk/>
+            <pc:sldMasterMk cId="2460954070" sldId="2147483660"/>
+            <pc:sldLayoutMk cId="3146388984" sldId="2147483667"/>
+          </pc:sldLayoutMkLst>
+        </pc:sldLayoutChg>
+        <pc:sldLayoutChg chg="del">
+          <pc:chgData name="Eduardo Savian" userId="83fefb37af455394" providerId="Windows Live" clId="Web-{6808E06D-317C-48B5-80AB-C63B5B44D7D8}" dt="2024-04-28T21:40:56.681" v="0"/>
+          <pc:sldLayoutMkLst>
+            <pc:docMk/>
+            <pc:sldMasterMk cId="2460954070" sldId="2147483660"/>
+            <pc:sldLayoutMk cId="3171841454" sldId="2147483668"/>
+          </pc:sldLayoutMkLst>
+        </pc:sldLayoutChg>
+        <pc:sldLayoutChg chg="del">
+          <pc:chgData name="Eduardo Savian" userId="83fefb37af455394" providerId="Windows Live" clId="Web-{6808E06D-317C-48B5-80AB-C63B5B44D7D8}" dt="2024-04-28T21:40:56.681" v="0"/>
+          <pc:sldLayoutMkLst>
+            <pc:docMk/>
+            <pc:sldMasterMk cId="2460954070" sldId="2147483660"/>
+            <pc:sldLayoutMk cId="1718958274" sldId="2147483669"/>
+          </pc:sldLayoutMkLst>
+        </pc:sldLayoutChg>
+        <pc:sldLayoutChg chg="del">
+          <pc:chgData name="Eduardo Savian" userId="83fefb37af455394" providerId="Windows Live" clId="Web-{6808E06D-317C-48B5-80AB-C63B5B44D7D8}" dt="2024-04-28T21:40:56.681" v="0"/>
+          <pc:sldLayoutMkLst>
+            <pc:docMk/>
+            <pc:sldMasterMk cId="2460954070" sldId="2147483660"/>
+            <pc:sldLayoutMk cId="2202905451" sldId="2147483670"/>
+          </pc:sldLayoutMkLst>
+        </pc:sldLayoutChg>
+        <pc:sldLayoutChg chg="del">
+          <pc:chgData name="Eduardo Savian" userId="83fefb37af455394" providerId="Windows Live" clId="Web-{6808E06D-317C-48B5-80AB-C63B5B44D7D8}" dt="2024-04-28T21:40:56.681" v="0"/>
+          <pc:sldLayoutMkLst>
+            <pc:docMk/>
+            <pc:sldMasterMk cId="2460954070" sldId="2147483660"/>
+            <pc:sldLayoutMk cId="3479445657" sldId="2147483671"/>
+          </pc:sldLayoutMkLst>
+        </pc:sldLayoutChg>
+      </pc:sldMasterChg>
+      <pc:sldMasterChg chg="add del addSldLayout delSldLayout modSldLayout">
+        <pc:chgData name="Eduardo Savian" userId="83fefb37af455394" providerId="Windows Live" clId="Web-{6808E06D-317C-48B5-80AB-C63B5B44D7D8}" dt="2024-04-28T21:41:09.510" v="1"/>
+        <pc:sldMasterMkLst>
+          <pc:docMk/>
+          <pc:sldMasterMk cId="1825988211" sldId="2147483672"/>
+        </pc:sldMasterMkLst>
+        <pc:sldLayoutChg chg="add del mod replId">
+          <pc:chgData name="Eduardo Savian" userId="83fefb37af455394" providerId="Windows Live" clId="Web-{6808E06D-317C-48B5-80AB-C63B5B44D7D8}" dt="2024-04-28T21:41:09.510" v="1"/>
+          <pc:sldLayoutMkLst>
+            <pc:docMk/>
+            <pc:sldMasterMk cId="1825988211" sldId="2147483672"/>
+            <pc:sldLayoutMk cId="453625266" sldId="2147483673"/>
+          </pc:sldLayoutMkLst>
+        </pc:sldLayoutChg>
+        <pc:sldLayoutChg chg="add del mod replId">
+          <pc:chgData name="Eduardo Savian" userId="83fefb37af455394" providerId="Windows Live" clId="Web-{6808E06D-317C-48B5-80AB-C63B5B44D7D8}" dt="2024-04-28T21:41:09.510" v="1"/>
+          <pc:sldLayoutMkLst>
+            <pc:docMk/>
+            <pc:sldMasterMk cId="1825988211" sldId="2147483672"/>
+            <pc:sldLayoutMk cId="3741936793" sldId="2147483674"/>
+          </pc:sldLayoutMkLst>
+        </pc:sldLayoutChg>
+        <pc:sldLayoutChg chg="add del mod replId">
+          <pc:chgData name="Eduardo Savian" userId="83fefb37af455394" providerId="Windows Live" clId="Web-{6808E06D-317C-48B5-80AB-C63B5B44D7D8}" dt="2024-04-28T21:41:09.510" v="1"/>
+          <pc:sldLayoutMkLst>
+            <pc:docMk/>
+            <pc:sldMasterMk cId="1825988211" sldId="2147483672"/>
+            <pc:sldLayoutMk cId="3135325950" sldId="2147483675"/>
+          </pc:sldLayoutMkLst>
+        </pc:sldLayoutChg>
+        <pc:sldLayoutChg chg="add del mod replId">
+          <pc:chgData name="Eduardo Savian" userId="83fefb37af455394" providerId="Windows Live" clId="Web-{6808E06D-317C-48B5-80AB-C63B5B44D7D8}" dt="2024-04-28T21:41:09.510" v="1"/>
+          <pc:sldLayoutMkLst>
+            <pc:docMk/>
+            <pc:sldMasterMk cId="1825988211" sldId="2147483672"/>
+            <pc:sldLayoutMk cId="3029497057" sldId="2147483676"/>
+          </pc:sldLayoutMkLst>
+        </pc:sldLayoutChg>
+        <pc:sldLayoutChg chg="add del mod replId">
+          <pc:chgData name="Eduardo Savian" userId="83fefb37af455394" providerId="Windows Live" clId="Web-{6808E06D-317C-48B5-80AB-C63B5B44D7D8}" dt="2024-04-28T21:41:09.510" v="1"/>
+          <pc:sldLayoutMkLst>
+            <pc:docMk/>
+            <pc:sldMasterMk cId="1825988211" sldId="2147483672"/>
+            <pc:sldLayoutMk cId="1582056691" sldId="2147483677"/>
+          </pc:sldLayoutMkLst>
+        </pc:sldLayoutChg>
+        <pc:sldLayoutChg chg="add del mod replId">
+          <pc:chgData name="Eduardo Savian" userId="83fefb37af455394" providerId="Windows Live" clId="Web-{6808E06D-317C-48B5-80AB-C63B5B44D7D8}" dt="2024-04-28T21:41:09.510" v="1"/>
+          <pc:sldLayoutMkLst>
+            <pc:docMk/>
+            <pc:sldMasterMk cId="1825988211" sldId="2147483672"/>
+            <pc:sldLayoutMk cId="1230447073" sldId="2147483678"/>
+          </pc:sldLayoutMkLst>
+        </pc:sldLayoutChg>
+        <pc:sldLayoutChg chg="add del mod replId">
+          <pc:chgData name="Eduardo Savian" userId="83fefb37af455394" providerId="Windows Live" clId="Web-{6808E06D-317C-48B5-80AB-C63B5B44D7D8}" dt="2024-04-28T21:41:09.510" v="1"/>
+          <pc:sldLayoutMkLst>
+            <pc:docMk/>
+            <pc:sldMasterMk cId="1825988211" sldId="2147483672"/>
+            <pc:sldLayoutMk cId="2111515493" sldId="2147483679"/>
+          </pc:sldLayoutMkLst>
+        </pc:sldLayoutChg>
+        <pc:sldLayoutChg chg="add del mod replId">
+          <pc:chgData name="Eduardo Savian" userId="83fefb37af455394" providerId="Windows Live" clId="Web-{6808E06D-317C-48B5-80AB-C63B5B44D7D8}" dt="2024-04-28T21:41:09.510" v="1"/>
+          <pc:sldLayoutMkLst>
+            <pc:docMk/>
+            <pc:sldMasterMk cId="1825988211" sldId="2147483672"/>
+            <pc:sldLayoutMk cId="3466345160" sldId="2147483680"/>
+          </pc:sldLayoutMkLst>
+        </pc:sldLayoutChg>
+        <pc:sldLayoutChg chg="add del mod replId">
+          <pc:chgData name="Eduardo Savian" userId="83fefb37af455394" providerId="Windows Live" clId="Web-{6808E06D-317C-48B5-80AB-C63B5B44D7D8}" dt="2024-04-28T21:41:09.510" v="1"/>
+          <pc:sldLayoutMkLst>
+            <pc:docMk/>
+            <pc:sldMasterMk cId="1825988211" sldId="2147483672"/>
+            <pc:sldLayoutMk cId="1503474283" sldId="2147483681"/>
+          </pc:sldLayoutMkLst>
+        </pc:sldLayoutChg>
+        <pc:sldLayoutChg chg="add del mod replId">
+          <pc:chgData name="Eduardo Savian" userId="83fefb37af455394" providerId="Windows Live" clId="Web-{6808E06D-317C-48B5-80AB-C63B5B44D7D8}" dt="2024-04-28T21:41:09.510" v="1"/>
+          <pc:sldLayoutMkLst>
+            <pc:docMk/>
+            <pc:sldMasterMk cId="1825988211" sldId="2147483672"/>
+            <pc:sldLayoutMk cId="3078211142" sldId="2147483682"/>
+          </pc:sldLayoutMkLst>
+        </pc:sldLayoutChg>
+        <pc:sldLayoutChg chg="add del mod replId">
+          <pc:chgData name="Eduardo Savian" userId="83fefb37af455394" providerId="Windows Live" clId="Web-{6808E06D-317C-48B5-80AB-C63B5B44D7D8}" dt="2024-04-28T21:41:09.510" v="1"/>
+          <pc:sldLayoutMkLst>
+            <pc:docMk/>
+            <pc:sldMasterMk cId="1825988211" sldId="2147483672"/>
+            <pc:sldLayoutMk cId="459548907" sldId="2147483683"/>
+          </pc:sldLayoutMkLst>
+        </pc:sldLayoutChg>
+      </pc:sldMasterChg>
+      <pc:sldMasterChg chg="add del addSldLayout delSldLayout modSldLayout">
+        <pc:chgData name="Eduardo Savian" userId="83fefb37af455394" providerId="Windows Live" clId="Web-{6808E06D-317C-48B5-80AB-C63B5B44D7D8}" dt="2024-04-28T21:41:19.260" v="2"/>
+        <pc:sldMasterMkLst>
+          <pc:docMk/>
+          <pc:sldMasterMk cId="3576760201" sldId="2147483684"/>
+        </pc:sldMasterMkLst>
+        <pc:sldLayoutChg chg="add del mod replId">
+          <pc:chgData name="Eduardo Savian" userId="83fefb37af455394" providerId="Windows Live" clId="Web-{6808E06D-317C-48B5-80AB-C63B5B44D7D8}" dt="2024-04-28T21:41:19.260" v="2"/>
+          <pc:sldLayoutMkLst>
+            <pc:docMk/>
+            <pc:sldMasterMk cId="3576760201" sldId="2147483684"/>
+            <pc:sldLayoutMk cId="2216021014" sldId="2147483685"/>
+          </pc:sldLayoutMkLst>
+        </pc:sldLayoutChg>
+        <pc:sldLayoutChg chg="add del mod replId">
+          <pc:chgData name="Eduardo Savian" userId="83fefb37af455394" providerId="Windows Live" clId="Web-{6808E06D-317C-48B5-80AB-C63B5B44D7D8}" dt="2024-04-28T21:41:19.260" v="2"/>
+          <pc:sldLayoutMkLst>
+            <pc:docMk/>
+            <pc:sldMasterMk cId="3576760201" sldId="2147483684"/>
+            <pc:sldLayoutMk cId="3902083424" sldId="2147483686"/>
+          </pc:sldLayoutMkLst>
+        </pc:sldLayoutChg>
+        <pc:sldLayoutChg chg="add del mod replId">
+          <pc:chgData name="Eduardo Savian" userId="83fefb37af455394" providerId="Windows Live" clId="Web-{6808E06D-317C-48B5-80AB-C63B5B44D7D8}" dt="2024-04-28T21:41:19.260" v="2"/>
+          <pc:sldLayoutMkLst>
+            <pc:docMk/>
+            <pc:sldMasterMk cId="3576760201" sldId="2147483684"/>
+            <pc:sldLayoutMk cId="303830792" sldId="2147483687"/>
+          </pc:sldLayoutMkLst>
+        </pc:sldLayoutChg>
+        <pc:sldLayoutChg chg="add del mod replId">
+          <pc:chgData name="Eduardo Savian" userId="83fefb37af455394" providerId="Windows Live" clId="Web-{6808E06D-317C-48B5-80AB-C63B5B44D7D8}" dt="2024-04-28T21:41:19.260" v="2"/>
+          <pc:sldLayoutMkLst>
+            <pc:docMk/>
+            <pc:sldMasterMk cId="3576760201" sldId="2147483684"/>
+            <pc:sldLayoutMk cId="3294796599" sldId="2147483688"/>
+          </pc:sldLayoutMkLst>
+        </pc:sldLayoutChg>
+        <pc:sldLayoutChg chg="add del mod replId">
+          <pc:chgData name="Eduardo Savian" userId="83fefb37af455394" providerId="Windows Live" clId="Web-{6808E06D-317C-48B5-80AB-C63B5B44D7D8}" dt="2024-04-28T21:41:19.260" v="2"/>
+          <pc:sldLayoutMkLst>
+            <pc:docMk/>
+            <pc:sldMasterMk cId="3576760201" sldId="2147483684"/>
+            <pc:sldLayoutMk cId="2202936919" sldId="2147483689"/>
+          </pc:sldLayoutMkLst>
+        </pc:sldLayoutChg>
+        <pc:sldLayoutChg chg="add del mod replId">
+          <pc:chgData name="Eduardo Savian" userId="83fefb37af455394" providerId="Windows Live" clId="Web-{6808E06D-317C-48B5-80AB-C63B5B44D7D8}" dt="2024-04-28T21:41:19.260" v="2"/>
+          <pc:sldLayoutMkLst>
+            <pc:docMk/>
+            <pc:sldMasterMk cId="3576760201" sldId="2147483684"/>
+            <pc:sldLayoutMk cId="4008400113" sldId="2147483690"/>
+          </pc:sldLayoutMkLst>
+        </pc:sldLayoutChg>
+        <pc:sldLayoutChg chg="add del mod replId">
+          <pc:chgData name="Eduardo Savian" userId="83fefb37af455394" providerId="Windows Live" clId="Web-{6808E06D-317C-48B5-80AB-C63B5B44D7D8}" dt="2024-04-28T21:41:19.260" v="2"/>
+          <pc:sldLayoutMkLst>
+            <pc:docMk/>
+            <pc:sldMasterMk cId="3576760201" sldId="2147483684"/>
+            <pc:sldLayoutMk cId="2748376286" sldId="2147483691"/>
+          </pc:sldLayoutMkLst>
+        </pc:sldLayoutChg>
+        <pc:sldLayoutChg chg="add del mod replId">
+          <pc:chgData name="Eduardo Savian" userId="83fefb37af455394" providerId="Windows Live" clId="Web-{6808E06D-317C-48B5-80AB-C63B5B44D7D8}" dt="2024-04-28T21:41:19.260" v="2"/>
+          <pc:sldLayoutMkLst>
+            <pc:docMk/>
+            <pc:sldMasterMk cId="3576760201" sldId="2147483684"/>
+            <pc:sldLayoutMk cId="382359778" sldId="2147483692"/>
+          </pc:sldLayoutMkLst>
+        </pc:sldLayoutChg>
+        <pc:sldLayoutChg chg="add del mod replId">
+          <pc:chgData name="Eduardo Savian" userId="83fefb37af455394" providerId="Windows Live" clId="Web-{6808E06D-317C-48B5-80AB-C63B5B44D7D8}" dt="2024-04-28T21:41:19.260" v="2"/>
+          <pc:sldLayoutMkLst>
+            <pc:docMk/>
+            <pc:sldMasterMk cId="3576760201" sldId="2147483684"/>
+            <pc:sldLayoutMk cId="4040316331" sldId="2147483693"/>
+          </pc:sldLayoutMkLst>
+        </pc:sldLayoutChg>
+        <pc:sldLayoutChg chg="add del mod replId">
+          <pc:chgData name="Eduardo Savian" userId="83fefb37af455394" providerId="Windows Live" clId="Web-{6808E06D-317C-48B5-80AB-C63B5B44D7D8}" dt="2024-04-28T21:41:19.260" v="2"/>
+          <pc:sldLayoutMkLst>
+            <pc:docMk/>
+            <pc:sldMasterMk cId="3576760201" sldId="2147483684"/>
+            <pc:sldLayoutMk cId="509449739" sldId="2147483694"/>
+          </pc:sldLayoutMkLst>
+        </pc:sldLayoutChg>
+        <pc:sldLayoutChg chg="add del mod replId">
+          <pc:chgData name="Eduardo Savian" userId="83fefb37af455394" providerId="Windows Live" clId="Web-{6808E06D-317C-48B5-80AB-C63B5B44D7D8}" dt="2024-04-28T21:41:19.260" v="2"/>
+          <pc:sldLayoutMkLst>
+            <pc:docMk/>
+            <pc:sldMasterMk cId="3576760201" sldId="2147483684"/>
+            <pc:sldLayoutMk cId="623420917" sldId="2147483695"/>
+          </pc:sldLayoutMkLst>
+        </pc:sldLayoutChg>
+        <pc:sldLayoutChg chg="add del mod replId">
+          <pc:chgData name="Eduardo Savian" userId="83fefb37af455394" providerId="Windows Live" clId="Web-{6808E06D-317C-48B5-80AB-C63B5B44D7D8}" dt="2024-04-28T21:41:19.260" v="2"/>
+          <pc:sldLayoutMkLst>
+            <pc:docMk/>
+            <pc:sldMasterMk cId="3576760201" sldId="2147483684"/>
+            <pc:sldLayoutMk cId="2864147052" sldId="2147483696"/>
+          </pc:sldLayoutMkLst>
+        </pc:sldLayoutChg>
+        <pc:sldLayoutChg chg="add del mod replId">
+          <pc:chgData name="Eduardo Savian" userId="83fefb37af455394" providerId="Windows Live" clId="Web-{6808E06D-317C-48B5-80AB-C63B5B44D7D8}" dt="2024-04-28T21:41:19.260" v="2"/>
+          <pc:sldLayoutMkLst>
+            <pc:docMk/>
+            <pc:sldMasterMk cId="3576760201" sldId="2147483684"/>
+            <pc:sldLayoutMk cId="318747777" sldId="2147483697"/>
+          </pc:sldLayoutMkLst>
+        </pc:sldLayoutChg>
+        <pc:sldLayoutChg chg="add del mod replId">
+          <pc:chgData name="Eduardo Savian" userId="83fefb37af455394" providerId="Windows Live" clId="Web-{6808E06D-317C-48B5-80AB-C63B5B44D7D8}" dt="2024-04-28T21:41:19.260" v="2"/>
+          <pc:sldLayoutMkLst>
+            <pc:docMk/>
+            <pc:sldMasterMk cId="3576760201" sldId="2147483684"/>
+            <pc:sldLayoutMk cId="1646594572" sldId="2147483698"/>
+          </pc:sldLayoutMkLst>
+        </pc:sldLayoutChg>
+        <pc:sldLayoutChg chg="add del mod replId">
+          <pc:chgData name="Eduardo Savian" userId="83fefb37af455394" providerId="Windows Live" clId="Web-{6808E06D-317C-48B5-80AB-C63B5B44D7D8}" dt="2024-04-28T21:41:19.260" v="2"/>
+          <pc:sldLayoutMkLst>
+            <pc:docMk/>
+            <pc:sldMasterMk cId="3576760201" sldId="2147483684"/>
+            <pc:sldLayoutMk cId="2879648242" sldId="2147483699"/>
+          </pc:sldLayoutMkLst>
+        </pc:sldLayoutChg>
+        <pc:sldLayoutChg chg="add del mod replId">
+          <pc:chgData name="Eduardo Savian" userId="83fefb37af455394" providerId="Windows Live" clId="Web-{6808E06D-317C-48B5-80AB-C63B5B44D7D8}" dt="2024-04-28T21:41:19.260" v="2"/>
+          <pc:sldLayoutMkLst>
+            <pc:docMk/>
+            <pc:sldMasterMk cId="3576760201" sldId="2147483684"/>
+            <pc:sldLayoutMk cId="541596521" sldId="2147483700"/>
+          </pc:sldLayoutMkLst>
+        </pc:sldLayoutChg>
+        <pc:sldLayoutChg chg="add del mod replId">
+          <pc:chgData name="Eduardo Savian" userId="83fefb37af455394" providerId="Windows Live" clId="Web-{6808E06D-317C-48B5-80AB-C63B5B44D7D8}" dt="2024-04-28T21:41:19.260" v="2"/>
+          <pc:sldLayoutMkLst>
+            <pc:docMk/>
+            <pc:sldMasterMk cId="3576760201" sldId="2147483684"/>
+            <pc:sldLayoutMk cId="388203491" sldId="2147483701"/>
+          </pc:sldLayoutMkLst>
+        </pc:sldLayoutChg>
+      </pc:sldMasterChg>
+      <pc:sldMasterChg chg="add addSldLayout modSldLayout">
+        <pc:chgData name="Eduardo Savian" userId="83fefb37af455394" providerId="Windows Live" clId="Web-{6808E06D-317C-48B5-80AB-C63B5B44D7D8}" dt="2024-04-28T21:41:19.260" v="2"/>
+        <pc:sldMasterMkLst>
+          <pc:docMk/>
+          <pc:sldMasterMk cId="380110844" sldId="2147483702"/>
+        </pc:sldMasterMkLst>
+        <pc:sldLayoutChg chg="add mod replId">
+          <pc:chgData name="Eduardo Savian" userId="83fefb37af455394" providerId="Windows Live" clId="Web-{6808E06D-317C-48B5-80AB-C63B5B44D7D8}" dt="2024-04-28T21:41:19.260" v="2"/>
+          <pc:sldLayoutMkLst>
+            <pc:docMk/>
+            <pc:sldMasterMk cId="380110844" sldId="2147483702"/>
+            <pc:sldLayoutMk cId="2993827588" sldId="2147483703"/>
+          </pc:sldLayoutMkLst>
+        </pc:sldLayoutChg>
+        <pc:sldLayoutChg chg="add mod replId">
+          <pc:chgData name="Eduardo Savian" userId="83fefb37af455394" providerId="Windows Live" clId="Web-{6808E06D-317C-48B5-80AB-C63B5B44D7D8}" dt="2024-04-28T21:41:19.260" v="2"/>
+          <pc:sldLayoutMkLst>
+            <pc:docMk/>
+            <pc:sldMasterMk cId="380110844" sldId="2147483702"/>
+            <pc:sldLayoutMk cId="2457156884" sldId="2147483704"/>
+          </pc:sldLayoutMkLst>
+        </pc:sldLayoutChg>
+        <pc:sldLayoutChg chg="add mod replId">
+          <pc:chgData name="Eduardo Savian" userId="83fefb37af455394" providerId="Windows Live" clId="Web-{6808E06D-317C-48B5-80AB-C63B5B44D7D8}" dt="2024-04-28T21:41:19.260" v="2"/>
+          <pc:sldLayoutMkLst>
+            <pc:docMk/>
+            <pc:sldMasterMk cId="380110844" sldId="2147483702"/>
+            <pc:sldLayoutMk cId="2260547415" sldId="2147483705"/>
+          </pc:sldLayoutMkLst>
+        </pc:sldLayoutChg>
+        <pc:sldLayoutChg chg="add mod replId">
+          <pc:chgData name="Eduardo Savian" userId="83fefb37af455394" providerId="Windows Live" clId="Web-{6808E06D-317C-48B5-80AB-C63B5B44D7D8}" dt="2024-04-28T21:41:19.260" v="2"/>
+          <pc:sldLayoutMkLst>
+            <pc:docMk/>
+            <pc:sldMasterMk cId="380110844" sldId="2147483702"/>
+            <pc:sldLayoutMk cId="51149255" sldId="2147483706"/>
+          </pc:sldLayoutMkLst>
+        </pc:sldLayoutChg>
+        <pc:sldLayoutChg chg="add mod replId">
+          <pc:chgData name="Eduardo Savian" userId="83fefb37af455394" providerId="Windows Live" clId="Web-{6808E06D-317C-48B5-80AB-C63B5B44D7D8}" dt="2024-04-28T21:41:19.260" v="2"/>
+          <pc:sldLayoutMkLst>
+            <pc:docMk/>
+            <pc:sldMasterMk cId="380110844" sldId="2147483702"/>
+            <pc:sldLayoutMk cId="3095146221" sldId="2147483707"/>
+          </pc:sldLayoutMkLst>
+        </pc:sldLayoutChg>
+        <pc:sldLayoutChg chg="add mod replId">
+          <pc:chgData name="Eduardo Savian" userId="83fefb37af455394" providerId="Windows Live" clId="Web-{6808E06D-317C-48B5-80AB-C63B5B44D7D8}" dt="2024-04-28T21:41:19.260" v="2"/>
+          <pc:sldLayoutMkLst>
+            <pc:docMk/>
+            <pc:sldMasterMk cId="380110844" sldId="2147483702"/>
+            <pc:sldLayoutMk cId="3266165134" sldId="2147483708"/>
+          </pc:sldLayoutMkLst>
+        </pc:sldLayoutChg>
+        <pc:sldLayoutChg chg="add mod replId">
+          <pc:chgData name="Eduardo Savian" userId="83fefb37af455394" providerId="Windows Live" clId="Web-{6808E06D-317C-48B5-80AB-C63B5B44D7D8}" dt="2024-04-28T21:41:19.260" v="2"/>
+          <pc:sldLayoutMkLst>
+            <pc:docMk/>
+            <pc:sldMasterMk cId="380110844" sldId="2147483702"/>
+            <pc:sldLayoutMk cId="3757151552" sldId="2147483709"/>
+          </pc:sldLayoutMkLst>
+        </pc:sldLayoutChg>
+        <pc:sldLayoutChg chg="add mod replId">
+          <pc:chgData name="Eduardo Savian" userId="83fefb37af455394" providerId="Windows Live" clId="Web-{6808E06D-317C-48B5-80AB-C63B5B44D7D8}" dt="2024-04-28T21:41:19.260" v="2"/>
+          <pc:sldLayoutMkLst>
+            <pc:docMk/>
+            <pc:sldMasterMk cId="380110844" sldId="2147483702"/>
+            <pc:sldLayoutMk cId="2400739392" sldId="2147483710"/>
+          </pc:sldLayoutMkLst>
+        </pc:sldLayoutChg>
+        <pc:sldLayoutChg chg="add mod replId">
+          <pc:chgData name="Eduardo Savian" userId="83fefb37af455394" providerId="Windows Live" clId="Web-{6808E06D-317C-48B5-80AB-C63B5B44D7D8}" dt="2024-04-28T21:41:19.260" v="2"/>
+          <pc:sldLayoutMkLst>
+            <pc:docMk/>
+            <pc:sldMasterMk cId="380110844" sldId="2147483702"/>
+            <pc:sldLayoutMk cId="1672042868" sldId="2147483711"/>
+          </pc:sldLayoutMkLst>
+        </pc:sldLayoutChg>
+        <pc:sldLayoutChg chg="add mod replId">
+          <pc:chgData name="Eduardo Savian" userId="83fefb37af455394" providerId="Windows Live" clId="Web-{6808E06D-317C-48B5-80AB-C63B5B44D7D8}" dt="2024-04-28T21:41:19.260" v="2"/>
+          <pc:sldLayoutMkLst>
+            <pc:docMk/>
+            <pc:sldMasterMk cId="380110844" sldId="2147483702"/>
+            <pc:sldLayoutMk cId="3551866296" sldId="2147483712"/>
+          </pc:sldLayoutMkLst>
+        </pc:sldLayoutChg>
+        <pc:sldLayoutChg chg="add mod replId">
+          <pc:chgData name="Eduardo Savian" userId="83fefb37af455394" providerId="Windows Live" clId="Web-{6808E06D-317C-48B5-80AB-C63B5B44D7D8}" dt="2024-04-28T21:41:19.260" v="2"/>
+          <pc:sldLayoutMkLst>
+            <pc:docMk/>
+            <pc:sldMasterMk cId="380110844" sldId="2147483702"/>
+            <pc:sldLayoutMk cId="3957431958" sldId="2147483713"/>
+          </pc:sldLayoutMkLst>
+        </pc:sldLayoutChg>
+      </pc:sldMasterChg>
+    </pc:docChg>
+  </pc:docChgLst>
+  <pc:docChgLst>
+    <pc:chgData clId="Web-{236A428B-EB3A-4EDA-8B94-5C42A3C67680}"/>
+    <pc:docChg chg="modSld">
+      <pc:chgData name="" userId="" providerId="" clId="Web-{236A428B-EB3A-4EDA-8B94-5C42A3C67680}" dt="2024-05-08T01:13:44.510" v="10" actId="20577"/>
+      <pc:docMkLst>
+        <pc:docMk/>
+      </pc:docMkLst>
+      <pc:sldChg chg="modSp">
+        <pc:chgData name="" userId="" providerId="" clId="Web-{236A428B-EB3A-4EDA-8B94-5C42A3C67680}" dt="2024-05-08T01:13:44.510" v="10" actId="20577"/>
+        <pc:sldMkLst>
+          <pc:docMk/>
+          <pc:sldMk cId="109857222" sldId="256"/>
+        </pc:sldMkLst>
+        <pc:spChg chg="mod">
+          <ac:chgData name="" userId="" providerId="" clId="Web-{236A428B-EB3A-4EDA-8B94-5C42A3C67680}" dt="2024-05-08T01:13:44.510" v="10" actId="20577"/>
+          <ac:spMkLst>
+            <pc:docMk/>
+            <pc:sldMk cId="109857222" sldId="256"/>
+            <ac:spMk id="3" creationId="{00000000-0000-0000-0000-000000000000}"/>
+          </ac:spMkLst>
+        </pc:spChg>
+      </pc:sldChg>
+    </pc:docChg>
+  </pc:docChgLst>
   <pc:docChgLst>
     <pc:chgData name="Eduardo Savian" userId="83fefb37af455394" providerId="LiveId" clId="{212EF4F1-877B-4B80-88EE-35A0BC77C71A}"/>
     <pc:docChg chg="custSel addSld modSld">
@@ -188,20 +680,20 @@
     </pc:docChg>
   </pc:docChgLst>
   <pc:docChgLst>
-    <pc:chgData name="Eduardo Savian" userId="83fefb37af455394" providerId="Windows Live" clId="Web-{6808E06D-317C-48B5-80AB-C63B5B44D7D8}"/>
+    <pc:chgData name="Eduardo Savian" userId="83fefb37af455394" providerId="Windows Live" clId="Web-{236A428B-EB3A-4EDA-8B94-5C42A3C67680}"/>
     <pc:docChg chg="modSld addMainMaster delMainMaster">
-      <pc:chgData name="Eduardo Savian" userId="83fefb37af455394" providerId="Windows Live" clId="Web-{6808E06D-317C-48B5-80AB-C63B5B44D7D8}" dt="2024-04-28T21:41:36.386" v="27" actId="20577"/>
+      <pc:chgData name="Eduardo Savian" userId="83fefb37af455394" providerId="Windows Live" clId="Web-{236A428B-EB3A-4EDA-8B94-5C42A3C67680}" dt="2024-05-08T01:13:54.042" v="2"/>
       <pc:docMkLst>
         <pc:docMk/>
       </pc:docMkLst>
       <pc:sldChg chg="modSp mod modClrScheme chgLayout">
-        <pc:chgData name="Eduardo Savian" userId="83fefb37af455394" providerId="Windows Live" clId="Web-{6808E06D-317C-48B5-80AB-C63B5B44D7D8}" dt="2024-04-28T21:41:36.386" v="27" actId="20577"/>
+        <pc:chgData name="Eduardo Savian" userId="83fefb37af455394" providerId="Windows Live" clId="Web-{236A428B-EB3A-4EDA-8B94-5C42A3C67680}" dt="2024-05-08T01:13:54.042" v="2"/>
         <pc:sldMkLst>
           <pc:docMk/>
           <pc:sldMk cId="109857222" sldId="256"/>
         </pc:sldMkLst>
         <pc:spChg chg="mod ord">
-          <ac:chgData name="Eduardo Savian" userId="83fefb37af455394" providerId="Windows Live" clId="Web-{6808E06D-317C-48B5-80AB-C63B5B44D7D8}" dt="2024-04-28T21:41:28.213" v="8" actId="20577"/>
+          <ac:chgData name="Eduardo Savian" userId="83fefb37af455394" providerId="Windows Live" clId="Web-{236A428B-EB3A-4EDA-8B94-5C42A3C67680}" dt="2024-05-08T01:13:54.042" v="2"/>
           <ac:spMkLst>
             <pc:docMk/>
             <pc:sldMk cId="109857222" sldId="256"/>
@@ -209,7 +701,7 @@
           </ac:spMkLst>
         </pc:spChg>
         <pc:spChg chg="mod ord">
-          <ac:chgData name="Eduardo Savian" userId="83fefb37af455394" providerId="Windows Live" clId="Web-{6808E06D-317C-48B5-80AB-C63B5B44D7D8}" dt="2024-04-28T21:41:36.386" v="27" actId="20577"/>
+          <ac:chgData name="Eduardo Savian" userId="83fefb37af455394" providerId="Windows Live" clId="Web-{236A428B-EB3A-4EDA-8B94-5C42A3C67680}" dt="2024-05-08T01:13:54.042" v="2"/>
           <ac:spMkLst>
             <pc:docMk/>
             <pc:sldMk cId="109857222" sldId="256"/>
@@ -217,431 +709,468 @@
           </ac:spMkLst>
         </pc:spChg>
       </pc:sldChg>
+      <pc:sldChg chg="modSp mod modClrScheme chgLayout">
+        <pc:chgData name="Eduardo Savian" userId="83fefb37af455394" providerId="Windows Live" clId="Web-{236A428B-EB3A-4EDA-8B94-5C42A3C67680}" dt="2024-05-08T01:13:54.042" v="2"/>
+        <pc:sldMkLst>
+          <pc:docMk/>
+          <pc:sldMk cId="3775945265" sldId="257"/>
+        </pc:sldMkLst>
+        <pc:spChg chg="mod ord">
+          <ac:chgData name="Eduardo Savian" userId="83fefb37af455394" providerId="Windows Live" clId="Web-{236A428B-EB3A-4EDA-8B94-5C42A3C67680}" dt="2024-05-08T01:13:54.042" v="2"/>
+          <ac:spMkLst>
+            <pc:docMk/>
+            <pc:sldMk cId="3775945265" sldId="257"/>
+            <ac:spMk id="2" creationId="{D6ADE00D-4311-50C4-8DF9-71AEE4CBFBA6}"/>
+          </ac:spMkLst>
+        </pc:spChg>
+        <pc:spChg chg="mod ord">
+          <ac:chgData name="Eduardo Savian" userId="83fefb37af455394" providerId="Windows Live" clId="Web-{236A428B-EB3A-4EDA-8B94-5C42A3C67680}" dt="2024-05-08T01:13:54.042" v="2"/>
+          <ac:spMkLst>
+            <pc:docMk/>
+            <pc:sldMk cId="3775945265" sldId="257"/>
+            <ac:spMk id="3" creationId="{A3B4ADFF-18FA-819A-E2DD-F32D67BA3A8E}"/>
+          </ac:spMkLst>
+        </pc:spChg>
+        <pc:spChg chg="mod ord">
+          <ac:chgData name="Eduardo Savian" userId="83fefb37af455394" providerId="Windows Live" clId="Web-{236A428B-EB3A-4EDA-8B94-5C42A3C67680}" dt="2024-05-08T01:13:54.042" v="2"/>
+          <ac:spMkLst>
+            <pc:docMk/>
+            <pc:sldMk cId="3775945265" sldId="257"/>
+            <ac:spMk id="4" creationId="{DB215652-CD47-035A-D24D-F14EE46A4092}"/>
+          </ac:spMkLst>
+        </pc:spChg>
+        <pc:spChg chg="mod ord">
+          <ac:chgData name="Eduardo Savian" userId="83fefb37af455394" providerId="Windows Live" clId="Web-{236A428B-EB3A-4EDA-8B94-5C42A3C67680}" dt="2024-05-08T01:13:54.042" v="2"/>
+          <ac:spMkLst>
+            <pc:docMk/>
+            <pc:sldMk cId="3775945265" sldId="257"/>
+            <ac:spMk id="5" creationId="{3381B339-BCA0-D98E-7BEC-F5F86A2EBAE0}"/>
+          </ac:spMkLst>
+        </pc:spChg>
+        <pc:spChg chg="mod ord">
+          <ac:chgData name="Eduardo Savian" userId="83fefb37af455394" providerId="Windows Live" clId="Web-{236A428B-EB3A-4EDA-8B94-5C42A3C67680}" dt="2024-05-08T01:13:54.042" v="2"/>
+          <ac:spMkLst>
+            <pc:docMk/>
+            <pc:sldMk cId="3775945265" sldId="257"/>
+            <ac:spMk id="6" creationId="{245176F3-9B8F-5D0D-56B6-881A0F8BAE27}"/>
+          </ac:spMkLst>
+        </pc:spChg>
+      </pc:sldChg>
+      <pc:sldChg chg="modSp mod modClrScheme chgLayout">
+        <pc:chgData name="Eduardo Savian" userId="83fefb37af455394" providerId="Windows Live" clId="Web-{236A428B-EB3A-4EDA-8B94-5C42A3C67680}" dt="2024-05-08T01:13:54.042" v="2"/>
+        <pc:sldMkLst>
+          <pc:docMk/>
+          <pc:sldMk cId="1767302655" sldId="258"/>
+        </pc:sldMkLst>
+        <pc:spChg chg="mod ord">
+          <ac:chgData name="Eduardo Savian" userId="83fefb37af455394" providerId="Windows Live" clId="Web-{236A428B-EB3A-4EDA-8B94-5C42A3C67680}" dt="2024-05-08T01:13:54.042" v="2"/>
+          <ac:spMkLst>
+            <pc:docMk/>
+            <pc:sldMk cId="1767302655" sldId="258"/>
+            <ac:spMk id="2" creationId="{3DA2759E-6509-5739-997F-79FBA3389A58}"/>
+          </ac:spMkLst>
+        </pc:spChg>
+        <pc:spChg chg="mod ord">
+          <ac:chgData name="Eduardo Savian" userId="83fefb37af455394" providerId="Windows Live" clId="Web-{236A428B-EB3A-4EDA-8B94-5C42A3C67680}" dt="2024-05-08T01:13:54.042" v="2"/>
+          <ac:spMkLst>
+            <pc:docMk/>
+            <pc:sldMk cId="1767302655" sldId="258"/>
+            <ac:spMk id="3" creationId="{AD684354-353E-8862-FCBF-8C22177AF4B9}"/>
+          </ac:spMkLst>
+        </pc:spChg>
+        <pc:spChg chg="mod ord">
+          <ac:chgData name="Eduardo Savian" userId="83fefb37af455394" providerId="Windows Live" clId="Web-{236A428B-EB3A-4EDA-8B94-5C42A3C67680}" dt="2024-05-08T01:13:54.042" v="2"/>
+          <ac:spMkLst>
+            <pc:docMk/>
+            <pc:sldMk cId="1767302655" sldId="258"/>
+            <ac:spMk id="4" creationId="{01FADF07-4BC5-F71C-E155-7E699903405F}"/>
+          </ac:spMkLst>
+        </pc:spChg>
+        <pc:spChg chg="mod ord">
+          <ac:chgData name="Eduardo Savian" userId="83fefb37af455394" providerId="Windows Live" clId="Web-{236A428B-EB3A-4EDA-8B94-5C42A3C67680}" dt="2024-05-08T01:13:54.042" v="2"/>
+          <ac:spMkLst>
+            <pc:docMk/>
+            <pc:sldMk cId="1767302655" sldId="258"/>
+            <ac:spMk id="5" creationId="{C30563B5-F358-CCDC-BE50-1AA3C53B3CC6}"/>
+          </ac:spMkLst>
+        </pc:spChg>
+        <pc:spChg chg="mod ord">
+          <ac:chgData name="Eduardo Savian" userId="83fefb37af455394" providerId="Windows Live" clId="Web-{236A428B-EB3A-4EDA-8B94-5C42A3C67680}" dt="2024-05-08T01:13:54.042" v="2"/>
+          <ac:spMkLst>
+            <pc:docMk/>
+            <pc:sldMk cId="1767302655" sldId="258"/>
+            <ac:spMk id="6" creationId="{D5485450-93CC-472B-2AE9-4E3E69B21993}"/>
+          </ac:spMkLst>
+        </pc:spChg>
+      </pc:sldChg>
+      <pc:sldChg chg="modSp mod modClrScheme chgLayout">
+        <pc:chgData name="Eduardo Savian" userId="83fefb37af455394" providerId="Windows Live" clId="Web-{236A428B-EB3A-4EDA-8B94-5C42A3C67680}" dt="2024-05-08T01:13:54.042" v="2"/>
+        <pc:sldMkLst>
+          <pc:docMk/>
+          <pc:sldMk cId="1967995460" sldId="259"/>
+        </pc:sldMkLst>
+        <pc:spChg chg="mod ord">
+          <ac:chgData name="Eduardo Savian" userId="83fefb37af455394" providerId="Windows Live" clId="Web-{236A428B-EB3A-4EDA-8B94-5C42A3C67680}" dt="2024-05-08T01:13:54.042" v="2"/>
+          <ac:spMkLst>
+            <pc:docMk/>
+            <pc:sldMk cId="1967995460" sldId="259"/>
+            <ac:spMk id="2" creationId="{39887D89-22FC-622C-690A-E2571C8358CE}"/>
+          </ac:spMkLst>
+        </pc:spChg>
+        <pc:spChg chg="mod ord">
+          <ac:chgData name="Eduardo Savian" userId="83fefb37af455394" providerId="Windows Live" clId="Web-{236A428B-EB3A-4EDA-8B94-5C42A3C67680}" dt="2024-05-08T01:13:54.042" v="2"/>
+          <ac:spMkLst>
+            <pc:docMk/>
+            <pc:sldMk cId="1967995460" sldId="259"/>
+            <ac:spMk id="3" creationId="{D18A5516-B06F-36C5-F2E3-84103FADF1AC}"/>
+          </ac:spMkLst>
+        </pc:spChg>
+        <pc:spChg chg="mod ord">
+          <ac:chgData name="Eduardo Savian" userId="83fefb37af455394" providerId="Windows Live" clId="Web-{236A428B-EB3A-4EDA-8B94-5C42A3C67680}" dt="2024-05-08T01:13:54.042" v="2"/>
+          <ac:spMkLst>
+            <pc:docMk/>
+            <pc:sldMk cId="1967995460" sldId="259"/>
+            <ac:spMk id="4" creationId="{FBBE62BA-F7B8-8240-F43C-643DB196171D}"/>
+          </ac:spMkLst>
+        </pc:spChg>
+        <pc:spChg chg="mod ord">
+          <ac:chgData name="Eduardo Savian" userId="83fefb37af455394" providerId="Windows Live" clId="Web-{236A428B-EB3A-4EDA-8B94-5C42A3C67680}" dt="2024-05-08T01:13:54.042" v="2"/>
+          <ac:spMkLst>
+            <pc:docMk/>
+            <pc:sldMk cId="1967995460" sldId="259"/>
+            <ac:spMk id="5" creationId="{BB056759-BDF5-5450-E526-02C0EF64F525}"/>
+          </ac:spMkLst>
+        </pc:spChg>
+        <pc:spChg chg="mod ord">
+          <ac:chgData name="Eduardo Savian" userId="83fefb37af455394" providerId="Windows Live" clId="Web-{236A428B-EB3A-4EDA-8B94-5C42A3C67680}" dt="2024-05-08T01:13:54.042" v="2"/>
+          <ac:spMkLst>
+            <pc:docMk/>
+            <pc:sldMk cId="1967995460" sldId="259"/>
+            <ac:spMk id="6" creationId="{4CA22887-B5A5-3AD7-1BCD-A285BC742658}"/>
+          </ac:spMkLst>
+        </pc:spChg>
+      </pc:sldChg>
+      <pc:sldChg chg="modSp mod modClrScheme chgLayout">
+        <pc:chgData name="Eduardo Savian" userId="83fefb37af455394" providerId="Windows Live" clId="Web-{236A428B-EB3A-4EDA-8B94-5C42A3C67680}" dt="2024-05-08T01:13:54.042" v="2"/>
+        <pc:sldMkLst>
+          <pc:docMk/>
+          <pc:sldMk cId="2210678312" sldId="260"/>
+        </pc:sldMkLst>
+        <pc:spChg chg="mod ord">
+          <ac:chgData name="Eduardo Savian" userId="83fefb37af455394" providerId="Windows Live" clId="Web-{236A428B-EB3A-4EDA-8B94-5C42A3C67680}" dt="2024-05-08T01:13:54.042" v="2"/>
+          <ac:spMkLst>
+            <pc:docMk/>
+            <pc:sldMk cId="2210678312" sldId="260"/>
+            <ac:spMk id="2" creationId="{B1F35A36-4B8A-CC21-A7B3-D24FC5357485}"/>
+          </ac:spMkLst>
+        </pc:spChg>
+        <pc:spChg chg="mod ord">
+          <ac:chgData name="Eduardo Savian" userId="83fefb37af455394" providerId="Windows Live" clId="Web-{236A428B-EB3A-4EDA-8B94-5C42A3C67680}" dt="2024-05-08T01:13:54.042" v="2"/>
+          <ac:spMkLst>
+            <pc:docMk/>
+            <pc:sldMk cId="2210678312" sldId="260"/>
+            <ac:spMk id="4" creationId="{50137EE9-4887-8E0A-6349-CC3BFA083A91}"/>
+          </ac:spMkLst>
+        </pc:spChg>
+        <pc:spChg chg="mod ord">
+          <ac:chgData name="Eduardo Savian" userId="83fefb37af455394" providerId="Windows Live" clId="Web-{236A428B-EB3A-4EDA-8B94-5C42A3C67680}" dt="2024-05-08T01:13:54.042" v="2"/>
+          <ac:spMkLst>
+            <pc:docMk/>
+            <pc:sldMk cId="2210678312" sldId="260"/>
+            <ac:spMk id="5" creationId="{F359168D-AE6A-4BA1-7FED-DC37B5B538AC}"/>
+          </ac:spMkLst>
+        </pc:spChg>
+        <pc:spChg chg="mod ord">
+          <ac:chgData name="Eduardo Savian" userId="83fefb37af455394" providerId="Windows Live" clId="Web-{236A428B-EB3A-4EDA-8B94-5C42A3C67680}" dt="2024-05-08T01:13:54.042" v="2"/>
+          <ac:spMkLst>
+            <pc:docMk/>
+            <pc:sldMk cId="2210678312" sldId="260"/>
+            <ac:spMk id="6" creationId="{4880F13E-F76E-22C7-A8C6-39DB72471046}"/>
+          </ac:spMkLst>
+        </pc:spChg>
+      </pc:sldChg>
       <pc:sldMasterChg chg="del delSldLayout">
-        <pc:chgData name="Eduardo Savian" userId="83fefb37af455394" providerId="Windows Live" clId="Web-{6808E06D-317C-48B5-80AB-C63B5B44D7D8}" dt="2024-04-28T21:40:56.681" v="0"/>
-        <pc:sldMasterMkLst>
-          <pc:docMk/>
-          <pc:sldMasterMk cId="2460954070" sldId="2147483660"/>
-        </pc:sldMasterMkLst>
-        <pc:sldLayoutChg chg="del">
-          <pc:chgData name="Eduardo Savian" userId="83fefb37af455394" providerId="Windows Live" clId="Web-{6808E06D-317C-48B5-80AB-C63B5B44D7D8}" dt="2024-04-28T21:40:56.681" v="0"/>
-          <pc:sldLayoutMkLst>
-            <pc:docMk/>
-            <pc:sldMasterMk cId="2460954070" sldId="2147483660"/>
-            <pc:sldLayoutMk cId="2385387890" sldId="2147483661"/>
-          </pc:sldLayoutMkLst>
-        </pc:sldLayoutChg>
-        <pc:sldLayoutChg chg="del">
-          <pc:chgData name="Eduardo Savian" userId="83fefb37af455394" providerId="Windows Live" clId="Web-{6808E06D-317C-48B5-80AB-C63B5B44D7D8}" dt="2024-04-28T21:40:56.681" v="0"/>
-          <pc:sldLayoutMkLst>
-            <pc:docMk/>
-            <pc:sldMasterMk cId="2460954070" sldId="2147483660"/>
-            <pc:sldLayoutMk cId="949138452" sldId="2147483662"/>
-          </pc:sldLayoutMkLst>
-        </pc:sldLayoutChg>
-        <pc:sldLayoutChg chg="del">
-          <pc:chgData name="Eduardo Savian" userId="83fefb37af455394" providerId="Windows Live" clId="Web-{6808E06D-317C-48B5-80AB-C63B5B44D7D8}" dt="2024-04-28T21:40:56.681" v="0"/>
-          <pc:sldLayoutMkLst>
-            <pc:docMk/>
-            <pc:sldMasterMk cId="2460954070" sldId="2147483660"/>
-            <pc:sldLayoutMk cId="2591524520" sldId="2147483663"/>
-          </pc:sldLayoutMkLst>
-        </pc:sldLayoutChg>
-        <pc:sldLayoutChg chg="del">
-          <pc:chgData name="Eduardo Savian" userId="83fefb37af455394" providerId="Windows Live" clId="Web-{6808E06D-317C-48B5-80AB-C63B5B44D7D8}" dt="2024-04-28T21:40:56.681" v="0"/>
-          <pc:sldLayoutMkLst>
-            <pc:docMk/>
-            <pc:sldMasterMk cId="2460954070" sldId="2147483660"/>
-            <pc:sldLayoutMk cId="1203092039" sldId="2147483664"/>
-          </pc:sldLayoutMkLst>
-        </pc:sldLayoutChg>
-        <pc:sldLayoutChg chg="del">
-          <pc:chgData name="Eduardo Savian" userId="83fefb37af455394" providerId="Windows Live" clId="Web-{6808E06D-317C-48B5-80AB-C63B5B44D7D8}" dt="2024-04-28T21:40:56.681" v="0"/>
-          <pc:sldLayoutMkLst>
-            <pc:docMk/>
-            <pc:sldMasterMk cId="2460954070" sldId="2147483660"/>
-            <pc:sldLayoutMk cId="3733172339" sldId="2147483665"/>
-          </pc:sldLayoutMkLst>
-        </pc:sldLayoutChg>
-        <pc:sldLayoutChg chg="del">
-          <pc:chgData name="Eduardo Savian" userId="83fefb37af455394" providerId="Windows Live" clId="Web-{6808E06D-317C-48B5-80AB-C63B5B44D7D8}" dt="2024-04-28T21:40:56.681" v="0"/>
-          <pc:sldLayoutMkLst>
-            <pc:docMk/>
-            <pc:sldMasterMk cId="2460954070" sldId="2147483660"/>
-            <pc:sldLayoutMk cId="3210312558" sldId="2147483666"/>
-          </pc:sldLayoutMkLst>
-        </pc:sldLayoutChg>
-        <pc:sldLayoutChg chg="del">
-          <pc:chgData name="Eduardo Savian" userId="83fefb37af455394" providerId="Windows Live" clId="Web-{6808E06D-317C-48B5-80AB-C63B5B44D7D8}" dt="2024-04-28T21:40:56.681" v="0"/>
-          <pc:sldLayoutMkLst>
-            <pc:docMk/>
-            <pc:sldMasterMk cId="2460954070" sldId="2147483660"/>
-            <pc:sldLayoutMk cId="3146388984" sldId="2147483667"/>
-          </pc:sldLayoutMkLst>
-        </pc:sldLayoutChg>
-        <pc:sldLayoutChg chg="del">
-          <pc:chgData name="Eduardo Savian" userId="83fefb37af455394" providerId="Windows Live" clId="Web-{6808E06D-317C-48B5-80AB-C63B5B44D7D8}" dt="2024-04-28T21:40:56.681" v="0"/>
-          <pc:sldLayoutMkLst>
-            <pc:docMk/>
-            <pc:sldMasterMk cId="2460954070" sldId="2147483660"/>
-            <pc:sldLayoutMk cId="3171841454" sldId="2147483668"/>
-          </pc:sldLayoutMkLst>
-        </pc:sldLayoutChg>
-        <pc:sldLayoutChg chg="del">
-          <pc:chgData name="Eduardo Savian" userId="83fefb37af455394" providerId="Windows Live" clId="Web-{6808E06D-317C-48B5-80AB-C63B5B44D7D8}" dt="2024-04-28T21:40:56.681" v="0"/>
-          <pc:sldLayoutMkLst>
-            <pc:docMk/>
-            <pc:sldMasterMk cId="2460954070" sldId="2147483660"/>
-            <pc:sldLayoutMk cId="1718958274" sldId="2147483669"/>
-          </pc:sldLayoutMkLst>
-        </pc:sldLayoutChg>
-        <pc:sldLayoutChg chg="del">
-          <pc:chgData name="Eduardo Savian" userId="83fefb37af455394" providerId="Windows Live" clId="Web-{6808E06D-317C-48B5-80AB-C63B5B44D7D8}" dt="2024-04-28T21:40:56.681" v="0"/>
-          <pc:sldLayoutMkLst>
-            <pc:docMk/>
-            <pc:sldMasterMk cId="2460954070" sldId="2147483660"/>
-            <pc:sldLayoutMk cId="2202905451" sldId="2147483670"/>
-          </pc:sldLayoutMkLst>
-        </pc:sldLayoutChg>
-        <pc:sldLayoutChg chg="del">
-          <pc:chgData name="Eduardo Savian" userId="83fefb37af455394" providerId="Windows Live" clId="Web-{6808E06D-317C-48B5-80AB-C63B5B44D7D8}" dt="2024-04-28T21:40:56.681" v="0"/>
-          <pc:sldLayoutMkLst>
-            <pc:docMk/>
-            <pc:sldMasterMk cId="2460954070" sldId="2147483660"/>
-            <pc:sldLayoutMk cId="3479445657" sldId="2147483671"/>
-          </pc:sldLayoutMkLst>
-        </pc:sldLayoutChg>
-      </pc:sldMasterChg>
-      <pc:sldMasterChg chg="add del addSldLayout delSldLayout modSldLayout">
-        <pc:chgData name="Eduardo Savian" userId="83fefb37af455394" providerId="Windows Live" clId="Web-{6808E06D-317C-48B5-80AB-C63B5B44D7D8}" dt="2024-04-28T21:41:09.510" v="1"/>
-        <pc:sldMasterMkLst>
-          <pc:docMk/>
-          <pc:sldMasterMk cId="1825988211" sldId="2147483672"/>
-        </pc:sldMasterMkLst>
-        <pc:sldLayoutChg chg="add del mod replId">
-          <pc:chgData name="Eduardo Savian" userId="83fefb37af455394" providerId="Windows Live" clId="Web-{6808E06D-317C-48B5-80AB-C63B5B44D7D8}" dt="2024-04-28T21:41:09.510" v="1"/>
-          <pc:sldLayoutMkLst>
-            <pc:docMk/>
-            <pc:sldMasterMk cId="1825988211" sldId="2147483672"/>
-            <pc:sldLayoutMk cId="453625266" sldId="2147483673"/>
-          </pc:sldLayoutMkLst>
-        </pc:sldLayoutChg>
-        <pc:sldLayoutChg chg="add del mod replId">
-          <pc:chgData name="Eduardo Savian" userId="83fefb37af455394" providerId="Windows Live" clId="Web-{6808E06D-317C-48B5-80AB-C63B5B44D7D8}" dt="2024-04-28T21:41:09.510" v="1"/>
-          <pc:sldLayoutMkLst>
-            <pc:docMk/>
-            <pc:sldMasterMk cId="1825988211" sldId="2147483672"/>
-            <pc:sldLayoutMk cId="3741936793" sldId="2147483674"/>
-          </pc:sldLayoutMkLst>
-        </pc:sldLayoutChg>
-        <pc:sldLayoutChg chg="add del mod replId">
-          <pc:chgData name="Eduardo Savian" userId="83fefb37af455394" providerId="Windows Live" clId="Web-{6808E06D-317C-48B5-80AB-C63B5B44D7D8}" dt="2024-04-28T21:41:09.510" v="1"/>
-          <pc:sldLayoutMkLst>
-            <pc:docMk/>
-            <pc:sldMasterMk cId="1825988211" sldId="2147483672"/>
-            <pc:sldLayoutMk cId="3135325950" sldId="2147483675"/>
-          </pc:sldLayoutMkLst>
-        </pc:sldLayoutChg>
-        <pc:sldLayoutChg chg="add del mod replId">
-          <pc:chgData name="Eduardo Savian" userId="83fefb37af455394" providerId="Windows Live" clId="Web-{6808E06D-317C-48B5-80AB-C63B5B44D7D8}" dt="2024-04-28T21:41:09.510" v="1"/>
-          <pc:sldLayoutMkLst>
-            <pc:docMk/>
-            <pc:sldMasterMk cId="1825988211" sldId="2147483672"/>
-            <pc:sldLayoutMk cId="3029497057" sldId="2147483676"/>
-          </pc:sldLayoutMkLst>
-        </pc:sldLayoutChg>
-        <pc:sldLayoutChg chg="add del mod replId">
-          <pc:chgData name="Eduardo Savian" userId="83fefb37af455394" providerId="Windows Live" clId="Web-{6808E06D-317C-48B5-80AB-C63B5B44D7D8}" dt="2024-04-28T21:41:09.510" v="1"/>
-          <pc:sldLayoutMkLst>
-            <pc:docMk/>
-            <pc:sldMasterMk cId="1825988211" sldId="2147483672"/>
-            <pc:sldLayoutMk cId="1582056691" sldId="2147483677"/>
-          </pc:sldLayoutMkLst>
-        </pc:sldLayoutChg>
-        <pc:sldLayoutChg chg="add del mod replId">
-          <pc:chgData name="Eduardo Savian" userId="83fefb37af455394" providerId="Windows Live" clId="Web-{6808E06D-317C-48B5-80AB-C63B5B44D7D8}" dt="2024-04-28T21:41:09.510" v="1"/>
-          <pc:sldLayoutMkLst>
-            <pc:docMk/>
-            <pc:sldMasterMk cId="1825988211" sldId="2147483672"/>
-            <pc:sldLayoutMk cId="1230447073" sldId="2147483678"/>
-          </pc:sldLayoutMkLst>
-        </pc:sldLayoutChg>
-        <pc:sldLayoutChg chg="add del mod replId">
-          <pc:chgData name="Eduardo Savian" userId="83fefb37af455394" providerId="Windows Live" clId="Web-{6808E06D-317C-48B5-80AB-C63B5B44D7D8}" dt="2024-04-28T21:41:09.510" v="1"/>
-          <pc:sldLayoutMkLst>
-            <pc:docMk/>
-            <pc:sldMasterMk cId="1825988211" sldId="2147483672"/>
-            <pc:sldLayoutMk cId="2111515493" sldId="2147483679"/>
-          </pc:sldLayoutMkLst>
-        </pc:sldLayoutChg>
-        <pc:sldLayoutChg chg="add del mod replId">
-          <pc:chgData name="Eduardo Savian" userId="83fefb37af455394" providerId="Windows Live" clId="Web-{6808E06D-317C-48B5-80AB-C63B5B44D7D8}" dt="2024-04-28T21:41:09.510" v="1"/>
-          <pc:sldLayoutMkLst>
-            <pc:docMk/>
-            <pc:sldMasterMk cId="1825988211" sldId="2147483672"/>
-            <pc:sldLayoutMk cId="3466345160" sldId="2147483680"/>
-          </pc:sldLayoutMkLst>
-        </pc:sldLayoutChg>
-        <pc:sldLayoutChg chg="add del mod replId">
-          <pc:chgData name="Eduardo Savian" userId="83fefb37af455394" providerId="Windows Live" clId="Web-{6808E06D-317C-48B5-80AB-C63B5B44D7D8}" dt="2024-04-28T21:41:09.510" v="1"/>
-          <pc:sldLayoutMkLst>
-            <pc:docMk/>
-            <pc:sldMasterMk cId="1825988211" sldId="2147483672"/>
-            <pc:sldLayoutMk cId="1503474283" sldId="2147483681"/>
-          </pc:sldLayoutMkLst>
-        </pc:sldLayoutChg>
-        <pc:sldLayoutChg chg="add del mod replId">
-          <pc:chgData name="Eduardo Savian" userId="83fefb37af455394" providerId="Windows Live" clId="Web-{6808E06D-317C-48B5-80AB-C63B5B44D7D8}" dt="2024-04-28T21:41:09.510" v="1"/>
-          <pc:sldLayoutMkLst>
-            <pc:docMk/>
-            <pc:sldMasterMk cId="1825988211" sldId="2147483672"/>
-            <pc:sldLayoutMk cId="3078211142" sldId="2147483682"/>
-          </pc:sldLayoutMkLst>
-        </pc:sldLayoutChg>
-        <pc:sldLayoutChg chg="add del mod replId">
-          <pc:chgData name="Eduardo Savian" userId="83fefb37af455394" providerId="Windows Live" clId="Web-{6808E06D-317C-48B5-80AB-C63B5B44D7D8}" dt="2024-04-28T21:41:09.510" v="1"/>
-          <pc:sldLayoutMkLst>
-            <pc:docMk/>
-            <pc:sldMasterMk cId="1825988211" sldId="2147483672"/>
-            <pc:sldLayoutMk cId="459548907" sldId="2147483683"/>
-          </pc:sldLayoutMkLst>
-        </pc:sldLayoutChg>
-      </pc:sldMasterChg>
-      <pc:sldMasterChg chg="add del addSldLayout delSldLayout modSldLayout">
-        <pc:chgData name="Eduardo Savian" userId="83fefb37af455394" providerId="Windows Live" clId="Web-{6808E06D-317C-48B5-80AB-C63B5B44D7D8}" dt="2024-04-28T21:41:19.260" v="2"/>
-        <pc:sldMasterMkLst>
-          <pc:docMk/>
-          <pc:sldMasterMk cId="3576760201" sldId="2147483684"/>
-        </pc:sldMasterMkLst>
-        <pc:sldLayoutChg chg="add del mod replId">
-          <pc:chgData name="Eduardo Savian" userId="83fefb37af455394" providerId="Windows Live" clId="Web-{6808E06D-317C-48B5-80AB-C63B5B44D7D8}" dt="2024-04-28T21:41:19.260" v="2"/>
-          <pc:sldLayoutMkLst>
-            <pc:docMk/>
-            <pc:sldMasterMk cId="3576760201" sldId="2147483684"/>
-            <pc:sldLayoutMk cId="2216021014" sldId="2147483685"/>
-          </pc:sldLayoutMkLst>
-        </pc:sldLayoutChg>
-        <pc:sldLayoutChg chg="add del mod replId">
-          <pc:chgData name="Eduardo Savian" userId="83fefb37af455394" providerId="Windows Live" clId="Web-{6808E06D-317C-48B5-80AB-C63B5B44D7D8}" dt="2024-04-28T21:41:19.260" v="2"/>
-          <pc:sldLayoutMkLst>
-            <pc:docMk/>
-            <pc:sldMasterMk cId="3576760201" sldId="2147483684"/>
-            <pc:sldLayoutMk cId="3902083424" sldId="2147483686"/>
-          </pc:sldLayoutMkLst>
-        </pc:sldLayoutChg>
-        <pc:sldLayoutChg chg="add del mod replId">
-          <pc:chgData name="Eduardo Savian" userId="83fefb37af455394" providerId="Windows Live" clId="Web-{6808E06D-317C-48B5-80AB-C63B5B44D7D8}" dt="2024-04-28T21:41:19.260" v="2"/>
-          <pc:sldLayoutMkLst>
-            <pc:docMk/>
-            <pc:sldMasterMk cId="3576760201" sldId="2147483684"/>
-            <pc:sldLayoutMk cId="303830792" sldId="2147483687"/>
-          </pc:sldLayoutMkLst>
-        </pc:sldLayoutChg>
-        <pc:sldLayoutChg chg="add del mod replId">
-          <pc:chgData name="Eduardo Savian" userId="83fefb37af455394" providerId="Windows Live" clId="Web-{6808E06D-317C-48B5-80AB-C63B5B44D7D8}" dt="2024-04-28T21:41:19.260" v="2"/>
-          <pc:sldLayoutMkLst>
-            <pc:docMk/>
-            <pc:sldMasterMk cId="3576760201" sldId="2147483684"/>
-            <pc:sldLayoutMk cId="3294796599" sldId="2147483688"/>
-          </pc:sldLayoutMkLst>
-        </pc:sldLayoutChg>
-        <pc:sldLayoutChg chg="add del mod replId">
-          <pc:chgData name="Eduardo Savian" userId="83fefb37af455394" providerId="Windows Live" clId="Web-{6808E06D-317C-48B5-80AB-C63B5B44D7D8}" dt="2024-04-28T21:41:19.260" v="2"/>
-          <pc:sldLayoutMkLst>
-            <pc:docMk/>
-            <pc:sldMasterMk cId="3576760201" sldId="2147483684"/>
-            <pc:sldLayoutMk cId="2202936919" sldId="2147483689"/>
-          </pc:sldLayoutMkLst>
-        </pc:sldLayoutChg>
-        <pc:sldLayoutChg chg="add del mod replId">
-          <pc:chgData name="Eduardo Savian" userId="83fefb37af455394" providerId="Windows Live" clId="Web-{6808E06D-317C-48B5-80AB-C63B5B44D7D8}" dt="2024-04-28T21:41:19.260" v="2"/>
-          <pc:sldLayoutMkLst>
-            <pc:docMk/>
-            <pc:sldMasterMk cId="3576760201" sldId="2147483684"/>
-            <pc:sldLayoutMk cId="4008400113" sldId="2147483690"/>
-          </pc:sldLayoutMkLst>
-        </pc:sldLayoutChg>
-        <pc:sldLayoutChg chg="add del mod replId">
-          <pc:chgData name="Eduardo Savian" userId="83fefb37af455394" providerId="Windows Live" clId="Web-{6808E06D-317C-48B5-80AB-C63B5B44D7D8}" dt="2024-04-28T21:41:19.260" v="2"/>
-          <pc:sldLayoutMkLst>
-            <pc:docMk/>
-            <pc:sldMasterMk cId="3576760201" sldId="2147483684"/>
-            <pc:sldLayoutMk cId="2748376286" sldId="2147483691"/>
-          </pc:sldLayoutMkLst>
-        </pc:sldLayoutChg>
-        <pc:sldLayoutChg chg="add del mod replId">
-          <pc:chgData name="Eduardo Savian" userId="83fefb37af455394" providerId="Windows Live" clId="Web-{6808E06D-317C-48B5-80AB-C63B5B44D7D8}" dt="2024-04-28T21:41:19.260" v="2"/>
-          <pc:sldLayoutMkLst>
-            <pc:docMk/>
-            <pc:sldMasterMk cId="3576760201" sldId="2147483684"/>
-            <pc:sldLayoutMk cId="382359778" sldId="2147483692"/>
-          </pc:sldLayoutMkLst>
-        </pc:sldLayoutChg>
-        <pc:sldLayoutChg chg="add del mod replId">
-          <pc:chgData name="Eduardo Savian" userId="83fefb37af455394" providerId="Windows Live" clId="Web-{6808E06D-317C-48B5-80AB-C63B5B44D7D8}" dt="2024-04-28T21:41:19.260" v="2"/>
-          <pc:sldLayoutMkLst>
-            <pc:docMk/>
-            <pc:sldMasterMk cId="3576760201" sldId="2147483684"/>
-            <pc:sldLayoutMk cId="4040316331" sldId="2147483693"/>
-          </pc:sldLayoutMkLst>
-        </pc:sldLayoutChg>
-        <pc:sldLayoutChg chg="add del mod replId">
-          <pc:chgData name="Eduardo Savian" userId="83fefb37af455394" providerId="Windows Live" clId="Web-{6808E06D-317C-48B5-80AB-C63B5B44D7D8}" dt="2024-04-28T21:41:19.260" v="2"/>
-          <pc:sldLayoutMkLst>
-            <pc:docMk/>
-            <pc:sldMasterMk cId="3576760201" sldId="2147483684"/>
-            <pc:sldLayoutMk cId="509449739" sldId="2147483694"/>
-          </pc:sldLayoutMkLst>
-        </pc:sldLayoutChg>
-        <pc:sldLayoutChg chg="add del mod replId">
-          <pc:chgData name="Eduardo Savian" userId="83fefb37af455394" providerId="Windows Live" clId="Web-{6808E06D-317C-48B5-80AB-C63B5B44D7D8}" dt="2024-04-28T21:41:19.260" v="2"/>
-          <pc:sldLayoutMkLst>
-            <pc:docMk/>
-            <pc:sldMasterMk cId="3576760201" sldId="2147483684"/>
-            <pc:sldLayoutMk cId="623420917" sldId="2147483695"/>
-          </pc:sldLayoutMkLst>
-        </pc:sldLayoutChg>
-        <pc:sldLayoutChg chg="add del mod replId">
-          <pc:chgData name="Eduardo Savian" userId="83fefb37af455394" providerId="Windows Live" clId="Web-{6808E06D-317C-48B5-80AB-C63B5B44D7D8}" dt="2024-04-28T21:41:19.260" v="2"/>
-          <pc:sldLayoutMkLst>
-            <pc:docMk/>
-            <pc:sldMasterMk cId="3576760201" sldId="2147483684"/>
-            <pc:sldLayoutMk cId="2864147052" sldId="2147483696"/>
-          </pc:sldLayoutMkLst>
-        </pc:sldLayoutChg>
-        <pc:sldLayoutChg chg="add del mod replId">
-          <pc:chgData name="Eduardo Savian" userId="83fefb37af455394" providerId="Windows Live" clId="Web-{6808E06D-317C-48B5-80AB-C63B5B44D7D8}" dt="2024-04-28T21:41:19.260" v="2"/>
-          <pc:sldLayoutMkLst>
-            <pc:docMk/>
-            <pc:sldMasterMk cId="3576760201" sldId="2147483684"/>
-            <pc:sldLayoutMk cId="318747777" sldId="2147483697"/>
-          </pc:sldLayoutMkLst>
-        </pc:sldLayoutChg>
-        <pc:sldLayoutChg chg="add del mod replId">
-          <pc:chgData name="Eduardo Savian" userId="83fefb37af455394" providerId="Windows Live" clId="Web-{6808E06D-317C-48B5-80AB-C63B5B44D7D8}" dt="2024-04-28T21:41:19.260" v="2"/>
-          <pc:sldLayoutMkLst>
-            <pc:docMk/>
-            <pc:sldMasterMk cId="3576760201" sldId="2147483684"/>
-            <pc:sldLayoutMk cId="1646594572" sldId="2147483698"/>
-          </pc:sldLayoutMkLst>
-        </pc:sldLayoutChg>
-        <pc:sldLayoutChg chg="add del mod replId">
-          <pc:chgData name="Eduardo Savian" userId="83fefb37af455394" providerId="Windows Live" clId="Web-{6808E06D-317C-48B5-80AB-C63B5B44D7D8}" dt="2024-04-28T21:41:19.260" v="2"/>
-          <pc:sldLayoutMkLst>
-            <pc:docMk/>
-            <pc:sldMasterMk cId="3576760201" sldId="2147483684"/>
-            <pc:sldLayoutMk cId="2879648242" sldId="2147483699"/>
-          </pc:sldLayoutMkLst>
-        </pc:sldLayoutChg>
-        <pc:sldLayoutChg chg="add del mod replId">
-          <pc:chgData name="Eduardo Savian" userId="83fefb37af455394" providerId="Windows Live" clId="Web-{6808E06D-317C-48B5-80AB-C63B5B44D7D8}" dt="2024-04-28T21:41:19.260" v="2"/>
-          <pc:sldLayoutMkLst>
-            <pc:docMk/>
-            <pc:sldMasterMk cId="3576760201" sldId="2147483684"/>
-            <pc:sldLayoutMk cId="541596521" sldId="2147483700"/>
-          </pc:sldLayoutMkLst>
-        </pc:sldLayoutChg>
-        <pc:sldLayoutChg chg="add del mod replId">
-          <pc:chgData name="Eduardo Savian" userId="83fefb37af455394" providerId="Windows Live" clId="Web-{6808E06D-317C-48B5-80AB-C63B5B44D7D8}" dt="2024-04-28T21:41:19.260" v="2"/>
-          <pc:sldLayoutMkLst>
-            <pc:docMk/>
-            <pc:sldMasterMk cId="3576760201" sldId="2147483684"/>
-            <pc:sldLayoutMk cId="388203491" sldId="2147483701"/>
-          </pc:sldLayoutMkLst>
-        </pc:sldLayoutChg>
-      </pc:sldMasterChg>
-      <pc:sldMasterChg chg="add addSldLayout modSldLayout">
-        <pc:chgData name="Eduardo Savian" userId="83fefb37af455394" providerId="Windows Live" clId="Web-{6808E06D-317C-48B5-80AB-C63B5B44D7D8}" dt="2024-04-28T21:41:19.260" v="2"/>
+        <pc:chgData name="Eduardo Savian" userId="83fefb37af455394" providerId="Windows Live" clId="Web-{236A428B-EB3A-4EDA-8B94-5C42A3C67680}" dt="2024-05-08T01:13:49.792" v="1"/>
         <pc:sldMasterMkLst>
           <pc:docMk/>
           <pc:sldMasterMk cId="380110844" sldId="2147483702"/>
         </pc:sldMasterMkLst>
-        <pc:sldLayoutChg chg="add mod replId">
-          <pc:chgData name="Eduardo Savian" userId="83fefb37af455394" providerId="Windows Live" clId="Web-{6808E06D-317C-48B5-80AB-C63B5B44D7D8}" dt="2024-04-28T21:41:19.260" v="2"/>
+        <pc:sldLayoutChg chg="del">
+          <pc:chgData name="Eduardo Savian" userId="83fefb37af455394" providerId="Windows Live" clId="Web-{236A428B-EB3A-4EDA-8B94-5C42A3C67680}" dt="2024-05-08T01:13:49.792" v="1"/>
           <pc:sldLayoutMkLst>
             <pc:docMk/>
             <pc:sldMasterMk cId="380110844" sldId="2147483702"/>
             <pc:sldLayoutMk cId="2993827588" sldId="2147483703"/>
           </pc:sldLayoutMkLst>
         </pc:sldLayoutChg>
-        <pc:sldLayoutChg chg="add mod replId">
-          <pc:chgData name="Eduardo Savian" userId="83fefb37af455394" providerId="Windows Live" clId="Web-{6808E06D-317C-48B5-80AB-C63B5B44D7D8}" dt="2024-04-28T21:41:19.260" v="2"/>
+        <pc:sldLayoutChg chg="del">
+          <pc:chgData name="Eduardo Savian" userId="83fefb37af455394" providerId="Windows Live" clId="Web-{236A428B-EB3A-4EDA-8B94-5C42A3C67680}" dt="2024-05-08T01:13:49.792" v="1"/>
           <pc:sldLayoutMkLst>
             <pc:docMk/>
             <pc:sldMasterMk cId="380110844" sldId="2147483702"/>
             <pc:sldLayoutMk cId="2457156884" sldId="2147483704"/>
           </pc:sldLayoutMkLst>
         </pc:sldLayoutChg>
-        <pc:sldLayoutChg chg="add mod replId">
-          <pc:chgData name="Eduardo Savian" userId="83fefb37af455394" providerId="Windows Live" clId="Web-{6808E06D-317C-48B5-80AB-C63B5B44D7D8}" dt="2024-04-28T21:41:19.260" v="2"/>
+        <pc:sldLayoutChg chg="del">
+          <pc:chgData name="Eduardo Savian" userId="83fefb37af455394" providerId="Windows Live" clId="Web-{236A428B-EB3A-4EDA-8B94-5C42A3C67680}" dt="2024-05-08T01:13:49.792" v="1"/>
           <pc:sldLayoutMkLst>
             <pc:docMk/>
             <pc:sldMasterMk cId="380110844" sldId="2147483702"/>
             <pc:sldLayoutMk cId="2260547415" sldId="2147483705"/>
           </pc:sldLayoutMkLst>
         </pc:sldLayoutChg>
-        <pc:sldLayoutChg chg="add mod replId">
-          <pc:chgData name="Eduardo Savian" userId="83fefb37af455394" providerId="Windows Live" clId="Web-{6808E06D-317C-48B5-80AB-C63B5B44D7D8}" dt="2024-04-28T21:41:19.260" v="2"/>
+        <pc:sldLayoutChg chg="del">
+          <pc:chgData name="Eduardo Savian" userId="83fefb37af455394" providerId="Windows Live" clId="Web-{236A428B-EB3A-4EDA-8B94-5C42A3C67680}" dt="2024-05-08T01:13:49.792" v="1"/>
           <pc:sldLayoutMkLst>
             <pc:docMk/>
             <pc:sldMasterMk cId="380110844" sldId="2147483702"/>
             <pc:sldLayoutMk cId="51149255" sldId="2147483706"/>
           </pc:sldLayoutMkLst>
         </pc:sldLayoutChg>
-        <pc:sldLayoutChg chg="add mod replId">
-          <pc:chgData name="Eduardo Savian" userId="83fefb37af455394" providerId="Windows Live" clId="Web-{6808E06D-317C-48B5-80AB-C63B5B44D7D8}" dt="2024-04-28T21:41:19.260" v="2"/>
+        <pc:sldLayoutChg chg="del">
+          <pc:chgData name="Eduardo Savian" userId="83fefb37af455394" providerId="Windows Live" clId="Web-{236A428B-EB3A-4EDA-8B94-5C42A3C67680}" dt="2024-05-08T01:13:49.792" v="1"/>
           <pc:sldLayoutMkLst>
             <pc:docMk/>
             <pc:sldMasterMk cId="380110844" sldId="2147483702"/>
             <pc:sldLayoutMk cId="3095146221" sldId="2147483707"/>
           </pc:sldLayoutMkLst>
         </pc:sldLayoutChg>
-        <pc:sldLayoutChg chg="add mod replId">
-          <pc:chgData name="Eduardo Savian" userId="83fefb37af455394" providerId="Windows Live" clId="Web-{6808E06D-317C-48B5-80AB-C63B5B44D7D8}" dt="2024-04-28T21:41:19.260" v="2"/>
+        <pc:sldLayoutChg chg="del">
+          <pc:chgData name="Eduardo Savian" userId="83fefb37af455394" providerId="Windows Live" clId="Web-{236A428B-EB3A-4EDA-8B94-5C42A3C67680}" dt="2024-05-08T01:13:49.792" v="1"/>
           <pc:sldLayoutMkLst>
             <pc:docMk/>
             <pc:sldMasterMk cId="380110844" sldId="2147483702"/>
             <pc:sldLayoutMk cId="3266165134" sldId="2147483708"/>
           </pc:sldLayoutMkLst>
         </pc:sldLayoutChg>
-        <pc:sldLayoutChg chg="add mod replId">
-          <pc:chgData name="Eduardo Savian" userId="83fefb37af455394" providerId="Windows Live" clId="Web-{6808E06D-317C-48B5-80AB-C63B5B44D7D8}" dt="2024-04-28T21:41:19.260" v="2"/>
+        <pc:sldLayoutChg chg="del">
+          <pc:chgData name="Eduardo Savian" userId="83fefb37af455394" providerId="Windows Live" clId="Web-{236A428B-EB3A-4EDA-8B94-5C42A3C67680}" dt="2024-05-08T01:13:49.792" v="1"/>
           <pc:sldLayoutMkLst>
             <pc:docMk/>
             <pc:sldMasterMk cId="380110844" sldId="2147483702"/>
             <pc:sldLayoutMk cId="3757151552" sldId="2147483709"/>
           </pc:sldLayoutMkLst>
         </pc:sldLayoutChg>
-        <pc:sldLayoutChg chg="add mod replId">
-          <pc:chgData name="Eduardo Savian" userId="83fefb37af455394" providerId="Windows Live" clId="Web-{6808E06D-317C-48B5-80AB-C63B5B44D7D8}" dt="2024-04-28T21:41:19.260" v="2"/>
+        <pc:sldLayoutChg chg="del">
+          <pc:chgData name="Eduardo Savian" userId="83fefb37af455394" providerId="Windows Live" clId="Web-{236A428B-EB3A-4EDA-8B94-5C42A3C67680}" dt="2024-05-08T01:13:49.792" v="1"/>
           <pc:sldLayoutMkLst>
             <pc:docMk/>
             <pc:sldMasterMk cId="380110844" sldId="2147483702"/>
             <pc:sldLayoutMk cId="2400739392" sldId="2147483710"/>
           </pc:sldLayoutMkLst>
         </pc:sldLayoutChg>
-        <pc:sldLayoutChg chg="add mod replId">
-          <pc:chgData name="Eduardo Savian" userId="83fefb37af455394" providerId="Windows Live" clId="Web-{6808E06D-317C-48B5-80AB-C63B5B44D7D8}" dt="2024-04-28T21:41:19.260" v="2"/>
+        <pc:sldLayoutChg chg="del">
+          <pc:chgData name="Eduardo Savian" userId="83fefb37af455394" providerId="Windows Live" clId="Web-{236A428B-EB3A-4EDA-8B94-5C42A3C67680}" dt="2024-05-08T01:13:49.792" v="1"/>
           <pc:sldLayoutMkLst>
             <pc:docMk/>
             <pc:sldMasterMk cId="380110844" sldId="2147483702"/>
             <pc:sldLayoutMk cId="1672042868" sldId="2147483711"/>
           </pc:sldLayoutMkLst>
         </pc:sldLayoutChg>
-        <pc:sldLayoutChg chg="add mod replId">
-          <pc:chgData name="Eduardo Savian" userId="83fefb37af455394" providerId="Windows Live" clId="Web-{6808E06D-317C-48B5-80AB-C63B5B44D7D8}" dt="2024-04-28T21:41:19.260" v="2"/>
+        <pc:sldLayoutChg chg="del">
+          <pc:chgData name="Eduardo Savian" userId="83fefb37af455394" providerId="Windows Live" clId="Web-{236A428B-EB3A-4EDA-8B94-5C42A3C67680}" dt="2024-05-08T01:13:49.792" v="1"/>
           <pc:sldLayoutMkLst>
             <pc:docMk/>
             <pc:sldMasterMk cId="380110844" sldId="2147483702"/>
             <pc:sldLayoutMk cId="3551866296" sldId="2147483712"/>
           </pc:sldLayoutMkLst>
         </pc:sldLayoutChg>
-        <pc:sldLayoutChg chg="add mod replId">
-          <pc:chgData name="Eduardo Savian" userId="83fefb37af455394" providerId="Windows Live" clId="Web-{6808E06D-317C-48B5-80AB-C63B5B44D7D8}" dt="2024-04-28T21:41:19.260" v="2"/>
+        <pc:sldLayoutChg chg="del">
+          <pc:chgData name="Eduardo Savian" userId="83fefb37af455394" providerId="Windows Live" clId="Web-{236A428B-EB3A-4EDA-8B94-5C42A3C67680}" dt="2024-05-08T01:13:49.792" v="1"/>
           <pc:sldLayoutMkLst>
             <pc:docMk/>
             <pc:sldMasterMk cId="380110844" sldId="2147483702"/>
             <pc:sldLayoutMk cId="3957431958" sldId="2147483713"/>
+          </pc:sldLayoutMkLst>
+        </pc:sldLayoutChg>
+      </pc:sldMasterChg>
+      <pc:sldMasterChg chg="add del addSldLayout delSldLayout modSldLayout">
+        <pc:chgData name="Eduardo Savian" userId="83fefb37af455394" providerId="Windows Live" clId="Web-{236A428B-EB3A-4EDA-8B94-5C42A3C67680}" dt="2024-05-08T01:13:54.042" v="2"/>
+        <pc:sldMasterMkLst>
+          <pc:docMk/>
+          <pc:sldMasterMk cId="645011375" sldId="2147483714"/>
+        </pc:sldMasterMkLst>
+        <pc:sldLayoutChg chg="add del mod replId">
+          <pc:chgData name="Eduardo Savian" userId="83fefb37af455394" providerId="Windows Live" clId="Web-{236A428B-EB3A-4EDA-8B94-5C42A3C67680}" dt="2024-05-08T01:13:54.042" v="2"/>
+          <pc:sldLayoutMkLst>
+            <pc:docMk/>
+            <pc:sldMasterMk cId="645011375" sldId="2147483714"/>
+            <pc:sldLayoutMk cId="3543416935" sldId="2147483715"/>
+          </pc:sldLayoutMkLst>
+        </pc:sldLayoutChg>
+        <pc:sldLayoutChg chg="add del mod replId">
+          <pc:chgData name="Eduardo Savian" userId="83fefb37af455394" providerId="Windows Live" clId="Web-{236A428B-EB3A-4EDA-8B94-5C42A3C67680}" dt="2024-05-08T01:13:54.042" v="2"/>
+          <pc:sldLayoutMkLst>
+            <pc:docMk/>
+            <pc:sldMasterMk cId="645011375" sldId="2147483714"/>
+            <pc:sldLayoutMk cId="4178920073" sldId="2147483716"/>
+          </pc:sldLayoutMkLst>
+        </pc:sldLayoutChg>
+        <pc:sldLayoutChg chg="add del mod replId">
+          <pc:chgData name="Eduardo Savian" userId="83fefb37af455394" providerId="Windows Live" clId="Web-{236A428B-EB3A-4EDA-8B94-5C42A3C67680}" dt="2024-05-08T01:13:54.042" v="2"/>
+          <pc:sldLayoutMkLst>
+            <pc:docMk/>
+            <pc:sldMasterMk cId="645011375" sldId="2147483714"/>
+            <pc:sldLayoutMk cId="2575441499" sldId="2147483717"/>
+          </pc:sldLayoutMkLst>
+        </pc:sldLayoutChg>
+        <pc:sldLayoutChg chg="add del mod replId">
+          <pc:chgData name="Eduardo Savian" userId="83fefb37af455394" providerId="Windows Live" clId="Web-{236A428B-EB3A-4EDA-8B94-5C42A3C67680}" dt="2024-05-08T01:13:54.042" v="2"/>
+          <pc:sldLayoutMkLst>
+            <pc:docMk/>
+            <pc:sldMasterMk cId="645011375" sldId="2147483714"/>
+            <pc:sldLayoutMk cId="1070394006" sldId="2147483718"/>
+          </pc:sldLayoutMkLst>
+        </pc:sldLayoutChg>
+        <pc:sldLayoutChg chg="add del mod replId">
+          <pc:chgData name="Eduardo Savian" userId="83fefb37af455394" providerId="Windows Live" clId="Web-{236A428B-EB3A-4EDA-8B94-5C42A3C67680}" dt="2024-05-08T01:13:54.042" v="2"/>
+          <pc:sldLayoutMkLst>
+            <pc:docMk/>
+            <pc:sldMasterMk cId="645011375" sldId="2147483714"/>
+            <pc:sldLayoutMk cId="1428766048" sldId="2147483719"/>
+          </pc:sldLayoutMkLst>
+        </pc:sldLayoutChg>
+        <pc:sldLayoutChg chg="add del mod replId">
+          <pc:chgData name="Eduardo Savian" userId="83fefb37af455394" providerId="Windows Live" clId="Web-{236A428B-EB3A-4EDA-8B94-5C42A3C67680}" dt="2024-05-08T01:13:54.042" v="2"/>
+          <pc:sldLayoutMkLst>
+            <pc:docMk/>
+            <pc:sldMasterMk cId="645011375" sldId="2147483714"/>
+            <pc:sldLayoutMk cId="520660179" sldId="2147483720"/>
+          </pc:sldLayoutMkLst>
+        </pc:sldLayoutChg>
+        <pc:sldLayoutChg chg="add del mod replId">
+          <pc:chgData name="Eduardo Savian" userId="83fefb37af455394" providerId="Windows Live" clId="Web-{236A428B-EB3A-4EDA-8B94-5C42A3C67680}" dt="2024-05-08T01:13:54.042" v="2"/>
+          <pc:sldLayoutMkLst>
+            <pc:docMk/>
+            <pc:sldMasterMk cId="645011375" sldId="2147483714"/>
+            <pc:sldLayoutMk cId="1367664888" sldId="2147483721"/>
+          </pc:sldLayoutMkLst>
+        </pc:sldLayoutChg>
+        <pc:sldLayoutChg chg="add del mod replId">
+          <pc:chgData name="Eduardo Savian" userId="83fefb37af455394" providerId="Windows Live" clId="Web-{236A428B-EB3A-4EDA-8B94-5C42A3C67680}" dt="2024-05-08T01:13:54.042" v="2"/>
+          <pc:sldLayoutMkLst>
+            <pc:docMk/>
+            <pc:sldMasterMk cId="645011375" sldId="2147483714"/>
+            <pc:sldLayoutMk cId="3959125597" sldId="2147483722"/>
+          </pc:sldLayoutMkLst>
+        </pc:sldLayoutChg>
+        <pc:sldLayoutChg chg="add del mod replId">
+          <pc:chgData name="Eduardo Savian" userId="83fefb37af455394" providerId="Windows Live" clId="Web-{236A428B-EB3A-4EDA-8B94-5C42A3C67680}" dt="2024-05-08T01:13:54.042" v="2"/>
+          <pc:sldLayoutMkLst>
+            <pc:docMk/>
+            <pc:sldMasterMk cId="645011375" sldId="2147483714"/>
+            <pc:sldLayoutMk cId="3000397119" sldId="2147483723"/>
+          </pc:sldLayoutMkLst>
+        </pc:sldLayoutChg>
+        <pc:sldLayoutChg chg="add del mod replId">
+          <pc:chgData name="Eduardo Savian" userId="83fefb37af455394" providerId="Windows Live" clId="Web-{236A428B-EB3A-4EDA-8B94-5C42A3C67680}" dt="2024-05-08T01:13:54.042" v="2"/>
+          <pc:sldLayoutMkLst>
+            <pc:docMk/>
+            <pc:sldMasterMk cId="645011375" sldId="2147483714"/>
+            <pc:sldLayoutMk cId="539627506" sldId="2147483724"/>
+          </pc:sldLayoutMkLst>
+        </pc:sldLayoutChg>
+        <pc:sldLayoutChg chg="add del mod replId">
+          <pc:chgData name="Eduardo Savian" userId="83fefb37af455394" providerId="Windows Live" clId="Web-{236A428B-EB3A-4EDA-8B94-5C42A3C67680}" dt="2024-05-08T01:13:54.042" v="2"/>
+          <pc:sldLayoutMkLst>
+            <pc:docMk/>
+            <pc:sldMasterMk cId="645011375" sldId="2147483714"/>
+            <pc:sldLayoutMk cId="1386191390" sldId="2147483725"/>
+          </pc:sldLayoutMkLst>
+        </pc:sldLayoutChg>
+      </pc:sldMasterChg>
+      <pc:sldMasterChg chg="add addSldLayout modSldLayout">
+        <pc:chgData name="Eduardo Savian" userId="83fefb37af455394" providerId="Windows Live" clId="Web-{236A428B-EB3A-4EDA-8B94-5C42A3C67680}" dt="2024-05-08T01:13:54.042" v="2"/>
+        <pc:sldMasterMkLst>
+          <pc:docMk/>
+          <pc:sldMasterMk cId="4053071425" sldId="2147483726"/>
+        </pc:sldMasterMkLst>
+        <pc:sldLayoutChg chg="add mod replId">
+          <pc:chgData name="Eduardo Savian" userId="83fefb37af455394" providerId="Windows Live" clId="Web-{236A428B-EB3A-4EDA-8B94-5C42A3C67680}" dt="2024-05-08T01:13:54.042" v="2"/>
+          <pc:sldLayoutMkLst>
+            <pc:docMk/>
+            <pc:sldMasterMk cId="4053071425" sldId="2147483726"/>
+            <pc:sldLayoutMk cId="3405480151" sldId="2147483727"/>
+          </pc:sldLayoutMkLst>
+        </pc:sldLayoutChg>
+        <pc:sldLayoutChg chg="add mod replId">
+          <pc:chgData name="Eduardo Savian" userId="83fefb37af455394" providerId="Windows Live" clId="Web-{236A428B-EB3A-4EDA-8B94-5C42A3C67680}" dt="2024-05-08T01:13:54.042" v="2"/>
+          <pc:sldLayoutMkLst>
+            <pc:docMk/>
+            <pc:sldMasterMk cId="4053071425" sldId="2147483726"/>
+            <pc:sldLayoutMk cId="1815732919" sldId="2147483728"/>
+          </pc:sldLayoutMkLst>
+        </pc:sldLayoutChg>
+        <pc:sldLayoutChg chg="add mod replId">
+          <pc:chgData name="Eduardo Savian" userId="83fefb37af455394" providerId="Windows Live" clId="Web-{236A428B-EB3A-4EDA-8B94-5C42A3C67680}" dt="2024-05-08T01:13:54.042" v="2"/>
+          <pc:sldLayoutMkLst>
+            <pc:docMk/>
+            <pc:sldMasterMk cId="4053071425" sldId="2147483726"/>
+            <pc:sldLayoutMk cId="3855284416" sldId="2147483729"/>
+          </pc:sldLayoutMkLst>
+        </pc:sldLayoutChg>
+        <pc:sldLayoutChg chg="add mod replId">
+          <pc:chgData name="Eduardo Savian" userId="83fefb37af455394" providerId="Windows Live" clId="Web-{236A428B-EB3A-4EDA-8B94-5C42A3C67680}" dt="2024-05-08T01:13:54.042" v="2"/>
+          <pc:sldLayoutMkLst>
+            <pc:docMk/>
+            <pc:sldMasterMk cId="4053071425" sldId="2147483726"/>
+            <pc:sldLayoutMk cId="369291616" sldId="2147483730"/>
+          </pc:sldLayoutMkLst>
+        </pc:sldLayoutChg>
+        <pc:sldLayoutChg chg="add mod replId">
+          <pc:chgData name="Eduardo Savian" userId="83fefb37af455394" providerId="Windows Live" clId="Web-{236A428B-EB3A-4EDA-8B94-5C42A3C67680}" dt="2024-05-08T01:13:54.042" v="2"/>
+          <pc:sldLayoutMkLst>
+            <pc:docMk/>
+            <pc:sldMasterMk cId="4053071425" sldId="2147483726"/>
+            <pc:sldLayoutMk cId="367543662" sldId="2147483731"/>
+          </pc:sldLayoutMkLst>
+        </pc:sldLayoutChg>
+        <pc:sldLayoutChg chg="add mod replId">
+          <pc:chgData name="Eduardo Savian" userId="83fefb37af455394" providerId="Windows Live" clId="Web-{236A428B-EB3A-4EDA-8B94-5C42A3C67680}" dt="2024-05-08T01:13:54.042" v="2"/>
+          <pc:sldLayoutMkLst>
+            <pc:docMk/>
+            <pc:sldMasterMk cId="4053071425" sldId="2147483726"/>
+            <pc:sldLayoutMk cId="1653701556" sldId="2147483732"/>
+          </pc:sldLayoutMkLst>
+        </pc:sldLayoutChg>
+        <pc:sldLayoutChg chg="add mod replId">
+          <pc:chgData name="Eduardo Savian" userId="83fefb37af455394" providerId="Windows Live" clId="Web-{236A428B-EB3A-4EDA-8B94-5C42A3C67680}" dt="2024-05-08T01:13:54.042" v="2"/>
+          <pc:sldLayoutMkLst>
+            <pc:docMk/>
+            <pc:sldMasterMk cId="4053071425" sldId="2147483726"/>
+            <pc:sldLayoutMk cId="834732239" sldId="2147483733"/>
+          </pc:sldLayoutMkLst>
+        </pc:sldLayoutChg>
+        <pc:sldLayoutChg chg="add mod replId">
+          <pc:chgData name="Eduardo Savian" userId="83fefb37af455394" providerId="Windows Live" clId="Web-{236A428B-EB3A-4EDA-8B94-5C42A3C67680}" dt="2024-05-08T01:13:54.042" v="2"/>
+          <pc:sldLayoutMkLst>
+            <pc:docMk/>
+            <pc:sldMasterMk cId="4053071425" sldId="2147483726"/>
+            <pc:sldLayoutMk cId="4185700777" sldId="2147483734"/>
+          </pc:sldLayoutMkLst>
+        </pc:sldLayoutChg>
+        <pc:sldLayoutChg chg="add mod replId">
+          <pc:chgData name="Eduardo Savian" userId="83fefb37af455394" providerId="Windows Live" clId="Web-{236A428B-EB3A-4EDA-8B94-5C42A3C67680}" dt="2024-05-08T01:13:54.042" v="2"/>
+          <pc:sldLayoutMkLst>
+            <pc:docMk/>
+            <pc:sldMasterMk cId="4053071425" sldId="2147483726"/>
+            <pc:sldLayoutMk cId="3644836093" sldId="2147483735"/>
+          </pc:sldLayoutMkLst>
+        </pc:sldLayoutChg>
+        <pc:sldLayoutChg chg="add mod replId">
+          <pc:chgData name="Eduardo Savian" userId="83fefb37af455394" providerId="Windows Live" clId="Web-{236A428B-EB3A-4EDA-8B94-5C42A3C67680}" dt="2024-05-08T01:13:54.042" v="2"/>
+          <pc:sldLayoutMkLst>
+            <pc:docMk/>
+            <pc:sldMasterMk cId="4053071425" sldId="2147483726"/>
+            <pc:sldLayoutMk cId="2852958450" sldId="2147483736"/>
+          </pc:sldLayoutMkLst>
+        </pc:sldLayoutChg>
+        <pc:sldLayoutChg chg="add mod replId">
+          <pc:chgData name="Eduardo Savian" userId="83fefb37af455394" providerId="Windows Live" clId="Web-{236A428B-EB3A-4EDA-8B94-5C42A3C67680}" dt="2024-05-08T01:13:54.042" v="2"/>
+          <pc:sldLayoutMkLst>
+            <pc:docMk/>
+            <pc:sldMasterMk cId="4053071425" sldId="2147483726"/>
+            <pc:sldLayoutMk cId="3921917631" sldId="2147483737"/>
           </pc:sldLayoutMkLst>
         </pc:sldLayoutChg>
       </pc:sldMasterChg>
@@ -672,7 +1201,7 @@
           <p:cNvPr id="2" name="Title 1">
             <a:extLst>
               <a:ext uri="{FF2B5EF4-FFF2-40B4-BE49-F238E27FC236}">
-                <a16:creationId xmlns:a16="http://schemas.microsoft.com/office/drawing/2014/main" id="{2430F8CF-692C-4963-8B5E-D1C0928CF160}"/>
+                <a16:creationId xmlns:a16="http://schemas.microsoft.com/office/drawing/2014/main" id="{898DE6C8-AB1D-4204-BC9C-3366B0BF0435}"/>
               </a:ext>
             </a:extLst>
           </p:cNvPr>
@@ -685,15 +1214,17 @@
         </p:nvSpPr>
         <p:spPr>
           <a:xfrm>
-            <a:off x="1429612" y="1013984"/>
-            <a:ext cx="7714388" cy="3260635"/>
+            <a:off x="678426" y="889820"/>
+            <a:ext cx="9989574" cy="3598606"/>
           </a:xfrm>
         </p:spPr>
         <p:txBody>
-          <a:bodyPr anchor="b"/>
+          <a:bodyPr anchor="t">
+            <a:normAutofit/>
+          </a:bodyPr>
           <a:lstStyle>
             <a:lvl1pPr algn="l">
-              <a:defRPr sz="2800"/>
+              <a:defRPr sz="5400"/>
             </a:lvl1pPr>
           </a:lstStyle>
           <a:p>
@@ -709,7 +1240,7 @@
           <p:cNvPr id="3" name="Subtitle 2">
             <a:extLst>
               <a:ext uri="{FF2B5EF4-FFF2-40B4-BE49-F238E27FC236}">
-                <a16:creationId xmlns:a16="http://schemas.microsoft.com/office/drawing/2014/main" id="{9F419655-1613-4CC0-BBE9-BD2CB2C3C766}"/>
+                <a16:creationId xmlns:a16="http://schemas.microsoft.com/office/drawing/2014/main" id="{7A7B9009-EE50-4EE5-B6EB-CD6EC83D3FA3}"/>
               </a:ext>
             </a:extLst>
           </p:cNvPr>
@@ -722,22 +1253,22 @@
         </p:nvSpPr>
         <p:spPr>
           <a:xfrm>
-            <a:off x="1429612" y="4848464"/>
-            <a:ext cx="7714388" cy="1085849"/>
+            <a:off x="678426" y="4488426"/>
+            <a:ext cx="6991776" cy="1302774"/>
           </a:xfrm>
         </p:spPr>
         <p:txBody>
-          <a:bodyPr>
+          <a:bodyPr anchor="b">
             <a:normAutofit/>
           </a:bodyPr>
           <a:lstStyle>
             <a:lvl1pPr marL="0" indent="0" algn="l">
               <a:buNone/>
-              <a:defRPr sz="1800"/>
+              <a:defRPr sz="2000"/>
             </a:lvl1pPr>
             <a:lvl2pPr marL="457200" indent="0" algn="ctr">
               <a:buNone/>
-              <a:defRPr sz="1800"/>
+              <a:defRPr sz="2000"/>
             </a:lvl2pPr>
             <a:lvl3pPr marL="914400" indent="0" algn="ctr">
               <a:buNone/>
@@ -781,7 +1312,7 @@
           <p:cNvPr id="4" name="Date Placeholder 3">
             <a:extLst>
               <a:ext uri="{FF2B5EF4-FFF2-40B4-BE49-F238E27FC236}">
-                <a16:creationId xmlns:a16="http://schemas.microsoft.com/office/drawing/2014/main" id="{40267FFF-6BC4-4DF0-BC55-B2C3BFD8ED12}"/>
+                <a16:creationId xmlns:a16="http://schemas.microsoft.com/office/drawing/2014/main" id="{99C8667E-058A-436F-B8EA-5B3A99D43D09}"/>
               </a:ext>
             </a:extLst>
           </p:cNvPr>
@@ -797,9 +1328,9 @@
           <a:bodyPr/>
           <a:lstStyle/>
           <a:p>
-            <a:fld id="{C4270120-CDFC-48DE-A6EA-6DEEDD0E436A}" type="datetimeFigureOut">
-              <a:rPr lang="en-US" dirty="0"/>
-              <a:t>5/3/2024</a:t>
+            <a:fld id="{12575099-B3AD-44D7-919B-BCB6DC3E7F21}" type="datetimeFigureOut">
+              <a:rPr lang="en-US" dirty="0"/>
+              <a:t>5/7/2024</a:t>
             </a:fld>
             <a:endParaRPr lang="en-US" dirty="0"/>
           </a:p>
@@ -810,7 +1341,7 @@
           <p:cNvPr id="5" name="Footer Placeholder 4">
             <a:extLst>
               <a:ext uri="{FF2B5EF4-FFF2-40B4-BE49-F238E27FC236}">
-                <a16:creationId xmlns:a16="http://schemas.microsoft.com/office/drawing/2014/main" id="{D6389830-A1B7-484B-832C-F64A558BDFE7}"/>
+                <a16:creationId xmlns:a16="http://schemas.microsoft.com/office/drawing/2014/main" id="{52680305-1AD7-482D-BFFD-6CDB83AB39A4}"/>
               </a:ext>
             </a:extLst>
           </p:cNvPr>
@@ -839,7 +1370,7 @@
           <p:cNvPr id="6" name="Slide Number Placeholder 5">
             <a:extLst>
               <a:ext uri="{FF2B5EF4-FFF2-40B4-BE49-F238E27FC236}">
-                <a16:creationId xmlns:a16="http://schemas.microsoft.com/office/drawing/2014/main" id="{74A8F727-72C8-47A9-8E54-AD84590286F9}"/>
+                <a16:creationId xmlns:a16="http://schemas.microsoft.com/office/drawing/2014/main" id="{BE5762A1-52E9-402D-B65E-DF193E44CE83}"/>
               </a:ext>
             </a:extLst>
           </p:cNvPr>
@@ -855,67 +1386,29 @@
           <a:bodyPr/>
           <a:lstStyle/>
           <a:p>
-            <a:fld id="{196A61CA-0502-4EE4-9724-96EA822543E5}" type="slidenum">
-              <a:rPr lang="en-US" dirty="0"/>
-              <a:t>‹nº›</a:t>
+            <a:fld id="{E30AF5A0-43BB-4336-8627-9123B9144D80}" type="slidenum">
+              <a:rPr lang="en-US" dirty="0"/>
+              <a:t>‹#›</a:t>
             </a:fld>
             <a:endParaRPr lang="en-US" dirty="0"/>
           </a:p>
         </p:txBody>
       </p:sp>
-      <p:cxnSp>
-        <p:nvCxnSpPr>
-          <p:cNvPr id="7" name="Straight Connector 6">
-            <a:extLst>
-              <a:ext uri="{FF2B5EF4-FFF2-40B4-BE49-F238E27FC236}">
-                <a16:creationId xmlns:a16="http://schemas.microsoft.com/office/drawing/2014/main" id="{AEED5540-64E5-4258-ABA4-753F07B71B38}"/>
-              </a:ext>
-            </a:extLst>
-          </p:cNvPr>
-          <p:cNvCxnSpPr>
-            <a:cxnSpLocks/>
-          </p:cNvCxnSpPr>
-          <p:nvPr/>
-        </p:nvCxnSpPr>
-        <p:spPr>
-          <a:xfrm>
-            <a:off x="1524000" y="4571506"/>
-            <a:ext cx="971155" cy="0"/>
-          </a:xfrm>
-          <a:prstGeom prst="line">
-            <a:avLst/>
-          </a:prstGeom>
-          <a:ln w="31750">
-            <a:solidFill>
-              <a:schemeClr val="tx1"/>
-            </a:solidFill>
-          </a:ln>
-        </p:spPr>
-        <p:style>
-          <a:lnRef idx="1">
-            <a:schemeClr val="accent1"/>
-          </a:lnRef>
-          <a:fillRef idx="0">
-            <a:schemeClr val="accent1"/>
-          </a:fillRef>
-          <a:effectRef idx="0">
-            <a:schemeClr val="accent1"/>
-          </a:effectRef>
-          <a:fontRef idx="minor">
-            <a:schemeClr val="tx1"/>
-          </a:fontRef>
-        </p:style>
-      </p:cxnSp>
     </p:spTree>
     <p:extLst>
       <p:ext uri="{BB962C8B-B14F-4D97-AF65-F5344CB8AC3E}">
-        <p14:creationId xmlns:p14="http://schemas.microsoft.com/office/powerpoint/2010/main" val="2993827588"/>
+        <p14:creationId xmlns:p14="http://schemas.microsoft.com/office/powerpoint/2010/main" val="3405480151"/>
       </p:ext>
     </p:extLst>
   </p:cSld>
   <p:clrMapOvr>
     <a:masterClrMapping/>
   </p:clrMapOvr>
+  <p:extLst>
+    <p:ext uri="{DCECCB84-F9BA-43D5-87BE-67443E8EF086}">
+      <p15:sldGuideLst xmlns:p15="http://schemas.microsoft.com/office/powerpoint/2012/main"/>
+    </p:ext>
+  </p:extLst>
 </p:sldLayout>
 </file>
 
@@ -941,7 +1434,7 @@
           <p:cNvPr id="2" name="Title 1">
             <a:extLst>
               <a:ext uri="{FF2B5EF4-FFF2-40B4-BE49-F238E27FC236}">
-                <a16:creationId xmlns:a16="http://schemas.microsoft.com/office/drawing/2014/main" id="{B5C8A5DE-E5C6-4DB9-AD28-8F1EAC6F5513}"/>
+                <a16:creationId xmlns:a16="http://schemas.microsoft.com/office/drawing/2014/main" id="{7D6359C1-C098-4BF4-A55D-782F4E606B8A}"/>
               </a:ext>
             </a:extLst>
           </p:cNvPr>
@@ -955,15 +1448,7 @@
         <p:spPr/>
         <p:txBody>
           <a:bodyPr/>
-          <a:lstStyle>
-            <a:lvl1pPr>
-              <a:defRPr>
-                <a:solidFill>
-                  <a:schemeClr val="tx1"/>
-                </a:solidFill>
-              </a:defRPr>
-            </a:lvl1pPr>
-          </a:lstStyle>
+          <a:lstStyle/>
           <a:p>
             <a:r>
               <a:rPr lang="en-US" dirty="0"/>
@@ -977,7 +1462,7 @@
           <p:cNvPr id="3" name="Vertical Text Placeholder 2">
             <a:extLst>
               <a:ext uri="{FF2B5EF4-FFF2-40B4-BE49-F238E27FC236}">
-                <a16:creationId xmlns:a16="http://schemas.microsoft.com/office/drawing/2014/main" id="{4363E08E-9B2D-4740-9AC6-D5E1CFB95FC6}"/>
+                <a16:creationId xmlns:a16="http://schemas.microsoft.com/office/drawing/2014/main" id="{3D343C7E-1E8B-4D38-9B81-1AA2A8978EDE}"/>
               </a:ext>
             </a:extLst>
           </p:cNvPr>
@@ -988,51 +1473,10 @@
             <p:ph type="body" orient="vert" idx="1"/>
           </p:nvPr>
         </p:nvSpPr>
-        <p:spPr>
-          <a:xfrm>
-            <a:off x="1429566" y="2229957"/>
-            <a:ext cx="9238434" cy="3866043"/>
-          </a:xfrm>
-        </p:spPr>
+        <p:spPr/>
         <p:txBody>
           <a:bodyPr vert="eaVert"/>
-          <a:lstStyle>
-            <a:lvl1pPr>
-              <a:defRPr>
-                <a:solidFill>
-                  <a:schemeClr val="tx1"/>
-                </a:solidFill>
-              </a:defRPr>
-            </a:lvl1pPr>
-            <a:lvl2pPr>
-              <a:defRPr>
-                <a:solidFill>
-                  <a:schemeClr val="tx1"/>
-                </a:solidFill>
-              </a:defRPr>
-            </a:lvl2pPr>
-            <a:lvl3pPr>
-              <a:defRPr>
-                <a:solidFill>
-                  <a:schemeClr val="tx1"/>
-                </a:solidFill>
-              </a:defRPr>
-            </a:lvl3pPr>
-            <a:lvl4pPr>
-              <a:defRPr>
-                <a:solidFill>
-                  <a:schemeClr val="tx1"/>
-                </a:solidFill>
-              </a:defRPr>
-            </a:lvl4pPr>
-            <a:lvl5pPr>
-              <a:defRPr>
-                <a:solidFill>
-                  <a:schemeClr val="tx1"/>
-                </a:solidFill>
-              </a:defRPr>
-            </a:lvl5pPr>
-          </a:lstStyle>
+          <a:lstStyle/>
           <a:p>
             <a:pPr lvl="0"/>
             <a:r>
@@ -1075,7 +1519,7 @@
           <p:cNvPr id="4" name="Date Placeholder 3">
             <a:extLst>
               <a:ext uri="{FF2B5EF4-FFF2-40B4-BE49-F238E27FC236}">
-                <a16:creationId xmlns:a16="http://schemas.microsoft.com/office/drawing/2014/main" id="{4E4E3736-E8AA-4F58-9D3A-27050B287F9D}"/>
+                <a16:creationId xmlns:a16="http://schemas.microsoft.com/office/drawing/2014/main" id="{C8A70B00-53AE-4D3F-91BE-A8D789ED9864}"/>
               </a:ext>
             </a:extLst>
           </p:cNvPr>
@@ -1091,9 +1535,9 @@
           <a:bodyPr/>
           <a:lstStyle/>
           <a:p>
-            <a:fld id="{2A1F5BA7-0A17-4D30-9B66-E29324151C73}" type="datetimeFigureOut">
-              <a:rPr lang="en-US" dirty="0"/>
-              <a:t>5/3/2024</a:t>
+            <a:fld id="{F18115DA-6CBC-4AEF-A85F-371C66916CF8}" type="datetimeFigureOut">
+              <a:rPr lang="en-US" dirty="0"/>
+              <a:t>5/7/2024</a:t>
             </a:fld>
             <a:endParaRPr lang="en-US" dirty="0"/>
           </a:p>
@@ -1104,7 +1548,7 @@
           <p:cNvPr id="5" name="Footer Placeholder 4">
             <a:extLst>
               <a:ext uri="{FF2B5EF4-FFF2-40B4-BE49-F238E27FC236}">
-                <a16:creationId xmlns:a16="http://schemas.microsoft.com/office/drawing/2014/main" id="{1DE95E84-15BC-478B-9DAB-15025867BB9C}"/>
+                <a16:creationId xmlns:a16="http://schemas.microsoft.com/office/drawing/2014/main" id="{06647FC7-8124-4F70-A849-B6BCC5189CC3}"/>
               </a:ext>
             </a:extLst>
           </p:cNvPr>
@@ -1133,7 +1577,7 @@
           <p:cNvPr id="6" name="Slide Number Placeholder 5">
             <a:extLst>
               <a:ext uri="{FF2B5EF4-FFF2-40B4-BE49-F238E27FC236}">
-                <a16:creationId xmlns:a16="http://schemas.microsoft.com/office/drawing/2014/main" id="{63E9D98F-E0A8-4254-A957-7F17811D017E}"/>
+                <a16:creationId xmlns:a16="http://schemas.microsoft.com/office/drawing/2014/main" id="{B47CEBE4-50DC-47DB-B699-CCC024336C9F}"/>
               </a:ext>
             </a:extLst>
           </p:cNvPr>
@@ -1149,9 +1593,9 @@
           <a:bodyPr/>
           <a:lstStyle/>
           <a:p>
-            <a:fld id="{196A61CA-0502-4EE4-9724-96EA822543E5}" type="slidenum">
-              <a:rPr lang="en-US" dirty="0"/>
-              <a:t>‹nº›</a:t>
+            <a:fld id="{E30AF5A0-43BB-4336-8627-9123B9144D80}" type="slidenum">
+              <a:rPr lang="en-US" dirty="0"/>
+              <a:t>‹#›</a:t>
             </a:fld>
             <a:endParaRPr lang="en-US" dirty="0"/>
           </a:p>
@@ -1160,13 +1604,18 @@
     </p:spTree>
     <p:extLst>
       <p:ext uri="{BB962C8B-B14F-4D97-AF65-F5344CB8AC3E}">
-        <p14:creationId xmlns:p14="http://schemas.microsoft.com/office/powerpoint/2010/main" val="3551866296"/>
+        <p14:creationId xmlns:p14="http://schemas.microsoft.com/office/powerpoint/2010/main" val="2852958450"/>
       </p:ext>
     </p:extLst>
   </p:cSld>
   <p:clrMapOvr>
     <a:masterClrMapping/>
   </p:clrMapOvr>
+  <p:extLst>
+    <p:ext uri="{DCECCB84-F9BA-43D5-87BE-67443E8EF086}">
+      <p15:sldGuideLst xmlns:p15="http://schemas.microsoft.com/office/powerpoint/2012/main"/>
+    </p:ext>
+  </p:extLst>
 </p:sldLayout>
 </file>
 
@@ -1192,7 +1641,7 @@
           <p:cNvPr id="2" name="Vertical Title 1">
             <a:extLst>
               <a:ext uri="{FF2B5EF4-FFF2-40B4-BE49-F238E27FC236}">
-                <a16:creationId xmlns:a16="http://schemas.microsoft.com/office/drawing/2014/main" id="{77DE70F5-2276-4F91-9FC2-8DA4B528814A}"/>
+                <a16:creationId xmlns:a16="http://schemas.microsoft.com/office/drawing/2014/main" id="{4B418279-D3B8-4C6A-AB74-9DE377771270}"/>
               </a:ext>
             </a:extLst>
           </p:cNvPr>
@@ -1205,21 +1654,13 @@
         </p:nvSpPr>
         <p:spPr>
           <a:xfrm>
-            <a:off x="9144000" y="1467699"/>
-            <a:ext cx="1758461" cy="4628301"/>
+            <a:off x="9242322" y="997974"/>
+            <a:ext cx="2349043" cy="4984956"/>
           </a:xfrm>
         </p:spPr>
         <p:txBody>
           <a:bodyPr vert="eaVert"/>
-          <a:lstStyle>
-            <a:lvl1pPr>
-              <a:defRPr>
-                <a:solidFill>
-                  <a:schemeClr val="tx1"/>
-                </a:solidFill>
-              </a:defRPr>
-            </a:lvl1pPr>
-          </a:lstStyle>
+          <a:lstStyle/>
           <a:p>
             <a:r>
               <a:rPr lang="en-US" dirty="0"/>
@@ -1233,7 +1674,7 @@
           <p:cNvPr id="3" name="Vertical Text Placeholder 2">
             <a:extLst>
               <a:ext uri="{FF2B5EF4-FFF2-40B4-BE49-F238E27FC236}">
-                <a16:creationId xmlns:a16="http://schemas.microsoft.com/office/drawing/2014/main" id="{D21856C5-C2FD-45E4-A631-AC06B5495BEA}"/>
+                <a16:creationId xmlns:a16="http://schemas.microsoft.com/office/drawing/2014/main" id="{E28F733C-9309-4197-BACA-207CDC8935C9}"/>
               </a:ext>
             </a:extLst>
           </p:cNvPr>
@@ -1246,49 +1687,13 @@
         </p:nvSpPr>
         <p:spPr>
           <a:xfrm>
-            <a:off x="1182312" y="1467699"/>
-            <a:ext cx="7839379" cy="4628301"/>
+            <a:off x="838200" y="997973"/>
+            <a:ext cx="8404122" cy="4984956"/>
           </a:xfrm>
         </p:spPr>
         <p:txBody>
           <a:bodyPr vert="eaVert"/>
-          <a:lstStyle>
-            <a:lvl1pPr>
-              <a:defRPr>
-                <a:solidFill>
-                  <a:schemeClr val="tx1"/>
-                </a:solidFill>
-              </a:defRPr>
-            </a:lvl1pPr>
-            <a:lvl2pPr>
-              <a:defRPr>
-                <a:solidFill>
-                  <a:schemeClr val="tx1"/>
-                </a:solidFill>
-              </a:defRPr>
-            </a:lvl2pPr>
-            <a:lvl3pPr>
-              <a:defRPr>
-                <a:solidFill>
-                  <a:schemeClr val="tx1"/>
-                </a:solidFill>
-              </a:defRPr>
-            </a:lvl3pPr>
-            <a:lvl4pPr>
-              <a:defRPr>
-                <a:solidFill>
-                  <a:schemeClr val="tx1"/>
-                </a:solidFill>
-              </a:defRPr>
-            </a:lvl4pPr>
-            <a:lvl5pPr>
-              <a:defRPr>
-                <a:solidFill>
-                  <a:schemeClr val="tx1"/>
-                </a:solidFill>
-              </a:defRPr>
-            </a:lvl5pPr>
-          </a:lstStyle>
+          <a:lstStyle/>
           <a:p>
             <a:pPr lvl="0"/>
             <a:r>
@@ -1331,7 +1736,7 @@
           <p:cNvPr id="4" name="Date Placeholder 3">
             <a:extLst>
               <a:ext uri="{FF2B5EF4-FFF2-40B4-BE49-F238E27FC236}">
-                <a16:creationId xmlns:a16="http://schemas.microsoft.com/office/drawing/2014/main" id="{5EE336EA-B6DD-4115-9C67-79A24C866ED4}"/>
+                <a16:creationId xmlns:a16="http://schemas.microsoft.com/office/drawing/2014/main" id="{56ACD4D0-5BE6-412D-B08B-5DFFD593513E}"/>
               </a:ext>
             </a:extLst>
           </p:cNvPr>
@@ -1347,9 +1752,9 @@
           <a:bodyPr/>
           <a:lstStyle/>
           <a:p>
-            <a:fld id="{76BEBB1B-D40A-4DB9-B3DE-BAAE675B83CD}" type="datetimeFigureOut">
-              <a:rPr lang="en-US" dirty="0"/>
-              <a:t>5/3/2024</a:t>
+            <a:fld id="{2A6007E4-95E8-4ABC-B20B-51235318A487}" type="datetimeFigureOut">
+              <a:rPr lang="en-US" dirty="0"/>
+              <a:t>5/7/2024</a:t>
             </a:fld>
             <a:endParaRPr lang="en-US" dirty="0"/>
           </a:p>
@@ -1360,7 +1765,7 @@
           <p:cNvPr id="5" name="Footer Placeholder 4">
             <a:extLst>
               <a:ext uri="{FF2B5EF4-FFF2-40B4-BE49-F238E27FC236}">
-                <a16:creationId xmlns:a16="http://schemas.microsoft.com/office/drawing/2014/main" id="{C2EA668B-1DAB-449C-9BA4-7B1572A22BAC}"/>
+                <a16:creationId xmlns:a16="http://schemas.microsoft.com/office/drawing/2014/main" id="{55021651-B786-4A39-A10F-F5231D0A2C5E}"/>
               </a:ext>
             </a:extLst>
           </p:cNvPr>
@@ -1389,7 +1794,7 @@
           <p:cNvPr id="6" name="Slide Number Placeholder 5">
             <a:extLst>
               <a:ext uri="{FF2B5EF4-FFF2-40B4-BE49-F238E27FC236}">
-                <a16:creationId xmlns:a16="http://schemas.microsoft.com/office/drawing/2014/main" id="{E8C6567E-119D-4C98-93FF-73A332803A13}"/>
+                <a16:creationId xmlns:a16="http://schemas.microsoft.com/office/drawing/2014/main" id="{74504D2D-9379-40DE-9F45-3004BE54F16B}"/>
               </a:ext>
             </a:extLst>
           </p:cNvPr>
@@ -1405,9 +1810,9 @@
           <a:bodyPr/>
           <a:lstStyle/>
           <a:p>
-            <a:fld id="{196A61CA-0502-4EE4-9724-96EA822543E5}" type="slidenum">
-              <a:rPr lang="en-US" dirty="0"/>
-              <a:t>‹nº›</a:t>
+            <a:fld id="{E30AF5A0-43BB-4336-8627-9123B9144D80}" type="slidenum">
+              <a:rPr lang="en-US" dirty="0"/>
+              <a:t>‹#›</a:t>
             </a:fld>
             <a:endParaRPr lang="en-US" dirty="0"/>
           </a:p>
@@ -1416,13 +1821,18 @@
     </p:spTree>
     <p:extLst>
       <p:ext uri="{BB962C8B-B14F-4D97-AF65-F5344CB8AC3E}">
-        <p14:creationId xmlns:p14="http://schemas.microsoft.com/office/powerpoint/2010/main" val="3957431958"/>
+        <p14:creationId xmlns:p14="http://schemas.microsoft.com/office/powerpoint/2010/main" val="3921917631"/>
       </p:ext>
     </p:extLst>
   </p:cSld>
   <p:clrMapOvr>
     <a:masterClrMapping/>
   </p:clrMapOvr>
+  <p:extLst>
+    <p:ext uri="{DCECCB84-F9BA-43D5-87BE-67443E8EF086}">
+      <p15:sldGuideLst xmlns:p15="http://schemas.microsoft.com/office/powerpoint/2012/main"/>
+    </p:ext>
+  </p:extLst>
 </p:sldLayout>
 </file>
 
@@ -1448,7 +1858,7 @@
           <p:cNvPr id="2" name="Title 1">
             <a:extLst>
               <a:ext uri="{FF2B5EF4-FFF2-40B4-BE49-F238E27FC236}">
-                <a16:creationId xmlns:a16="http://schemas.microsoft.com/office/drawing/2014/main" id="{F13EF94C-BCB1-4F4C-AF70-DD2A5C4E3318}"/>
+                <a16:creationId xmlns:a16="http://schemas.microsoft.com/office/drawing/2014/main" id="{5A987CA6-BFD9-4CB1-8892-F6B062E82445}"/>
               </a:ext>
             </a:extLst>
           </p:cNvPr>
@@ -1459,23 +1869,10 @@
             <p:ph type="title"/>
           </p:nvPr>
         </p:nvSpPr>
-        <p:spPr>
-          <a:xfrm>
-            <a:off x="1429566" y="1045445"/>
-            <a:ext cx="9238434" cy="857559"/>
-          </a:xfrm>
-        </p:spPr>
-        <p:txBody>
-          <a:bodyPr anchor="b"/>
-          <a:lstStyle>
-            <a:lvl1pPr>
-              <a:defRPr>
-                <a:solidFill>
-                  <a:schemeClr val="tx1"/>
-                </a:solidFill>
-              </a:defRPr>
-            </a:lvl1pPr>
-          </a:lstStyle>
+        <p:spPr/>
+        <p:txBody>
+          <a:bodyPr/>
+          <a:lstStyle/>
           <a:p>
             <a:r>
               <a:rPr lang="en-US" dirty="0"/>
@@ -1489,7 +1886,7 @@
           <p:cNvPr id="3" name="Content Placeholder 2">
             <a:extLst>
               <a:ext uri="{FF2B5EF4-FFF2-40B4-BE49-F238E27FC236}">
-                <a16:creationId xmlns:a16="http://schemas.microsoft.com/office/drawing/2014/main" id="{8A909B75-A057-44B5-872F-DF01BDC8EA07}"/>
+                <a16:creationId xmlns:a16="http://schemas.microsoft.com/office/drawing/2014/main" id="{E0CDA8C3-9C0C-4E52-9A62-E4DB159E6B0E}"/>
               </a:ext>
             </a:extLst>
           </p:cNvPr>
@@ -1500,51 +1897,10 @@
             <p:ph idx="1"/>
           </p:nvPr>
         </p:nvSpPr>
-        <p:spPr>
-          <a:xfrm>
-            <a:off x="1429566" y="2286000"/>
-            <a:ext cx="9238434" cy="3810000"/>
-          </a:xfrm>
-        </p:spPr>
-        <p:txBody>
-          <a:bodyPr/>
-          <a:lstStyle>
-            <a:lvl1pPr>
-              <a:defRPr>
-                <a:solidFill>
-                  <a:schemeClr val="tx1"/>
-                </a:solidFill>
-              </a:defRPr>
-            </a:lvl1pPr>
-            <a:lvl2pPr>
-              <a:defRPr>
-                <a:solidFill>
-                  <a:schemeClr val="tx1"/>
-                </a:solidFill>
-              </a:defRPr>
-            </a:lvl2pPr>
-            <a:lvl3pPr>
-              <a:defRPr>
-                <a:solidFill>
-                  <a:schemeClr val="tx1"/>
-                </a:solidFill>
-              </a:defRPr>
-            </a:lvl3pPr>
-            <a:lvl4pPr>
-              <a:defRPr>
-                <a:solidFill>
-                  <a:schemeClr val="tx1"/>
-                </a:solidFill>
-              </a:defRPr>
-            </a:lvl4pPr>
-            <a:lvl5pPr>
-              <a:defRPr>
-                <a:solidFill>
-                  <a:schemeClr val="tx1"/>
-                </a:solidFill>
-              </a:defRPr>
-            </a:lvl5pPr>
-          </a:lstStyle>
+        <p:spPr/>
+        <p:txBody>
+          <a:bodyPr/>
+          <a:lstStyle/>
           <a:p>
             <a:pPr lvl="0"/>
             <a:r>
@@ -1587,7 +1943,7 @@
           <p:cNvPr id="4" name="Date Placeholder 3">
             <a:extLst>
               <a:ext uri="{FF2B5EF4-FFF2-40B4-BE49-F238E27FC236}">
-                <a16:creationId xmlns:a16="http://schemas.microsoft.com/office/drawing/2014/main" id="{9806260C-3219-4812-88F2-3162D37F293B}"/>
+                <a16:creationId xmlns:a16="http://schemas.microsoft.com/office/drawing/2014/main" id="{7CC3EC35-E02F-41FF-9232-F90692A902FC}"/>
               </a:ext>
             </a:extLst>
           </p:cNvPr>
@@ -1603,9 +1959,9 @@
           <a:bodyPr/>
           <a:lstStyle/>
           <a:p>
-            <a:fld id="{A3C9FAAF-C467-4C93-8ECD-39AF5A14D498}" type="datetimeFigureOut">
-              <a:rPr lang="en-US" dirty="0"/>
-              <a:t>5/3/2024</a:t>
+            <a:fld id="{2A4BF121-2723-4D35-ADA9-215CD054C4BC}" type="datetimeFigureOut">
+              <a:rPr lang="en-US" dirty="0"/>
+              <a:t>5/7/2024</a:t>
             </a:fld>
             <a:endParaRPr lang="en-US" dirty="0"/>
           </a:p>
@@ -1616,7 +1972,7 @@
           <p:cNvPr id="5" name="Footer Placeholder 4">
             <a:extLst>
               <a:ext uri="{FF2B5EF4-FFF2-40B4-BE49-F238E27FC236}">
-                <a16:creationId xmlns:a16="http://schemas.microsoft.com/office/drawing/2014/main" id="{F2762B73-9C01-4BE3-A199-782BE6EBA6E4}"/>
+                <a16:creationId xmlns:a16="http://schemas.microsoft.com/office/drawing/2014/main" id="{39D13D38-5DF1-443B-8A12-71E834FDC6A1}"/>
               </a:ext>
             </a:extLst>
           </p:cNvPr>
@@ -1645,7 +2001,7 @@
           <p:cNvPr id="6" name="Slide Number Placeholder 5">
             <a:extLst>
               <a:ext uri="{FF2B5EF4-FFF2-40B4-BE49-F238E27FC236}">
-                <a16:creationId xmlns:a16="http://schemas.microsoft.com/office/drawing/2014/main" id="{2A761492-EB56-4454-9D2A-8BB94AACB899}"/>
+                <a16:creationId xmlns:a16="http://schemas.microsoft.com/office/drawing/2014/main" id="{F25E644A-4A37-4757-9809-5B035E2874E6}"/>
               </a:ext>
             </a:extLst>
           </p:cNvPr>
@@ -1661,9 +2017,9 @@
           <a:bodyPr/>
           <a:lstStyle/>
           <a:p>
-            <a:fld id="{196A61CA-0502-4EE4-9724-96EA822543E5}" type="slidenum">
-              <a:rPr lang="en-US" dirty="0"/>
-              <a:t>‹nº›</a:t>
+            <a:fld id="{E30AF5A0-43BB-4336-8627-9123B9144D80}" type="slidenum">
+              <a:rPr lang="en-US" dirty="0"/>
+              <a:t>‹#›</a:t>
             </a:fld>
             <a:endParaRPr lang="en-US" dirty="0"/>
           </a:p>
@@ -1672,13 +2028,18 @@
     </p:spTree>
     <p:extLst>
       <p:ext uri="{BB962C8B-B14F-4D97-AF65-F5344CB8AC3E}">
-        <p14:creationId xmlns:p14="http://schemas.microsoft.com/office/powerpoint/2010/main" val="2457156884"/>
+        <p14:creationId xmlns:p14="http://schemas.microsoft.com/office/powerpoint/2010/main" val="1815732919"/>
       </p:ext>
     </p:extLst>
   </p:cSld>
   <p:clrMapOvr>
     <a:masterClrMapping/>
   </p:clrMapOvr>
+  <p:extLst>
+    <p:ext uri="{DCECCB84-F9BA-43D5-87BE-67443E8EF086}">
+      <p15:sldGuideLst xmlns:p15="http://schemas.microsoft.com/office/powerpoint/2012/main"/>
+    </p:ext>
+  </p:extLst>
 </p:sldLayout>
 </file>
 
@@ -1701,115 +2062,69 @@
       </p:grpSpPr>
       <p:sp>
         <p:nvSpPr>
-          <p:cNvPr id="7" name="Rectangle 6">
-            <a:extLst>
-              <a:ext uri="{FF2B5EF4-FFF2-40B4-BE49-F238E27FC236}">
-                <a16:creationId xmlns:a16="http://schemas.microsoft.com/office/drawing/2014/main" id="{B980A128-A52A-402C-865B-1BF08D7F0458}"/>
-              </a:ext>
-            </a:extLst>
-          </p:cNvPr>
-          <p:cNvSpPr/>
-          <p:nvPr/>
+          <p:cNvPr id="2" name="Title 1">
+            <a:extLst>
+              <a:ext uri="{FF2B5EF4-FFF2-40B4-BE49-F238E27FC236}">
+                <a16:creationId xmlns:a16="http://schemas.microsoft.com/office/drawing/2014/main" id="{70E6578B-CD85-4BF1-A729-E8E8079B595F}"/>
+              </a:ext>
+            </a:extLst>
+          </p:cNvPr>
+          <p:cNvSpPr>
+            <a:spLocks noGrp="1"/>
+          </p:cNvSpPr>
+          <p:nvPr>
+            <p:ph type="title"/>
+          </p:nvPr>
         </p:nvSpPr>
         <p:spPr>
           <a:xfrm>
-            <a:off x="0" y="0"/>
-            <a:ext cx="12192000" cy="6858000"/>
+            <a:off x="715383" y="1709738"/>
+            <a:ext cx="10632067" cy="2852737"/>
           </a:xfrm>
-          <a:prstGeom prst="rect">
-            <a:avLst/>
-          </a:prstGeom>
-          <a:solidFill>
-            <a:schemeClr val="bg1"/>
-          </a:solidFill>
-          <a:ln>
-            <a:noFill/>
-          </a:ln>
         </p:spPr>
-        <p:style>
-          <a:lnRef idx="2">
-            <a:schemeClr val="accent1">
-              <a:shade val="50000"/>
-            </a:schemeClr>
-          </a:lnRef>
-          <a:fillRef idx="1">
-            <a:schemeClr val="accent1"/>
-          </a:fillRef>
-          <a:effectRef idx="0">
-            <a:schemeClr val="accent1"/>
-          </a:effectRef>
-          <a:fontRef idx="minor">
-            <a:schemeClr val="lt1"/>
-          </a:fontRef>
-        </p:style>
-      </p:sp>
-      <p:sp>
-        <p:nvSpPr>
-          <p:cNvPr id="2" name="Title 1">
-            <a:extLst>
-              <a:ext uri="{FF2B5EF4-FFF2-40B4-BE49-F238E27FC236}">
-                <a16:creationId xmlns:a16="http://schemas.microsoft.com/office/drawing/2014/main" id="{3E900447-3778-4AB7-ACB3-7C2313FE9A47}"/>
-              </a:ext>
-            </a:extLst>
-          </p:cNvPr>
-          <p:cNvSpPr>
-            <a:spLocks noGrp="1"/>
-          </p:cNvSpPr>
-          <p:nvPr>
-            <p:ph type="title"/>
+        <p:txBody>
+          <a:bodyPr anchor="b"/>
+          <a:lstStyle>
+            <a:lvl1pPr>
+              <a:defRPr sz="6000"/>
+            </a:lvl1pPr>
+          </a:lstStyle>
+          <a:p>
+            <a:r>
+              <a:rPr lang="en-US" dirty="0"/>
+              <a:t>Click to edit Master title style</a:t>
+            </a:r>
+          </a:p>
+        </p:txBody>
+      </p:sp>
+      <p:sp>
+        <p:nvSpPr>
+          <p:cNvPr id="3" name="Text Placeholder 2">
+            <a:extLst>
+              <a:ext uri="{FF2B5EF4-FFF2-40B4-BE49-F238E27FC236}">
+                <a16:creationId xmlns:a16="http://schemas.microsoft.com/office/drawing/2014/main" id="{A58448C1-C13F-4826-8347-EEB00A6643D6}"/>
+              </a:ext>
+            </a:extLst>
+          </p:cNvPr>
+          <p:cNvSpPr>
+            <a:spLocks noGrp="1"/>
+          </p:cNvSpPr>
+          <p:nvPr>
+            <p:ph type="body" idx="1"/>
           </p:nvPr>
         </p:nvSpPr>
         <p:spPr>
           <a:xfrm>
-            <a:off x="1421745" y="1287554"/>
-            <a:ext cx="8284963" cy="3113064"/>
+            <a:off x="715383" y="4589463"/>
+            <a:ext cx="10632067" cy="1500187"/>
           </a:xfrm>
         </p:spPr>
         <p:txBody>
-          <a:bodyPr anchor="t"/>
-          <a:lstStyle>
-            <a:lvl1pPr>
-              <a:defRPr sz="4400"/>
-            </a:lvl1pPr>
-          </a:lstStyle>
-          <a:p>
-            <a:r>
-              <a:rPr lang="en-US" dirty="0"/>
-              <a:t>Click to edit Master title style</a:t>
-            </a:r>
-          </a:p>
-        </p:txBody>
-      </p:sp>
-      <p:sp>
-        <p:nvSpPr>
-          <p:cNvPr id="3" name="Text Placeholder 2">
-            <a:extLst>
-              <a:ext uri="{FF2B5EF4-FFF2-40B4-BE49-F238E27FC236}">
-                <a16:creationId xmlns:a16="http://schemas.microsoft.com/office/drawing/2014/main" id="{F9B910C9-BA3C-4D31-9C62-2C2408591FF2}"/>
-              </a:ext>
-            </a:extLst>
-          </p:cNvPr>
-          <p:cNvSpPr>
-            <a:spLocks noGrp="1"/>
-          </p:cNvSpPr>
-          <p:nvPr>
-            <p:ph type="body" idx="1"/>
-          </p:nvPr>
-        </p:nvSpPr>
-        <p:spPr>
-          <a:xfrm>
-            <a:off x="1421744" y="4619707"/>
-            <a:ext cx="7722256" cy="1476293"/>
-          </a:xfrm>
-        </p:spPr>
-        <p:txBody>
-          <a:bodyPr anchor="b">
-            <a:normAutofit/>
-          </a:bodyPr>
+          <a:bodyPr/>
           <a:lstStyle>
             <a:lvl1pPr marL="0" indent="0">
               <a:buNone/>
-              <a:defRPr sz="1800">
+              <a:defRPr sz="2400">
                 <a:solidFill>
                   <a:schemeClr val="tx1">
                     <a:tint val="75000"/>
@@ -1819,7 +2134,7 @@
             </a:lvl1pPr>
             <a:lvl2pPr marL="457200" indent="0">
               <a:buNone/>
-              <a:defRPr sz="1800">
+              <a:defRPr sz="2000">
                 <a:solidFill>
                   <a:schemeClr val="tx1">
                     <a:tint val="75000"/>
@@ -1912,7 +2227,7 @@
           <p:cNvPr id="4" name="Date Placeholder 3">
             <a:extLst>
               <a:ext uri="{FF2B5EF4-FFF2-40B4-BE49-F238E27FC236}">
-                <a16:creationId xmlns:a16="http://schemas.microsoft.com/office/drawing/2014/main" id="{58742E8A-6B69-406B-A3DF-0A1B76832E0A}"/>
+                <a16:creationId xmlns:a16="http://schemas.microsoft.com/office/drawing/2014/main" id="{5806546A-957F-4C4D-9744-1177AD258E10}"/>
               </a:ext>
             </a:extLst>
           </p:cNvPr>
@@ -1928,9 +2243,9 @@
           <a:bodyPr/>
           <a:lstStyle/>
           <a:p>
-            <a:fld id="{3E37E480-B2BA-4553-A144-61E7F75833ED}" type="datetimeFigureOut">
-              <a:rPr lang="en-US" dirty="0"/>
-              <a:t>5/3/2024</a:t>
+            <a:fld id="{C54F54BA-4BC6-480F-839C-951A49B248A9}" type="datetimeFigureOut">
+              <a:rPr lang="en-US" dirty="0"/>
+              <a:t>5/7/2024</a:t>
             </a:fld>
             <a:endParaRPr lang="en-US" dirty="0"/>
           </a:p>
@@ -1941,7 +2256,7 @@
           <p:cNvPr id="5" name="Footer Placeholder 4">
             <a:extLst>
               <a:ext uri="{FF2B5EF4-FFF2-40B4-BE49-F238E27FC236}">
-                <a16:creationId xmlns:a16="http://schemas.microsoft.com/office/drawing/2014/main" id="{64D665CF-4461-4BB8-8F3A-ED1CB1084CA2}"/>
+                <a16:creationId xmlns:a16="http://schemas.microsoft.com/office/drawing/2014/main" id="{B1DB149C-CC63-4E3A-A83D-EF637EB51979}"/>
               </a:ext>
             </a:extLst>
           </p:cNvPr>
@@ -1970,7 +2285,7 @@
           <p:cNvPr id="6" name="Slide Number Placeholder 5">
             <a:extLst>
               <a:ext uri="{FF2B5EF4-FFF2-40B4-BE49-F238E27FC236}">
-                <a16:creationId xmlns:a16="http://schemas.microsoft.com/office/drawing/2014/main" id="{D4898B27-5EF3-49F4-B3CE-F3CF419AE06E}"/>
+                <a16:creationId xmlns:a16="http://schemas.microsoft.com/office/drawing/2014/main" id="{EDB94775-7982-41EC-B584-D51224D38F77}"/>
               </a:ext>
             </a:extLst>
           </p:cNvPr>
@@ -1986,9 +2301,9 @@
           <a:bodyPr/>
           <a:lstStyle/>
           <a:p>
-            <a:fld id="{196A61CA-0502-4EE4-9724-96EA822543E5}" type="slidenum">
-              <a:rPr lang="en-US" dirty="0"/>
-              <a:t>‹nº›</a:t>
+            <a:fld id="{E30AF5A0-43BB-4336-8627-9123B9144D80}" type="slidenum">
+              <a:rPr lang="en-US" dirty="0"/>
+              <a:t>‹#›</a:t>
             </a:fld>
             <a:endParaRPr lang="en-US" dirty="0"/>
           </a:p>
@@ -1997,13 +2312,18 @@
     </p:spTree>
     <p:extLst>
       <p:ext uri="{BB962C8B-B14F-4D97-AF65-F5344CB8AC3E}">
-        <p14:creationId xmlns:p14="http://schemas.microsoft.com/office/powerpoint/2010/main" val="2260547415"/>
+        <p14:creationId xmlns:p14="http://schemas.microsoft.com/office/powerpoint/2010/main" val="3855284416"/>
       </p:ext>
     </p:extLst>
   </p:cSld>
   <p:clrMapOvr>
     <a:masterClrMapping/>
   </p:clrMapOvr>
+  <p:extLst>
+    <p:ext uri="{DCECCB84-F9BA-43D5-87BE-67443E8EF086}">
+      <p15:sldGuideLst xmlns:p15="http://schemas.microsoft.com/office/powerpoint/2012/main"/>
+    </p:ext>
+  </p:extLst>
 </p:sldLayout>
 </file>
 
@@ -2029,7 +2349,7 @@
           <p:cNvPr id="2" name="Title 1">
             <a:extLst>
               <a:ext uri="{FF2B5EF4-FFF2-40B4-BE49-F238E27FC236}">
-                <a16:creationId xmlns:a16="http://schemas.microsoft.com/office/drawing/2014/main" id="{3733F3BA-5AD5-4F15-97B2-E4652D1D4E15}"/>
+                <a16:creationId xmlns:a16="http://schemas.microsoft.com/office/drawing/2014/main" id="{88CE4BD8-507D-48E4-A624-F16A741C3609}"/>
               </a:ext>
             </a:extLst>
           </p:cNvPr>
@@ -2042,21 +2362,13 @@
         </p:nvSpPr>
         <p:spPr>
           <a:xfrm>
-            <a:off x="1429566" y="1013411"/>
-            <a:ext cx="9238434" cy="889592"/>
+            <a:off x="700635" y="922096"/>
+            <a:ext cx="10691265" cy="1127930"/>
           </a:xfrm>
         </p:spPr>
         <p:txBody>
           <a:bodyPr/>
-          <a:lstStyle>
-            <a:lvl1pPr>
-              <a:defRPr>
-                <a:solidFill>
-                  <a:schemeClr val="tx1"/>
-                </a:solidFill>
-              </a:defRPr>
-            </a:lvl1pPr>
-          </a:lstStyle>
+          <a:lstStyle/>
           <a:p>
             <a:r>
               <a:rPr lang="en-US" dirty="0"/>
@@ -2070,7 +2382,7 @@
           <p:cNvPr id="3" name="Content Placeholder 2">
             <a:extLst>
               <a:ext uri="{FF2B5EF4-FFF2-40B4-BE49-F238E27FC236}">
-                <a16:creationId xmlns:a16="http://schemas.microsoft.com/office/drawing/2014/main" id="{7EA997B8-1FD3-40E6-A486-256EB41DB70A}"/>
+                <a16:creationId xmlns:a16="http://schemas.microsoft.com/office/drawing/2014/main" id="{810A07E4-3A39-457C-A059-7DFB6039D947}"/>
               </a:ext>
             </a:extLst>
           </p:cNvPr>
@@ -2083,49 +2395,13 @@
         </p:nvSpPr>
         <p:spPr>
           <a:xfrm>
-            <a:off x="1429566" y="2135565"/>
-            <a:ext cx="4495800" cy="3960435"/>
+            <a:off x="715383" y="2128684"/>
+            <a:ext cx="5304417" cy="3844414"/>
           </a:xfrm>
         </p:spPr>
         <p:txBody>
           <a:bodyPr/>
-          <a:lstStyle>
-            <a:lvl1pPr>
-              <a:defRPr>
-                <a:solidFill>
-                  <a:schemeClr val="tx1"/>
-                </a:solidFill>
-              </a:defRPr>
-            </a:lvl1pPr>
-            <a:lvl2pPr>
-              <a:defRPr>
-                <a:solidFill>
-                  <a:schemeClr val="tx1"/>
-                </a:solidFill>
-              </a:defRPr>
-            </a:lvl2pPr>
-            <a:lvl3pPr>
-              <a:defRPr>
-                <a:solidFill>
-                  <a:schemeClr val="tx1"/>
-                </a:solidFill>
-              </a:defRPr>
-            </a:lvl3pPr>
-            <a:lvl4pPr>
-              <a:defRPr>
-                <a:solidFill>
-                  <a:schemeClr val="tx1"/>
-                </a:solidFill>
-              </a:defRPr>
-            </a:lvl4pPr>
-            <a:lvl5pPr>
-              <a:defRPr>
-                <a:solidFill>
-                  <a:schemeClr val="tx1"/>
-                </a:solidFill>
-              </a:defRPr>
-            </a:lvl5pPr>
-          </a:lstStyle>
+          <a:lstStyle/>
           <a:p>
             <a:pPr lvl="0"/>
             <a:r>
@@ -2168,7 +2444,7 @@
           <p:cNvPr id="4" name="Content Placeholder 3">
             <a:extLst>
               <a:ext uri="{FF2B5EF4-FFF2-40B4-BE49-F238E27FC236}">
-                <a16:creationId xmlns:a16="http://schemas.microsoft.com/office/drawing/2014/main" id="{4183F4D8-AA9A-4AF7-86EA-E4D797B98CE9}"/>
+                <a16:creationId xmlns:a16="http://schemas.microsoft.com/office/drawing/2014/main" id="{7B141E17-47CE-4A78-B0FA-0E9786DA67C5}"/>
               </a:ext>
             </a:extLst>
           </p:cNvPr>
@@ -2181,49 +2457,13 @@
         </p:nvSpPr>
         <p:spPr>
           <a:xfrm>
-            <a:off x="6172200" y="2135565"/>
-            <a:ext cx="4495800" cy="3960435"/>
+            <a:off x="6172200" y="2128684"/>
+            <a:ext cx="5219700" cy="3844414"/>
           </a:xfrm>
         </p:spPr>
         <p:txBody>
           <a:bodyPr/>
-          <a:lstStyle>
-            <a:lvl1pPr>
-              <a:defRPr>
-                <a:solidFill>
-                  <a:schemeClr val="tx1"/>
-                </a:solidFill>
-              </a:defRPr>
-            </a:lvl1pPr>
-            <a:lvl2pPr>
-              <a:defRPr>
-                <a:solidFill>
-                  <a:schemeClr val="tx1"/>
-                </a:solidFill>
-              </a:defRPr>
-            </a:lvl2pPr>
-            <a:lvl3pPr>
-              <a:defRPr>
-                <a:solidFill>
-                  <a:schemeClr val="tx1"/>
-                </a:solidFill>
-              </a:defRPr>
-            </a:lvl3pPr>
-            <a:lvl4pPr>
-              <a:defRPr>
-                <a:solidFill>
-                  <a:schemeClr val="tx1"/>
-                </a:solidFill>
-              </a:defRPr>
-            </a:lvl4pPr>
-            <a:lvl5pPr>
-              <a:defRPr>
-                <a:solidFill>
-                  <a:schemeClr val="tx1"/>
-                </a:solidFill>
-              </a:defRPr>
-            </a:lvl5pPr>
-          </a:lstStyle>
+          <a:lstStyle/>
           <a:p>
             <a:pPr lvl="0"/>
             <a:r>
@@ -2266,7 +2506,7 @@
           <p:cNvPr id="5" name="Date Placeholder 4">
             <a:extLst>
               <a:ext uri="{FF2B5EF4-FFF2-40B4-BE49-F238E27FC236}">
-                <a16:creationId xmlns:a16="http://schemas.microsoft.com/office/drawing/2014/main" id="{BA08823E-BC08-4810-9BFF-35D2EA2AE729}"/>
+                <a16:creationId xmlns:a16="http://schemas.microsoft.com/office/drawing/2014/main" id="{89F02C13-D3ED-4044-9716-F29D79A184C9}"/>
               </a:ext>
             </a:extLst>
           </p:cNvPr>
@@ -2282,9 +2522,9 @@
           <a:bodyPr/>
           <a:lstStyle/>
           <a:p>
-            <a:fld id="{390E682A-6B53-4B08-AE4D-4C5E659103CC}" type="datetimeFigureOut">
-              <a:rPr lang="en-US" dirty="0"/>
-              <a:t>5/3/2024</a:t>
+            <a:fld id="{0F9DD0EA-4726-4440-BF9D-E88296FC3068}" type="datetimeFigureOut">
+              <a:rPr lang="en-US" dirty="0"/>
+              <a:t>5/7/2024</a:t>
             </a:fld>
             <a:endParaRPr lang="en-US" dirty="0"/>
           </a:p>
@@ -2295,7 +2535,7 @@
           <p:cNvPr id="6" name="Footer Placeholder 5">
             <a:extLst>
               <a:ext uri="{FF2B5EF4-FFF2-40B4-BE49-F238E27FC236}">
-                <a16:creationId xmlns:a16="http://schemas.microsoft.com/office/drawing/2014/main" id="{2FDD2BFB-BB2C-4C4A-A6E1-DD223C2BE02F}"/>
+                <a16:creationId xmlns:a16="http://schemas.microsoft.com/office/drawing/2014/main" id="{8AF334AD-FB29-4355-B5CF-85E61B4F3409}"/>
               </a:ext>
             </a:extLst>
           </p:cNvPr>
@@ -2324,7 +2564,7 @@
           <p:cNvPr id="7" name="Slide Number Placeholder 6">
             <a:extLst>
               <a:ext uri="{FF2B5EF4-FFF2-40B4-BE49-F238E27FC236}">
-                <a16:creationId xmlns:a16="http://schemas.microsoft.com/office/drawing/2014/main" id="{95D369B2-12F8-4583-8A7F-523C9A3EF09B}"/>
+                <a16:creationId xmlns:a16="http://schemas.microsoft.com/office/drawing/2014/main" id="{BA5AA154-790C-4774-9C21-8C543E733F26}"/>
               </a:ext>
             </a:extLst>
           </p:cNvPr>
@@ -2340,9 +2580,9 @@
           <a:bodyPr/>
           <a:lstStyle/>
           <a:p>
-            <a:fld id="{196A61CA-0502-4EE4-9724-96EA822543E5}" type="slidenum">
-              <a:rPr lang="en-US" dirty="0"/>
-              <a:t>‹nº›</a:t>
+            <a:fld id="{E30AF5A0-43BB-4336-8627-9123B9144D80}" type="slidenum">
+              <a:rPr lang="en-US" dirty="0"/>
+              <a:t>‹#›</a:t>
             </a:fld>
             <a:endParaRPr lang="en-US" dirty="0"/>
           </a:p>
@@ -2351,13 +2591,18 @@
     </p:spTree>
     <p:extLst>
       <p:ext uri="{BB962C8B-B14F-4D97-AF65-F5344CB8AC3E}">
-        <p14:creationId xmlns:p14="http://schemas.microsoft.com/office/powerpoint/2010/main" val="51149255"/>
+        <p14:creationId xmlns:p14="http://schemas.microsoft.com/office/powerpoint/2010/main" val="369291616"/>
       </p:ext>
     </p:extLst>
   </p:cSld>
   <p:clrMapOvr>
     <a:masterClrMapping/>
   </p:clrMapOvr>
+  <p:extLst>
+    <p:ext uri="{DCECCB84-F9BA-43D5-87BE-67443E8EF086}">
+      <p15:sldGuideLst xmlns:p15="http://schemas.microsoft.com/office/powerpoint/2012/main"/>
+    </p:ext>
+  </p:extLst>
 </p:sldLayout>
 </file>
 
@@ -2383,7 +2628,7 @@
           <p:cNvPr id="2" name="Title 1">
             <a:extLst>
               <a:ext uri="{FF2B5EF4-FFF2-40B4-BE49-F238E27FC236}">
-                <a16:creationId xmlns:a16="http://schemas.microsoft.com/office/drawing/2014/main" id="{27AC717F-84B9-44BA-8DD6-680394AB193E}"/>
+                <a16:creationId xmlns:a16="http://schemas.microsoft.com/office/drawing/2014/main" id="{9E07DD35-7673-4F88-86B0-634883B5E345}"/>
               </a:ext>
             </a:extLst>
           </p:cNvPr>
@@ -2396,21 +2641,13 @@
         </p:nvSpPr>
         <p:spPr>
           <a:xfrm>
-            <a:off x="1429566" y="1079150"/>
-            <a:ext cx="9238434" cy="823912"/>
+            <a:off x="685887" y="929148"/>
+            <a:ext cx="10640005" cy="761540"/>
           </a:xfrm>
         </p:spPr>
         <p:txBody>
           <a:bodyPr/>
-          <a:lstStyle>
-            <a:lvl1pPr>
-              <a:defRPr>
-                <a:solidFill>
-                  <a:schemeClr val="tx1"/>
-                </a:solidFill>
-              </a:defRPr>
-            </a:lvl1pPr>
-          </a:lstStyle>
+          <a:lstStyle/>
           <a:p>
             <a:r>
               <a:rPr lang="en-US" dirty="0"/>
@@ -2424,7 +2661,7 @@
           <p:cNvPr id="3" name="Text Placeholder 2">
             <a:extLst>
               <a:ext uri="{FF2B5EF4-FFF2-40B4-BE49-F238E27FC236}">
-                <a16:creationId xmlns:a16="http://schemas.microsoft.com/office/drawing/2014/main" id="{2A1217D6-7448-4625-964F-5D82F65F11F7}"/>
+                <a16:creationId xmlns:a16="http://schemas.microsoft.com/office/drawing/2014/main" id="{5EC820D7-3E0B-47C6-A583-C4C839C5AF03}"/>
               </a:ext>
             </a:extLst>
           </p:cNvPr>
@@ -2437,8 +2674,8 @@
         </p:nvSpPr>
         <p:spPr>
           <a:xfrm>
-            <a:off x="1429567" y="2013217"/>
-            <a:ext cx="4495799" cy="704232"/>
+            <a:off x="715384" y="1681163"/>
+            <a:ext cx="5282192" cy="657225"/>
           </a:xfrm>
         </p:spPr>
         <p:txBody>
@@ -2447,24 +2684,18 @@
           </a:bodyPr>
           <a:lstStyle>
             <a:lvl1pPr marL="0" indent="0">
-              <a:lnSpc>
-                <a:spcPct val="100000"/>
-              </a:lnSpc>
-              <a:buNone/>
-              <a:defRPr sz="1800" b="0" cap="all" spc="300" baseline="0">
-                <a:solidFill>
-                  <a:schemeClr val="tx1"/>
-                </a:solidFill>
+              <a:buNone/>
+              <a:defRPr sz="1600" b="1">
                 <a:latin typeface="+mj-lt"/>
               </a:defRPr>
             </a:lvl1pPr>
             <a:lvl2pPr marL="457200" indent="0">
               <a:buNone/>
-              <a:defRPr sz="1800" b="1"/>
+              <a:defRPr sz="1600" b="1"/>
             </a:lvl2pPr>
             <a:lvl3pPr marL="914400" indent="0">
               <a:buNone/>
-              <a:defRPr sz="1800" b="1"/>
+              <a:defRPr sz="1600" b="1"/>
             </a:lvl3pPr>
             <a:lvl4pPr marL="1371600" indent="0">
               <a:buNone/>
@@ -2505,7 +2736,7 @@
           <p:cNvPr id="4" name="Content Placeholder 3">
             <a:extLst>
               <a:ext uri="{FF2B5EF4-FFF2-40B4-BE49-F238E27FC236}">
-                <a16:creationId xmlns:a16="http://schemas.microsoft.com/office/drawing/2014/main" id="{253A534C-0B54-4327-99C0-4F0019FD21F6}"/>
+                <a16:creationId xmlns:a16="http://schemas.microsoft.com/office/drawing/2014/main" id="{6A839A7B-97D5-400F-B802-A0FF28FE9F15}"/>
               </a:ext>
             </a:extLst>
           </p:cNvPr>
@@ -2518,49 +2749,13 @@
         </p:nvSpPr>
         <p:spPr>
           <a:xfrm>
-            <a:off x="1429567" y="3048000"/>
-            <a:ext cx="4495800" cy="3048000"/>
+            <a:off x="715384" y="2505075"/>
+            <a:ext cx="5282192" cy="3423777"/>
           </a:xfrm>
         </p:spPr>
         <p:txBody>
           <a:bodyPr/>
-          <a:lstStyle>
-            <a:lvl1pPr>
-              <a:defRPr>
-                <a:solidFill>
-                  <a:schemeClr val="tx1"/>
-                </a:solidFill>
-              </a:defRPr>
-            </a:lvl1pPr>
-            <a:lvl2pPr>
-              <a:defRPr>
-                <a:solidFill>
-                  <a:schemeClr val="tx1"/>
-                </a:solidFill>
-              </a:defRPr>
-            </a:lvl2pPr>
-            <a:lvl3pPr>
-              <a:defRPr>
-                <a:solidFill>
-                  <a:schemeClr val="tx1"/>
-                </a:solidFill>
-              </a:defRPr>
-            </a:lvl3pPr>
-            <a:lvl4pPr>
-              <a:defRPr>
-                <a:solidFill>
-                  <a:schemeClr val="tx1"/>
-                </a:solidFill>
-              </a:defRPr>
-            </a:lvl4pPr>
-            <a:lvl5pPr>
-              <a:defRPr>
-                <a:solidFill>
-                  <a:schemeClr val="tx1"/>
-                </a:solidFill>
-              </a:defRPr>
-            </a:lvl5pPr>
-          </a:lstStyle>
+          <a:lstStyle/>
           <a:p>
             <a:pPr lvl="0"/>
             <a:r>
@@ -2603,7 +2798,7 @@
           <p:cNvPr id="5" name="Text Placeholder 4">
             <a:extLst>
               <a:ext uri="{FF2B5EF4-FFF2-40B4-BE49-F238E27FC236}">
-                <a16:creationId xmlns:a16="http://schemas.microsoft.com/office/drawing/2014/main" id="{389D4A63-0795-4B74-8C11-5FE7944118C7}"/>
+                <a16:creationId xmlns:a16="http://schemas.microsoft.com/office/drawing/2014/main" id="{C2E0ECA2-DBF1-4681-9DFA-93AFD1B371DB}"/>
               </a:ext>
             </a:extLst>
           </p:cNvPr>
@@ -2616,8 +2811,8 @@
         </p:nvSpPr>
         <p:spPr>
           <a:xfrm>
-            <a:off x="6172200" y="2013215"/>
-            <a:ext cx="4495800" cy="704233"/>
+            <a:off x="6172200" y="1681163"/>
+            <a:ext cx="5183188" cy="657225"/>
           </a:xfrm>
         </p:spPr>
         <p:txBody>
@@ -2626,24 +2821,18 @@
           </a:bodyPr>
           <a:lstStyle>
             <a:lvl1pPr marL="0" indent="0">
-              <a:lnSpc>
-                <a:spcPct val="100000"/>
-              </a:lnSpc>
-              <a:buNone/>
-              <a:defRPr sz="1800" b="0" cap="all" spc="300" baseline="0">
-                <a:solidFill>
-                  <a:schemeClr val="tx1"/>
-                </a:solidFill>
+              <a:buNone/>
+              <a:defRPr sz="1600" b="1">
                 <a:latin typeface="+mj-lt"/>
               </a:defRPr>
             </a:lvl1pPr>
             <a:lvl2pPr marL="457200" indent="0">
               <a:buNone/>
-              <a:defRPr sz="1800" b="1"/>
+              <a:defRPr sz="1600" b="1"/>
             </a:lvl2pPr>
             <a:lvl3pPr marL="914400" indent="0">
               <a:buNone/>
-              <a:defRPr sz="1800" b="1"/>
+              <a:defRPr sz="1600" b="1"/>
             </a:lvl3pPr>
             <a:lvl4pPr marL="1371600" indent="0">
               <a:buNone/>
@@ -2684,7 +2873,7 @@
           <p:cNvPr id="6" name="Content Placeholder 5">
             <a:extLst>
               <a:ext uri="{FF2B5EF4-FFF2-40B4-BE49-F238E27FC236}">
-                <a16:creationId xmlns:a16="http://schemas.microsoft.com/office/drawing/2014/main" id="{823D16F3-F747-441B-9854-27225954DEC4}"/>
+                <a16:creationId xmlns:a16="http://schemas.microsoft.com/office/drawing/2014/main" id="{390EBBBB-517F-4ED7-9E51-CF0F7590B4D4}"/>
               </a:ext>
             </a:extLst>
           </p:cNvPr>
@@ -2697,49 +2886,13 @@
         </p:nvSpPr>
         <p:spPr>
           <a:xfrm>
-            <a:off x="6172200" y="3048000"/>
-            <a:ext cx="4495800" cy="3048000"/>
+            <a:off x="6172200" y="2505075"/>
+            <a:ext cx="5183188" cy="3423777"/>
           </a:xfrm>
         </p:spPr>
         <p:txBody>
           <a:bodyPr/>
-          <a:lstStyle>
-            <a:lvl1pPr>
-              <a:defRPr>
-                <a:solidFill>
-                  <a:schemeClr val="tx1"/>
-                </a:solidFill>
-              </a:defRPr>
-            </a:lvl1pPr>
-            <a:lvl2pPr>
-              <a:defRPr>
-                <a:solidFill>
-                  <a:schemeClr val="tx1"/>
-                </a:solidFill>
-              </a:defRPr>
-            </a:lvl2pPr>
-            <a:lvl3pPr>
-              <a:defRPr>
-                <a:solidFill>
-                  <a:schemeClr val="tx1"/>
-                </a:solidFill>
-              </a:defRPr>
-            </a:lvl3pPr>
-            <a:lvl4pPr>
-              <a:defRPr>
-                <a:solidFill>
-                  <a:schemeClr val="tx1"/>
-                </a:solidFill>
-              </a:defRPr>
-            </a:lvl4pPr>
-            <a:lvl5pPr>
-              <a:defRPr>
-                <a:solidFill>
-                  <a:schemeClr val="tx1"/>
-                </a:solidFill>
-              </a:defRPr>
-            </a:lvl5pPr>
-          </a:lstStyle>
+          <a:lstStyle/>
           <a:p>
             <a:pPr lvl="0"/>
             <a:r>
@@ -2782,7 +2935,7 @@
           <p:cNvPr id="7" name="Date Placeholder 6">
             <a:extLst>
               <a:ext uri="{FF2B5EF4-FFF2-40B4-BE49-F238E27FC236}">
-                <a16:creationId xmlns:a16="http://schemas.microsoft.com/office/drawing/2014/main" id="{0E8168E2-6B97-486E-B0E4-4E7F5CDBB5B1}"/>
+                <a16:creationId xmlns:a16="http://schemas.microsoft.com/office/drawing/2014/main" id="{2511B5C7-1E37-478F-B4B0-C7202FFE41B9}"/>
               </a:ext>
             </a:extLst>
           </p:cNvPr>
@@ -2798,9 +2951,9 @@
           <a:bodyPr/>
           <a:lstStyle/>
           <a:p>
-            <a:fld id="{7C69F0F6-BEBB-4894-ABB2-75C5CBE0DDB9}" type="datetimeFigureOut">
-              <a:rPr lang="en-US" dirty="0"/>
-              <a:t>5/3/2024</a:t>
+            <a:fld id="{19CAD10D-99D1-46B2-A85A-C16850FCF8CF}" type="datetimeFigureOut">
+              <a:rPr lang="en-US" dirty="0"/>
+              <a:t>5/7/2024</a:t>
             </a:fld>
             <a:endParaRPr lang="en-US" dirty="0"/>
           </a:p>
@@ -2811,7 +2964,7 @@
           <p:cNvPr id="8" name="Footer Placeholder 7">
             <a:extLst>
               <a:ext uri="{FF2B5EF4-FFF2-40B4-BE49-F238E27FC236}">
-                <a16:creationId xmlns:a16="http://schemas.microsoft.com/office/drawing/2014/main" id="{D05D3E2B-2F4E-4347-A8E9-27EB7D0359B3}"/>
+                <a16:creationId xmlns:a16="http://schemas.microsoft.com/office/drawing/2014/main" id="{9153F7EF-507C-4CB3-86C5-8B34FFFC1D86}"/>
               </a:ext>
             </a:extLst>
           </p:cNvPr>
@@ -2840,7 +2993,7 @@
           <p:cNvPr id="9" name="Slide Number Placeholder 8">
             <a:extLst>
               <a:ext uri="{FF2B5EF4-FFF2-40B4-BE49-F238E27FC236}">
-                <a16:creationId xmlns:a16="http://schemas.microsoft.com/office/drawing/2014/main" id="{DC1FC4F5-6876-414E-9E30-84706A3F528C}"/>
+                <a16:creationId xmlns:a16="http://schemas.microsoft.com/office/drawing/2014/main" id="{58E3DEA6-E4EB-4C2A-8B4F-55EC965B6219}"/>
               </a:ext>
             </a:extLst>
           </p:cNvPr>
@@ -2856,145 +3009,18 @@
           <a:bodyPr/>
           <a:lstStyle/>
           <a:p>
-            <a:fld id="{196A61CA-0502-4EE4-9724-96EA822543E5}" type="slidenum">
-              <a:rPr lang="en-US" dirty="0"/>
-              <a:t>‹nº›</a:t>
+            <a:fld id="{E30AF5A0-43BB-4336-8627-9123B9144D80}" type="slidenum">
+              <a:rPr lang="en-US" dirty="0"/>
+              <a:t>‹#›</a:t>
             </a:fld>
             <a:endParaRPr lang="en-US" dirty="0"/>
           </a:p>
         </p:txBody>
       </p:sp>
-      <p:cxnSp>
-        <p:nvCxnSpPr>
-          <p:cNvPr id="11" name="Straight Connector 10">
-            <a:extLst>
-              <a:ext uri="{FF2B5EF4-FFF2-40B4-BE49-F238E27FC236}">
-                <a16:creationId xmlns:a16="http://schemas.microsoft.com/office/drawing/2014/main" id="{A70D2F04-5474-46B9-B838-858CDF4AB2D2}"/>
-              </a:ext>
-            </a:extLst>
-          </p:cNvPr>
-          <p:cNvCxnSpPr>
-            <a:cxnSpLocks/>
-          </p:cNvCxnSpPr>
-          <p:nvPr/>
-        </p:nvCxnSpPr>
-        <p:spPr>
-          <a:xfrm>
-            <a:off x="6270727" y="2876662"/>
-            <a:ext cx="971155" cy="0"/>
-          </a:xfrm>
-          <a:prstGeom prst="line">
-            <a:avLst/>
-          </a:prstGeom>
-          <a:ln w="31750">
-            <a:solidFill>
-              <a:schemeClr val="tx1"/>
-            </a:solidFill>
-          </a:ln>
-        </p:spPr>
-        <p:style>
-          <a:lnRef idx="1">
-            <a:schemeClr val="accent1"/>
-          </a:lnRef>
-          <a:fillRef idx="0">
-            <a:schemeClr val="accent1"/>
-          </a:fillRef>
-          <a:effectRef idx="0">
-            <a:schemeClr val="accent1"/>
-          </a:effectRef>
-          <a:fontRef idx="minor">
-            <a:schemeClr val="tx1"/>
-          </a:fontRef>
-        </p:style>
-      </p:cxnSp>
-      <p:sp>
-        <p:nvSpPr>
-          <p:cNvPr id="13" name="Rectangle 12">
-            <a:extLst>
-              <a:ext uri="{FF2B5EF4-FFF2-40B4-BE49-F238E27FC236}">
-                <a16:creationId xmlns:a16="http://schemas.microsoft.com/office/drawing/2014/main" id="{CADEE893-BE45-47F3-BCF0-02424B3503CC}"/>
-              </a:ext>
-            </a:extLst>
-          </p:cNvPr>
-          <p:cNvSpPr/>
-          <p:nvPr/>
-        </p:nvSpPr>
-        <p:spPr>
-          <a:xfrm>
-            <a:off x="-1171838" y="4592406"/>
-            <a:ext cx="808262" cy="389711"/>
-          </a:xfrm>
-          <a:prstGeom prst="rect">
-            <a:avLst/>
-          </a:prstGeom>
-          <a:ln>
-            <a:noFill/>
-          </a:ln>
-        </p:spPr>
-        <p:style>
-          <a:lnRef idx="2">
-            <a:schemeClr val="accent1">
-              <a:shade val="50000"/>
-            </a:schemeClr>
-          </a:lnRef>
-          <a:fillRef idx="1">
-            <a:schemeClr val="accent1"/>
-          </a:fillRef>
-          <a:effectRef idx="0">
-            <a:schemeClr val="accent1"/>
-          </a:effectRef>
-          <a:fontRef idx="minor">
-            <a:schemeClr val="lt1"/>
-          </a:fontRef>
-        </p:style>
-      </p:sp>
-      <p:cxnSp>
-        <p:nvCxnSpPr>
-          <p:cNvPr id="14" name="Straight Connector 13">
-            <a:extLst>
-              <a:ext uri="{FF2B5EF4-FFF2-40B4-BE49-F238E27FC236}">
-                <a16:creationId xmlns:a16="http://schemas.microsoft.com/office/drawing/2014/main" id="{3FB5178A-4501-4B56-8BF1-D083D7B021CE}"/>
-              </a:ext>
-            </a:extLst>
-          </p:cNvPr>
-          <p:cNvCxnSpPr>
-            <a:cxnSpLocks/>
-          </p:cNvCxnSpPr>
-          <p:nvPr/>
-        </p:nvCxnSpPr>
-        <p:spPr>
-          <a:xfrm>
-            <a:off x="1524000" y="2876662"/>
-            <a:ext cx="971155" cy="0"/>
-          </a:xfrm>
-          <a:prstGeom prst="line">
-            <a:avLst/>
-          </a:prstGeom>
-          <a:ln w="31750">
-            <a:solidFill>
-              <a:schemeClr val="tx1"/>
-            </a:solidFill>
-          </a:ln>
-        </p:spPr>
-        <p:style>
-          <a:lnRef idx="1">
-            <a:schemeClr val="accent1"/>
-          </a:lnRef>
-          <a:fillRef idx="0">
-            <a:schemeClr val="accent1"/>
-          </a:fillRef>
-          <a:effectRef idx="0">
-            <a:schemeClr val="accent1"/>
-          </a:effectRef>
-          <a:fontRef idx="minor">
-            <a:schemeClr val="tx1"/>
-          </a:fontRef>
-        </p:style>
-      </p:cxnSp>
     </p:spTree>
     <p:extLst>
       <p:ext uri="{BB962C8B-B14F-4D97-AF65-F5344CB8AC3E}">
-        <p14:creationId xmlns:p14="http://schemas.microsoft.com/office/powerpoint/2010/main" val="3095146221"/>
+        <p14:creationId xmlns:p14="http://schemas.microsoft.com/office/powerpoint/2010/main" val="367543662"/>
       </p:ext>
     </p:extLst>
   </p:cSld>
@@ -3023,54 +3049,10 @@
       </p:grpSpPr>
       <p:sp>
         <p:nvSpPr>
-          <p:cNvPr id="6" name="Rectangle 5">
-            <a:extLst>
-              <a:ext uri="{FF2B5EF4-FFF2-40B4-BE49-F238E27FC236}">
-                <a16:creationId xmlns:a16="http://schemas.microsoft.com/office/drawing/2014/main" id="{A52109C6-041C-42BA-B507-8EA298046EDD}"/>
-              </a:ext>
-            </a:extLst>
-          </p:cNvPr>
-          <p:cNvSpPr/>
-          <p:nvPr/>
-        </p:nvSpPr>
-        <p:spPr>
-          <a:xfrm>
-            <a:off x="0" y="0"/>
-            <a:ext cx="12192000" cy="6858000"/>
-          </a:xfrm>
-          <a:prstGeom prst="rect">
-            <a:avLst/>
-          </a:prstGeom>
-          <a:solidFill>
-            <a:schemeClr val="bg1"/>
-          </a:solidFill>
-          <a:ln>
-            <a:noFill/>
-          </a:ln>
-        </p:spPr>
-        <p:style>
-          <a:lnRef idx="2">
-            <a:schemeClr val="accent1">
-              <a:shade val="50000"/>
-            </a:schemeClr>
-          </a:lnRef>
-          <a:fillRef idx="1">
-            <a:schemeClr val="accent1"/>
-          </a:fillRef>
-          <a:effectRef idx="0">
-            <a:schemeClr val="accent1"/>
-          </a:effectRef>
-          <a:fontRef idx="minor">
-            <a:schemeClr val="lt1"/>
-          </a:fontRef>
-        </p:style>
-      </p:sp>
-      <p:sp>
-        <p:nvSpPr>
           <p:cNvPr id="2" name="Title 1">
             <a:extLst>
               <a:ext uri="{FF2B5EF4-FFF2-40B4-BE49-F238E27FC236}">
-                <a16:creationId xmlns:a16="http://schemas.microsoft.com/office/drawing/2014/main" id="{7F7BF877-20DD-40F4-AEA8-E1B6D5350D2D}"/>
+                <a16:creationId xmlns:a16="http://schemas.microsoft.com/office/drawing/2014/main" id="{38032964-A933-4B98-A141-A4B316DAFA9F}"/>
               </a:ext>
             </a:extLst>
           </p:cNvPr>
@@ -3098,7 +3080,7 @@
           <p:cNvPr id="3" name="Date Placeholder 2">
             <a:extLst>
               <a:ext uri="{FF2B5EF4-FFF2-40B4-BE49-F238E27FC236}">
-                <a16:creationId xmlns:a16="http://schemas.microsoft.com/office/drawing/2014/main" id="{167DC874-15B5-4338-B7D1-8E393AB4C16E}"/>
+                <a16:creationId xmlns:a16="http://schemas.microsoft.com/office/drawing/2014/main" id="{5D684C9D-23DA-42B0-9DD3-7592F72E8DC9}"/>
               </a:ext>
             </a:extLst>
           </p:cNvPr>
@@ -3114,9 +3096,9 @@
           <a:bodyPr/>
           <a:lstStyle/>
           <a:p>
-            <a:fld id="{8B3E9E5F-17D9-4A30-9DA3-64E46A6DF111}" type="datetimeFigureOut">
-              <a:rPr lang="en-US" dirty="0"/>
-              <a:t>5/3/2024</a:t>
+            <a:fld id="{48C67E51-34D6-4E3D-8F41-CC63EA446EDD}" type="datetimeFigureOut">
+              <a:rPr lang="en-US" dirty="0"/>
+              <a:t>5/7/2024</a:t>
             </a:fld>
             <a:endParaRPr lang="en-US" dirty="0"/>
           </a:p>
@@ -3127,7 +3109,7 @@
           <p:cNvPr id="4" name="Footer Placeholder 3">
             <a:extLst>
               <a:ext uri="{FF2B5EF4-FFF2-40B4-BE49-F238E27FC236}">
-                <a16:creationId xmlns:a16="http://schemas.microsoft.com/office/drawing/2014/main" id="{7E66BAE3-24C5-483F-9141-D860A265E78D}"/>
+                <a16:creationId xmlns:a16="http://schemas.microsoft.com/office/drawing/2014/main" id="{68BF8F05-876F-49D8-AE30-5BB2A91ECD59}"/>
               </a:ext>
             </a:extLst>
           </p:cNvPr>
@@ -3156,7 +3138,7 @@
           <p:cNvPr id="5" name="Slide Number Placeholder 4">
             <a:extLst>
               <a:ext uri="{FF2B5EF4-FFF2-40B4-BE49-F238E27FC236}">
-                <a16:creationId xmlns:a16="http://schemas.microsoft.com/office/drawing/2014/main" id="{059AEEB4-66F8-4008-B616-804FB9D91CF9}"/>
+                <a16:creationId xmlns:a16="http://schemas.microsoft.com/office/drawing/2014/main" id="{153D20DA-9260-4577-BB51-789570A243AF}"/>
               </a:ext>
             </a:extLst>
           </p:cNvPr>
@@ -3172,9 +3154,9 @@
           <a:bodyPr/>
           <a:lstStyle/>
           <a:p>
-            <a:fld id="{196A61CA-0502-4EE4-9724-96EA822543E5}" type="slidenum">
-              <a:rPr lang="en-US" dirty="0"/>
-              <a:t>‹nº›</a:t>
+            <a:fld id="{E30AF5A0-43BB-4336-8627-9123B9144D80}" type="slidenum">
+              <a:rPr lang="en-US" dirty="0"/>
+              <a:t>‹#›</a:t>
             </a:fld>
             <a:endParaRPr lang="en-US" dirty="0"/>
           </a:p>
@@ -3183,7 +3165,7 @@
     </p:spTree>
     <p:extLst>
       <p:ext uri="{BB962C8B-B14F-4D97-AF65-F5344CB8AC3E}">
-        <p14:creationId xmlns:p14="http://schemas.microsoft.com/office/powerpoint/2010/main" val="3266165134"/>
+        <p14:creationId xmlns:p14="http://schemas.microsoft.com/office/powerpoint/2010/main" val="1653701556"/>
       </p:ext>
     </p:extLst>
   </p:cSld>
@@ -3215,7 +3197,7 @@
           <p:cNvPr id="2" name="Date Placeholder 1">
             <a:extLst>
               <a:ext uri="{FF2B5EF4-FFF2-40B4-BE49-F238E27FC236}">
-                <a16:creationId xmlns:a16="http://schemas.microsoft.com/office/drawing/2014/main" id="{1746C975-8FFB-4A4B-9213-774EE3901DE9}"/>
+                <a16:creationId xmlns:a16="http://schemas.microsoft.com/office/drawing/2014/main" id="{AD2C1F24-E0A1-45A7-8EF5-92CD9799341C}"/>
               </a:ext>
             </a:extLst>
           </p:cNvPr>
@@ -3231,9 +3213,9 @@
           <a:bodyPr/>
           <a:lstStyle/>
           <a:p>
-            <a:fld id="{033AC5F0-3BC3-4718-BCCA-24B5655EC864}" type="datetimeFigureOut">
-              <a:rPr lang="en-US" dirty="0"/>
-              <a:t>5/3/2024</a:t>
+            <a:fld id="{8D49E550-CE3F-497F-B953-7DE0932F91C0}" type="datetimeFigureOut">
+              <a:rPr lang="en-US" dirty="0"/>
+              <a:t>5/7/2024</a:t>
             </a:fld>
             <a:endParaRPr lang="en-US" dirty="0"/>
           </a:p>
@@ -3244,7 +3226,7 @@
           <p:cNvPr id="3" name="Footer Placeholder 2">
             <a:extLst>
               <a:ext uri="{FF2B5EF4-FFF2-40B4-BE49-F238E27FC236}">
-                <a16:creationId xmlns:a16="http://schemas.microsoft.com/office/drawing/2014/main" id="{4FBA744F-475D-4105-8E4A-025815549539}"/>
+                <a16:creationId xmlns:a16="http://schemas.microsoft.com/office/drawing/2014/main" id="{3E021C19-210E-46B0-9036-5D8AECC9260C}"/>
               </a:ext>
             </a:extLst>
           </p:cNvPr>
@@ -3273,7 +3255,7 @@
           <p:cNvPr id="4" name="Slide Number Placeholder 3">
             <a:extLst>
               <a:ext uri="{FF2B5EF4-FFF2-40B4-BE49-F238E27FC236}">
-                <a16:creationId xmlns:a16="http://schemas.microsoft.com/office/drawing/2014/main" id="{6F3FA64C-7966-4D6F-88D7-4B89F2A1DF2C}"/>
+                <a16:creationId xmlns:a16="http://schemas.microsoft.com/office/drawing/2014/main" id="{1A880FEF-487E-44DF-8615-DF2210419602}"/>
               </a:ext>
             </a:extLst>
           </p:cNvPr>
@@ -3289,9 +3271,9 @@
           <a:bodyPr/>
           <a:lstStyle/>
           <a:p>
-            <a:fld id="{196A61CA-0502-4EE4-9724-96EA822543E5}" type="slidenum">
-              <a:rPr lang="en-US" dirty="0"/>
-              <a:t>‹nº›</a:t>
+            <a:fld id="{E30AF5A0-43BB-4336-8627-9123B9144D80}" type="slidenum">
+              <a:rPr lang="en-US" dirty="0"/>
+              <a:t>‹#›</a:t>
             </a:fld>
             <a:endParaRPr lang="en-US" dirty="0"/>
           </a:p>
@@ -3300,7 +3282,7 @@
     </p:spTree>
     <p:extLst>
       <p:ext uri="{BB962C8B-B14F-4D97-AF65-F5344CB8AC3E}">
-        <p14:creationId xmlns:p14="http://schemas.microsoft.com/office/powerpoint/2010/main" val="3757151552"/>
+        <p14:creationId xmlns:p14="http://schemas.microsoft.com/office/powerpoint/2010/main" val="834732239"/>
       </p:ext>
     </p:extLst>
   </p:cSld>
@@ -3332,7 +3314,7 @@
           <p:cNvPr id="2" name="Title 1">
             <a:extLst>
               <a:ext uri="{FF2B5EF4-FFF2-40B4-BE49-F238E27FC236}">
-                <a16:creationId xmlns:a16="http://schemas.microsoft.com/office/drawing/2014/main" id="{2BD4ED5F-AB94-4DCF-8971-B8B2B55AF653}"/>
+                <a16:creationId xmlns:a16="http://schemas.microsoft.com/office/drawing/2014/main" id="{11A568EE-74C8-43A6-90BC-2DDD965CF64A}"/>
               </a:ext>
             </a:extLst>
           </p:cNvPr>
@@ -3345,19 +3327,15 @@
         </p:nvSpPr>
         <p:spPr>
           <a:xfrm>
-            <a:off x="1443740" y="1558944"/>
-            <a:ext cx="3279689" cy="1864196"/>
+            <a:off x="678426" y="781665"/>
+            <a:ext cx="4093599" cy="1223452"/>
           </a:xfrm>
         </p:spPr>
         <p:txBody>
           <a:bodyPr anchor="b"/>
           <a:lstStyle>
-            <a:lvl1pPr algn="r">
-              <a:defRPr sz="2800">
-                <a:solidFill>
-                  <a:schemeClr val="tx1"/>
-                </a:solidFill>
-              </a:defRPr>
+            <a:lvl1pPr>
+              <a:defRPr sz="3200"/>
             </a:lvl1pPr>
           </a:lstStyle>
           <a:p>
@@ -3373,7 +3351,7 @@
           <p:cNvPr id="3" name="Content Placeholder 2">
             <a:extLst>
               <a:ext uri="{FF2B5EF4-FFF2-40B4-BE49-F238E27FC236}">
-                <a16:creationId xmlns:a16="http://schemas.microsoft.com/office/drawing/2014/main" id="{141EE4CB-68CF-4BF3-A891-8277AFD13D88}"/>
+                <a16:creationId xmlns:a16="http://schemas.microsoft.com/office/drawing/2014/main" id="{971C35AC-CAE3-48CF-A3E4-A075C9FDD71B}"/>
               </a:ext>
             </a:extLst>
           </p:cNvPr>
@@ -3386,61 +3364,39 @@
         </p:nvSpPr>
         <p:spPr>
           <a:xfrm>
-            <a:off x="5334000" y="762000"/>
-            <a:ext cx="5333999" cy="5334000"/>
+            <a:off x="5183188" y="987425"/>
+            <a:ext cx="6172200" cy="4873625"/>
           </a:xfrm>
         </p:spPr>
         <p:txBody>
-          <a:bodyPr anchor="ctr">
-            <a:normAutofit/>
-          </a:bodyPr>
+          <a:bodyPr/>
           <a:lstStyle>
             <a:lvl1pPr>
-              <a:defRPr sz="2800">
-                <a:solidFill>
-                  <a:schemeClr val="tx1"/>
-                </a:solidFill>
-              </a:defRPr>
+              <a:defRPr sz="3200"/>
             </a:lvl1pPr>
             <a:lvl2pPr>
-              <a:defRPr sz="2400">
-                <a:solidFill>
-                  <a:schemeClr val="tx1"/>
-                </a:solidFill>
-              </a:defRPr>
+              <a:defRPr sz="2800"/>
             </a:lvl2pPr>
             <a:lvl3pPr>
-              <a:defRPr sz="2000">
-                <a:solidFill>
-                  <a:schemeClr val="tx1"/>
-                </a:solidFill>
-              </a:defRPr>
+              <a:defRPr sz="2400"/>
             </a:lvl3pPr>
             <a:lvl4pPr>
-              <a:defRPr sz="1800">
-                <a:solidFill>
-                  <a:schemeClr val="tx1"/>
-                </a:solidFill>
-              </a:defRPr>
+              <a:defRPr sz="2000"/>
             </a:lvl4pPr>
             <a:lvl5pPr>
-              <a:defRPr sz="1800">
-                <a:solidFill>
-                  <a:schemeClr val="tx1"/>
-                </a:solidFill>
-              </a:defRPr>
+              <a:defRPr sz="2000"/>
             </a:lvl5pPr>
             <a:lvl6pPr>
-              <a:defRPr sz="1800"/>
+              <a:defRPr sz="2000"/>
             </a:lvl6pPr>
             <a:lvl7pPr>
-              <a:defRPr sz="1800"/>
+              <a:defRPr sz="2000"/>
             </a:lvl7pPr>
             <a:lvl8pPr>
-              <a:defRPr sz="1800"/>
+              <a:defRPr sz="2000"/>
             </a:lvl8pPr>
             <a:lvl9pPr>
-              <a:defRPr sz="1800"/>
+              <a:defRPr sz="2000"/>
             </a:lvl9pPr>
           </a:lstStyle>
           <a:p>
@@ -3485,7 +3441,7 @@
           <p:cNvPr id="4" name="Text Placeholder 3">
             <a:extLst>
               <a:ext uri="{FF2B5EF4-FFF2-40B4-BE49-F238E27FC236}">
-                <a16:creationId xmlns:a16="http://schemas.microsoft.com/office/drawing/2014/main" id="{95292E72-B66D-40EE-B182-5585382A6DC9}"/>
+                <a16:creationId xmlns:a16="http://schemas.microsoft.com/office/drawing/2014/main" id="{2D9D03EA-5FAD-4609-A2B8-624E426847E3}"/>
               </a:ext>
             </a:extLst>
           </p:cNvPr>
@@ -3498,20 +3454,16 @@
         </p:nvSpPr>
         <p:spPr>
           <a:xfrm>
-            <a:off x="1443741" y="3649682"/>
-            <a:ext cx="3233096" cy="1933605"/>
+            <a:off x="688258" y="2315497"/>
+            <a:ext cx="4093599" cy="3553491"/>
           </a:xfrm>
         </p:spPr>
         <p:txBody>
           <a:bodyPr/>
           <a:lstStyle>
-            <a:lvl1pPr marL="0" indent="0" algn="r">
-              <a:buNone/>
-              <a:defRPr sz="1600">
-                <a:solidFill>
-                  <a:schemeClr val="tx1"/>
-                </a:solidFill>
-              </a:defRPr>
+            <a:lvl1pPr marL="0" indent="0">
+              <a:buNone/>
+              <a:defRPr sz="1600"/>
             </a:lvl1pPr>
             <a:lvl2pPr marL="457200" indent="0">
               <a:buNone/>
@@ -3560,7 +3512,7 @@
           <p:cNvPr id="5" name="Date Placeholder 4">
             <a:extLst>
               <a:ext uri="{FF2B5EF4-FFF2-40B4-BE49-F238E27FC236}">
-                <a16:creationId xmlns:a16="http://schemas.microsoft.com/office/drawing/2014/main" id="{ED73B694-B050-45F3-AE6F-A86A129F1C64}"/>
+                <a16:creationId xmlns:a16="http://schemas.microsoft.com/office/drawing/2014/main" id="{0B58D2EA-2191-4216-B64D-067BDFE12375}"/>
               </a:ext>
             </a:extLst>
           </p:cNvPr>
@@ -3576,9 +3528,9 @@
           <a:bodyPr/>
           <a:lstStyle/>
           <a:p>
-            <a:fld id="{9EB8BD81-465B-40F2-9A54-9DF3B12AF598}" type="datetimeFigureOut">
-              <a:rPr lang="en-US" dirty="0"/>
-              <a:t>5/3/2024</a:t>
+            <a:fld id="{217A0BF4-BAA0-4539-95F2-9C4277F97478}" type="datetimeFigureOut">
+              <a:rPr lang="en-US" dirty="0"/>
+              <a:t>5/7/2024</a:t>
             </a:fld>
             <a:endParaRPr lang="en-US" dirty="0"/>
           </a:p>
@@ -3589,7 +3541,7 @@
           <p:cNvPr id="6" name="Footer Placeholder 5">
             <a:extLst>
               <a:ext uri="{FF2B5EF4-FFF2-40B4-BE49-F238E27FC236}">
-                <a16:creationId xmlns:a16="http://schemas.microsoft.com/office/drawing/2014/main" id="{7E8AE423-9CA5-46B3-96B1-7586AD02080D}"/>
+                <a16:creationId xmlns:a16="http://schemas.microsoft.com/office/drawing/2014/main" id="{78042128-DAB4-481C-BEE6-3523E8E88BAD}"/>
               </a:ext>
             </a:extLst>
           </p:cNvPr>
@@ -3618,7 +3570,7 @@
           <p:cNvPr id="7" name="Slide Number Placeholder 6">
             <a:extLst>
               <a:ext uri="{FF2B5EF4-FFF2-40B4-BE49-F238E27FC236}">
-                <a16:creationId xmlns:a16="http://schemas.microsoft.com/office/drawing/2014/main" id="{014B973D-F1F7-47BC-996D-6100B7C89520}"/>
+                <a16:creationId xmlns:a16="http://schemas.microsoft.com/office/drawing/2014/main" id="{AE50E382-C500-4A4C-A7C6-43860383AB91}"/>
               </a:ext>
             </a:extLst>
           </p:cNvPr>
@@ -3634,9 +3586,9 @@
           <a:bodyPr/>
           <a:lstStyle/>
           <a:p>
-            <a:fld id="{196A61CA-0502-4EE4-9724-96EA822543E5}" type="slidenum">
-              <a:rPr lang="en-US" dirty="0"/>
-              <a:t>‹nº›</a:t>
+            <a:fld id="{E30AF5A0-43BB-4336-8627-9123B9144D80}" type="slidenum">
+              <a:rPr lang="en-US" dirty="0"/>
+              <a:t>‹#›</a:t>
             </a:fld>
             <a:endParaRPr lang="en-US" dirty="0"/>
           </a:p>
@@ -3645,13 +3597,18 @@
     </p:spTree>
     <p:extLst>
       <p:ext uri="{BB962C8B-B14F-4D97-AF65-F5344CB8AC3E}">
-        <p14:creationId xmlns:p14="http://schemas.microsoft.com/office/powerpoint/2010/main" val="2400739392"/>
+        <p14:creationId xmlns:p14="http://schemas.microsoft.com/office/powerpoint/2010/main" val="4185700777"/>
       </p:ext>
     </p:extLst>
   </p:cSld>
   <p:clrMapOvr>
     <a:masterClrMapping/>
   </p:clrMapOvr>
+  <p:extLst>
+    <p:ext uri="{DCECCB84-F9BA-43D5-87BE-67443E8EF086}">
+      <p15:sldGuideLst xmlns:p15="http://schemas.microsoft.com/office/powerpoint/2012/main"/>
+    </p:ext>
+  </p:extLst>
 </p:sldLayout>
 </file>
 
@@ -3677,7 +3634,7 @@
           <p:cNvPr id="2" name="Title 1">
             <a:extLst>
               <a:ext uri="{FF2B5EF4-FFF2-40B4-BE49-F238E27FC236}">
-                <a16:creationId xmlns:a16="http://schemas.microsoft.com/office/drawing/2014/main" id="{58AE9949-4A1F-4DA9-9B75-A6180F954B8D}"/>
+                <a16:creationId xmlns:a16="http://schemas.microsoft.com/office/drawing/2014/main" id="{139FE98B-EACF-4251-A8AF-0D9EDD17C664}"/>
               </a:ext>
             </a:extLst>
           </p:cNvPr>
@@ -3690,19 +3647,15 @@
         </p:nvSpPr>
         <p:spPr>
           <a:xfrm>
-            <a:off x="1433543" y="1383126"/>
-            <a:ext cx="3289886" cy="2045874"/>
+            <a:off x="683342" y="1066800"/>
+            <a:ext cx="4103431" cy="1317523"/>
           </a:xfrm>
         </p:spPr>
         <p:txBody>
           <a:bodyPr anchor="b"/>
           <a:lstStyle>
-            <a:lvl1pPr algn="r">
-              <a:defRPr sz="2800">
-                <a:solidFill>
-                  <a:schemeClr val="tx1"/>
-                </a:solidFill>
-              </a:defRPr>
+            <a:lvl1pPr>
+              <a:defRPr sz="3200"/>
             </a:lvl1pPr>
           </a:lstStyle>
           <a:p>
@@ -3718,7 +3671,7 @@
           <p:cNvPr id="3" name="Picture Placeholder 2">
             <a:extLst>
               <a:ext uri="{FF2B5EF4-FFF2-40B4-BE49-F238E27FC236}">
-                <a16:creationId xmlns:a16="http://schemas.microsoft.com/office/drawing/2014/main" id="{79A8D794-C670-4569-93D9-0FF8B35AA7AE}"/>
+                <a16:creationId xmlns:a16="http://schemas.microsoft.com/office/drawing/2014/main" id="{3905F473-761A-4002-AF70-9FF878D0139E}"/>
               </a:ext>
             </a:extLst>
           </p:cNvPr>
@@ -3731,8 +3684,8 @@
         </p:nvSpPr>
         <p:spPr>
           <a:xfrm>
-            <a:off x="5334001" y="762000"/>
-            <a:ext cx="5333999" cy="5334000"/>
+            <a:off x="5183188" y="1066800"/>
+            <a:ext cx="6172200" cy="4794250"/>
           </a:xfrm>
         </p:spPr>
         <p:txBody>
@@ -3740,11 +3693,7 @@
           <a:lstStyle>
             <a:lvl1pPr marL="0" indent="0">
               <a:buNone/>
-              <a:defRPr sz="3200">
-                <a:solidFill>
-                  <a:schemeClr val="tx1"/>
-                </a:solidFill>
-              </a:defRPr>
+              <a:defRPr sz="3200"/>
             </a:lvl1pPr>
             <a:lvl2pPr marL="457200" indent="0">
               <a:buNone/>
@@ -3789,7 +3738,7 @@
           <p:cNvPr id="4" name="Text Placeholder 3">
             <a:extLst>
               <a:ext uri="{FF2B5EF4-FFF2-40B4-BE49-F238E27FC236}">
-                <a16:creationId xmlns:a16="http://schemas.microsoft.com/office/drawing/2014/main" id="{A92486F6-AE67-4B34-B8E2-0B7576DC2E3A}"/>
+                <a16:creationId xmlns:a16="http://schemas.microsoft.com/office/drawing/2014/main" id="{FA0C2E6A-F834-4540-BB00-E13CB45DC362}"/>
               </a:ext>
             </a:extLst>
           </p:cNvPr>
@@ -3802,20 +3751,16 @@
         </p:nvSpPr>
         <p:spPr>
           <a:xfrm>
-            <a:off x="1433544" y="3649682"/>
-            <a:ext cx="3243292" cy="1684317"/>
+            <a:off x="683342" y="2552700"/>
+            <a:ext cx="4103431" cy="3316288"/>
           </a:xfrm>
         </p:spPr>
         <p:txBody>
           <a:bodyPr/>
           <a:lstStyle>
-            <a:lvl1pPr marL="0" indent="0" algn="r">
-              <a:buNone/>
-              <a:defRPr sz="1600">
-                <a:solidFill>
-                  <a:schemeClr val="tx1"/>
-                </a:solidFill>
-              </a:defRPr>
+            <a:lvl1pPr marL="0" indent="0">
+              <a:buNone/>
+              <a:defRPr sz="1600"/>
             </a:lvl1pPr>
             <a:lvl2pPr marL="457200" indent="0">
               <a:buNone/>
@@ -3864,7 +3809,7 @@
           <p:cNvPr id="5" name="Date Placeholder 4">
             <a:extLst>
               <a:ext uri="{FF2B5EF4-FFF2-40B4-BE49-F238E27FC236}">
-                <a16:creationId xmlns:a16="http://schemas.microsoft.com/office/drawing/2014/main" id="{B198B11C-BB63-49A6-B488-29D4FBF8E107}"/>
+                <a16:creationId xmlns:a16="http://schemas.microsoft.com/office/drawing/2014/main" id="{F0C38EAB-AD63-415C-B263-BA1D8FBE3CB0}"/>
               </a:ext>
             </a:extLst>
           </p:cNvPr>
@@ -3880,9 +3825,9 @@
           <a:bodyPr/>
           <a:lstStyle/>
           <a:p>
-            <a:fld id="{F04B3CEF-64EF-4C43-9530-8E9CBFD2CAD1}" type="datetimeFigureOut">
-              <a:rPr lang="en-US" dirty="0"/>
-              <a:t>5/3/2024</a:t>
+            <a:fld id="{52E9884E-D945-496C-84BE-49C61F78F9EC}" type="datetimeFigureOut">
+              <a:rPr lang="en-US" dirty="0"/>
+              <a:t>5/7/2024</a:t>
             </a:fld>
             <a:endParaRPr lang="en-US" dirty="0"/>
           </a:p>
@@ -3893,7 +3838,7 @@
           <p:cNvPr id="6" name="Footer Placeholder 5">
             <a:extLst>
               <a:ext uri="{FF2B5EF4-FFF2-40B4-BE49-F238E27FC236}">
-                <a16:creationId xmlns:a16="http://schemas.microsoft.com/office/drawing/2014/main" id="{324B9166-6D36-4F0A-9ADD-33D49A0C3A57}"/>
+                <a16:creationId xmlns:a16="http://schemas.microsoft.com/office/drawing/2014/main" id="{422E5541-B6DE-45E8-BCFE-0DFC4F574079}"/>
               </a:ext>
             </a:extLst>
           </p:cNvPr>
@@ -3922,7 +3867,7 @@
           <p:cNvPr id="7" name="Slide Number Placeholder 6">
             <a:extLst>
               <a:ext uri="{FF2B5EF4-FFF2-40B4-BE49-F238E27FC236}">
-                <a16:creationId xmlns:a16="http://schemas.microsoft.com/office/drawing/2014/main" id="{6FB22B8F-7760-41B3-9053-DD90255B9EEE}"/>
+                <a16:creationId xmlns:a16="http://schemas.microsoft.com/office/drawing/2014/main" id="{DBB78D45-289B-46AF-8CB9-E6150BEA17ED}"/>
               </a:ext>
             </a:extLst>
           </p:cNvPr>
@@ -3938,9 +3883,9 @@
           <a:bodyPr/>
           <a:lstStyle/>
           <a:p>
-            <a:fld id="{196A61CA-0502-4EE4-9724-96EA822543E5}" type="slidenum">
-              <a:rPr lang="en-US" dirty="0"/>
-              <a:t>‹nº›</a:t>
+            <a:fld id="{E30AF5A0-43BB-4336-8627-9123B9144D80}" type="slidenum">
+              <a:rPr lang="en-US" dirty="0"/>
+              <a:t>‹#›</a:t>
             </a:fld>
             <a:endParaRPr lang="en-US" dirty="0"/>
           </a:p>
@@ -3949,13 +3894,18 @@
     </p:spTree>
     <p:extLst>
       <p:ext uri="{BB962C8B-B14F-4D97-AF65-F5344CB8AC3E}">
-        <p14:creationId xmlns:p14="http://schemas.microsoft.com/office/powerpoint/2010/main" val="1672042868"/>
+        <p14:creationId xmlns:p14="http://schemas.microsoft.com/office/powerpoint/2010/main" val="3644836093"/>
       </p:ext>
     </p:extLst>
   </p:cSld>
   <p:clrMapOvr>
     <a:masterClrMapping/>
   </p:clrMapOvr>
+  <p:extLst>
+    <p:ext uri="{DCECCB84-F9BA-43D5-87BE-67443E8EF086}">
+      <p15:sldGuideLst xmlns:p15="http://schemas.microsoft.com/office/powerpoint/2012/main"/>
+    </p:ext>
+  </p:extLst>
 </p:sldLayout>
 </file>
 
@@ -3986,7 +3936,7 @@
           <p:cNvPr id="2" name="Title Placeholder 1">
             <a:extLst>
               <a:ext uri="{FF2B5EF4-FFF2-40B4-BE49-F238E27FC236}">
-                <a16:creationId xmlns:a16="http://schemas.microsoft.com/office/drawing/2014/main" id="{2F84152A-7FE0-4708-B7C1-DBEC8F133766}"/>
+                <a16:creationId xmlns:a16="http://schemas.microsoft.com/office/drawing/2014/main" id="{47A362AC-B59F-4AC7-B279-57DDD5336BCA}"/>
               </a:ext>
             </a:extLst>
           </p:cNvPr>
@@ -3999,16 +3949,16 @@
         </p:nvSpPr>
         <p:spPr>
           <a:xfrm>
-            <a:off x="1429566" y="1041621"/>
-            <a:ext cx="9238434" cy="861383"/>
+            <a:off x="700635" y="922096"/>
+            <a:ext cx="10691265" cy="1371030"/>
           </a:xfrm>
           <a:prstGeom prst="rect">
             <a:avLst/>
           </a:prstGeom>
         </p:spPr>
         <p:txBody>
-          <a:bodyPr vert="horz" lIns="91440" tIns="45720" rIns="91440" bIns="45720" rtlCol="0" anchor="b">
-            <a:noAutofit/>
+          <a:bodyPr vert="horz" lIns="91440" tIns="45720" rIns="91440" bIns="45720" rtlCol="0" anchor="t">
+            <a:normAutofit/>
           </a:bodyPr>
           <a:lstStyle/>
           <a:p>
@@ -4024,7 +3974,7 @@
           <p:cNvPr id="3" name="Text Placeholder 2">
             <a:extLst>
               <a:ext uri="{FF2B5EF4-FFF2-40B4-BE49-F238E27FC236}">
-                <a16:creationId xmlns:a16="http://schemas.microsoft.com/office/drawing/2014/main" id="{B911AB53-BAF9-439D-9451-47193CF2FF8E}"/>
+                <a16:creationId xmlns:a16="http://schemas.microsoft.com/office/drawing/2014/main" id="{0E6042DB-75BD-4EC1-B6D9-8A72EF940CAA}"/>
               </a:ext>
             </a:extLst>
           </p:cNvPr>
@@ -4037,8 +3987,8 @@
         </p:nvSpPr>
         <p:spPr>
           <a:xfrm>
-            <a:off x="1429566" y="2285999"/>
-            <a:ext cx="9238434" cy="3810001"/>
+            <a:off x="700635" y="2293126"/>
+            <a:ext cx="10691265" cy="3636088"/>
           </a:xfrm>
           <a:prstGeom prst="rect">
             <a:avLst/>
@@ -4091,7 +4041,7 @@
           <p:cNvPr id="4" name="Date Placeholder 3">
             <a:extLst>
               <a:ext uri="{FF2B5EF4-FFF2-40B4-BE49-F238E27FC236}">
-                <a16:creationId xmlns:a16="http://schemas.microsoft.com/office/drawing/2014/main" id="{1FB96D9F-562A-496F-A530-A561994DC5EF}"/>
+                <a16:creationId xmlns:a16="http://schemas.microsoft.com/office/drawing/2014/main" id="{21DD1378-7C96-4079-B44C-3D86B4657596}"/>
               </a:ext>
             </a:extLst>
           </p:cNvPr>
@@ -4103,9 +4053,9 @@
           </p:nvPr>
         </p:nvSpPr>
         <p:spPr>
-          <a:xfrm rot="5400000">
-            <a:off x="10471087" y="4891318"/>
-            <a:ext cx="2673295" cy="365125"/>
+          <a:xfrm>
+            <a:off x="8369448" y="6356350"/>
+            <a:ext cx="2592594" cy="365125"/>
           </a:xfrm>
           <a:prstGeom prst="rect">
             <a:avLst/>
@@ -4114,8 +4064,100 @@
         <p:txBody>
           <a:bodyPr vert="horz" lIns="91440" tIns="45720" rIns="91440" bIns="45720" rtlCol="0" anchor="ctr"/>
           <a:lstStyle>
+            <a:lvl1pPr algn="r">
+              <a:defRPr sz="1050">
+                <a:solidFill>
+                  <a:schemeClr val="tx1"/>
+                </a:solidFill>
+                <a:latin typeface="+mj-lt"/>
+              </a:defRPr>
+            </a:lvl1pPr>
+          </a:lstStyle>
+          <a:p>
+            <a:fld id="{CD438618-DEE5-47CF-A8B2-A9E090D503CD}" type="datetimeFigureOut">
+              <a:rPr lang="en-US" dirty="0"/>
+              <a:t>5/7/2024</a:t>
+            </a:fld>
+            <a:endParaRPr lang="en-US" dirty="0"/>
+          </a:p>
+        </p:txBody>
+      </p:sp>
+      <p:sp>
+        <p:nvSpPr>
+          <p:cNvPr id="5" name="Footer Placeholder 4">
+            <a:extLst>
+              <a:ext uri="{FF2B5EF4-FFF2-40B4-BE49-F238E27FC236}">
+                <a16:creationId xmlns:a16="http://schemas.microsoft.com/office/drawing/2014/main" id="{D19B6B78-577F-43F5-BAEE-BF72484C9850}"/>
+              </a:ext>
+            </a:extLst>
+          </p:cNvPr>
+          <p:cNvSpPr>
+            <a:spLocks noGrp="1"/>
+          </p:cNvSpPr>
+          <p:nvPr>
+            <p:ph type="ftr" sz="quarter" idx="3"/>
+          </p:nvPr>
+        </p:nvSpPr>
+        <p:spPr>
+          <a:xfrm>
+            <a:off x="715383" y="6356350"/>
+            <a:ext cx="4539727" cy="365125"/>
+          </a:xfrm>
+          <a:prstGeom prst="rect">
+            <a:avLst/>
+          </a:prstGeom>
+        </p:spPr>
+        <p:txBody>
+          <a:bodyPr vert="horz" lIns="91440" tIns="45720" rIns="91440" bIns="45720" rtlCol="0" anchor="ctr"/>
+          <a:lstStyle>
             <a:lvl1pPr algn="l">
-              <a:defRPr sz="700" b="1" cap="all" spc="300" baseline="0">
+              <a:defRPr sz="1050">
+                <a:solidFill>
+                  <a:schemeClr val="tx1"/>
+                </a:solidFill>
+                <a:latin typeface="+mj-lt"/>
+              </a:defRPr>
+            </a:lvl1pPr>
+          </a:lstStyle>
+          <a:p>
+            <a:r>
+              <a:rPr lang="en-US" dirty="0"/>
+              <a:t>
+              </a:t>
+            </a:r>
+          </a:p>
+        </p:txBody>
+      </p:sp>
+      <p:sp>
+        <p:nvSpPr>
+          <p:cNvPr id="6" name="Slide Number Placeholder 5">
+            <a:extLst>
+              <a:ext uri="{FF2B5EF4-FFF2-40B4-BE49-F238E27FC236}">
+                <a16:creationId xmlns:a16="http://schemas.microsoft.com/office/drawing/2014/main" id="{A8CC75B8-AF8F-4D8A-9B3D-D1951A64BADB}"/>
+              </a:ext>
+            </a:extLst>
+          </p:cNvPr>
+          <p:cNvSpPr>
+            <a:spLocks noGrp="1"/>
+          </p:cNvSpPr>
+          <p:nvPr>
+            <p:ph type="sldNum" sz="quarter" idx="4"/>
+          </p:nvPr>
+        </p:nvSpPr>
+        <p:spPr>
+          <a:xfrm>
+            <a:off x="10919012" y="6356350"/>
+            <a:ext cx="672354" cy="365125"/>
+          </a:xfrm>
+          <a:prstGeom prst="rect">
+            <a:avLst/>
+          </a:prstGeom>
+        </p:spPr>
+        <p:txBody>
+          <a:bodyPr vert="horz" lIns="91440" tIns="45720" rIns="91440" bIns="45720" rtlCol="0" anchor="ctr"/>
+          <a:lstStyle>
+            <a:lvl1pPr algn="r">
+              <a:defRPr sz="1800">
                 <a:solidFill>
                   <a:schemeClr val="tx1"/>
                 </a:solidFill>
@@ -4123,140 +4165,133 @@
             </a:lvl1pPr>
           </a:lstStyle>
           <a:p>
-            <a:fld id="{B70A3DFD-A535-46B2-84C1-61DC8B16A904}" type="datetimeFigureOut">
-              <a:rPr lang="en-US" dirty="0"/>
-              <a:t>5/3/2024</a:t>
+            <a:fld id="{E30AF5A0-43BB-4336-8627-9123B9144D80}" type="slidenum">
+              <a:rPr lang="en-US" dirty="0"/>
+              <a:t>‹#›</a:t>
             </a:fld>
             <a:endParaRPr lang="en-US" dirty="0"/>
           </a:p>
         </p:txBody>
       </p:sp>
-      <p:sp>
-        <p:nvSpPr>
-          <p:cNvPr id="5" name="Footer Placeholder 4">
-            <a:extLst>
-              <a:ext uri="{FF2B5EF4-FFF2-40B4-BE49-F238E27FC236}">
-                <a16:creationId xmlns:a16="http://schemas.microsoft.com/office/drawing/2014/main" id="{CC3060FE-AAC3-4FAE-9EB4-BCAE72D95670}"/>
-              </a:ext>
-            </a:extLst>
-          </p:cNvPr>
-          <p:cNvSpPr>
-            <a:spLocks noGrp="1"/>
-          </p:cNvSpPr>
-          <p:nvPr>
-            <p:ph type="ftr" sz="quarter" idx="3"/>
-          </p:nvPr>
-        </p:nvSpPr>
+      <p:cxnSp>
+        <p:nvCxnSpPr>
+          <p:cNvPr id="7" name="Straight Connector 6">
+            <a:extLst>
+              <a:ext uri="{FF2B5EF4-FFF2-40B4-BE49-F238E27FC236}">
+                <a16:creationId xmlns:a16="http://schemas.microsoft.com/office/drawing/2014/main" id="{F64F9B95-9045-48D2-B9F3-2927E98F54AA}"/>
+              </a:ext>
+            </a:extLst>
+          </p:cNvPr>
+          <p:cNvCxnSpPr>
+            <a:cxnSpLocks/>
+          </p:cNvCxnSpPr>
+          <p:nvPr/>
+        </p:nvCxnSpPr>
         <p:spPr>
-          <a:xfrm rot="5400000">
-            <a:off x="10473021" y="1609893"/>
-            <a:ext cx="2669427" cy="365125"/>
+          <a:xfrm>
+            <a:off x="800100" y="723900"/>
+            <a:ext cx="10591800" cy="0"/>
           </a:xfrm>
-          <a:prstGeom prst="rect">
+          <a:prstGeom prst="line">
             <a:avLst/>
           </a:prstGeom>
+          <a:ln w="44450">
+            <a:solidFill>
+              <a:schemeClr val="tx1"/>
+            </a:solidFill>
+          </a:ln>
         </p:spPr>
-        <p:txBody>
-          <a:bodyPr vert="horz" lIns="91440" tIns="45720" rIns="91440" bIns="45720" rtlCol="0" anchor="ctr"/>
-          <a:lstStyle>
-            <a:lvl1pPr algn="r">
-              <a:defRPr sz="700" b="1" cap="all" spc="300" baseline="0">
-                <a:solidFill>
-                  <a:schemeClr val="tx1"/>
-                </a:solidFill>
-              </a:defRPr>
-            </a:lvl1pPr>
-          </a:lstStyle>
-          <a:p>
-            <a:r>
-              <a:rPr lang="en-US" dirty="0"/>
-              <a:t>
-              </a:t>
-            </a:r>
-          </a:p>
-        </p:txBody>
-      </p:sp>
-      <p:sp>
-        <p:nvSpPr>
-          <p:cNvPr id="6" name="Slide Number Placeholder 5">
-            <a:extLst>
-              <a:ext uri="{FF2B5EF4-FFF2-40B4-BE49-F238E27FC236}">
-                <a16:creationId xmlns:a16="http://schemas.microsoft.com/office/drawing/2014/main" id="{4777EDB2-8F31-42FA-B253-62D241466385}"/>
-              </a:ext>
-            </a:extLst>
-          </p:cNvPr>
-          <p:cNvSpPr>
-            <a:spLocks noGrp="1"/>
-          </p:cNvSpPr>
-          <p:nvPr>
-            <p:ph type="sldNum" sz="quarter" idx="4"/>
-          </p:nvPr>
-        </p:nvSpPr>
+        <p:style>
+          <a:lnRef idx="1">
+            <a:schemeClr val="accent1"/>
+          </a:lnRef>
+          <a:fillRef idx="0">
+            <a:schemeClr val="accent1"/>
+          </a:fillRef>
+          <a:effectRef idx="0">
+            <a:schemeClr val="accent1"/>
+          </a:effectRef>
+          <a:fontRef idx="minor">
+            <a:schemeClr val="tx1"/>
+          </a:fontRef>
+        </p:style>
+      </p:cxnSp>
+      <p:cxnSp>
+        <p:nvCxnSpPr>
+          <p:cNvPr id="8" name="Straight Connector 7">
+            <a:extLst>
+              <a:ext uri="{FF2B5EF4-FFF2-40B4-BE49-F238E27FC236}">
+                <a16:creationId xmlns:a16="http://schemas.microsoft.com/office/drawing/2014/main" id="{085AA86F-6A4D-4BCB-A045-D992CDC2959B}"/>
+              </a:ext>
+            </a:extLst>
+          </p:cNvPr>
+          <p:cNvCxnSpPr>
+            <a:cxnSpLocks/>
+          </p:cNvCxnSpPr>
+          <p:nvPr/>
+        </p:nvCxnSpPr>
         <p:spPr>
           <a:xfrm>
-            <a:off x="11492908" y="3219853"/>
-            <a:ext cx="629653" cy="429830"/>
+            <a:off x="800100" y="6142781"/>
+            <a:ext cx="10591800" cy="0"/>
           </a:xfrm>
-          <a:prstGeom prst="rect">
+          <a:prstGeom prst="line">
             <a:avLst/>
           </a:prstGeom>
+          <a:ln w="12700">
+            <a:solidFill>
+              <a:schemeClr val="tx1"/>
+            </a:solidFill>
+          </a:ln>
         </p:spPr>
-        <p:txBody>
-          <a:bodyPr vert="horz" lIns="91440" tIns="45720" rIns="91440" bIns="45720" rtlCol="0" anchor="ctr"/>
-          <a:lstStyle>
-            <a:lvl1pPr algn="ctr">
-              <a:defRPr sz="1600" b="1">
-                <a:solidFill>
-                  <a:schemeClr val="tx1">
-                    <a:tint val="75000"/>
-                  </a:schemeClr>
-                </a:solidFill>
-                <a:latin typeface="+mj-lt"/>
-              </a:defRPr>
-            </a:lvl1pPr>
-          </a:lstStyle>
-          <a:p>
-            <a:fld id="{196A61CA-0502-4EE4-9724-96EA822543E5}" type="slidenum">
-              <a:rPr lang="en-US" dirty="0"/>
-              <a:t>‹nº›</a:t>
-            </a:fld>
-            <a:endParaRPr lang="en-US" dirty="0"/>
-          </a:p>
-        </p:txBody>
-      </p:sp>
+        <p:style>
+          <a:lnRef idx="1">
+            <a:schemeClr val="accent1"/>
+          </a:lnRef>
+          <a:fillRef idx="0">
+            <a:schemeClr val="accent1"/>
+          </a:fillRef>
+          <a:effectRef idx="0">
+            <a:schemeClr val="accent1"/>
+          </a:effectRef>
+          <a:fontRef idx="minor">
+            <a:schemeClr val="tx1"/>
+          </a:fontRef>
+        </p:style>
+      </p:cxnSp>
     </p:spTree>
     <p:extLst>
       <p:ext uri="{BB962C8B-B14F-4D97-AF65-F5344CB8AC3E}">
-        <p14:creationId xmlns:p14="http://schemas.microsoft.com/office/powerpoint/2010/main" val="380110844"/>
+        <p14:creationId xmlns:p14="http://schemas.microsoft.com/office/powerpoint/2010/main" val="4053071425"/>
       </p:ext>
     </p:extLst>
   </p:cSld>
-  <p:clrMap bg1="dk1" tx1="lt1" bg2="dk2" tx2="lt2" accent1="accent1" accent2="accent2" accent3="accent3" accent4="accent4" accent5="accent5" accent6="accent6" hlink="hlink" folHlink="folHlink"/>
+  <p:clrMap bg1="lt1" tx1="dk1" bg2="lt2" tx2="dk2" accent1="accent1" accent2="accent2" accent3="accent3" accent4="accent4" accent5="accent5" accent6="accent6" hlink="hlink" folHlink="folHlink"/>
   <p:sldLayoutIdLst>
-    <p:sldLayoutId id="2147483703" r:id="rId1"/>
-    <p:sldLayoutId id="2147483704" r:id="rId2"/>
-    <p:sldLayoutId id="2147483705" r:id="rId3"/>
-    <p:sldLayoutId id="2147483706" r:id="rId4"/>
-    <p:sldLayoutId id="2147483707" r:id="rId5"/>
-    <p:sldLayoutId id="2147483708" r:id="rId6"/>
-    <p:sldLayoutId id="2147483709" r:id="rId7"/>
-    <p:sldLayoutId id="2147483710" r:id="rId8"/>
-    <p:sldLayoutId id="2147483711" r:id="rId9"/>
-    <p:sldLayoutId id="2147483712" r:id="rId10"/>
-    <p:sldLayoutId id="2147483713" r:id="rId11"/>
+    <p:sldLayoutId id="2147483727" r:id="rId1"/>
+    <p:sldLayoutId id="2147483728" r:id="rId2"/>
+    <p:sldLayoutId id="2147483729" r:id="rId3"/>
+    <p:sldLayoutId id="2147483730" r:id="rId4"/>
+    <p:sldLayoutId id="2147483731" r:id="rId5"/>
+    <p:sldLayoutId id="2147483732" r:id="rId6"/>
+    <p:sldLayoutId id="2147483733" r:id="rId7"/>
+    <p:sldLayoutId id="2147483734" r:id="rId8"/>
+    <p:sldLayoutId id="2147483735" r:id="rId9"/>
+    <p:sldLayoutId id="2147483736" r:id="rId10"/>
+    <p:sldLayoutId id="2147483737" r:id="rId11"/>
   </p:sldLayoutIdLst>
   <p:hf hdr="0"/>
   <p:txStyles>
     <p:titleStyle>
       <a:lvl1pPr algn="l" defTabSz="914400" rtl="0" eaLnBrk="1" latinLnBrk="0" hangingPunct="1">
         <a:lnSpc>
-          <a:spcPct val="120000"/>
+          <a:spcPct val="100000"/>
         </a:lnSpc>
         <a:spcBef>
           <a:spcPct val="0"/>
         </a:spcBef>
         <a:buNone/>
-        <a:defRPr sz="2800" b="1" kern="1200" cap="all" spc="600" baseline="0">
+        <a:defRPr sz="4000" kern="1200" cap="all" spc="30" baseline="0">
           <a:solidFill>
             <a:schemeClr val="tx1"/>
           </a:solidFill>
@@ -4267,14 +4302,31 @@
       </a:lvl1pPr>
     </p:titleStyle>
     <p:bodyStyle>
-      <a:lvl1pPr marL="274320" indent="-274320" algn="l" defTabSz="914400" rtl="0" eaLnBrk="1" latinLnBrk="0" hangingPunct="1">
+      <a:lvl1pPr marL="228600" indent="-228600" algn="l" defTabSz="914400" rtl="0" eaLnBrk="1" latinLnBrk="0" hangingPunct="1">
         <a:lnSpc>
-          <a:spcPct val="130000"/>
+          <a:spcPct val="110000"/>
         </a:lnSpc>
         <a:spcBef>
           <a:spcPts val="1000"/>
         </a:spcBef>
-        <a:buSzPct val="85000"/>
+        <a:buFont typeface="Arial" panose="020B0604020202020204" pitchFamily="34" charset="0"/>
+        <a:buChar char="•"/>
+        <a:defRPr sz="2000" kern="1200">
+          <a:solidFill>
+            <a:schemeClr val="tx1"/>
+          </a:solidFill>
+          <a:latin typeface="+mn-lt"/>
+          <a:ea typeface="+mn-ea"/>
+          <a:cs typeface="+mn-cs"/>
+        </a:defRPr>
+      </a:lvl1pPr>
+      <a:lvl2pPr marL="685800" indent="-228600" algn="l" defTabSz="914400" rtl="0" eaLnBrk="1" latinLnBrk="0" hangingPunct="1">
+        <a:lnSpc>
+          <a:spcPct val="110000"/>
+        </a:lnSpc>
+        <a:spcBef>
+          <a:spcPts val="500"/>
+        </a:spcBef>
         <a:buFont typeface="Arial" panose="020B0604020202020204" pitchFamily="34" charset="0"/>
         <a:buChar char="•"/>
         <a:defRPr sz="1800" kern="1200">
@@ -4285,18 +4337,17 @@
           <a:ea typeface="+mn-ea"/>
           <a:cs typeface="+mn-cs"/>
         </a:defRPr>
-      </a:lvl1pPr>
-      <a:lvl2pPr marL="274320" indent="0" algn="l" defTabSz="914400" rtl="0" eaLnBrk="1" latinLnBrk="0" hangingPunct="1">
+      </a:lvl2pPr>
+      <a:lvl3pPr marL="1143000" indent="-228600" algn="l" defTabSz="914400" rtl="0" eaLnBrk="1" latinLnBrk="0" hangingPunct="1">
         <a:lnSpc>
-          <a:spcPct val="130000"/>
+          <a:spcPct val="110000"/>
         </a:lnSpc>
         <a:spcBef>
           <a:spcPts val="500"/>
         </a:spcBef>
-        <a:buSzPct val="85000"/>
-        <a:buFontTx/>
-        <a:buNone/>
-        <a:defRPr sz="1600" b="1" kern="1200">
+        <a:buFont typeface="Arial" panose="020B0604020202020204" pitchFamily="34" charset="0"/>
+        <a:buChar char="•"/>
+        <a:defRPr sz="1600" kern="1200">
           <a:solidFill>
             <a:schemeClr val="tx1"/>
           </a:solidFill>
@@ -4304,15 +4355,14 @@
           <a:ea typeface="+mn-ea"/>
           <a:cs typeface="+mn-cs"/>
         </a:defRPr>
-      </a:lvl2pPr>
-      <a:lvl3pPr marL="457200" indent="-182880" algn="l" defTabSz="914400" rtl="0" eaLnBrk="1" latinLnBrk="0" hangingPunct="1">
+      </a:lvl3pPr>
+      <a:lvl4pPr marL="1600200" indent="-228600" algn="l" defTabSz="914400" rtl="0" eaLnBrk="1" latinLnBrk="0" hangingPunct="1">
         <a:lnSpc>
-          <a:spcPct val="130000"/>
+          <a:spcPct val="110000"/>
         </a:lnSpc>
         <a:spcBef>
           <a:spcPts val="500"/>
         </a:spcBef>
-        <a:buSzPct val="85000"/>
         <a:buFont typeface="Arial" panose="020B0604020202020204" pitchFamily="34" charset="0"/>
         <a:buChar char="•"/>
         <a:defRPr sz="1400" kern="1200">
@@ -4323,37 +4373,17 @@
           <a:ea typeface="+mn-ea"/>
           <a:cs typeface="+mn-cs"/>
         </a:defRPr>
-      </a:lvl3pPr>
-      <a:lvl4pPr marL="466344" indent="0" algn="l" defTabSz="914400" rtl="0" eaLnBrk="1" latinLnBrk="0" hangingPunct="1">
+      </a:lvl4pPr>
+      <a:lvl5pPr marL="2057400" indent="-228600" algn="l" defTabSz="914400" rtl="0" eaLnBrk="1" latinLnBrk="0" hangingPunct="1">
         <a:lnSpc>
-          <a:spcPct val="130000"/>
+          <a:spcPct val="110000"/>
         </a:lnSpc>
         <a:spcBef>
           <a:spcPts val="500"/>
         </a:spcBef>
-        <a:buSzPct val="85000"/>
-        <a:buFontTx/>
-        <a:buNone/>
-        <a:defRPr sz="1200" b="1" kern="1200">
-          <a:solidFill>
-            <a:schemeClr val="tx1"/>
-          </a:solidFill>
-          <a:latin typeface="+mn-lt"/>
-          <a:ea typeface="+mn-ea"/>
-          <a:cs typeface="+mn-cs"/>
-        </a:defRPr>
-      </a:lvl4pPr>
-      <a:lvl5pPr marL="640080" indent="-182880" algn="l" defTabSz="914400" rtl="0" eaLnBrk="1" latinLnBrk="0" hangingPunct="1">
-        <a:lnSpc>
-          <a:spcPct val="130000"/>
-        </a:lnSpc>
-        <a:spcBef>
-          <a:spcPts val="500"/>
-        </a:spcBef>
-        <a:buSzPct val="85000"/>
         <a:buFont typeface="Arial" panose="020B0604020202020204" pitchFamily="34" charset="0"/>
         <a:buChar char="•"/>
-        <a:defRPr sz="1200" kern="1200">
+        <a:defRPr sz="1400" kern="1200">
           <a:solidFill>
             <a:schemeClr val="tx1"/>
           </a:solidFill>
@@ -4534,7 +4564,7 @@
   <p:extLst>
     <p:ext uri="{27BBF7A9-308A-43DC-89C8-2F10F3537804}">
       <p15:sldGuideLst xmlns:p15="http://schemas.microsoft.com/office/powerpoint/2012/main">
-        <p15:guide id="1" orient="horz" pos="480">
+        <p15:guide id="1" orient="horz" pos="2160">
           <p15:clr>
             <a:srgbClr val="F26B43"/>
           </p15:clr>
@@ -4544,22 +4574,32 @@
             <a:srgbClr val="F26B43"/>
           </p15:clr>
         </p15:guide>
-        <p15:guide id="3" pos="7200">
+        <p15:guide id="3" orient="horz" pos="672">
           <p15:clr>
             <a:srgbClr val="F26B43"/>
           </p15:clr>
         </p15:guide>
-        <p15:guide id="4" pos="6720">
+        <p15:guide id="4" orient="horz" pos="912">
           <p15:clr>
             <a:srgbClr val="F26B43"/>
           </p15:clr>
         </p15:guide>
-        <p15:guide id="16" pos="480">
+        <p15:guide id="5" pos="7176">
           <p15:clr>
             <a:srgbClr val="F26B43"/>
           </p15:clr>
         </p15:guide>
-        <p15:guide id="23" orient="horz" pos="3840">
+        <p15:guide id="6" pos="504">
+          <p15:clr>
+            <a:srgbClr val="F26B43"/>
+          </p15:clr>
+        </p15:guide>
+        <p15:guide id="7" orient="horz" pos="3864">
+          <p15:clr>
+            <a:srgbClr val="F26B43"/>
+          </p15:clr>
+        </p15:guide>
+        <p15:guide id="8" orient="horz" pos="456">
           <p15:clr>
             <a:srgbClr val="F26B43"/>
           </p15:clr>
@@ -4633,6 +4673,10 @@
             <a:r>
               <a:rPr lang="en-US" dirty="0" err="1"/>
               <a:t>Fehlauer</a:t>
+            </a:r>
+            <a:r>
+              <a:rPr lang="en-US" dirty="0"/>
+              <a:t>, Pablo Marques</a:t>
             </a:r>
           </a:p>
         </p:txBody>
@@ -4744,7 +4788,7 @@
           <a:p>
             <a:fld id="{9FBE1B50-9130-47DA-B4F9-EEE798F3A0B6}" type="datetime1">
               <a:rPr lang="en-US" smtClean="0"/>
-              <a:t>5/3/2024</a:t>
+              <a:t>5/7/2024</a:t>
             </a:fld>
             <a:endParaRPr lang="en-US" dirty="0"/>
           </a:p>
@@ -4924,7 +4968,7 @@
           <a:p>
             <a:fld id="{A6D1F2CA-FA0A-421E-92E7-5CBF624CA0D2}" type="datetime1">
               <a:rPr lang="en-US" smtClean="0"/>
-              <a:t>5/3/2024</a:t>
+              <a:t>5/7/2024</a:t>
             </a:fld>
             <a:endParaRPr lang="en-US" dirty="0"/>
           </a:p>
@@ -5092,7 +5136,7 @@
           <a:p>
             <a:fld id="{9E427858-1B63-42BF-A081-F881375F2F0E}" type="datetime1">
               <a:rPr lang="en-US" smtClean="0"/>
-              <a:t>5/3/2024</a:t>
+              <a:t>5/7/2024</a:t>
             </a:fld>
             <a:endParaRPr lang="en-US" dirty="0"/>
           </a:p>
@@ -5245,7 +5289,7 @@
           <a:p>
             <a:fld id="{8ADC9E49-246E-484A-926C-3041536DB8F7}" type="datetime1">
               <a:rPr lang="en-US" smtClean="0"/>
-              <a:t>5/3/2024</a:t>
+              <a:t>5/7/2024</a:t>
             </a:fld>
             <a:endParaRPr lang="en-US" dirty="0"/>
           </a:p>
@@ -5324,59 +5368,59 @@
 </file>
 
 <file path=ppt/theme/theme1.xml><?xml version="1.0" encoding="utf-8"?>
-<a:theme xmlns:a="http://schemas.openxmlformats.org/drawingml/2006/main" name="PortalVTI">
+<a:theme xmlns:a="http://schemas.openxmlformats.org/drawingml/2006/main" name="ChronicleVTI">
   <a:themeElements>
-    <a:clrScheme name="PortalVTI">
+    <a:clrScheme name="ChronicleVTI">
       <a:dk1>
-        <a:sysClr val="windowText" lastClr="000000"/>
+        <a:srgbClr val="000000"/>
       </a:dk1>
       <a:lt1>
-        <a:sysClr val="window" lastClr="FFFFFF"/>
+        <a:srgbClr val="FFFFFF"/>
       </a:lt1>
       <a:dk2>
-        <a:srgbClr val="051618"/>
+        <a:srgbClr val="1C1C32"/>
       </a:dk2>
       <a:lt2>
-        <a:srgbClr val="E8E8DF"/>
+        <a:srgbClr val="F8F4F1"/>
       </a:lt2>
       <a:accent1>
-        <a:srgbClr val="2D714C"/>
+        <a:srgbClr val="734B67"/>
       </a:accent1>
       <a:accent2>
-        <a:srgbClr val="1F7985"/>
+        <a:srgbClr val="959EBB"/>
       </a:accent2>
       <a:accent3>
-        <a:srgbClr val="0D6756"/>
+        <a:srgbClr val="596781"/>
       </a:accent3>
       <a:accent4>
-        <a:srgbClr val="40945E"/>
+        <a:srgbClr val="7F6E8C"/>
       </a:accent4>
       <a:accent5>
-        <a:srgbClr val="389896"/>
+        <a:srgbClr val="DB9A8F"/>
       </a:accent5>
       <a:accent6>
-        <a:srgbClr val="64924A"/>
+        <a:srgbClr val="C29AB1"/>
       </a:accent6>
       <a:hlink>
-        <a:srgbClr val="1F855C"/>
+        <a:srgbClr val="778BA2"/>
       </a:hlink>
       <a:folHlink>
-        <a:srgbClr val="227390"/>
+        <a:srgbClr val="A27C99"/>
       </a:folHlink>
     </a:clrScheme>
-    <a:fontScheme name="PortalVTI">
+    <a:fontScheme name="ChronicleVTI">
       <a:majorFont>
-        <a:latin typeface="Trade Gothic Next Cond"/>
+        <a:latin typeface="Univers Condensed"/>
         <a:ea typeface=""/>
         <a:cs typeface=""/>
       </a:majorFont>
       <a:minorFont>
-        <a:latin typeface="Trade Gothic Next Light"/>
+        <a:latin typeface="Calisto MT" panose="02040603050505030304"/>
         <a:ea typeface=""/>
         <a:cs typeface=""/>
       </a:minorFont>
     </a:fontScheme>
-    <a:fmtScheme name="PortalVTI">
+    <a:fmtScheme name="ChronicleVTI">
       <a:fillStyleLst>
         <a:solidFill>
           <a:schemeClr val="phClr"/>
@@ -5518,7 +5562,7 @@
   <a:extraClrSchemeLst/>
   <a:extLst>
     <a:ext uri="{05A4C25C-085E-4340-85A3-A5531E510DB2}">
-      <thm15:themeFamily xmlns:thm15="http://schemas.microsoft.com/office/thememl/2012/main" name="PortalVTI" id="{E3A4BB4D-5227-4A6D-99D3-DBAB0FE4C68F}" vid="{BE515EFD-5A7A-4BFE-BE06-A21DB8499CD2}"/>
+      <thm15:themeFamily xmlns:thm15="http://schemas.microsoft.com/office/thememl/2012/main" name="ChronicleVTI" id="{534FD3B1-53CD-4A5C-943C-C44DFF248C3E}" vid="{19A790DA-2E4D-4134-98A6-7DECB1A1B842}"/>
     </a:ext>
   </a:extLst>
 </a:theme>

--- a/Presentation.pptx
+++ b/Presentation.pptx
@@ -7,9 +7,20 @@
   <p:sldIdLst>
     <p:sldId id="256" r:id="rId2"/>
     <p:sldId id="257" r:id="rId3"/>
-    <p:sldId id="258" r:id="rId4"/>
-    <p:sldId id="259" r:id="rId5"/>
-    <p:sldId id="260" r:id="rId6"/>
+    <p:sldId id="269" r:id="rId4"/>
+    <p:sldId id="264" r:id="rId5"/>
+    <p:sldId id="267" r:id="rId6"/>
+    <p:sldId id="265" r:id="rId7"/>
+    <p:sldId id="266" r:id="rId8"/>
+    <p:sldId id="262" r:id="rId9"/>
+    <p:sldId id="261" r:id="rId10"/>
+    <p:sldId id="259" r:id="rId11"/>
+    <p:sldId id="263" r:id="rId12"/>
+    <p:sldId id="275" r:id="rId13"/>
+    <p:sldId id="271" r:id="rId14"/>
+    <p:sldId id="274" r:id="rId15"/>
+    <p:sldId id="268" r:id="rId16"/>
+    <p:sldId id="260" r:id="rId17"/>
   </p:sldIdLst>
   <p:sldSz cx="12192000" cy="6858000"/>
   <p:notesSz cx="6858000" cy="9144000"/>
@@ -120,6 +131,7 @@
 <p1510:revInfo xmlns:a="http://schemas.openxmlformats.org/drawingml/2006/main" xmlns:r="http://schemas.openxmlformats.org/officeDocument/2006/relationships" xmlns:p1510="http://schemas.microsoft.com/office/powerpoint/2015/10/main">
   <p1510:revLst>
     <p1510:client id="{236A428B-EB3A-4EDA-8B94-5C42A3C67680}" v="15" dt="2024-05-08T01:13:54.042"/>
+    <p1510:client id="{9027FE1D-C861-432B-B1C8-11A99DB4171A}" v="1" dt="2024-05-08T21:31:22.540"/>
   </p1510:revLst>
 </p1510:revInfo>
 </file>
@@ -127,20 +139,20 @@
 <file path=ppt/changesInfos/changesInfo1.xml><?xml version="1.0" encoding="utf-8"?>
 <pc:chgInfo xmlns:a="http://schemas.openxmlformats.org/drawingml/2006/main" xmlns:r="http://schemas.openxmlformats.org/officeDocument/2006/relationships" xmlns:ac="http://schemas.microsoft.com/office/drawing/2013/main/command" xmlns:pc="http://schemas.microsoft.com/office/powerpoint/2013/main/command">
   <pc:docChgLst>
-    <pc:chgData name="Eduardo Savian" userId="83fefb37af455394" providerId="Windows Live" clId="Web-{6808E06D-317C-48B5-80AB-C63B5B44D7D8}"/>
+    <pc:chgData name="Eduardo Savian" userId="83fefb37af455394" providerId="Windows Live" clId="Web-{236A428B-EB3A-4EDA-8B94-5C42A3C67680}"/>
     <pc:docChg chg="modSld addMainMaster delMainMaster">
-      <pc:chgData name="Eduardo Savian" userId="83fefb37af455394" providerId="Windows Live" clId="Web-{6808E06D-317C-48B5-80AB-C63B5B44D7D8}" dt="2024-04-28T21:41:36.386" v="27" actId="20577"/>
+      <pc:chgData name="Eduardo Savian" userId="83fefb37af455394" providerId="Windows Live" clId="Web-{236A428B-EB3A-4EDA-8B94-5C42A3C67680}" dt="2024-05-08T01:13:54.042" v="2"/>
       <pc:docMkLst>
         <pc:docMk/>
       </pc:docMkLst>
       <pc:sldChg chg="modSp mod modClrScheme chgLayout">
-        <pc:chgData name="Eduardo Savian" userId="83fefb37af455394" providerId="Windows Live" clId="Web-{6808E06D-317C-48B5-80AB-C63B5B44D7D8}" dt="2024-04-28T21:41:36.386" v="27" actId="20577"/>
+        <pc:chgData name="Eduardo Savian" userId="83fefb37af455394" providerId="Windows Live" clId="Web-{236A428B-EB3A-4EDA-8B94-5C42A3C67680}" dt="2024-05-08T01:13:54.042" v="2"/>
         <pc:sldMkLst>
           <pc:docMk/>
           <pc:sldMk cId="109857222" sldId="256"/>
         </pc:sldMkLst>
         <pc:spChg chg="mod ord">
-          <ac:chgData name="Eduardo Savian" userId="83fefb37af455394" providerId="Windows Live" clId="Web-{6808E06D-317C-48B5-80AB-C63B5B44D7D8}" dt="2024-04-28T21:41:28.213" v="8" actId="20577"/>
+          <ac:chgData name="Eduardo Savian" userId="83fefb37af455394" providerId="Windows Live" clId="Web-{236A428B-EB3A-4EDA-8B94-5C42A3C67680}" dt="2024-05-08T01:13:54.042" v="2"/>
           <ac:spMkLst>
             <pc:docMk/>
             <pc:sldMk cId="109857222" sldId="256"/>
@@ -148,7 +160,7 @@
           </ac:spMkLst>
         </pc:spChg>
         <pc:spChg chg="mod ord">
-          <ac:chgData name="Eduardo Savian" userId="83fefb37af455394" providerId="Windows Live" clId="Web-{6808E06D-317C-48B5-80AB-C63B5B44D7D8}" dt="2024-04-28T21:41:36.386" v="27" actId="20577"/>
+          <ac:chgData name="Eduardo Savian" userId="83fefb37af455394" providerId="Windows Live" clId="Web-{236A428B-EB3A-4EDA-8B94-5C42A3C67680}" dt="2024-05-08T01:13:54.042" v="2"/>
           <ac:spMkLst>
             <pc:docMk/>
             <pc:sldMk cId="109857222" sldId="256"/>
@@ -156,427 +168,274 @@
           </ac:spMkLst>
         </pc:spChg>
       </pc:sldChg>
+      <pc:sldChg chg="modSp mod modClrScheme chgLayout">
+        <pc:chgData name="Eduardo Savian" userId="83fefb37af455394" providerId="Windows Live" clId="Web-{236A428B-EB3A-4EDA-8B94-5C42A3C67680}" dt="2024-05-08T01:13:54.042" v="2"/>
+        <pc:sldMkLst>
+          <pc:docMk/>
+          <pc:sldMk cId="3775945265" sldId="257"/>
+        </pc:sldMkLst>
+        <pc:spChg chg="mod ord">
+          <ac:chgData name="Eduardo Savian" userId="83fefb37af455394" providerId="Windows Live" clId="Web-{236A428B-EB3A-4EDA-8B94-5C42A3C67680}" dt="2024-05-08T01:13:54.042" v="2"/>
+          <ac:spMkLst>
+            <pc:docMk/>
+            <pc:sldMk cId="3775945265" sldId="257"/>
+            <ac:spMk id="2" creationId="{D6ADE00D-4311-50C4-8DF9-71AEE4CBFBA6}"/>
+          </ac:spMkLst>
+        </pc:spChg>
+        <pc:spChg chg="mod ord">
+          <ac:chgData name="Eduardo Savian" userId="83fefb37af455394" providerId="Windows Live" clId="Web-{236A428B-EB3A-4EDA-8B94-5C42A3C67680}" dt="2024-05-08T01:13:54.042" v="2"/>
+          <ac:spMkLst>
+            <pc:docMk/>
+            <pc:sldMk cId="3775945265" sldId="257"/>
+            <ac:spMk id="3" creationId="{A3B4ADFF-18FA-819A-E2DD-F32D67BA3A8E}"/>
+          </ac:spMkLst>
+        </pc:spChg>
+        <pc:spChg chg="mod ord">
+          <ac:chgData name="Eduardo Savian" userId="83fefb37af455394" providerId="Windows Live" clId="Web-{236A428B-EB3A-4EDA-8B94-5C42A3C67680}" dt="2024-05-08T01:13:54.042" v="2"/>
+          <ac:spMkLst>
+            <pc:docMk/>
+            <pc:sldMk cId="3775945265" sldId="257"/>
+            <ac:spMk id="4" creationId="{DB215652-CD47-035A-D24D-F14EE46A4092}"/>
+          </ac:spMkLst>
+        </pc:spChg>
+        <pc:spChg chg="mod ord">
+          <ac:chgData name="Eduardo Savian" userId="83fefb37af455394" providerId="Windows Live" clId="Web-{236A428B-EB3A-4EDA-8B94-5C42A3C67680}" dt="2024-05-08T01:13:54.042" v="2"/>
+          <ac:spMkLst>
+            <pc:docMk/>
+            <pc:sldMk cId="3775945265" sldId="257"/>
+            <ac:spMk id="5" creationId="{3381B339-BCA0-D98E-7BEC-F5F86A2EBAE0}"/>
+          </ac:spMkLst>
+        </pc:spChg>
+        <pc:spChg chg="mod ord">
+          <ac:chgData name="Eduardo Savian" userId="83fefb37af455394" providerId="Windows Live" clId="Web-{236A428B-EB3A-4EDA-8B94-5C42A3C67680}" dt="2024-05-08T01:13:54.042" v="2"/>
+          <ac:spMkLst>
+            <pc:docMk/>
+            <pc:sldMk cId="3775945265" sldId="257"/>
+            <ac:spMk id="6" creationId="{245176F3-9B8F-5D0D-56B6-881A0F8BAE27}"/>
+          </ac:spMkLst>
+        </pc:spChg>
+      </pc:sldChg>
+      <pc:sldChg chg="modSp mod modClrScheme chgLayout">
+        <pc:chgData name="Eduardo Savian" userId="83fefb37af455394" providerId="Windows Live" clId="Web-{236A428B-EB3A-4EDA-8B94-5C42A3C67680}" dt="2024-05-08T01:13:54.042" v="2"/>
+        <pc:sldMkLst>
+          <pc:docMk/>
+          <pc:sldMk cId="1767302655" sldId="258"/>
+        </pc:sldMkLst>
+        <pc:spChg chg="mod ord">
+          <ac:chgData name="Eduardo Savian" userId="83fefb37af455394" providerId="Windows Live" clId="Web-{236A428B-EB3A-4EDA-8B94-5C42A3C67680}" dt="2024-05-08T01:13:54.042" v="2"/>
+          <ac:spMkLst>
+            <pc:docMk/>
+            <pc:sldMk cId="1767302655" sldId="258"/>
+            <ac:spMk id="2" creationId="{3DA2759E-6509-5739-997F-79FBA3389A58}"/>
+          </ac:spMkLst>
+        </pc:spChg>
+        <pc:spChg chg="mod ord">
+          <ac:chgData name="Eduardo Savian" userId="83fefb37af455394" providerId="Windows Live" clId="Web-{236A428B-EB3A-4EDA-8B94-5C42A3C67680}" dt="2024-05-08T01:13:54.042" v="2"/>
+          <ac:spMkLst>
+            <pc:docMk/>
+            <pc:sldMk cId="1767302655" sldId="258"/>
+            <ac:spMk id="3" creationId="{AD684354-353E-8862-FCBF-8C22177AF4B9}"/>
+          </ac:spMkLst>
+        </pc:spChg>
+        <pc:spChg chg="mod ord">
+          <ac:chgData name="Eduardo Savian" userId="83fefb37af455394" providerId="Windows Live" clId="Web-{236A428B-EB3A-4EDA-8B94-5C42A3C67680}" dt="2024-05-08T01:13:54.042" v="2"/>
+          <ac:spMkLst>
+            <pc:docMk/>
+            <pc:sldMk cId="1767302655" sldId="258"/>
+            <ac:spMk id="4" creationId="{01FADF07-4BC5-F71C-E155-7E699903405F}"/>
+          </ac:spMkLst>
+        </pc:spChg>
+        <pc:spChg chg="mod ord">
+          <ac:chgData name="Eduardo Savian" userId="83fefb37af455394" providerId="Windows Live" clId="Web-{236A428B-EB3A-4EDA-8B94-5C42A3C67680}" dt="2024-05-08T01:13:54.042" v="2"/>
+          <ac:spMkLst>
+            <pc:docMk/>
+            <pc:sldMk cId="1767302655" sldId="258"/>
+            <ac:spMk id="5" creationId="{C30563B5-F358-CCDC-BE50-1AA3C53B3CC6}"/>
+          </ac:spMkLst>
+        </pc:spChg>
+        <pc:spChg chg="mod ord">
+          <ac:chgData name="Eduardo Savian" userId="83fefb37af455394" providerId="Windows Live" clId="Web-{236A428B-EB3A-4EDA-8B94-5C42A3C67680}" dt="2024-05-08T01:13:54.042" v="2"/>
+          <ac:spMkLst>
+            <pc:docMk/>
+            <pc:sldMk cId="1767302655" sldId="258"/>
+            <ac:spMk id="6" creationId="{D5485450-93CC-472B-2AE9-4E3E69B21993}"/>
+          </ac:spMkLst>
+        </pc:spChg>
+      </pc:sldChg>
+      <pc:sldChg chg="modSp mod modClrScheme chgLayout">
+        <pc:chgData name="Eduardo Savian" userId="83fefb37af455394" providerId="Windows Live" clId="Web-{236A428B-EB3A-4EDA-8B94-5C42A3C67680}" dt="2024-05-08T01:13:54.042" v="2"/>
+        <pc:sldMkLst>
+          <pc:docMk/>
+          <pc:sldMk cId="1967995460" sldId="259"/>
+        </pc:sldMkLst>
+        <pc:spChg chg="mod ord">
+          <ac:chgData name="Eduardo Savian" userId="83fefb37af455394" providerId="Windows Live" clId="Web-{236A428B-EB3A-4EDA-8B94-5C42A3C67680}" dt="2024-05-08T01:13:54.042" v="2"/>
+          <ac:spMkLst>
+            <pc:docMk/>
+            <pc:sldMk cId="1967995460" sldId="259"/>
+            <ac:spMk id="2" creationId="{39887D89-22FC-622C-690A-E2571C8358CE}"/>
+          </ac:spMkLst>
+        </pc:spChg>
+        <pc:spChg chg="mod ord">
+          <ac:chgData name="Eduardo Savian" userId="83fefb37af455394" providerId="Windows Live" clId="Web-{236A428B-EB3A-4EDA-8B94-5C42A3C67680}" dt="2024-05-08T01:13:54.042" v="2"/>
+          <ac:spMkLst>
+            <pc:docMk/>
+            <pc:sldMk cId="1967995460" sldId="259"/>
+            <ac:spMk id="3" creationId="{D18A5516-B06F-36C5-F2E3-84103FADF1AC}"/>
+          </ac:spMkLst>
+        </pc:spChg>
+        <pc:spChg chg="mod ord">
+          <ac:chgData name="Eduardo Savian" userId="83fefb37af455394" providerId="Windows Live" clId="Web-{236A428B-EB3A-4EDA-8B94-5C42A3C67680}" dt="2024-05-08T01:13:54.042" v="2"/>
+          <ac:spMkLst>
+            <pc:docMk/>
+            <pc:sldMk cId="1967995460" sldId="259"/>
+            <ac:spMk id="4" creationId="{FBBE62BA-F7B8-8240-F43C-643DB196171D}"/>
+          </ac:spMkLst>
+        </pc:spChg>
+        <pc:spChg chg="mod ord">
+          <ac:chgData name="Eduardo Savian" userId="83fefb37af455394" providerId="Windows Live" clId="Web-{236A428B-EB3A-4EDA-8B94-5C42A3C67680}" dt="2024-05-08T01:13:54.042" v="2"/>
+          <ac:spMkLst>
+            <pc:docMk/>
+            <pc:sldMk cId="1967995460" sldId="259"/>
+            <ac:spMk id="5" creationId="{BB056759-BDF5-5450-E526-02C0EF64F525}"/>
+          </ac:spMkLst>
+        </pc:spChg>
+        <pc:spChg chg="mod ord">
+          <ac:chgData name="Eduardo Savian" userId="83fefb37af455394" providerId="Windows Live" clId="Web-{236A428B-EB3A-4EDA-8B94-5C42A3C67680}" dt="2024-05-08T01:13:54.042" v="2"/>
+          <ac:spMkLst>
+            <pc:docMk/>
+            <pc:sldMk cId="1967995460" sldId="259"/>
+            <ac:spMk id="6" creationId="{4CA22887-B5A5-3AD7-1BCD-A285BC742658}"/>
+          </ac:spMkLst>
+        </pc:spChg>
+      </pc:sldChg>
+      <pc:sldChg chg="modSp mod modClrScheme chgLayout">
+        <pc:chgData name="Eduardo Savian" userId="83fefb37af455394" providerId="Windows Live" clId="Web-{236A428B-EB3A-4EDA-8B94-5C42A3C67680}" dt="2024-05-08T01:13:54.042" v="2"/>
+        <pc:sldMkLst>
+          <pc:docMk/>
+          <pc:sldMk cId="2210678312" sldId="260"/>
+        </pc:sldMkLst>
+        <pc:spChg chg="mod ord">
+          <ac:chgData name="Eduardo Savian" userId="83fefb37af455394" providerId="Windows Live" clId="Web-{236A428B-EB3A-4EDA-8B94-5C42A3C67680}" dt="2024-05-08T01:13:54.042" v="2"/>
+          <ac:spMkLst>
+            <pc:docMk/>
+            <pc:sldMk cId="2210678312" sldId="260"/>
+            <ac:spMk id="2" creationId="{B1F35A36-4B8A-CC21-A7B3-D24FC5357485}"/>
+          </ac:spMkLst>
+        </pc:spChg>
+        <pc:spChg chg="mod ord">
+          <ac:chgData name="Eduardo Savian" userId="83fefb37af455394" providerId="Windows Live" clId="Web-{236A428B-EB3A-4EDA-8B94-5C42A3C67680}" dt="2024-05-08T01:13:54.042" v="2"/>
+          <ac:spMkLst>
+            <pc:docMk/>
+            <pc:sldMk cId="2210678312" sldId="260"/>
+            <ac:spMk id="4" creationId="{50137EE9-4887-8E0A-6349-CC3BFA083A91}"/>
+          </ac:spMkLst>
+        </pc:spChg>
+        <pc:spChg chg="mod ord">
+          <ac:chgData name="Eduardo Savian" userId="83fefb37af455394" providerId="Windows Live" clId="Web-{236A428B-EB3A-4EDA-8B94-5C42A3C67680}" dt="2024-05-08T01:13:54.042" v="2"/>
+          <ac:spMkLst>
+            <pc:docMk/>
+            <pc:sldMk cId="2210678312" sldId="260"/>
+            <ac:spMk id="5" creationId="{F359168D-AE6A-4BA1-7FED-DC37B5B538AC}"/>
+          </ac:spMkLst>
+        </pc:spChg>
+        <pc:spChg chg="mod ord">
+          <ac:chgData name="Eduardo Savian" userId="83fefb37af455394" providerId="Windows Live" clId="Web-{236A428B-EB3A-4EDA-8B94-5C42A3C67680}" dt="2024-05-08T01:13:54.042" v="2"/>
+          <ac:spMkLst>
+            <pc:docMk/>
+            <pc:sldMk cId="2210678312" sldId="260"/>
+            <ac:spMk id="6" creationId="{4880F13E-F76E-22C7-A8C6-39DB72471046}"/>
+          </ac:spMkLst>
+        </pc:spChg>
+      </pc:sldChg>
       <pc:sldMasterChg chg="del delSldLayout">
-        <pc:chgData name="Eduardo Savian" userId="83fefb37af455394" providerId="Windows Live" clId="Web-{6808E06D-317C-48B5-80AB-C63B5B44D7D8}" dt="2024-04-28T21:40:56.681" v="0"/>
-        <pc:sldMasterMkLst>
-          <pc:docMk/>
-          <pc:sldMasterMk cId="2460954070" sldId="2147483660"/>
-        </pc:sldMasterMkLst>
-        <pc:sldLayoutChg chg="del">
-          <pc:chgData name="Eduardo Savian" userId="83fefb37af455394" providerId="Windows Live" clId="Web-{6808E06D-317C-48B5-80AB-C63B5B44D7D8}" dt="2024-04-28T21:40:56.681" v="0"/>
-          <pc:sldLayoutMkLst>
-            <pc:docMk/>
-            <pc:sldMasterMk cId="2460954070" sldId="2147483660"/>
-            <pc:sldLayoutMk cId="2385387890" sldId="2147483661"/>
-          </pc:sldLayoutMkLst>
-        </pc:sldLayoutChg>
-        <pc:sldLayoutChg chg="del">
-          <pc:chgData name="Eduardo Savian" userId="83fefb37af455394" providerId="Windows Live" clId="Web-{6808E06D-317C-48B5-80AB-C63B5B44D7D8}" dt="2024-04-28T21:40:56.681" v="0"/>
-          <pc:sldLayoutMkLst>
-            <pc:docMk/>
-            <pc:sldMasterMk cId="2460954070" sldId="2147483660"/>
-            <pc:sldLayoutMk cId="949138452" sldId="2147483662"/>
-          </pc:sldLayoutMkLst>
-        </pc:sldLayoutChg>
-        <pc:sldLayoutChg chg="del">
-          <pc:chgData name="Eduardo Savian" userId="83fefb37af455394" providerId="Windows Live" clId="Web-{6808E06D-317C-48B5-80AB-C63B5B44D7D8}" dt="2024-04-28T21:40:56.681" v="0"/>
-          <pc:sldLayoutMkLst>
-            <pc:docMk/>
-            <pc:sldMasterMk cId="2460954070" sldId="2147483660"/>
-            <pc:sldLayoutMk cId="2591524520" sldId="2147483663"/>
-          </pc:sldLayoutMkLst>
-        </pc:sldLayoutChg>
-        <pc:sldLayoutChg chg="del">
-          <pc:chgData name="Eduardo Savian" userId="83fefb37af455394" providerId="Windows Live" clId="Web-{6808E06D-317C-48B5-80AB-C63B5B44D7D8}" dt="2024-04-28T21:40:56.681" v="0"/>
-          <pc:sldLayoutMkLst>
-            <pc:docMk/>
-            <pc:sldMasterMk cId="2460954070" sldId="2147483660"/>
-            <pc:sldLayoutMk cId="1203092039" sldId="2147483664"/>
-          </pc:sldLayoutMkLst>
-        </pc:sldLayoutChg>
-        <pc:sldLayoutChg chg="del">
-          <pc:chgData name="Eduardo Savian" userId="83fefb37af455394" providerId="Windows Live" clId="Web-{6808E06D-317C-48B5-80AB-C63B5B44D7D8}" dt="2024-04-28T21:40:56.681" v="0"/>
-          <pc:sldLayoutMkLst>
-            <pc:docMk/>
-            <pc:sldMasterMk cId="2460954070" sldId="2147483660"/>
-            <pc:sldLayoutMk cId="3733172339" sldId="2147483665"/>
-          </pc:sldLayoutMkLst>
-        </pc:sldLayoutChg>
-        <pc:sldLayoutChg chg="del">
-          <pc:chgData name="Eduardo Savian" userId="83fefb37af455394" providerId="Windows Live" clId="Web-{6808E06D-317C-48B5-80AB-C63B5B44D7D8}" dt="2024-04-28T21:40:56.681" v="0"/>
-          <pc:sldLayoutMkLst>
-            <pc:docMk/>
-            <pc:sldMasterMk cId="2460954070" sldId="2147483660"/>
-            <pc:sldLayoutMk cId="3210312558" sldId="2147483666"/>
-          </pc:sldLayoutMkLst>
-        </pc:sldLayoutChg>
-        <pc:sldLayoutChg chg="del">
-          <pc:chgData name="Eduardo Savian" userId="83fefb37af455394" providerId="Windows Live" clId="Web-{6808E06D-317C-48B5-80AB-C63B5B44D7D8}" dt="2024-04-28T21:40:56.681" v="0"/>
-          <pc:sldLayoutMkLst>
-            <pc:docMk/>
-            <pc:sldMasterMk cId="2460954070" sldId="2147483660"/>
-            <pc:sldLayoutMk cId="3146388984" sldId="2147483667"/>
-          </pc:sldLayoutMkLst>
-        </pc:sldLayoutChg>
-        <pc:sldLayoutChg chg="del">
-          <pc:chgData name="Eduardo Savian" userId="83fefb37af455394" providerId="Windows Live" clId="Web-{6808E06D-317C-48B5-80AB-C63B5B44D7D8}" dt="2024-04-28T21:40:56.681" v="0"/>
-          <pc:sldLayoutMkLst>
-            <pc:docMk/>
-            <pc:sldMasterMk cId="2460954070" sldId="2147483660"/>
-            <pc:sldLayoutMk cId="3171841454" sldId="2147483668"/>
-          </pc:sldLayoutMkLst>
-        </pc:sldLayoutChg>
-        <pc:sldLayoutChg chg="del">
-          <pc:chgData name="Eduardo Savian" userId="83fefb37af455394" providerId="Windows Live" clId="Web-{6808E06D-317C-48B5-80AB-C63B5B44D7D8}" dt="2024-04-28T21:40:56.681" v="0"/>
-          <pc:sldLayoutMkLst>
-            <pc:docMk/>
-            <pc:sldMasterMk cId="2460954070" sldId="2147483660"/>
-            <pc:sldLayoutMk cId="1718958274" sldId="2147483669"/>
-          </pc:sldLayoutMkLst>
-        </pc:sldLayoutChg>
-        <pc:sldLayoutChg chg="del">
-          <pc:chgData name="Eduardo Savian" userId="83fefb37af455394" providerId="Windows Live" clId="Web-{6808E06D-317C-48B5-80AB-C63B5B44D7D8}" dt="2024-04-28T21:40:56.681" v="0"/>
-          <pc:sldLayoutMkLst>
-            <pc:docMk/>
-            <pc:sldMasterMk cId="2460954070" sldId="2147483660"/>
-            <pc:sldLayoutMk cId="2202905451" sldId="2147483670"/>
-          </pc:sldLayoutMkLst>
-        </pc:sldLayoutChg>
-        <pc:sldLayoutChg chg="del">
-          <pc:chgData name="Eduardo Savian" userId="83fefb37af455394" providerId="Windows Live" clId="Web-{6808E06D-317C-48B5-80AB-C63B5B44D7D8}" dt="2024-04-28T21:40:56.681" v="0"/>
-          <pc:sldLayoutMkLst>
-            <pc:docMk/>
-            <pc:sldMasterMk cId="2460954070" sldId="2147483660"/>
-            <pc:sldLayoutMk cId="3479445657" sldId="2147483671"/>
-          </pc:sldLayoutMkLst>
-        </pc:sldLayoutChg>
-      </pc:sldMasterChg>
-      <pc:sldMasterChg chg="add del addSldLayout delSldLayout modSldLayout">
-        <pc:chgData name="Eduardo Savian" userId="83fefb37af455394" providerId="Windows Live" clId="Web-{6808E06D-317C-48B5-80AB-C63B5B44D7D8}" dt="2024-04-28T21:41:09.510" v="1"/>
-        <pc:sldMasterMkLst>
-          <pc:docMk/>
-          <pc:sldMasterMk cId="1825988211" sldId="2147483672"/>
-        </pc:sldMasterMkLst>
-        <pc:sldLayoutChg chg="add del mod replId">
-          <pc:chgData name="Eduardo Savian" userId="83fefb37af455394" providerId="Windows Live" clId="Web-{6808E06D-317C-48B5-80AB-C63B5B44D7D8}" dt="2024-04-28T21:41:09.510" v="1"/>
-          <pc:sldLayoutMkLst>
-            <pc:docMk/>
-            <pc:sldMasterMk cId="1825988211" sldId="2147483672"/>
-            <pc:sldLayoutMk cId="453625266" sldId="2147483673"/>
-          </pc:sldLayoutMkLst>
-        </pc:sldLayoutChg>
-        <pc:sldLayoutChg chg="add del mod replId">
-          <pc:chgData name="Eduardo Savian" userId="83fefb37af455394" providerId="Windows Live" clId="Web-{6808E06D-317C-48B5-80AB-C63B5B44D7D8}" dt="2024-04-28T21:41:09.510" v="1"/>
-          <pc:sldLayoutMkLst>
-            <pc:docMk/>
-            <pc:sldMasterMk cId="1825988211" sldId="2147483672"/>
-            <pc:sldLayoutMk cId="3741936793" sldId="2147483674"/>
-          </pc:sldLayoutMkLst>
-        </pc:sldLayoutChg>
-        <pc:sldLayoutChg chg="add del mod replId">
-          <pc:chgData name="Eduardo Savian" userId="83fefb37af455394" providerId="Windows Live" clId="Web-{6808E06D-317C-48B5-80AB-C63B5B44D7D8}" dt="2024-04-28T21:41:09.510" v="1"/>
-          <pc:sldLayoutMkLst>
-            <pc:docMk/>
-            <pc:sldMasterMk cId="1825988211" sldId="2147483672"/>
-            <pc:sldLayoutMk cId="3135325950" sldId="2147483675"/>
-          </pc:sldLayoutMkLst>
-        </pc:sldLayoutChg>
-        <pc:sldLayoutChg chg="add del mod replId">
-          <pc:chgData name="Eduardo Savian" userId="83fefb37af455394" providerId="Windows Live" clId="Web-{6808E06D-317C-48B5-80AB-C63B5B44D7D8}" dt="2024-04-28T21:41:09.510" v="1"/>
-          <pc:sldLayoutMkLst>
-            <pc:docMk/>
-            <pc:sldMasterMk cId="1825988211" sldId="2147483672"/>
-            <pc:sldLayoutMk cId="3029497057" sldId="2147483676"/>
-          </pc:sldLayoutMkLst>
-        </pc:sldLayoutChg>
-        <pc:sldLayoutChg chg="add del mod replId">
-          <pc:chgData name="Eduardo Savian" userId="83fefb37af455394" providerId="Windows Live" clId="Web-{6808E06D-317C-48B5-80AB-C63B5B44D7D8}" dt="2024-04-28T21:41:09.510" v="1"/>
-          <pc:sldLayoutMkLst>
-            <pc:docMk/>
-            <pc:sldMasterMk cId="1825988211" sldId="2147483672"/>
-            <pc:sldLayoutMk cId="1582056691" sldId="2147483677"/>
-          </pc:sldLayoutMkLst>
-        </pc:sldLayoutChg>
-        <pc:sldLayoutChg chg="add del mod replId">
-          <pc:chgData name="Eduardo Savian" userId="83fefb37af455394" providerId="Windows Live" clId="Web-{6808E06D-317C-48B5-80AB-C63B5B44D7D8}" dt="2024-04-28T21:41:09.510" v="1"/>
-          <pc:sldLayoutMkLst>
-            <pc:docMk/>
-            <pc:sldMasterMk cId="1825988211" sldId="2147483672"/>
-            <pc:sldLayoutMk cId="1230447073" sldId="2147483678"/>
-          </pc:sldLayoutMkLst>
-        </pc:sldLayoutChg>
-        <pc:sldLayoutChg chg="add del mod replId">
-          <pc:chgData name="Eduardo Savian" userId="83fefb37af455394" providerId="Windows Live" clId="Web-{6808E06D-317C-48B5-80AB-C63B5B44D7D8}" dt="2024-04-28T21:41:09.510" v="1"/>
-          <pc:sldLayoutMkLst>
-            <pc:docMk/>
-            <pc:sldMasterMk cId="1825988211" sldId="2147483672"/>
-            <pc:sldLayoutMk cId="2111515493" sldId="2147483679"/>
-          </pc:sldLayoutMkLst>
-        </pc:sldLayoutChg>
-        <pc:sldLayoutChg chg="add del mod replId">
-          <pc:chgData name="Eduardo Savian" userId="83fefb37af455394" providerId="Windows Live" clId="Web-{6808E06D-317C-48B5-80AB-C63B5B44D7D8}" dt="2024-04-28T21:41:09.510" v="1"/>
-          <pc:sldLayoutMkLst>
-            <pc:docMk/>
-            <pc:sldMasterMk cId="1825988211" sldId="2147483672"/>
-            <pc:sldLayoutMk cId="3466345160" sldId="2147483680"/>
-          </pc:sldLayoutMkLst>
-        </pc:sldLayoutChg>
-        <pc:sldLayoutChg chg="add del mod replId">
-          <pc:chgData name="Eduardo Savian" userId="83fefb37af455394" providerId="Windows Live" clId="Web-{6808E06D-317C-48B5-80AB-C63B5B44D7D8}" dt="2024-04-28T21:41:09.510" v="1"/>
-          <pc:sldLayoutMkLst>
-            <pc:docMk/>
-            <pc:sldMasterMk cId="1825988211" sldId="2147483672"/>
-            <pc:sldLayoutMk cId="1503474283" sldId="2147483681"/>
-          </pc:sldLayoutMkLst>
-        </pc:sldLayoutChg>
-        <pc:sldLayoutChg chg="add del mod replId">
-          <pc:chgData name="Eduardo Savian" userId="83fefb37af455394" providerId="Windows Live" clId="Web-{6808E06D-317C-48B5-80AB-C63B5B44D7D8}" dt="2024-04-28T21:41:09.510" v="1"/>
-          <pc:sldLayoutMkLst>
-            <pc:docMk/>
-            <pc:sldMasterMk cId="1825988211" sldId="2147483672"/>
-            <pc:sldLayoutMk cId="3078211142" sldId="2147483682"/>
-          </pc:sldLayoutMkLst>
-        </pc:sldLayoutChg>
-        <pc:sldLayoutChg chg="add del mod replId">
-          <pc:chgData name="Eduardo Savian" userId="83fefb37af455394" providerId="Windows Live" clId="Web-{6808E06D-317C-48B5-80AB-C63B5B44D7D8}" dt="2024-04-28T21:41:09.510" v="1"/>
-          <pc:sldLayoutMkLst>
-            <pc:docMk/>
-            <pc:sldMasterMk cId="1825988211" sldId="2147483672"/>
-            <pc:sldLayoutMk cId="459548907" sldId="2147483683"/>
-          </pc:sldLayoutMkLst>
-        </pc:sldLayoutChg>
-      </pc:sldMasterChg>
-      <pc:sldMasterChg chg="add del addSldLayout delSldLayout modSldLayout">
-        <pc:chgData name="Eduardo Savian" userId="83fefb37af455394" providerId="Windows Live" clId="Web-{6808E06D-317C-48B5-80AB-C63B5B44D7D8}" dt="2024-04-28T21:41:19.260" v="2"/>
-        <pc:sldMasterMkLst>
-          <pc:docMk/>
-          <pc:sldMasterMk cId="3576760201" sldId="2147483684"/>
-        </pc:sldMasterMkLst>
-        <pc:sldLayoutChg chg="add del mod replId">
-          <pc:chgData name="Eduardo Savian" userId="83fefb37af455394" providerId="Windows Live" clId="Web-{6808E06D-317C-48B5-80AB-C63B5B44D7D8}" dt="2024-04-28T21:41:19.260" v="2"/>
-          <pc:sldLayoutMkLst>
-            <pc:docMk/>
-            <pc:sldMasterMk cId="3576760201" sldId="2147483684"/>
-            <pc:sldLayoutMk cId="2216021014" sldId="2147483685"/>
-          </pc:sldLayoutMkLst>
-        </pc:sldLayoutChg>
-        <pc:sldLayoutChg chg="add del mod replId">
-          <pc:chgData name="Eduardo Savian" userId="83fefb37af455394" providerId="Windows Live" clId="Web-{6808E06D-317C-48B5-80AB-C63B5B44D7D8}" dt="2024-04-28T21:41:19.260" v="2"/>
-          <pc:sldLayoutMkLst>
-            <pc:docMk/>
-            <pc:sldMasterMk cId="3576760201" sldId="2147483684"/>
-            <pc:sldLayoutMk cId="3902083424" sldId="2147483686"/>
-          </pc:sldLayoutMkLst>
-        </pc:sldLayoutChg>
-        <pc:sldLayoutChg chg="add del mod replId">
-          <pc:chgData name="Eduardo Savian" userId="83fefb37af455394" providerId="Windows Live" clId="Web-{6808E06D-317C-48B5-80AB-C63B5B44D7D8}" dt="2024-04-28T21:41:19.260" v="2"/>
-          <pc:sldLayoutMkLst>
-            <pc:docMk/>
-            <pc:sldMasterMk cId="3576760201" sldId="2147483684"/>
-            <pc:sldLayoutMk cId="303830792" sldId="2147483687"/>
-          </pc:sldLayoutMkLst>
-        </pc:sldLayoutChg>
-        <pc:sldLayoutChg chg="add del mod replId">
-          <pc:chgData name="Eduardo Savian" userId="83fefb37af455394" providerId="Windows Live" clId="Web-{6808E06D-317C-48B5-80AB-C63B5B44D7D8}" dt="2024-04-28T21:41:19.260" v="2"/>
-          <pc:sldLayoutMkLst>
-            <pc:docMk/>
-            <pc:sldMasterMk cId="3576760201" sldId="2147483684"/>
-            <pc:sldLayoutMk cId="3294796599" sldId="2147483688"/>
-          </pc:sldLayoutMkLst>
-        </pc:sldLayoutChg>
-        <pc:sldLayoutChg chg="add del mod replId">
-          <pc:chgData name="Eduardo Savian" userId="83fefb37af455394" providerId="Windows Live" clId="Web-{6808E06D-317C-48B5-80AB-C63B5B44D7D8}" dt="2024-04-28T21:41:19.260" v="2"/>
-          <pc:sldLayoutMkLst>
-            <pc:docMk/>
-            <pc:sldMasterMk cId="3576760201" sldId="2147483684"/>
-            <pc:sldLayoutMk cId="2202936919" sldId="2147483689"/>
-          </pc:sldLayoutMkLst>
-        </pc:sldLayoutChg>
-        <pc:sldLayoutChg chg="add del mod replId">
-          <pc:chgData name="Eduardo Savian" userId="83fefb37af455394" providerId="Windows Live" clId="Web-{6808E06D-317C-48B5-80AB-C63B5B44D7D8}" dt="2024-04-28T21:41:19.260" v="2"/>
-          <pc:sldLayoutMkLst>
-            <pc:docMk/>
-            <pc:sldMasterMk cId="3576760201" sldId="2147483684"/>
-            <pc:sldLayoutMk cId="4008400113" sldId="2147483690"/>
-          </pc:sldLayoutMkLst>
-        </pc:sldLayoutChg>
-        <pc:sldLayoutChg chg="add del mod replId">
-          <pc:chgData name="Eduardo Savian" userId="83fefb37af455394" providerId="Windows Live" clId="Web-{6808E06D-317C-48B5-80AB-C63B5B44D7D8}" dt="2024-04-28T21:41:19.260" v="2"/>
-          <pc:sldLayoutMkLst>
-            <pc:docMk/>
-            <pc:sldMasterMk cId="3576760201" sldId="2147483684"/>
-            <pc:sldLayoutMk cId="2748376286" sldId="2147483691"/>
-          </pc:sldLayoutMkLst>
-        </pc:sldLayoutChg>
-        <pc:sldLayoutChg chg="add del mod replId">
-          <pc:chgData name="Eduardo Savian" userId="83fefb37af455394" providerId="Windows Live" clId="Web-{6808E06D-317C-48B5-80AB-C63B5B44D7D8}" dt="2024-04-28T21:41:19.260" v="2"/>
-          <pc:sldLayoutMkLst>
-            <pc:docMk/>
-            <pc:sldMasterMk cId="3576760201" sldId="2147483684"/>
-            <pc:sldLayoutMk cId="382359778" sldId="2147483692"/>
-          </pc:sldLayoutMkLst>
-        </pc:sldLayoutChg>
-        <pc:sldLayoutChg chg="add del mod replId">
-          <pc:chgData name="Eduardo Savian" userId="83fefb37af455394" providerId="Windows Live" clId="Web-{6808E06D-317C-48B5-80AB-C63B5B44D7D8}" dt="2024-04-28T21:41:19.260" v="2"/>
-          <pc:sldLayoutMkLst>
-            <pc:docMk/>
-            <pc:sldMasterMk cId="3576760201" sldId="2147483684"/>
-            <pc:sldLayoutMk cId="4040316331" sldId="2147483693"/>
-          </pc:sldLayoutMkLst>
-        </pc:sldLayoutChg>
-        <pc:sldLayoutChg chg="add del mod replId">
-          <pc:chgData name="Eduardo Savian" userId="83fefb37af455394" providerId="Windows Live" clId="Web-{6808E06D-317C-48B5-80AB-C63B5B44D7D8}" dt="2024-04-28T21:41:19.260" v="2"/>
-          <pc:sldLayoutMkLst>
-            <pc:docMk/>
-            <pc:sldMasterMk cId="3576760201" sldId="2147483684"/>
-            <pc:sldLayoutMk cId="509449739" sldId="2147483694"/>
-          </pc:sldLayoutMkLst>
-        </pc:sldLayoutChg>
-        <pc:sldLayoutChg chg="add del mod replId">
-          <pc:chgData name="Eduardo Savian" userId="83fefb37af455394" providerId="Windows Live" clId="Web-{6808E06D-317C-48B5-80AB-C63B5B44D7D8}" dt="2024-04-28T21:41:19.260" v="2"/>
-          <pc:sldLayoutMkLst>
-            <pc:docMk/>
-            <pc:sldMasterMk cId="3576760201" sldId="2147483684"/>
-            <pc:sldLayoutMk cId="623420917" sldId="2147483695"/>
-          </pc:sldLayoutMkLst>
-        </pc:sldLayoutChg>
-        <pc:sldLayoutChg chg="add del mod replId">
-          <pc:chgData name="Eduardo Savian" userId="83fefb37af455394" providerId="Windows Live" clId="Web-{6808E06D-317C-48B5-80AB-C63B5B44D7D8}" dt="2024-04-28T21:41:19.260" v="2"/>
-          <pc:sldLayoutMkLst>
-            <pc:docMk/>
-            <pc:sldMasterMk cId="3576760201" sldId="2147483684"/>
-            <pc:sldLayoutMk cId="2864147052" sldId="2147483696"/>
-          </pc:sldLayoutMkLst>
-        </pc:sldLayoutChg>
-        <pc:sldLayoutChg chg="add del mod replId">
-          <pc:chgData name="Eduardo Savian" userId="83fefb37af455394" providerId="Windows Live" clId="Web-{6808E06D-317C-48B5-80AB-C63B5B44D7D8}" dt="2024-04-28T21:41:19.260" v="2"/>
-          <pc:sldLayoutMkLst>
-            <pc:docMk/>
-            <pc:sldMasterMk cId="3576760201" sldId="2147483684"/>
-            <pc:sldLayoutMk cId="318747777" sldId="2147483697"/>
-          </pc:sldLayoutMkLst>
-        </pc:sldLayoutChg>
-        <pc:sldLayoutChg chg="add del mod replId">
-          <pc:chgData name="Eduardo Savian" userId="83fefb37af455394" providerId="Windows Live" clId="Web-{6808E06D-317C-48B5-80AB-C63B5B44D7D8}" dt="2024-04-28T21:41:19.260" v="2"/>
-          <pc:sldLayoutMkLst>
-            <pc:docMk/>
-            <pc:sldMasterMk cId="3576760201" sldId="2147483684"/>
-            <pc:sldLayoutMk cId="1646594572" sldId="2147483698"/>
-          </pc:sldLayoutMkLst>
-        </pc:sldLayoutChg>
-        <pc:sldLayoutChg chg="add del mod replId">
-          <pc:chgData name="Eduardo Savian" userId="83fefb37af455394" providerId="Windows Live" clId="Web-{6808E06D-317C-48B5-80AB-C63B5B44D7D8}" dt="2024-04-28T21:41:19.260" v="2"/>
-          <pc:sldLayoutMkLst>
-            <pc:docMk/>
-            <pc:sldMasterMk cId="3576760201" sldId="2147483684"/>
-            <pc:sldLayoutMk cId="2879648242" sldId="2147483699"/>
-          </pc:sldLayoutMkLst>
-        </pc:sldLayoutChg>
-        <pc:sldLayoutChg chg="add del mod replId">
-          <pc:chgData name="Eduardo Savian" userId="83fefb37af455394" providerId="Windows Live" clId="Web-{6808E06D-317C-48B5-80AB-C63B5B44D7D8}" dt="2024-04-28T21:41:19.260" v="2"/>
-          <pc:sldLayoutMkLst>
-            <pc:docMk/>
-            <pc:sldMasterMk cId="3576760201" sldId="2147483684"/>
-            <pc:sldLayoutMk cId="541596521" sldId="2147483700"/>
-          </pc:sldLayoutMkLst>
-        </pc:sldLayoutChg>
-        <pc:sldLayoutChg chg="add del mod replId">
-          <pc:chgData name="Eduardo Savian" userId="83fefb37af455394" providerId="Windows Live" clId="Web-{6808E06D-317C-48B5-80AB-C63B5B44D7D8}" dt="2024-04-28T21:41:19.260" v="2"/>
-          <pc:sldLayoutMkLst>
-            <pc:docMk/>
-            <pc:sldMasterMk cId="3576760201" sldId="2147483684"/>
-            <pc:sldLayoutMk cId="388203491" sldId="2147483701"/>
-          </pc:sldLayoutMkLst>
-        </pc:sldLayoutChg>
-      </pc:sldMasterChg>
-      <pc:sldMasterChg chg="add addSldLayout modSldLayout">
-        <pc:chgData name="Eduardo Savian" userId="83fefb37af455394" providerId="Windows Live" clId="Web-{6808E06D-317C-48B5-80AB-C63B5B44D7D8}" dt="2024-04-28T21:41:19.260" v="2"/>
+        <pc:chgData name="Eduardo Savian" userId="83fefb37af455394" providerId="Windows Live" clId="Web-{236A428B-EB3A-4EDA-8B94-5C42A3C67680}" dt="2024-05-08T01:13:49.792" v="1"/>
         <pc:sldMasterMkLst>
           <pc:docMk/>
           <pc:sldMasterMk cId="380110844" sldId="2147483702"/>
         </pc:sldMasterMkLst>
-        <pc:sldLayoutChg chg="add mod replId">
-          <pc:chgData name="Eduardo Savian" userId="83fefb37af455394" providerId="Windows Live" clId="Web-{6808E06D-317C-48B5-80AB-C63B5B44D7D8}" dt="2024-04-28T21:41:19.260" v="2"/>
+        <pc:sldLayoutChg chg="del">
+          <pc:chgData name="Eduardo Savian" userId="83fefb37af455394" providerId="Windows Live" clId="Web-{236A428B-EB3A-4EDA-8B94-5C42A3C67680}" dt="2024-05-08T01:13:49.792" v="1"/>
           <pc:sldLayoutMkLst>
             <pc:docMk/>
             <pc:sldMasterMk cId="380110844" sldId="2147483702"/>
             <pc:sldLayoutMk cId="2993827588" sldId="2147483703"/>
           </pc:sldLayoutMkLst>
         </pc:sldLayoutChg>
-        <pc:sldLayoutChg chg="add mod replId">
-          <pc:chgData name="Eduardo Savian" userId="83fefb37af455394" providerId="Windows Live" clId="Web-{6808E06D-317C-48B5-80AB-C63B5B44D7D8}" dt="2024-04-28T21:41:19.260" v="2"/>
+        <pc:sldLayoutChg chg="del">
+          <pc:chgData name="Eduardo Savian" userId="83fefb37af455394" providerId="Windows Live" clId="Web-{236A428B-EB3A-4EDA-8B94-5C42A3C67680}" dt="2024-05-08T01:13:49.792" v="1"/>
           <pc:sldLayoutMkLst>
             <pc:docMk/>
             <pc:sldMasterMk cId="380110844" sldId="2147483702"/>
             <pc:sldLayoutMk cId="2457156884" sldId="2147483704"/>
           </pc:sldLayoutMkLst>
         </pc:sldLayoutChg>
-        <pc:sldLayoutChg chg="add mod replId">
-          <pc:chgData name="Eduardo Savian" userId="83fefb37af455394" providerId="Windows Live" clId="Web-{6808E06D-317C-48B5-80AB-C63B5B44D7D8}" dt="2024-04-28T21:41:19.260" v="2"/>
+        <pc:sldLayoutChg chg="del">
+          <pc:chgData name="Eduardo Savian" userId="83fefb37af455394" providerId="Windows Live" clId="Web-{236A428B-EB3A-4EDA-8B94-5C42A3C67680}" dt="2024-05-08T01:13:49.792" v="1"/>
           <pc:sldLayoutMkLst>
             <pc:docMk/>
             <pc:sldMasterMk cId="380110844" sldId="2147483702"/>
             <pc:sldLayoutMk cId="2260547415" sldId="2147483705"/>
           </pc:sldLayoutMkLst>
         </pc:sldLayoutChg>
-        <pc:sldLayoutChg chg="add mod replId">
-          <pc:chgData name="Eduardo Savian" userId="83fefb37af455394" providerId="Windows Live" clId="Web-{6808E06D-317C-48B5-80AB-C63B5B44D7D8}" dt="2024-04-28T21:41:19.260" v="2"/>
+        <pc:sldLayoutChg chg="del">
+          <pc:chgData name="Eduardo Savian" userId="83fefb37af455394" providerId="Windows Live" clId="Web-{236A428B-EB3A-4EDA-8B94-5C42A3C67680}" dt="2024-05-08T01:13:49.792" v="1"/>
           <pc:sldLayoutMkLst>
             <pc:docMk/>
             <pc:sldMasterMk cId="380110844" sldId="2147483702"/>
             <pc:sldLayoutMk cId="51149255" sldId="2147483706"/>
           </pc:sldLayoutMkLst>
         </pc:sldLayoutChg>
-        <pc:sldLayoutChg chg="add mod replId">
-          <pc:chgData name="Eduardo Savian" userId="83fefb37af455394" providerId="Windows Live" clId="Web-{6808E06D-317C-48B5-80AB-C63B5B44D7D8}" dt="2024-04-28T21:41:19.260" v="2"/>
+        <pc:sldLayoutChg chg="del">
+          <pc:chgData name="Eduardo Savian" userId="83fefb37af455394" providerId="Windows Live" clId="Web-{236A428B-EB3A-4EDA-8B94-5C42A3C67680}" dt="2024-05-08T01:13:49.792" v="1"/>
           <pc:sldLayoutMkLst>
             <pc:docMk/>
             <pc:sldMasterMk cId="380110844" sldId="2147483702"/>
             <pc:sldLayoutMk cId="3095146221" sldId="2147483707"/>
           </pc:sldLayoutMkLst>
         </pc:sldLayoutChg>
-        <pc:sldLayoutChg chg="add mod replId">
-          <pc:chgData name="Eduardo Savian" userId="83fefb37af455394" providerId="Windows Live" clId="Web-{6808E06D-317C-48B5-80AB-C63B5B44D7D8}" dt="2024-04-28T21:41:19.260" v="2"/>
+        <pc:sldLayoutChg chg="del">
+          <pc:chgData name="Eduardo Savian" userId="83fefb37af455394" providerId="Windows Live" clId="Web-{236A428B-EB3A-4EDA-8B94-5C42A3C67680}" dt="2024-05-08T01:13:49.792" v="1"/>
           <pc:sldLayoutMkLst>
             <pc:docMk/>
             <pc:sldMasterMk cId="380110844" sldId="2147483702"/>
             <pc:sldLayoutMk cId="3266165134" sldId="2147483708"/>
           </pc:sldLayoutMkLst>
         </pc:sldLayoutChg>
-        <pc:sldLayoutChg chg="add mod replId">
-          <pc:chgData name="Eduardo Savian" userId="83fefb37af455394" providerId="Windows Live" clId="Web-{6808E06D-317C-48B5-80AB-C63B5B44D7D8}" dt="2024-04-28T21:41:19.260" v="2"/>
+        <pc:sldLayoutChg chg="del">
+          <pc:chgData name="Eduardo Savian" userId="83fefb37af455394" providerId="Windows Live" clId="Web-{236A428B-EB3A-4EDA-8B94-5C42A3C67680}" dt="2024-05-08T01:13:49.792" v="1"/>
           <pc:sldLayoutMkLst>
             <pc:docMk/>
             <pc:sldMasterMk cId="380110844" sldId="2147483702"/>
             <pc:sldLayoutMk cId="3757151552" sldId="2147483709"/>
           </pc:sldLayoutMkLst>
         </pc:sldLayoutChg>
-        <pc:sldLayoutChg chg="add mod replId">
-          <pc:chgData name="Eduardo Savian" userId="83fefb37af455394" providerId="Windows Live" clId="Web-{6808E06D-317C-48B5-80AB-C63B5B44D7D8}" dt="2024-04-28T21:41:19.260" v="2"/>
+        <pc:sldLayoutChg chg="del">
+          <pc:chgData name="Eduardo Savian" userId="83fefb37af455394" providerId="Windows Live" clId="Web-{236A428B-EB3A-4EDA-8B94-5C42A3C67680}" dt="2024-05-08T01:13:49.792" v="1"/>
           <pc:sldLayoutMkLst>
             <pc:docMk/>
             <pc:sldMasterMk cId="380110844" sldId="2147483702"/>
             <pc:sldLayoutMk cId="2400739392" sldId="2147483710"/>
           </pc:sldLayoutMkLst>
         </pc:sldLayoutChg>
-        <pc:sldLayoutChg chg="add mod replId">
-          <pc:chgData name="Eduardo Savian" userId="83fefb37af455394" providerId="Windows Live" clId="Web-{6808E06D-317C-48B5-80AB-C63B5B44D7D8}" dt="2024-04-28T21:41:19.260" v="2"/>
+        <pc:sldLayoutChg chg="del">
+          <pc:chgData name="Eduardo Savian" userId="83fefb37af455394" providerId="Windows Live" clId="Web-{236A428B-EB3A-4EDA-8B94-5C42A3C67680}" dt="2024-05-08T01:13:49.792" v="1"/>
           <pc:sldLayoutMkLst>
             <pc:docMk/>
             <pc:sldMasterMk cId="380110844" sldId="2147483702"/>
             <pc:sldLayoutMk cId="1672042868" sldId="2147483711"/>
           </pc:sldLayoutMkLst>
         </pc:sldLayoutChg>
-        <pc:sldLayoutChg chg="add mod replId">
-          <pc:chgData name="Eduardo Savian" userId="83fefb37af455394" providerId="Windows Live" clId="Web-{6808E06D-317C-48B5-80AB-C63B5B44D7D8}" dt="2024-04-28T21:41:19.260" v="2"/>
+        <pc:sldLayoutChg chg="del">
+          <pc:chgData name="Eduardo Savian" userId="83fefb37af455394" providerId="Windows Live" clId="Web-{236A428B-EB3A-4EDA-8B94-5C42A3C67680}" dt="2024-05-08T01:13:49.792" v="1"/>
           <pc:sldLayoutMkLst>
             <pc:docMk/>
             <pc:sldMasterMk cId="380110844" sldId="2147483702"/>
             <pc:sldLayoutMk cId="3551866296" sldId="2147483712"/>
           </pc:sldLayoutMkLst>
         </pc:sldLayoutChg>
-        <pc:sldLayoutChg chg="add mod replId">
-          <pc:chgData name="Eduardo Savian" userId="83fefb37af455394" providerId="Windows Live" clId="Web-{6808E06D-317C-48B5-80AB-C63B5B44D7D8}" dt="2024-04-28T21:41:19.260" v="2"/>
+        <pc:sldLayoutChg chg="del">
+          <pc:chgData name="Eduardo Savian" userId="83fefb37af455394" providerId="Windows Live" clId="Web-{236A428B-EB3A-4EDA-8B94-5C42A3C67680}" dt="2024-05-08T01:13:49.792" v="1"/>
           <pc:sldLayoutMkLst>
             <pc:docMk/>
             <pc:sldMasterMk cId="380110844" sldId="2147483702"/>
@@ -584,30 +443,196 @@
           </pc:sldLayoutMkLst>
         </pc:sldLayoutChg>
       </pc:sldMasterChg>
-    </pc:docChg>
-  </pc:docChgLst>
-  <pc:docChgLst>
-    <pc:chgData clId="Web-{236A428B-EB3A-4EDA-8B94-5C42A3C67680}"/>
-    <pc:docChg chg="modSld">
-      <pc:chgData name="" userId="" providerId="" clId="Web-{236A428B-EB3A-4EDA-8B94-5C42A3C67680}" dt="2024-05-08T01:13:44.510" v="10" actId="20577"/>
-      <pc:docMkLst>
-        <pc:docMk/>
-      </pc:docMkLst>
-      <pc:sldChg chg="modSp">
-        <pc:chgData name="" userId="" providerId="" clId="Web-{236A428B-EB3A-4EDA-8B94-5C42A3C67680}" dt="2024-05-08T01:13:44.510" v="10" actId="20577"/>
-        <pc:sldMkLst>
+      <pc:sldMasterChg chg="add del addSldLayout delSldLayout modSldLayout">
+        <pc:chgData name="Eduardo Savian" userId="83fefb37af455394" providerId="Windows Live" clId="Web-{236A428B-EB3A-4EDA-8B94-5C42A3C67680}" dt="2024-05-08T01:13:54.042" v="2"/>
+        <pc:sldMasterMkLst>
           <pc:docMk/>
-          <pc:sldMk cId="109857222" sldId="256"/>
-        </pc:sldMkLst>
-        <pc:spChg chg="mod">
-          <ac:chgData name="" userId="" providerId="" clId="Web-{236A428B-EB3A-4EDA-8B94-5C42A3C67680}" dt="2024-05-08T01:13:44.510" v="10" actId="20577"/>
-          <ac:spMkLst>
-            <pc:docMk/>
-            <pc:sldMk cId="109857222" sldId="256"/>
-            <ac:spMk id="3" creationId="{00000000-0000-0000-0000-000000000000}"/>
-          </ac:spMkLst>
-        </pc:spChg>
-      </pc:sldChg>
+          <pc:sldMasterMk cId="645011375" sldId="2147483714"/>
+        </pc:sldMasterMkLst>
+        <pc:sldLayoutChg chg="add del mod replId">
+          <pc:chgData name="Eduardo Savian" userId="83fefb37af455394" providerId="Windows Live" clId="Web-{236A428B-EB3A-4EDA-8B94-5C42A3C67680}" dt="2024-05-08T01:13:54.042" v="2"/>
+          <pc:sldLayoutMkLst>
+            <pc:docMk/>
+            <pc:sldMasterMk cId="645011375" sldId="2147483714"/>
+            <pc:sldLayoutMk cId="3543416935" sldId="2147483715"/>
+          </pc:sldLayoutMkLst>
+        </pc:sldLayoutChg>
+        <pc:sldLayoutChg chg="add del mod replId">
+          <pc:chgData name="Eduardo Savian" userId="83fefb37af455394" providerId="Windows Live" clId="Web-{236A428B-EB3A-4EDA-8B94-5C42A3C67680}" dt="2024-05-08T01:13:54.042" v="2"/>
+          <pc:sldLayoutMkLst>
+            <pc:docMk/>
+            <pc:sldMasterMk cId="645011375" sldId="2147483714"/>
+            <pc:sldLayoutMk cId="4178920073" sldId="2147483716"/>
+          </pc:sldLayoutMkLst>
+        </pc:sldLayoutChg>
+        <pc:sldLayoutChg chg="add del mod replId">
+          <pc:chgData name="Eduardo Savian" userId="83fefb37af455394" providerId="Windows Live" clId="Web-{236A428B-EB3A-4EDA-8B94-5C42A3C67680}" dt="2024-05-08T01:13:54.042" v="2"/>
+          <pc:sldLayoutMkLst>
+            <pc:docMk/>
+            <pc:sldMasterMk cId="645011375" sldId="2147483714"/>
+            <pc:sldLayoutMk cId="2575441499" sldId="2147483717"/>
+          </pc:sldLayoutMkLst>
+        </pc:sldLayoutChg>
+        <pc:sldLayoutChg chg="add del mod replId">
+          <pc:chgData name="Eduardo Savian" userId="83fefb37af455394" providerId="Windows Live" clId="Web-{236A428B-EB3A-4EDA-8B94-5C42A3C67680}" dt="2024-05-08T01:13:54.042" v="2"/>
+          <pc:sldLayoutMkLst>
+            <pc:docMk/>
+            <pc:sldMasterMk cId="645011375" sldId="2147483714"/>
+            <pc:sldLayoutMk cId="1070394006" sldId="2147483718"/>
+          </pc:sldLayoutMkLst>
+        </pc:sldLayoutChg>
+        <pc:sldLayoutChg chg="add del mod replId">
+          <pc:chgData name="Eduardo Savian" userId="83fefb37af455394" providerId="Windows Live" clId="Web-{236A428B-EB3A-4EDA-8B94-5C42A3C67680}" dt="2024-05-08T01:13:54.042" v="2"/>
+          <pc:sldLayoutMkLst>
+            <pc:docMk/>
+            <pc:sldMasterMk cId="645011375" sldId="2147483714"/>
+            <pc:sldLayoutMk cId="1428766048" sldId="2147483719"/>
+          </pc:sldLayoutMkLst>
+        </pc:sldLayoutChg>
+        <pc:sldLayoutChg chg="add del mod replId">
+          <pc:chgData name="Eduardo Savian" userId="83fefb37af455394" providerId="Windows Live" clId="Web-{236A428B-EB3A-4EDA-8B94-5C42A3C67680}" dt="2024-05-08T01:13:54.042" v="2"/>
+          <pc:sldLayoutMkLst>
+            <pc:docMk/>
+            <pc:sldMasterMk cId="645011375" sldId="2147483714"/>
+            <pc:sldLayoutMk cId="520660179" sldId="2147483720"/>
+          </pc:sldLayoutMkLst>
+        </pc:sldLayoutChg>
+        <pc:sldLayoutChg chg="add del mod replId">
+          <pc:chgData name="Eduardo Savian" userId="83fefb37af455394" providerId="Windows Live" clId="Web-{236A428B-EB3A-4EDA-8B94-5C42A3C67680}" dt="2024-05-08T01:13:54.042" v="2"/>
+          <pc:sldLayoutMkLst>
+            <pc:docMk/>
+            <pc:sldMasterMk cId="645011375" sldId="2147483714"/>
+            <pc:sldLayoutMk cId="1367664888" sldId="2147483721"/>
+          </pc:sldLayoutMkLst>
+        </pc:sldLayoutChg>
+        <pc:sldLayoutChg chg="add del mod replId">
+          <pc:chgData name="Eduardo Savian" userId="83fefb37af455394" providerId="Windows Live" clId="Web-{236A428B-EB3A-4EDA-8B94-5C42A3C67680}" dt="2024-05-08T01:13:54.042" v="2"/>
+          <pc:sldLayoutMkLst>
+            <pc:docMk/>
+            <pc:sldMasterMk cId="645011375" sldId="2147483714"/>
+            <pc:sldLayoutMk cId="3959125597" sldId="2147483722"/>
+          </pc:sldLayoutMkLst>
+        </pc:sldLayoutChg>
+        <pc:sldLayoutChg chg="add del mod replId">
+          <pc:chgData name="Eduardo Savian" userId="83fefb37af455394" providerId="Windows Live" clId="Web-{236A428B-EB3A-4EDA-8B94-5C42A3C67680}" dt="2024-05-08T01:13:54.042" v="2"/>
+          <pc:sldLayoutMkLst>
+            <pc:docMk/>
+            <pc:sldMasterMk cId="645011375" sldId="2147483714"/>
+            <pc:sldLayoutMk cId="3000397119" sldId="2147483723"/>
+          </pc:sldLayoutMkLst>
+        </pc:sldLayoutChg>
+        <pc:sldLayoutChg chg="add del mod replId">
+          <pc:chgData name="Eduardo Savian" userId="83fefb37af455394" providerId="Windows Live" clId="Web-{236A428B-EB3A-4EDA-8B94-5C42A3C67680}" dt="2024-05-08T01:13:54.042" v="2"/>
+          <pc:sldLayoutMkLst>
+            <pc:docMk/>
+            <pc:sldMasterMk cId="645011375" sldId="2147483714"/>
+            <pc:sldLayoutMk cId="539627506" sldId="2147483724"/>
+          </pc:sldLayoutMkLst>
+        </pc:sldLayoutChg>
+        <pc:sldLayoutChg chg="add del mod replId">
+          <pc:chgData name="Eduardo Savian" userId="83fefb37af455394" providerId="Windows Live" clId="Web-{236A428B-EB3A-4EDA-8B94-5C42A3C67680}" dt="2024-05-08T01:13:54.042" v="2"/>
+          <pc:sldLayoutMkLst>
+            <pc:docMk/>
+            <pc:sldMasterMk cId="645011375" sldId="2147483714"/>
+            <pc:sldLayoutMk cId="1386191390" sldId="2147483725"/>
+          </pc:sldLayoutMkLst>
+        </pc:sldLayoutChg>
+      </pc:sldMasterChg>
+      <pc:sldMasterChg chg="add addSldLayout modSldLayout">
+        <pc:chgData name="Eduardo Savian" userId="83fefb37af455394" providerId="Windows Live" clId="Web-{236A428B-EB3A-4EDA-8B94-5C42A3C67680}" dt="2024-05-08T01:13:54.042" v="2"/>
+        <pc:sldMasterMkLst>
+          <pc:docMk/>
+          <pc:sldMasterMk cId="4053071425" sldId="2147483726"/>
+        </pc:sldMasterMkLst>
+        <pc:sldLayoutChg chg="add mod replId">
+          <pc:chgData name="Eduardo Savian" userId="83fefb37af455394" providerId="Windows Live" clId="Web-{236A428B-EB3A-4EDA-8B94-5C42A3C67680}" dt="2024-05-08T01:13:54.042" v="2"/>
+          <pc:sldLayoutMkLst>
+            <pc:docMk/>
+            <pc:sldMasterMk cId="4053071425" sldId="2147483726"/>
+            <pc:sldLayoutMk cId="3405480151" sldId="2147483727"/>
+          </pc:sldLayoutMkLst>
+        </pc:sldLayoutChg>
+        <pc:sldLayoutChg chg="add mod replId">
+          <pc:chgData name="Eduardo Savian" userId="83fefb37af455394" providerId="Windows Live" clId="Web-{236A428B-EB3A-4EDA-8B94-5C42A3C67680}" dt="2024-05-08T01:13:54.042" v="2"/>
+          <pc:sldLayoutMkLst>
+            <pc:docMk/>
+            <pc:sldMasterMk cId="4053071425" sldId="2147483726"/>
+            <pc:sldLayoutMk cId="1815732919" sldId="2147483728"/>
+          </pc:sldLayoutMkLst>
+        </pc:sldLayoutChg>
+        <pc:sldLayoutChg chg="add mod replId">
+          <pc:chgData name="Eduardo Savian" userId="83fefb37af455394" providerId="Windows Live" clId="Web-{236A428B-EB3A-4EDA-8B94-5C42A3C67680}" dt="2024-05-08T01:13:54.042" v="2"/>
+          <pc:sldLayoutMkLst>
+            <pc:docMk/>
+            <pc:sldMasterMk cId="4053071425" sldId="2147483726"/>
+            <pc:sldLayoutMk cId="3855284416" sldId="2147483729"/>
+          </pc:sldLayoutMkLst>
+        </pc:sldLayoutChg>
+        <pc:sldLayoutChg chg="add mod replId">
+          <pc:chgData name="Eduardo Savian" userId="83fefb37af455394" providerId="Windows Live" clId="Web-{236A428B-EB3A-4EDA-8B94-5C42A3C67680}" dt="2024-05-08T01:13:54.042" v="2"/>
+          <pc:sldLayoutMkLst>
+            <pc:docMk/>
+            <pc:sldMasterMk cId="4053071425" sldId="2147483726"/>
+            <pc:sldLayoutMk cId="369291616" sldId="2147483730"/>
+          </pc:sldLayoutMkLst>
+        </pc:sldLayoutChg>
+        <pc:sldLayoutChg chg="add mod replId">
+          <pc:chgData name="Eduardo Savian" userId="83fefb37af455394" providerId="Windows Live" clId="Web-{236A428B-EB3A-4EDA-8B94-5C42A3C67680}" dt="2024-05-08T01:13:54.042" v="2"/>
+          <pc:sldLayoutMkLst>
+            <pc:docMk/>
+            <pc:sldMasterMk cId="4053071425" sldId="2147483726"/>
+            <pc:sldLayoutMk cId="367543662" sldId="2147483731"/>
+          </pc:sldLayoutMkLst>
+        </pc:sldLayoutChg>
+        <pc:sldLayoutChg chg="add mod replId">
+          <pc:chgData name="Eduardo Savian" userId="83fefb37af455394" providerId="Windows Live" clId="Web-{236A428B-EB3A-4EDA-8B94-5C42A3C67680}" dt="2024-05-08T01:13:54.042" v="2"/>
+          <pc:sldLayoutMkLst>
+            <pc:docMk/>
+            <pc:sldMasterMk cId="4053071425" sldId="2147483726"/>
+            <pc:sldLayoutMk cId="1653701556" sldId="2147483732"/>
+          </pc:sldLayoutMkLst>
+        </pc:sldLayoutChg>
+        <pc:sldLayoutChg chg="add mod replId">
+          <pc:chgData name="Eduardo Savian" userId="83fefb37af455394" providerId="Windows Live" clId="Web-{236A428B-EB3A-4EDA-8B94-5C42A3C67680}" dt="2024-05-08T01:13:54.042" v="2"/>
+          <pc:sldLayoutMkLst>
+            <pc:docMk/>
+            <pc:sldMasterMk cId="4053071425" sldId="2147483726"/>
+            <pc:sldLayoutMk cId="834732239" sldId="2147483733"/>
+          </pc:sldLayoutMkLst>
+        </pc:sldLayoutChg>
+        <pc:sldLayoutChg chg="add mod replId">
+          <pc:chgData name="Eduardo Savian" userId="83fefb37af455394" providerId="Windows Live" clId="Web-{236A428B-EB3A-4EDA-8B94-5C42A3C67680}" dt="2024-05-08T01:13:54.042" v="2"/>
+          <pc:sldLayoutMkLst>
+            <pc:docMk/>
+            <pc:sldMasterMk cId="4053071425" sldId="2147483726"/>
+            <pc:sldLayoutMk cId="4185700777" sldId="2147483734"/>
+          </pc:sldLayoutMkLst>
+        </pc:sldLayoutChg>
+        <pc:sldLayoutChg chg="add mod replId">
+          <pc:chgData name="Eduardo Savian" userId="83fefb37af455394" providerId="Windows Live" clId="Web-{236A428B-EB3A-4EDA-8B94-5C42A3C67680}" dt="2024-05-08T01:13:54.042" v="2"/>
+          <pc:sldLayoutMkLst>
+            <pc:docMk/>
+            <pc:sldMasterMk cId="4053071425" sldId="2147483726"/>
+            <pc:sldLayoutMk cId="3644836093" sldId="2147483735"/>
+          </pc:sldLayoutMkLst>
+        </pc:sldLayoutChg>
+        <pc:sldLayoutChg chg="add mod replId">
+          <pc:chgData name="Eduardo Savian" userId="83fefb37af455394" providerId="Windows Live" clId="Web-{236A428B-EB3A-4EDA-8B94-5C42A3C67680}" dt="2024-05-08T01:13:54.042" v="2"/>
+          <pc:sldLayoutMkLst>
+            <pc:docMk/>
+            <pc:sldMasterMk cId="4053071425" sldId="2147483726"/>
+            <pc:sldLayoutMk cId="2852958450" sldId="2147483736"/>
+          </pc:sldLayoutMkLst>
+        </pc:sldLayoutChg>
+        <pc:sldLayoutChg chg="add mod replId">
+          <pc:chgData name="Eduardo Savian" userId="83fefb37af455394" providerId="Windows Live" clId="Web-{236A428B-EB3A-4EDA-8B94-5C42A3C67680}" dt="2024-05-08T01:13:54.042" v="2"/>
+          <pc:sldLayoutMkLst>
+            <pc:docMk/>
+            <pc:sldMasterMk cId="4053071425" sldId="2147483726"/>
+            <pc:sldLayoutMk cId="3921917631" sldId="2147483737"/>
+          </pc:sldLayoutMkLst>
+        </pc:sldLayoutChg>
+      </pc:sldMasterChg>
     </pc:docChg>
   </pc:docChgLst>
   <pc:docChgLst>
@@ -680,20 +705,651 @@
     </pc:docChg>
   </pc:docChgLst>
   <pc:docChgLst>
-    <pc:chgData name="Eduardo Savian" userId="83fefb37af455394" providerId="Windows Live" clId="Web-{236A428B-EB3A-4EDA-8B94-5C42A3C67680}"/>
+    <pc:chgData name="Eduardo Savian" userId="83fefb37af455394" providerId="LiveId" clId="{9027FE1D-C861-432B-B1C8-11A99DB4171A}"/>
+    <pc:docChg chg="undo redo custSel addSld delSld modSld sldOrd">
+      <pc:chgData name="Eduardo Savian" userId="83fefb37af455394" providerId="LiveId" clId="{9027FE1D-C861-432B-B1C8-11A99DB4171A}" dt="2024-05-08T21:37:22.219" v="949" actId="20577"/>
+      <pc:docMkLst>
+        <pc:docMk/>
+      </pc:docMkLst>
+      <pc:sldChg chg="modSp mod">
+        <pc:chgData name="Eduardo Savian" userId="83fefb37af455394" providerId="LiveId" clId="{9027FE1D-C861-432B-B1C8-11A99DB4171A}" dt="2024-05-08T21:26:36.303" v="783" actId="20577"/>
+        <pc:sldMkLst>
+          <pc:docMk/>
+          <pc:sldMk cId="3775945265" sldId="257"/>
+        </pc:sldMkLst>
+        <pc:spChg chg="mod">
+          <ac:chgData name="Eduardo Savian" userId="83fefb37af455394" providerId="LiveId" clId="{9027FE1D-C861-432B-B1C8-11A99DB4171A}" dt="2024-05-08T21:26:36.303" v="783" actId="20577"/>
+          <ac:spMkLst>
+            <pc:docMk/>
+            <pc:sldMk cId="3775945265" sldId="257"/>
+            <ac:spMk id="3" creationId="{A3B4ADFF-18FA-819A-E2DD-F32D67BA3A8E}"/>
+          </ac:spMkLst>
+        </pc:spChg>
+      </pc:sldChg>
+      <pc:sldChg chg="add del">
+        <pc:chgData name="Eduardo Savian" userId="83fefb37af455394" providerId="LiveId" clId="{9027FE1D-C861-432B-B1C8-11A99DB4171A}" dt="2024-05-08T21:05:36.378" v="77" actId="2696"/>
+        <pc:sldMkLst>
+          <pc:docMk/>
+          <pc:sldMk cId="1767302655" sldId="258"/>
+        </pc:sldMkLst>
+      </pc:sldChg>
+      <pc:sldChg chg="addSp delSp modSp mod">
+        <pc:chgData name="Eduardo Savian" userId="83fefb37af455394" providerId="LiveId" clId="{9027FE1D-C861-432B-B1C8-11A99DB4171A}" dt="2024-05-08T21:28:22.277" v="799" actId="20577"/>
+        <pc:sldMkLst>
+          <pc:docMk/>
+          <pc:sldMk cId="1967995460" sldId="259"/>
+        </pc:sldMkLst>
+        <pc:spChg chg="mod">
+          <ac:chgData name="Eduardo Savian" userId="83fefb37af455394" providerId="LiveId" clId="{9027FE1D-C861-432B-B1C8-11A99DB4171A}" dt="2024-05-08T21:28:22.277" v="799" actId="20577"/>
+          <ac:spMkLst>
+            <pc:docMk/>
+            <pc:sldMk cId="1967995460" sldId="259"/>
+            <ac:spMk id="2" creationId="{39887D89-22FC-622C-690A-E2571C8358CE}"/>
+          </ac:spMkLst>
+        </pc:spChg>
+        <pc:spChg chg="add del mod">
+          <ac:chgData name="Eduardo Savian" userId="83fefb37af455394" providerId="LiveId" clId="{9027FE1D-C861-432B-B1C8-11A99DB4171A}" dt="2024-05-08T20:59:00.383" v="7" actId="22"/>
+          <ac:spMkLst>
+            <pc:docMk/>
+            <pc:sldMk cId="1967995460" sldId="259"/>
+            <ac:spMk id="3" creationId="{D18A5516-B06F-36C5-F2E3-84103FADF1AC}"/>
+          </ac:spMkLst>
+        </pc:spChg>
+        <pc:picChg chg="add del mod ord">
+          <ac:chgData name="Eduardo Savian" userId="83fefb37af455394" providerId="LiveId" clId="{9027FE1D-C861-432B-B1C8-11A99DB4171A}" dt="2024-05-08T20:58:36.385" v="4" actId="22"/>
+          <ac:picMkLst>
+            <pc:docMk/>
+            <pc:sldMk cId="1967995460" sldId="259"/>
+            <ac:picMk id="8" creationId="{52C2B709-56B2-20E2-768C-306D1D6965DE}"/>
+          </ac:picMkLst>
+        </pc:picChg>
+        <pc:picChg chg="add del mod ord">
+          <ac:chgData name="Eduardo Savian" userId="83fefb37af455394" providerId="LiveId" clId="{9027FE1D-C861-432B-B1C8-11A99DB4171A}" dt="2024-05-08T20:58:39.915" v="6" actId="22"/>
+          <ac:picMkLst>
+            <pc:docMk/>
+            <pc:sldMk cId="1967995460" sldId="259"/>
+            <ac:picMk id="10" creationId="{16A63DAA-E59A-D7A3-B358-FD699D848CF5}"/>
+          </ac:picMkLst>
+        </pc:picChg>
+        <pc:picChg chg="add mod ord">
+          <ac:chgData name="Eduardo Savian" userId="83fefb37af455394" providerId="LiveId" clId="{9027FE1D-C861-432B-B1C8-11A99DB4171A}" dt="2024-05-08T20:59:07.023" v="10" actId="1076"/>
+          <ac:picMkLst>
+            <pc:docMk/>
+            <pc:sldMk cId="1967995460" sldId="259"/>
+            <ac:picMk id="12" creationId="{91EFBEF1-DAB5-FE3F-2356-678CD9318547}"/>
+          </ac:picMkLst>
+        </pc:picChg>
+      </pc:sldChg>
+      <pc:sldChg chg="addSp delSp modSp new mod ord">
+        <pc:chgData name="Eduardo Savian" userId="83fefb37af455394" providerId="LiveId" clId="{9027FE1D-C861-432B-B1C8-11A99DB4171A}" dt="2024-05-08T21:28:50.537" v="801"/>
+        <pc:sldMkLst>
+          <pc:docMk/>
+          <pc:sldMk cId="2753850936" sldId="261"/>
+        </pc:sldMkLst>
+        <pc:spChg chg="mod">
+          <ac:chgData name="Eduardo Savian" userId="83fefb37af455394" providerId="LiveId" clId="{9027FE1D-C861-432B-B1C8-11A99DB4171A}" dt="2024-05-08T21:06:06.138" v="144" actId="20577"/>
+          <ac:spMkLst>
+            <pc:docMk/>
+            <pc:sldMk cId="2753850936" sldId="261"/>
+            <ac:spMk id="2" creationId="{B4FB27EB-9630-9CCA-54BD-82695DF6A1E3}"/>
+          </ac:spMkLst>
+        </pc:spChg>
+        <pc:spChg chg="del mod">
+          <ac:chgData name="Eduardo Savian" userId="83fefb37af455394" providerId="LiveId" clId="{9027FE1D-C861-432B-B1C8-11A99DB4171A}" dt="2024-05-08T20:59:30.147" v="16" actId="22"/>
+          <ac:spMkLst>
+            <pc:docMk/>
+            <pc:sldMk cId="2753850936" sldId="261"/>
+            <ac:spMk id="3" creationId="{E95B3CCF-9410-58FF-EF97-ACA0442401C7}"/>
+          </ac:spMkLst>
+        </pc:spChg>
+        <pc:spChg chg="add del mod">
+          <ac:chgData name="Eduardo Savian" userId="83fefb37af455394" providerId="LiveId" clId="{9027FE1D-C861-432B-B1C8-11A99DB4171A}" dt="2024-05-08T20:59:54.887" v="20" actId="22"/>
+          <ac:spMkLst>
+            <pc:docMk/>
+            <pc:sldMk cId="2753850936" sldId="261"/>
+            <ac:spMk id="10" creationId="{C00765DB-66B9-6550-7CC5-D2D64B7208C9}"/>
+          </ac:spMkLst>
+        </pc:spChg>
+        <pc:picChg chg="add del mod ord">
+          <ac:chgData name="Eduardo Savian" userId="83fefb37af455394" providerId="LiveId" clId="{9027FE1D-C861-432B-B1C8-11A99DB4171A}" dt="2024-05-08T20:59:52.630" v="17" actId="478"/>
+          <ac:picMkLst>
+            <pc:docMk/>
+            <pc:sldMk cId="2753850936" sldId="261"/>
+            <ac:picMk id="8" creationId="{A42A3D5C-9BC3-F8AC-7056-D24B0741EB76}"/>
+          </ac:picMkLst>
+        </pc:picChg>
+        <pc:picChg chg="add del">
+          <ac:chgData name="Eduardo Savian" userId="83fefb37af455394" providerId="LiveId" clId="{9027FE1D-C861-432B-B1C8-11A99DB4171A}" dt="2024-05-08T20:59:53.501" v="19" actId="22"/>
+          <ac:picMkLst>
+            <pc:docMk/>
+            <pc:sldMk cId="2753850936" sldId="261"/>
+            <ac:picMk id="12" creationId="{685AB56C-9814-1B1C-3041-DA15E139136D}"/>
+          </ac:picMkLst>
+        </pc:picChg>
+        <pc:picChg chg="add mod ord">
+          <ac:chgData name="Eduardo Savian" userId="83fefb37af455394" providerId="LiveId" clId="{9027FE1D-C861-432B-B1C8-11A99DB4171A}" dt="2024-05-08T20:59:54.887" v="20" actId="22"/>
+          <ac:picMkLst>
+            <pc:docMk/>
+            <pc:sldMk cId="2753850936" sldId="261"/>
+            <ac:picMk id="14" creationId="{CB3B0777-5292-ECBA-8C1A-6098EEFCD096}"/>
+          </ac:picMkLst>
+        </pc:picChg>
+      </pc:sldChg>
+      <pc:sldChg chg="addSp delSp modSp new mod ord">
+        <pc:chgData name="Eduardo Savian" userId="83fefb37af455394" providerId="LiveId" clId="{9027FE1D-C861-432B-B1C8-11A99DB4171A}" dt="2024-05-08T21:08:06.085" v="253" actId="1076"/>
+        <pc:sldMkLst>
+          <pc:docMk/>
+          <pc:sldMk cId="4074611433" sldId="262"/>
+        </pc:sldMkLst>
+        <pc:spChg chg="mod">
+          <ac:chgData name="Eduardo Savian" userId="83fefb37af455394" providerId="LiveId" clId="{9027FE1D-C861-432B-B1C8-11A99DB4171A}" dt="2024-05-08T21:07:41.346" v="248" actId="20577"/>
+          <ac:spMkLst>
+            <pc:docMk/>
+            <pc:sldMk cId="4074611433" sldId="262"/>
+            <ac:spMk id="2" creationId="{E2040403-79F0-823D-2409-D5E0B58B5402}"/>
+          </ac:spMkLst>
+        </pc:spChg>
+        <pc:spChg chg="del">
+          <ac:chgData name="Eduardo Savian" userId="83fefb37af455394" providerId="LiveId" clId="{9027FE1D-C861-432B-B1C8-11A99DB4171A}" dt="2024-05-08T21:00:17.889" v="21" actId="22"/>
+          <ac:spMkLst>
+            <pc:docMk/>
+            <pc:sldMk cId="4074611433" sldId="262"/>
+            <ac:spMk id="3" creationId="{560C1123-B873-3316-1617-C06231828F24}"/>
+          </ac:spMkLst>
+        </pc:spChg>
+        <pc:picChg chg="add mod ord">
+          <ac:chgData name="Eduardo Savian" userId="83fefb37af455394" providerId="LiveId" clId="{9027FE1D-C861-432B-B1C8-11A99DB4171A}" dt="2024-05-08T21:08:06.085" v="253" actId="1076"/>
+          <ac:picMkLst>
+            <pc:docMk/>
+            <pc:sldMk cId="4074611433" sldId="262"/>
+            <ac:picMk id="8" creationId="{5EE782DC-34E0-2145-3B71-7A7901F7FC0E}"/>
+          </ac:picMkLst>
+        </pc:picChg>
+      </pc:sldChg>
+      <pc:sldChg chg="addSp delSp modSp new mod">
+        <pc:chgData name="Eduardo Savian" userId="83fefb37af455394" providerId="LiveId" clId="{9027FE1D-C861-432B-B1C8-11A99DB4171A}" dt="2024-05-08T21:09:09.085" v="265" actId="14100"/>
+        <pc:sldMkLst>
+          <pc:docMk/>
+          <pc:sldMk cId="922261976" sldId="263"/>
+        </pc:sldMkLst>
+        <pc:spChg chg="mod">
+          <ac:chgData name="Eduardo Savian" userId="83fefb37af455394" providerId="LiveId" clId="{9027FE1D-C861-432B-B1C8-11A99DB4171A}" dt="2024-05-08T21:06:29.059" v="173" actId="20577"/>
+          <ac:spMkLst>
+            <pc:docMk/>
+            <pc:sldMk cId="922261976" sldId="263"/>
+            <ac:spMk id="2" creationId="{8CA5BA22-DDB8-EA28-662F-932D9B518648}"/>
+          </ac:spMkLst>
+        </pc:spChg>
+        <pc:spChg chg="del">
+          <ac:chgData name="Eduardo Savian" userId="83fefb37af455394" providerId="LiveId" clId="{9027FE1D-C861-432B-B1C8-11A99DB4171A}" dt="2024-05-08T21:00:38.812" v="24" actId="22"/>
+          <ac:spMkLst>
+            <pc:docMk/>
+            <pc:sldMk cId="922261976" sldId="263"/>
+            <ac:spMk id="3" creationId="{A1C9E8BB-698A-B1B5-023C-3782C298794E}"/>
+          </ac:spMkLst>
+        </pc:spChg>
+        <pc:spChg chg="add del mod">
+          <ac:chgData name="Eduardo Savian" userId="83fefb37af455394" providerId="LiveId" clId="{9027FE1D-C861-432B-B1C8-11A99DB4171A}" dt="2024-05-08T21:09:06.349" v="264" actId="22"/>
+          <ac:spMkLst>
+            <pc:docMk/>
+            <pc:sldMk cId="922261976" sldId="263"/>
+            <ac:spMk id="10" creationId="{16771269-BF36-F3C5-01E9-A007977794A6}"/>
+          </ac:spMkLst>
+        </pc:spChg>
+        <pc:spChg chg="add del">
+          <ac:chgData name="Eduardo Savian" userId="83fefb37af455394" providerId="LiveId" clId="{9027FE1D-C861-432B-B1C8-11A99DB4171A}" dt="2024-05-08T21:08:54.852" v="256" actId="22"/>
+          <ac:spMkLst>
+            <pc:docMk/>
+            <pc:sldMk cId="922261976" sldId="263"/>
+            <ac:spMk id="12" creationId="{27873F30-40D0-5B6D-5037-21289261EC30}"/>
+          </ac:spMkLst>
+        </pc:spChg>
+        <pc:picChg chg="add del mod ord">
+          <ac:chgData name="Eduardo Savian" userId="83fefb37af455394" providerId="LiveId" clId="{9027FE1D-C861-432B-B1C8-11A99DB4171A}" dt="2024-05-08T21:08:54.091" v="254" actId="478"/>
+          <ac:picMkLst>
+            <pc:docMk/>
+            <pc:sldMk cId="922261976" sldId="263"/>
+            <ac:picMk id="8" creationId="{B1CC22E3-EFFB-7223-F08A-0A40E94AE260}"/>
+          </ac:picMkLst>
+        </pc:picChg>
+        <pc:picChg chg="add del">
+          <ac:chgData name="Eduardo Savian" userId="83fefb37af455394" providerId="LiveId" clId="{9027FE1D-C861-432B-B1C8-11A99DB4171A}" dt="2024-05-08T21:09:04.535" v="262" actId="22"/>
+          <ac:picMkLst>
+            <pc:docMk/>
+            <pc:sldMk cId="922261976" sldId="263"/>
+            <ac:picMk id="14" creationId="{3CEAAAE0-FFCC-E7A5-3D69-A09E8FC2F9CE}"/>
+          </ac:picMkLst>
+        </pc:picChg>
+        <pc:picChg chg="add mod ord">
+          <ac:chgData name="Eduardo Savian" userId="83fefb37af455394" providerId="LiveId" clId="{9027FE1D-C861-432B-B1C8-11A99DB4171A}" dt="2024-05-08T21:09:09.085" v="265" actId="14100"/>
+          <ac:picMkLst>
+            <pc:docMk/>
+            <pc:sldMk cId="922261976" sldId="263"/>
+            <ac:picMk id="16" creationId="{F3F62092-4A47-DE51-7B8F-649D763BBB50}"/>
+          </ac:picMkLst>
+        </pc:picChg>
+      </pc:sldChg>
+      <pc:sldChg chg="addSp delSp modSp new mod ord">
+        <pc:chgData name="Eduardo Savian" userId="83fefb37af455394" providerId="LiveId" clId="{9027FE1D-C861-432B-B1C8-11A99DB4171A}" dt="2024-05-08T21:05:28.571" v="76" actId="1076"/>
+        <pc:sldMkLst>
+          <pc:docMk/>
+          <pc:sldMk cId="2804307500" sldId="264"/>
+        </pc:sldMkLst>
+        <pc:spChg chg="mod">
+          <ac:chgData name="Eduardo Savian" userId="83fefb37af455394" providerId="LiveId" clId="{9027FE1D-C861-432B-B1C8-11A99DB4171A}" dt="2024-05-08T21:04:38.025" v="55" actId="20577"/>
+          <ac:spMkLst>
+            <pc:docMk/>
+            <pc:sldMk cId="2804307500" sldId="264"/>
+            <ac:spMk id="2" creationId="{714336CA-46CB-E909-FCA2-DB7B50170DF0}"/>
+          </ac:spMkLst>
+        </pc:spChg>
+        <pc:spChg chg="del">
+          <ac:chgData name="Eduardo Savian" userId="83fefb37af455394" providerId="LiveId" clId="{9027FE1D-C861-432B-B1C8-11A99DB4171A}" dt="2024-05-08T21:03:25.944" v="34" actId="22"/>
+          <ac:spMkLst>
+            <pc:docMk/>
+            <pc:sldMk cId="2804307500" sldId="264"/>
+            <ac:spMk id="3" creationId="{1450566D-5868-09C0-EAAE-B766FBD4D56A}"/>
+          </ac:spMkLst>
+        </pc:spChg>
+        <pc:picChg chg="add mod ord">
+          <ac:chgData name="Eduardo Savian" userId="83fefb37af455394" providerId="LiveId" clId="{9027FE1D-C861-432B-B1C8-11A99DB4171A}" dt="2024-05-08T21:05:28.571" v="76" actId="1076"/>
+          <ac:picMkLst>
+            <pc:docMk/>
+            <pc:sldMk cId="2804307500" sldId="264"/>
+            <ac:picMk id="8" creationId="{00F452FC-2464-3821-2B96-E293938164EB}"/>
+          </ac:picMkLst>
+        </pc:picChg>
+      </pc:sldChg>
+      <pc:sldChg chg="addSp delSp modSp new mod ord">
+        <pc:chgData name="Eduardo Savian" userId="83fefb37af455394" providerId="LiveId" clId="{9027FE1D-C861-432B-B1C8-11A99DB4171A}" dt="2024-05-08T21:29:14.113" v="811" actId="20577"/>
+        <pc:sldMkLst>
+          <pc:docMk/>
+          <pc:sldMk cId="1498387516" sldId="265"/>
+        </pc:sldMkLst>
+        <pc:spChg chg="mod">
+          <ac:chgData name="Eduardo Savian" userId="83fefb37af455394" providerId="LiveId" clId="{9027FE1D-C861-432B-B1C8-11A99DB4171A}" dt="2024-05-08T21:29:14.113" v="811" actId="20577"/>
+          <ac:spMkLst>
+            <pc:docMk/>
+            <pc:sldMk cId="1498387516" sldId="265"/>
+            <ac:spMk id="2" creationId="{017149C2-F1C9-B662-3A74-0B3F0A9B813C}"/>
+          </ac:spMkLst>
+        </pc:spChg>
+        <pc:spChg chg="del">
+          <ac:chgData name="Eduardo Savian" userId="83fefb37af455394" providerId="LiveId" clId="{9027FE1D-C861-432B-B1C8-11A99DB4171A}" dt="2024-05-08T21:01:37.067" v="27" actId="22"/>
+          <ac:spMkLst>
+            <pc:docMk/>
+            <pc:sldMk cId="1498387516" sldId="265"/>
+            <ac:spMk id="3" creationId="{E26508B0-20C1-63BE-B087-39A3791B45B5}"/>
+          </ac:spMkLst>
+        </pc:spChg>
+        <pc:picChg chg="add mod ord">
+          <ac:chgData name="Eduardo Savian" userId="83fefb37af455394" providerId="LiveId" clId="{9027FE1D-C861-432B-B1C8-11A99DB4171A}" dt="2024-05-08T21:01:37.067" v="27" actId="22"/>
+          <ac:picMkLst>
+            <pc:docMk/>
+            <pc:sldMk cId="1498387516" sldId="265"/>
+            <ac:picMk id="8" creationId="{7C901518-C422-89C1-6369-69ED99F70AF8}"/>
+          </ac:picMkLst>
+        </pc:picChg>
+      </pc:sldChg>
+      <pc:sldChg chg="addSp delSp modSp new mod ord">
+        <pc:chgData name="Eduardo Savian" userId="83fefb37af455394" providerId="LiveId" clId="{9027FE1D-C861-432B-B1C8-11A99DB4171A}" dt="2024-05-08T21:07:11.088" v="221"/>
+        <pc:sldMkLst>
+          <pc:docMk/>
+          <pc:sldMk cId="1606520421" sldId="266"/>
+        </pc:sldMkLst>
+        <pc:spChg chg="mod">
+          <ac:chgData name="Eduardo Savian" userId="83fefb37af455394" providerId="LiveId" clId="{9027FE1D-C861-432B-B1C8-11A99DB4171A}" dt="2024-05-08T21:07:03.830" v="217"/>
+          <ac:spMkLst>
+            <pc:docMk/>
+            <pc:sldMk cId="1606520421" sldId="266"/>
+            <ac:spMk id="2" creationId="{06A686DF-65D1-C31B-9C66-BF7F4C7748DA}"/>
+          </ac:spMkLst>
+        </pc:spChg>
+        <pc:spChg chg="add del mod">
+          <ac:chgData name="Eduardo Savian" userId="83fefb37af455394" providerId="LiveId" clId="{9027FE1D-C861-432B-B1C8-11A99DB4171A}" dt="2024-05-08T21:02:51.476" v="33" actId="22"/>
+          <ac:spMkLst>
+            <pc:docMk/>
+            <pc:sldMk cId="1606520421" sldId="266"/>
+            <ac:spMk id="3" creationId="{65BE490F-FCAB-EE5E-5EC1-B7ED12E47A30}"/>
+          </ac:spMkLst>
+        </pc:spChg>
+        <pc:picChg chg="add del mod ord">
+          <ac:chgData name="Eduardo Savian" userId="83fefb37af455394" providerId="LiveId" clId="{9027FE1D-C861-432B-B1C8-11A99DB4171A}" dt="2024-05-08T21:02:49.808" v="32" actId="22"/>
+          <ac:picMkLst>
+            <pc:docMk/>
+            <pc:sldMk cId="1606520421" sldId="266"/>
+            <ac:picMk id="8" creationId="{2AE49F3C-725C-33E5-B0B9-6E0E4A36FBC2}"/>
+          </ac:picMkLst>
+        </pc:picChg>
+        <pc:picChg chg="add mod ord">
+          <ac:chgData name="Eduardo Savian" userId="83fefb37af455394" providerId="LiveId" clId="{9027FE1D-C861-432B-B1C8-11A99DB4171A}" dt="2024-05-08T21:02:51.476" v="33" actId="22"/>
+          <ac:picMkLst>
+            <pc:docMk/>
+            <pc:sldMk cId="1606520421" sldId="266"/>
+            <ac:picMk id="10" creationId="{1977DA46-0F53-57B2-6472-D211005044D0}"/>
+          </ac:picMkLst>
+        </pc:picChg>
+      </pc:sldChg>
+      <pc:sldChg chg="addSp delSp modSp new mod ord">
+        <pc:chgData name="Eduardo Savian" userId="83fefb37af455394" providerId="LiveId" clId="{9027FE1D-C861-432B-B1C8-11A99DB4171A}" dt="2024-05-08T21:05:19.857" v="72" actId="1076"/>
+        <pc:sldMkLst>
+          <pc:docMk/>
+          <pc:sldMk cId="3546819228" sldId="267"/>
+        </pc:sldMkLst>
+        <pc:spChg chg="mod">
+          <ac:chgData name="Eduardo Savian" userId="83fefb37af455394" providerId="LiveId" clId="{9027FE1D-C861-432B-B1C8-11A99DB4171A}" dt="2024-05-08T21:05:12.625" v="70" actId="20577"/>
+          <ac:spMkLst>
+            <pc:docMk/>
+            <pc:sldMk cId="3546819228" sldId="267"/>
+            <ac:spMk id="2" creationId="{30C56C44-CE58-41CD-29E4-49176BAA2E4E}"/>
+          </ac:spMkLst>
+        </pc:spChg>
+        <pc:spChg chg="del">
+          <ac:chgData name="Eduardo Savian" userId="83fefb37af455394" providerId="LiveId" clId="{9027FE1D-C861-432B-B1C8-11A99DB4171A}" dt="2024-05-08T21:03:46.184" v="36" actId="22"/>
+          <ac:spMkLst>
+            <pc:docMk/>
+            <pc:sldMk cId="3546819228" sldId="267"/>
+            <ac:spMk id="3" creationId="{47AFF63C-BFAA-DB6B-D078-6A65337EC5AD}"/>
+          </ac:spMkLst>
+        </pc:spChg>
+        <pc:picChg chg="add mod ord">
+          <ac:chgData name="Eduardo Savian" userId="83fefb37af455394" providerId="LiveId" clId="{9027FE1D-C861-432B-B1C8-11A99DB4171A}" dt="2024-05-08T21:05:19.857" v="72" actId="1076"/>
+          <ac:picMkLst>
+            <pc:docMk/>
+            <pc:sldMk cId="3546819228" sldId="267"/>
+            <ac:picMk id="8" creationId="{9144A76C-7831-775B-9992-B2783F29472A}"/>
+          </ac:picMkLst>
+        </pc:picChg>
+      </pc:sldChg>
+      <pc:sldChg chg="modSp new mod">
+        <pc:chgData name="Eduardo Savian" userId="83fefb37af455394" providerId="LiveId" clId="{9027FE1D-C861-432B-B1C8-11A99DB4171A}" dt="2024-05-08T21:23:53.416" v="742" actId="113"/>
+        <pc:sldMkLst>
+          <pc:docMk/>
+          <pc:sldMk cId="2097304172" sldId="268"/>
+        </pc:sldMkLst>
+        <pc:spChg chg="mod">
+          <ac:chgData name="Eduardo Savian" userId="83fefb37af455394" providerId="LiveId" clId="{9027FE1D-C861-432B-B1C8-11A99DB4171A}" dt="2024-05-08T21:13:49.235" v="495" actId="20577"/>
+          <ac:spMkLst>
+            <pc:docMk/>
+            <pc:sldMk cId="2097304172" sldId="268"/>
+            <ac:spMk id="2" creationId="{4E319447-D02E-7C4B-241A-4A96C7ABC44D}"/>
+          </ac:spMkLst>
+        </pc:spChg>
+        <pc:spChg chg="mod">
+          <ac:chgData name="Eduardo Savian" userId="83fefb37af455394" providerId="LiveId" clId="{9027FE1D-C861-432B-B1C8-11A99DB4171A}" dt="2024-05-08T21:23:53.416" v="742" actId="113"/>
+          <ac:spMkLst>
+            <pc:docMk/>
+            <pc:sldMk cId="2097304172" sldId="268"/>
+            <ac:spMk id="3" creationId="{DF5ABD57-ADCB-25E7-5CDB-095C18654DD9}"/>
+          </ac:spMkLst>
+        </pc:spChg>
+      </pc:sldChg>
+      <pc:sldChg chg="modSp new mod">
+        <pc:chgData name="Eduardo Savian" userId="83fefb37af455394" providerId="LiveId" clId="{9027FE1D-C861-432B-B1C8-11A99DB4171A}" dt="2024-05-08T21:37:22.219" v="949" actId="20577"/>
+        <pc:sldMkLst>
+          <pc:docMk/>
+          <pc:sldMk cId="1839108021" sldId="269"/>
+        </pc:sldMkLst>
+        <pc:spChg chg="mod">
+          <ac:chgData name="Eduardo Savian" userId="83fefb37af455394" providerId="LiveId" clId="{9027FE1D-C861-432B-B1C8-11A99DB4171A}" dt="2024-05-08T21:21:43.938" v="703" actId="20577"/>
+          <ac:spMkLst>
+            <pc:docMk/>
+            <pc:sldMk cId="1839108021" sldId="269"/>
+            <ac:spMk id="2" creationId="{E7A62A9E-C411-78B0-B6D7-66BA12C68737}"/>
+          </ac:spMkLst>
+        </pc:spChg>
+        <pc:spChg chg="mod">
+          <ac:chgData name="Eduardo Savian" userId="83fefb37af455394" providerId="LiveId" clId="{9027FE1D-C861-432B-B1C8-11A99DB4171A}" dt="2024-05-08T21:37:22.219" v="949" actId="20577"/>
+          <ac:spMkLst>
+            <pc:docMk/>
+            <pc:sldMk cId="1839108021" sldId="269"/>
+            <ac:spMk id="3" creationId="{A0A824DE-1396-458D-85D1-532A91E9C44F}"/>
+          </ac:spMkLst>
+        </pc:spChg>
+      </pc:sldChg>
+      <pc:sldChg chg="addSp delSp modSp new del mod">
+        <pc:chgData name="Eduardo Savian" userId="83fefb37af455394" providerId="LiveId" clId="{9027FE1D-C861-432B-B1C8-11A99DB4171A}" dt="2024-05-08T21:33:17.846" v="879" actId="47"/>
+        <pc:sldMkLst>
+          <pc:docMk/>
+          <pc:sldMk cId="2996622225" sldId="270"/>
+        </pc:sldMkLst>
+        <pc:spChg chg="mod">
+          <ac:chgData name="Eduardo Savian" userId="83fefb37af455394" providerId="LiveId" clId="{9027FE1D-C861-432B-B1C8-11A99DB4171A}" dt="2024-05-08T21:30:02.737" v="823" actId="20577"/>
+          <ac:spMkLst>
+            <pc:docMk/>
+            <pc:sldMk cId="2996622225" sldId="270"/>
+            <ac:spMk id="2" creationId="{A731BD3E-581C-E6C1-BAB2-551C221408FF}"/>
+          </ac:spMkLst>
+        </pc:spChg>
+        <pc:spChg chg="del">
+          <ac:chgData name="Eduardo Savian" userId="83fefb37af455394" providerId="LiveId" clId="{9027FE1D-C861-432B-B1C8-11A99DB4171A}" dt="2024-05-08T21:30:00.132" v="816" actId="22"/>
+          <ac:spMkLst>
+            <pc:docMk/>
+            <pc:sldMk cId="2996622225" sldId="270"/>
+            <ac:spMk id="3" creationId="{3A1AF626-B7CF-6730-F525-EC9181EDE06C}"/>
+          </ac:spMkLst>
+        </pc:spChg>
+        <pc:picChg chg="add mod ord">
+          <ac:chgData name="Eduardo Savian" userId="83fefb37af455394" providerId="LiveId" clId="{9027FE1D-C861-432B-B1C8-11A99DB4171A}" dt="2024-05-08T21:30:00.132" v="816" actId="22"/>
+          <ac:picMkLst>
+            <pc:docMk/>
+            <pc:sldMk cId="2996622225" sldId="270"/>
+            <ac:picMk id="8" creationId="{D88AA93B-D1F0-EBC6-D32B-7AB33AB25023}"/>
+          </ac:picMkLst>
+        </pc:picChg>
+      </pc:sldChg>
+      <pc:sldChg chg="addSp delSp modSp new mod">
+        <pc:chgData name="Eduardo Savian" userId="83fefb37af455394" providerId="LiveId" clId="{9027FE1D-C861-432B-B1C8-11A99DB4171A}" dt="2024-05-08T21:32:56.956" v="857" actId="20577"/>
+        <pc:sldMkLst>
+          <pc:docMk/>
+          <pc:sldMk cId="1206012243" sldId="271"/>
+        </pc:sldMkLst>
+        <pc:spChg chg="mod">
+          <ac:chgData name="Eduardo Savian" userId="83fefb37af455394" providerId="LiveId" clId="{9027FE1D-C861-432B-B1C8-11A99DB4171A}" dt="2024-05-08T21:32:56.956" v="857" actId="20577"/>
+          <ac:spMkLst>
+            <pc:docMk/>
+            <pc:sldMk cId="1206012243" sldId="271"/>
+            <ac:spMk id="2" creationId="{A1FFD85E-227F-A119-5DAB-F0AEE197D36E}"/>
+          </ac:spMkLst>
+        </pc:spChg>
+        <pc:spChg chg="add del">
+          <ac:chgData name="Eduardo Savian" userId="83fefb37af455394" providerId="LiveId" clId="{9027FE1D-C861-432B-B1C8-11A99DB4171A}" dt="2024-05-08T21:30:44.824" v="826" actId="22"/>
+          <ac:spMkLst>
+            <pc:docMk/>
+            <pc:sldMk cId="1206012243" sldId="271"/>
+            <ac:spMk id="3" creationId="{E36961EA-6A69-141B-5102-C3CBC720447B}"/>
+          </ac:spMkLst>
+        </pc:spChg>
+        <pc:picChg chg="add del mod ord">
+          <ac:chgData name="Eduardo Savian" userId="83fefb37af455394" providerId="LiveId" clId="{9027FE1D-C861-432B-B1C8-11A99DB4171A}" dt="2024-05-08T21:30:30.456" v="825" actId="22"/>
+          <ac:picMkLst>
+            <pc:docMk/>
+            <pc:sldMk cId="1206012243" sldId="271"/>
+            <ac:picMk id="8" creationId="{B96B0055-8BDC-9DEE-030B-B55D0304E7BC}"/>
+          </ac:picMkLst>
+        </pc:picChg>
+        <pc:picChg chg="add mod ord">
+          <ac:chgData name="Eduardo Savian" userId="83fefb37af455394" providerId="LiveId" clId="{9027FE1D-C861-432B-B1C8-11A99DB4171A}" dt="2024-05-08T21:31:12.841" v="829" actId="1076"/>
+          <ac:picMkLst>
+            <pc:docMk/>
+            <pc:sldMk cId="1206012243" sldId="271"/>
+            <ac:picMk id="10" creationId="{9417624B-D04C-0DED-84E1-CA4C40EF63C8}"/>
+          </ac:picMkLst>
+        </pc:picChg>
+        <pc:picChg chg="add mod">
+          <ac:chgData name="Eduardo Savian" userId="83fefb37af455394" providerId="LiveId" clId="{9027FE1D-C861-432B-B1C8-11A99DB4171A}" dt="2024-05-08T21:31:15.003" v="830" actId="1076"/>
+          <ac:picMkLst>
+            <pc:docMk/>
+            <pc:sldMk cId="1206012243" sldId="271"/>
+            <ac:picMk id="12" creationId="{1DFCAF14-CBEA-6458-A895-9A5CB9178174}"/>
+          </ac:picMkLst>
+        </pc:picChg>
+      </pc:sldChg>
+      <pc:sldChg chg="new del">
+        <pc:chgData name="Eduardo Savian" userId="83fefb37af455394" providerId="LiveId" clId="{9027FE1D-C861-432B-B1C8-11A99DB4171A}" dt="2024-05-08T21:36:17.952" v="907" actId="2696"/>
+        <pc:sldMkLst>
+          <pc:docMk/>
+          <pc:sldMk cId="3012046788" sldId="272"/>
+        </pc:sldMkLst>
+      </pc:sldChg>
+      <pc:sldChg chg="new del">
+        <pc:chgData name="Eduardo Savian" userId="83fefb37af455394" providerId="LiveId" clId="{9027FE1D-C861-432B-B1C8-11A99DB4171A}" dt="2024-05-08T21:36:20.478" v="908" actId="2696"/>
+        <pc:sldMkLst>
+          <pc:docMk/>
+          <pc:sldMk cId="645024962" sldId="273"/>
+        </pc:sldMkLst>
+      </pc:sldChg>
+      <pc:sldChg chg="addSp delSp modSp new mod">
+        <pc:chgData name="Eduardo Savian" userId="83fefb37af455394" providerId="LiveId" clId="{9027FE1D-C861-432B-B1C8-11A99DB4171A}" dt="2024-05-08T21:33:52.854" v="889" actId="1076"/>
+        <pc:sldMkLst>
+          <pc:docMk/>
+          <pc:sldMk cId="1961177669" sldId="274"/>
+        </pc:sldMkLst>
+        <pc:spChg chg="mod">
+          <ac:chgData name="Eduardo Savian" userId="83fefb37af455394" providerId="LiveId" clId="{9027FE1D-C861-432B-B1C8-11A99DB4171A}" dt="2024-05-08T21:33:12.625" v="875" actId="20577"/>
+          <ac:spMkLst>
+            <pc:docMk/>
+            <pc:sldMk cId="1961177669" sldId="274"/>
+            <ac:spMk id="2" creationId="{06D4FCB5-D603-7C18-263A-DC43F62E06AB}"/>
+          </ac:spMkLst>
+        </pc:spChg>
+        <pc:spChg chg="del">
+          <ac:chgData name="Eduardo Savian" userId="83fefb37af455394" providerId="LiveId" clId="{9027FE1D-C861-432B-B1C8-11A99DB4171A}" dt="2024-05-08T21:32:44.451" v="839" actId="22"/>
+          <ac:spMkLst>
+            <pc:docMk/>
+            <pc:sldMk cId="1961177669" sldId="274"/>
+            <ac:spMk id="3" creationId="{DB619E92-5686-5AB9-FFF8-31B49E075CFA}"/>
+          </ac:spMkLst>
+        </pc:spChg>
+        <pc:picChg chg="add del mod">
+          <ac:chgData name="Eduardo Savian" userId="83fefb37af455394" providerId="LiveId" clId="{9027FE1D-C861-432B-B1C8-11A99DB4171A}" dt="2024-05-08T21:33:43.501" v="887" actId="478"/>
+          <ac:picMkLst>
+            <pc:docMk/>
+            <pc:sldMk cId="1961177669" sldId="274"/>
+            <ac:picMk id="7" creationId="{91BB26E5-DF1E-AED7-E4F1-BBC023C4D528}"/>
+          </ac:picMkLst>
+        </pc:picChg>
+        <pc:picChg chg="add del mod">
+          <ac:chgData name="Eduardo Savian" userId="83fefb37af455394" providerId="LiveId" clId="{9027FE1D-C861-432B-B1C8-11A99DB4171A}" dt="2024-05-08T21:32:42.811" v="838" actId="22"/>
+          <ac:picMkLst>
+            <pc:docMk/>
+            <pc:sldMk cId="1961177669" sldId="274"/>
+            <ac:picMk id="9" creationId="{ACF4E41A-1300-26B1-A72A-AC2E9D2A5DD2}"/>
+          </ac:picMkLst>
+        </pc:picChg>
+        <pc:picChg chg="add mod ord">
+          <ac:chgData name="Eduardo Savian" userId="83fefb37af455394" providerId="LiveId" clId="{9027FE1D-C861-432B-B1C8-11A99DB4171A}" dt="2024-05-08T21:33:52.854" v="889" actId="1076"/>
+          <ac:picMkLst>
+            <pc:docMk/>
+            <pc:sldMk cId="1961177669" sldId="274"/>
+            <ac:picMk id="11" creationId="{02E0E287-0931-F414-F9A2-4EFE97E37BB3}"/>
+          </ac:picMkLst>
+        </pc:picChg>
+        <pc:picChg chg="add del">
+          <ac:chgData name="Eduardo Savian" userId="83fefb37af455394" providerId="LiveId" clId="{9027FE1D-C861-432B-B1C8-11A99DB4171A}" dt="2024-05-08T21:33:40.521" v="884" actId="22"/>
+          <ac:picMkLst>
+            <pc:docMk/>
+            <pc:sldMk cId="1961177669" sldId="274"/>
+            <ac:picMk id="13" creationId="{47014632-7662-7EA0-4816-93382CB706D9}"/>
+          </ac:picMkLst>
+        </pc:picChg>
+        <pc:picChg chg="add mod">
+          <ac:chgData name="Eduardo Savian" userId="83fefb37af455394" providerId="LiveId" clId="{9027FE1D-C861-432B-B1C8-11A99DB4171A}" dt="2024-05-08T21:33:45.713" v="888" actId="1076"/>
+          <ac:picMkLst>
+            <pc:docMk/>
+            <pc:sldMk cId="1961177669" sldId="274"/>
+            <ac:picMk id="15" creationId="{6A412369-67DD-9B1E-2547-D4C59F3129B6}"/>
+          </ac:picMkLst>
+        </pc:picChg>
+      </pc:sldChg>
+      <pc:sldChg chg="addSp delSp modSp new mod ord">
+        <pc:chgData name="Eduardo Savian" userId="83fefb37af455394" providerId="LiveId" clId="{9027FE1D-C861-432B-B1C8-11A99DB4171A}" dt="2024-05-08T21:35:23.403" v="906" actId="1076"/>
+        <pc:sldMkLst>
+          <pc:docMk/>
+          <pc:sldMk cId="43700074" sldId="275"/>
+        </pc:sldMkLst>
+        <pc:spChg chg="mod">
+          <ac:chgData name="Eduardo Savian" userId="83fefb37af455394" providerId="LiveId" clId="{9027FE1D-C861-432B-B1C8-11A99DB4171A}" dt="2024-05-08T21:34:05.736" v="901" actId="20577"/>
+          <ac:spMkLst>
+            <pc:docMk/>
+            <pc:sldMk cId="43700074" sldId="275"/>
+            <ac:spMk id="2" creationId="{914E3F11-14DD-8077-FB41-A3392F54C934}"/>
+          </ac:spMkLst>
+        </pc:spChg>
+        <pc:spChg chg="del">
+          <ac:chgData name="Eduardo Savian" userId="83fefb37af455394" providerId="LiveId" clId="{9027FE1D-C861-432B-B1C8-11A99DB4171A}" dt="2024-05-08T21:34:28.377" v="902" actId="22"/>
+          <ac:spMkLst>
+            <pc:docMk/>
+            <pc:sldMk cId="43700074" sldId="275"/>
+            <ac:spMk id="3" creationId="{CE4BB36B-B0A5-5C54-126D-4BB4F3BFD59D}"/>
+          </ac:spMkLst>
+        </pc:spChg>
+        <pc:picChg chg="add del mod">
+          <ac:chgData name="Eduardo Savian" userId="83fefb37af455394" providerId="LiveId" clId="{9027FE1D-C861-432B-B1C8-11A99DB4171A}" dt="2024-05-08T21:35:20.186" v="904" actId="478"/>
+          <ac:picMkLst>
+            <pc:docMk/>
+            <pc:sldMk cId="43700074" sldId="275"/>
+            <ac:picMk id="8" creationId="{7610941A-37BD-9C19-64D1-2358EC2E8510}"/>
+          </ac:picMkLst>
+        </pc:picChg>
+        <pc:picChg chg="add mod ord">
+          <ac:chgData name="Eduardo Savian" userId="83fefb37af455394" providerId="LiveId" clId="{9027FE1D-C861-432B-B1C8-11A99DB4171A}" dt="2024-05-08T21:34:30.726" v="903" actId="1076"/>
+          <ac:picMkLst>
+            <pc:docMk/>
+            <pc:sldMk cId="43700074" sldId="275"/>
+            <ac:picMk id="10" creationId="{A3D69FE1-307A-CBBF-E9CC-8C1B00F440D1}"/>
+          </ac:picMkLst>
+        </pc:picChg>
+        <pc:picChg chg="add mod">
+          <ac:chgData name="Eduardo Savian" userId="83fefb37af455394" providerId="LiveId" clId="{9027FE1D-C861-432B-B1C8-11A99DB4171A}" dt="2024-05-08T21:35:23.403" v="906" actId="1076"/>
+          <ac:picMkLst>
+            <pc:docMk/>
+            <pc:sldMk cId="43700074" sldId="275"/>
+            <ac:picMk id="12" creationId="{E99D66E1-B7D0-5B01-9676-188171541776}"/>
+          </ac:picMkLst>
+        </pc:picChg>
+      </pc:sldChg>
+    </pc:docChg>
+  </pc:docChgLst>
+  <pc:docChgLst>
+    <pc:chgData clId="Web-{236A428B-EB3A-4EDA-8B94-5C42A3C67680}"/>
+    <pc:docChg chg="modSld">
+      <pc:chgData name="" userId="" providerId="" clId="Web-{236A428B-EB3A-4EDA-8B94-5C42A3C67680}" dt="2024-05-08T01:13:44.510" v="10" actId="20577"/>
+      <pc:docMkLst>
+        <pc:docMk/>
+      </pc:docMkLst>
+      <pc:sldChg chg="modSp">
+        <pc:chgData name="" userId="" providerId="" clId="Web-{236A428B-EB3A-4EDA-8B94-5C42A3C67680}" dt="2024-05-08T01:13:44.510" v="10" actId="20577"/>
+        <pc:sldMkLst>
+          <pc:docMk/>
+          <pc:sldMk cId="109857222" sldId="256"/>
+        </pc:sldMkLst>
+        <pc:spChg chg="mod">
+          <ac:chgData name="" userId="" providerId="" clId="Web-{236A428B-EB3A-4EDA-8B94-5C42A3C67680}" dt="2024-05-08T01:13:44.510" v="10" actId="20577"/>
+          <ac:spMkLst>
+            <pc:docMk/>
+            <pc:sldMk cId="109857222" sldId="256"/>
+            <ac:spMk id="3" creationId="{00000000-0000-0000-0000-000000000000}"/>
+          </ac:spMkLst>
+        </pc:spChg>
+      </pc:sldChg>
+    </pc:docChg>
+  </pc:docChgLst>
+  <pc:docChgLst>
+    <pc:chgData name="Eduardo Savian" userId="83fefb37af455394" providerId="Windows Live" clId="Web-{6808E06D-317C-48B5-80AB-C63B5B44D7D8}"/>
     <pc:docChg chg="modSld addMainMaster delMainMaster">
-      <pc:chgData name="Eduardo Savian" userId="83fefb37af455394" providerId="Windows Live" clId="Web-{236A428B-EB3A-4EDA-8B94-5C42A3C67680}" dt="2024-05-08T01:13:54.042" v="2"/>
+      <pc:chgData name="Eduardo Savian" userId="83fefb37af455394" providerId="Windows Live" clId="Web-{6808E06D-317C-48B5-80AB-C63B5B44D7D8}" dt="2024-04-28T21:41:36.386" v="27" actId="20577"/>
       <pc:docMkLst>
         <pc:docMk/>
       </pc:docMkLst>
       <pc:sldChg chg="modSp mod modClrScheme chgLayout">
-        <pc:chgData name="Eduardo Savian" userId="83fefb37af455394" providerId="Windows Live" clId="Web-{236A428B-EB3A-4EDA-8B94-5C42A3C67680}" dt="2024-05-08T01:13:54.042" v="2"/>
+        <pc:chgData name="Eduardo Savian" userId="83fefb37af455394" providerId="Windows Live" clId="Web-{6808E06D-317C-48B5-80AB-C63B5B44D7D8}" dt="2024-04-28T21:41:36.386" v="27" actId="20577"/>
         <pc:sldMkLst>
           <pc:docMk/>
           <pc:sldMk cId="109857222" sldId="256"/>
         </pc:sldMkLst>
         <pc:spChg chg="mod ord">
-          <ac:chgData name="Eduardo Savian" userId="83fefb37af455394" providerId="Windows Live" clId="Web-{236A428B-EB3A-4EDA-8B94-5C42A3C67680}" dt="2024-05-08T01:13:54.042" v="2"/>
+          <ac:chgData name="Eduardo Savian" userId="83fefb37af455394" providerId="Windows Live" clId="Web-{6808E06D-317C-48B5-80AB-C63B5B44D7D8}" dt="2024-04-28T21:41:28.213" v="8" actId="20577"/>
           <ac:spMkLst>
             <pc:docMk/>
             <pc:sldMk cId="109857222" sldId="256"/>
@@ -701,7 +1357,7 @@
           </ac:spMkLst>
         </pc:spChg>
         <pc:spChg chg="mod ord">
-          <ac:chgData name="Eduardo Savian" userId="83fefb37af455394" providerId="Windows Live" clId="Web-{236A428B-EB3A-4EDA-8B94-5C42A3C67680}" dt="2024-05-08T01:13:54.042" v="2"/>
+          <ac:chgData name="Eduardo Savian" userId="83fefb37af455394" providerId="Windows Live" clId="Web-{6808E06D-317C-48B5-80AB-C63B5B44D7D8}" dt="2024-04-28T21:41:36.386" v="27" actId="20577"/>
           <ac:spMkLst>
             <pc:docMk/>
             <pc:sldMk cId="109857222" sldId="256"/>
@@ -709,468 +1365,431 @@
           </ac:spMkLst>
         </pc:spChg>
       </pc:sldChg>
-      <pc:sldChg chg="modSp mod modClrScheme chgLayout">
-        <pc:chgData name="Eduardo Savian" userId="83fefb37af455394" providerId="Windows Live" clId="Web-{236A428B-EB3A-4EDA-8B94-5C42A3C67680}" dt="2024-05-08T01:13:54.042" v="2"/>
-        <pc:sldMkLst>
+      <pc:sldMasterChg chg="del delSldLayout">
+        <pc:chgData name="Eduardo Savian" userId="83fefb37af455394" providerId="Windows Live" clId="Web-{6808E06D-317C-48B5-80AB-C63B5B44D7D8}" dt="2024-04-28T21:40:56.681" v="0"/>
+        <pc:sldMasterMkLst>
           <pc:docMk/>
-          <pc:sldMk cId="3775945265" sldId="257"/>
-        </pc:sldMkLst>
-        <pc:spChg chg="mod ord">
-          <ac:chgData name="Eduardo Savian" userId="83fefb37af455394" providerId="Windows Live" clId="Web-{236A428B-EB3A-4EDA-8B94-5C42A3C67680}" dt="2024-05-08T01:13:54.042" v="2"/>
-          <ac:spMkLst>
-            <pc:docMk/>
-            <pc:sldMk cId="3775945265" sldId="257"/>
-            <ac:spMk id="2" creationId="{D6ADE00D-4311-50C4-8DF9-71AEE4CBFBA6}"/>
-          </ac:spMkLst>
-        </pc:spChg>
-        <pc:spChg chg="mod ord">
-          <ac:chgData name="Eduardo Savian" userId="83fefb37af455394" providerId="Windows Live" clId="Web-{236A428B-EB3A-4EDA-8B94-5C42A3C67680}" dt="2024-05-08T01:13:54.042" v="2"/>
-          <ac:spMkLst>
-            <pc:docMk/>
-            <pc:sldMk cId="3775945265" sldId="257"/>
-            <ac:spMk id="3" creationId="{A3B4ADFF-18FA-819A-E2DD-F32D67BA3A8E}"/>
-          </ac:spMkLst>
-        </pc:spChg>
-        <pc:spChg chg="mod ord">
-          <ac:chgData name="Eduardo Savian" userId="83fefb37af455394" providerId="Windows Live" clId="Web-{236A428B-EB3A-4EDA-8B94-5C42A3C67680}" dt="2024-05-08T01:13:54.042" v="2"/>
-          <ac:spMkLst>
-            <pc:docMk/>
-            <pc:sldMk cId="3775945265" sldId="257"/>
-            <ac:spMk id="4" creationId="{DB215652-CD47-035A-D24D-F14EE46A4092}"/>
-          </ac:spMkLst>
-        </pc:spChg>
-        <pc:spChg chg="mod ord">
-          <ac:chgData name="Eduardo Savian" userId="83fefb37af455394" providerId="Windows Live" clId="Web-{236A428B-EB3A-4EDA-8B94-5C42A3C67680}" dt="2024-05-08T01:13:54.042" v="2"/>
-          <ac:spMkLst>
-            <pc:docMk/>
-            <pc:sldMk cId="3775945265" sldId="257"/>
-            <ac:spMk id="5" creationId="{3381B339-BCA0-D98E-7BEC-F5F86A2EBAE0}"/>
-          </ac:spMkLst>
-        </pc:spChg>
-        <pc:spChg chg="mod ord">
-          <ac:chgData name="Eduardo Savian" userId="83fefb37af455394" providerId="Windows Live" clId="Web-{236A428B-EB3A-4EDA-8B94-5C42A3C67680}" dt="2024-05-08T01:13:54.042" v="2"/>
-          <ac:spMkLst>
-            <pc:docMk/>
-            <pc:sldMk cId="3775945265" sldId="257"/>
-            <ac:spMk id="6" creationId="{245176F3-9B8F-5D0D-56B6-881A0F8BAE27}"/>
-          </ac:spMkLst>
-        </pc:spChg>
-      </pc:sldChg>
-      <pc:sldChg chg="modSp mod modClrScheme chgLayout">
-        <pc:chgData name="Eduardo Savian" userId="83fefb37af455394" providerId="Windows Live" clId="Web-{236A428B-EB3A-4EDA-8B94-5C42A3C67680}" dt="2024-05-08T01:13:54.042" v="2"/>
-        <pc:sldMkLst>
+          <pc:sldMasterMk cId="2460954070" sldId="2147483660"/>
+        </pc:sldMasterMkLst>
+        <pc:sldLayoutChg chg="del">
+          <pc:chgData name="Eduardo Savian" userId="83fefb37af455394" providerId="Windows Live" clId="Web-{6808E06D-317C-48B5-80AB-C63B5B44D7D8}" dt="2024-04-28T21:40:56.681" v="0"/>
+          <pc:sldLayoutMkLst>
+            <pc:docMk/>
+            <pc:sldMasterMk cId="2460954070" sldId="2147483660"/>
+            <pc:sldLayoutMk cId="2385387890" sldId="2147483661"/>
+          </pc:sldLayoutMkLst>
+        </pc:sldLayoutChg>
+        <pc:sldLayoutChg chg="del">
+          <pc:chgData name="Eduardo Savian" userId="83fefb37af455394" providerId="Windows Live" clId="Web-{6808E06D-317C-48B5-80AB-C63B5B44D7D8}" dt="2024-04-28T21:40:56.681" v="0"/>
+          <pc:sldLayoutMkLst>
+            <pc:docMk/>
+            <pc:sldMasterMk cId="2460954070" sldId="2147483660"/>
+            <pc:sldLayoutMk cId="949138452" sldId="2147483662"/>
+          </pc:sldLayoutMkLst>
+        </pc:sldLayoutChg>
+        <pc:sldLayoutChg chg="del">
+          <pc:chgData name="Eduardo Savian" userId="83fefb37af455394" providerId="Windows Live" clId="Web-{6808E06D-317C-48B5-80AB-C63B5B44D7D8}" dt="2024-04-28T21:40:56.681" v="0"/>
+          <pc:sldLayoutMkLst>
+            <pc:docMk/>
+            <pc:sldMasterMk cId="2460954070" sldId="2147483660"/>
+            <pc:sldLayoutMk cId="2591524520" sldId="2147483663"/>
+          </pc:sldLayoutMkLst>
+        </pc:sldLayoutChg>
+        <pc:sldLayoutChg chg="del">
+          <pc:chgData name="Eduardo Savian" userId="83fefb37af455394" providerId="Windows Live" clId="Web-{6808E06D-317C-48B5-80AB-C63B5B44D7D8}" dt="2024-04-28T21:40:56.681" v="0"/>
+          <pc:sldLayoutMkLst>
+            <pc:docMk/>
+            <pc:sldMasterMk cId="2460954070" sldId="2147483660"/>
+            <pc:sldLayoutMk cId="1203092039" sldId="2147483664"/>
+          </pc:sldLayoutMkLst>
+        </pc:sldLayoutChg>
+        <pc:sldLayoutChg chg="del">
+          <pc:chgData name="Eduardo Savian" userId="83fefb37af455394" providerId="Windows Live" clId="Web-{6808E06D-317C-48B5-80AB-C63B5B44D7D8}" dt="2024-04-28T21:40:56.681" v="0"/>
+          <pc:sldLayoutMkLst>
+            <pc:docMk/>
+            <pc:sldMasterMk cId="2460954070" sldId="2147483660"/>
+            <pc:sldLayoutMk cId="3733172339" sldId="2147483665"/>
+          </pc:sldLayoutMkLst>
+        </pc:sldLayoutChg>
+        <pc:sldLayoutChg chg="del">
+          <pc:chgData name="Eduardo Savian" userId="83fefb37af455394" providerId="Windows Live" clId="Web-{6808E06D-317C-48B5-80AB-C63B5B44D7D8}" dt="2024-04-28T21:40:56.681" v="0"/>
+          <pc:sldLayoutMkLst>
+            <pc:docMk/>
+            <pc:sldMasterMk cId="2460954070" sldId="2147483660"/>
+            <pc:sldLayoutMk cId="3210312558" sldId="2147483666"/>
+          </pc:sldLayoutMkLst>
+        </pc:sldLayoutChg>
+        <pc:sldLayoutChg chg="del">
+          <pc:chgData name="Eduardo Savian" userId="83fefb37af455394" providerId="Windows Live" clId="Web-{6808E06D-317C-48B5-80AB-C63B5B44D7D8}" dt="2024-04-28T21:40:56.681" v="0"/>
+          <pc:sldLayoutMkLst>
+            <pc:docMk/>
+            <pc:sldMasterMk cId="2460954070" sldId="2147483660"/>
+            <pc:sldLayoutMk cId="3146388984" sldId="2147483667"/>
+          </pc:sldLayoutMkLst>
+        </pc:sldLayoutChg>
+        <pc:sldLayoutChg chg="del">
+          <pc:chgData name="Eduardo Savian" userId="83fefb37af455394" providerId="Windows Live" clId="Web-{6808E06D-317C-48B5-80AB-C63B5B44D7D8}" dt="2024-04-28T21:40:56.681" v="0"/>
+          <pc:sldLayoutMkLst>
+            <pc:docMk/>
+            <pc:sldMasterMk cId="2460954070" sldId="2147483660"/>
+            <pc:sldLayoutMk cId="3171841454" sldId="2147483668"/>
+          </pc:sldLayoutMkLst>
+        </pc:sldLayoutChg>
+        <pc:sldLayoutChg chg="del">
+          <pc:chgData name="Eduardo Savian" userId="83fefb37af455394" providerId="Windows Live" clId="Web-{6808E06D-317C-48B5-80AB-C63B5B44D7D8}" dt="2024-04-28T21:40:56.681" v="0"/>
+          <pc:sldLayoutMkLst>
+            <pc:docMk/>
+            <pc:sldMasterMk cId="2460954070" sldId="2147483660"/>
+            <pc:sldLayoutMk cId="1718958274" sldId="2147483669"/>
+          </pc:sldLayoutMkLst>
+        </pc:sldLayoutChg>
+        <pc:sldLayoutChg chg="del">
+          <pc:chgData name="Eduardo Savian" userId="83fefb37af455394" providerId="Windows Live" clId="Web-{6808E06D-317C-48B5-80AB-C63B5B44D7D8}" dt="2024-04-28T21:40:56.681" v="0"/>
+          <pc:sldLayoutMkLst>
+            <pc:docMk/>
+            <pc:sldMasterMk cId="2460954070" sldId="2147483660"/>
+            <pc:sldLayoutMk cId="2202905451" sldId="2147483670"/>
+          </pc:sldLayoutMkLst>
+        </pc:sldLayoutChg>
+        <pc:sldLayoutChg chg="del">
+          <pc:chgData name="Eduardo Savian" userId="83fefb37af455394" providerId="Windows Live" clId="Web-{6808E06D-317C-48B5-80AB-C63B5B44D7D8}" dt="2024-04-28T21:40:56.681" v="0"/>
+          <pc:sldLayoutMkLst>
+            <pc:docMk/>
+            <pc:sldMasterMk cId="2460954070" sldId="2147483660"/>
+            <pc:sldLayoutMk cId="3479445657" sldId="2147483671"/>
+          </pc:sldLayoutMkLst>
+        </pc:sldLayoutChg>
+      </pc:sldMasterChg>
+      <pc:sldMasterChg chg="add del addSldLayout delSldLayout modSldLayout">
+        <pc:chgData name="Eduardo Savian" userId="83fefb37af455394" providerId="Windows Live" clId="Web-{6808E06D-317C-48B5-80AB-C63B5B44D7D8}" dt="2024-04-28T21:41:09.510" v="1"/>
+        <pc:sldMasterMkLst>
           <pc:docMk/>
-          <pc:sldMk cId="1767302655" sldId="258"/>
-        </pc:sldMkLst>
-        <pc:spChg chg="mod ord">
-          <ac:chgData name="Eduardo Savian" userId="83fefb37af455394" providerId="Windows Live" clId="Web-{236A428B-EB3A-4EDA-8B94-5C42A3C67680}" dt="2024-05-08T01:13:54.042" v="2"/>
-          <ac:spMkLst>
-            <pc:docMk/>
-            <pc:sldMk cId="1767302655" sldId="258"/>
-            <ac:spMk id="2" creationId="{3DA2759E-6509-5739-997F-79FBA3389A58}"/>
-          </ac:spMkLst>
-        </pc:spChg>
-        <pc:spChg chg="mod ord">
-          <ac:chgData name="Eduardo Savian" userId="83fefb37af455394" providerId="Windows Live" clId="Web-{236A428B-EB3A-4EDA-8B94-5C42A3C67680}" dt="2024-05-08T01:13:54.042" v="2"/>
-          <ac:spMkLst>
-            <pc:docMk/>
-            <pc:sldMk cId="1767302655" sldId="258"/>
-            <ac:spMk id="3" creationId="{AD684354-353E-8862-FCBF-8C22177AF4B9}"/>
-          </ac:spMkLst>
-        </pc:spChg>
-        <pc:spChg chg="mod ord">
-          <ac:chgData name="Eduardo Savian" userId="83fefb37af455394" providerId="Windows Live" clId="Web-{236A428B-EB3A-4EDA-8B94-5C42A3C67680}" dt="2024-05-08T01:13:54.042" v="2"/>
-          <ac:spMkLst>
-            <pc:docMk/>
-            <pc:sldMk cId="1767302655" sldId="258"/>
-            <ac:spMk id="4" creationId="{01FADF07-4BC5-F71C-E155-7E699903405F}"/>
-          </ac:spMkLst>
-        </pc:spChg>
-        <pc:spChg chg="mod ord">
-          <ac:chgData name="Eduardo Savian" userId="83fefb37af455394" providerId="Windows Live" clId="Web-{236A428B-EB3A-4EDA-8B94-5C42A3C67680}" dt="2024-05-08T01:13:54.042" v="2"/>
-          <ac:spMkLst>
-            <pc:docMk/>
-            <pc:sldMk cId="1767302655" sldId="258"/>
-            <ac:spMk id="5" creationId="{C30563B5-F358-CCDC-BE50-1AA3C53B3CC6}"/>
-          </ac:spMkLst>
-        </pc:spChg>
-        <pc:spChg chg="mod ord">
-          <ac:chgData name="Eduardo Savian" userId="83fefb37af455394" providerId="Windows Live" clId="Web-{236A428B-EB3A-4EDA-8B94-5C42A3C67680}" dt="2024-05-08T01:13:54.042" v="2"/>
-          <ac:spMkLst>
-            <pc:docMk/>
-            <pc:sldMk cId="1767302655" sldId="258"/>
-            <ac:spMk id="6" creationId="{D5485450-93CC-472B-2AE9-4E3E69B21993}"/>
-          </ac:spMkLst>
-        </pc:spChg>
-      </pc:sldChg>
-      <pc:sldChg chg="modSp mod modClrScheme chgLayout">
-        <pc:chgData name="Eduardo Savian" userId="83fefb37af455394" providerId="Windows Live" clId="Web-{236A428B-EB3A-4EDA-8B94-5C42A3C67680}" dt="2024-05-08T01:13:54.042" v="2"/>
-        <pc:sldMkLst>
+          <pc:sldMasterMk cId="1825988211" sldId="2147483672"/>
+        </pc:sldMasterMkLst>
+        <pc:sldLayoutChg chg="add del mod replId">
+          <pc:chgData name="Eduardo Savian" userId="83fefb37af455394" providerId="Windows Live" clId="Web-{6808E06D-317C-48B5-80AB-C63B5B44D7D8}" dt="2024-04-28T21:41:09.510" v="1"/>
+          <pc:sldLayoutMkLst>
+            <pc:docMk/>
+            <pc:sldMasterMk cId="1825988211" sldId="2147483672"/>
+            <pc:sldLayoutMk cId="453625266" sldId="2147483673"/>
+          </pc:sldLayoutMkLst>
+        </pc:sldLayoutChg>
+        <pc:sldLayoutChg chg="add del mod replId">
+          <pc:chgData name="Eduardo Savian" userId="83fefb37af455394" providerId="Windows Live" clId="Web-{6808E06D-317C-48B5-80AB-C63B5B44D7D8}" dt="2024-04-28T21:41:09.510" v="1"/>
+          <pc:sldLayoutMkLst>
+            <pc:docMk/>
+            <pc:sldMasterMk cId="1825988211" sldId="2147483672"/>
+            <pc:sldLayoutMk cId="3741936793" sldId="2147483674"/>
+          </pc:sldLayoutMkLst>
+        </pc:sldLayoutChg>
+        <pc:sldLayoutChg chg="add del mod replId">
+          <pc:chgData name="Eduardo Savian" userId="83fefb37af455394" providerId="Windows Live" clId="Web-{6808E06D-317C-48B5-80AB-C63B5B44D7D8}" dt="2024-04-28T21:41:09.510" v="1"/>
+          <pc:sldLayoutMkLst>
+            <pc:docMk/>
+            <pc:sldMasterMk cId="1825988211" sldId="2147483672"/>
+            <pc:sldLayoutMk cId="3135325950" sldId="2147483675"/>
+          </pc:sldLayoutMkLst>
+        </pc:sldLayoutChg>
+        <pc:sldLayoutChg chg="add del mod replId">
+          <pc:chgData name="Eduardo Savian" userId="83fefb37af455394" providerId="Windows Live" clId="Web-{6808E06D-317C-48B5-80AB-C63B5B44D7D8}" dt="2024-04-28T21:41:09.510" v="1"/>
+          <pc:sldLayoutMkLst>
+            <pc:docMk/>
+            <pc:sldMasterMk cId="1825988211" sldId="2147483672"/>
+            <pc:sldLayoutMk cId="3029497057" sldId="2147483676"/>
+          </pc:sldLayoutMkLst>
+        </pc:sldLayoutChg>
+        <pc:sldLayoutChg chg="add del mod replId">
+          <pc:chgData name="Eduardo Savian" userId="83fefb37af455394" providerId="Windows Live" clId="Web-{6808E06D-317C-48B5-80AB-C63B5B44D7D8}" dt="2024-04-28T21:41:09.510" v="1"/>
+          <pc:sldLayoutMkLst>
+            <pc:docMk/>
+            <pc:sldMasterMk cId="1825988211" sldId="2147483672"/>
+            <pc:sldLayoutMk cId="1582056691" sldId="2147483677"/>
+          </pc:sldLayoutMkLst>
+        </pc:sldLayoutChg>
+        <pc:sldLayoutChg chg="add del mod replId">
+          <pc:chgData name="Eduardo Savian" userId="83fefb37af455394" providerId="Windows Live" clId="Web-{6808E06D-317C-48B5-80AB-C63B5B44D7D8}" dt="2024-04-28T21:41:09.510" v="1"/>
+          <pc:sldLayoutMkLst>
+            <pc:docMk/>
+            <pc:sldMasterMk cId="1825988211" sldId="2147483672"/>
+            <pc:sldLayoutMk cId="1230447073" sldId="2147483678"/>
+          </pc:sldLayoutMkLst>
+        </pc:sldLayoutChg>
+        <pc:sldLayoutChg chg="add del mod replId">
+          <pc:chgData name="Eduardo Savian" userId="83fefb37af455394" providerId="Windows Live" clId="Web-{6808E06D-317C-48B5-80AB-C63B5B44D7D8}" dt="2024-04-28T21:41:09.510" v="1"/>
+          <pc:sldLayoutMkLst>
+            <pc:docMk/>
+            <pc:sldMasterMk cId="1825988211" sldId="2147483672"/>
+            <pc:sldLayoutMk cId="2111515493" sldId="2147483679"/>
+          </pc:sldLayoutMkLst>
+        </pc:sldLayoutChg>
+        <pc:sldLayoutChg chg="add del mod replId">
+          <pc:chgData name="Eduardo Savian" userId="83fefb37af455394" providerId="Windows Live" clId="Web-{6808E06D-317C-48B5-80AB-C63B5B44D7D8}" dt="2024-04-28T21:41:09.510" v="1"/>
+          <pc:sldLayoutMkLst>
+            <pc:docMk/>
+            <pc:sldMasterMk cId="1825988211" sldId="2147483672"/>
+            <pc:sldLayoutMk cId="3466345160" sldId="2147483680"/>
+          </pc:sldLayoutMkLst>
+        </pc:sldLayoutChg>
+        <pc:sldLayoutChg chg="add del mod replId">
+          <pc:chgData name="Eduardo Savian" userId="83fefb37af455394" providerId="Windows Live" clId="Web-{6808E06D-317C-48B5-80AB-C63B5B44D7D8}" dt="2024-04-28T21:41:09.510" v="1"/>
+          <pc:sldLayoutMkLst>
+            <pc:docMk/>
+            <pc:sldMasterMk cId="1825988211" sldId="2147483672"/>
+            <pc:sldLayoutMk cId="1503474283" sldId="2147483681"/>
+          </pc:sldLayoutMkLst>
+        </pc:sldLayoutChg>
+        <pc:sldLayoutChg chg="add del mod replId">
+          <pc:chgData name="Eduardo Savian" userId="83fefb37af455394" providerId="Windows Live" clId="Web-{6808E06D-317C-48B5-80AB-C63B5B44D7D8}" dt="2024-04-28T21:41:09.510" v="1"/>
+          <pc:sldLayoutMkLst>
+            <pc:docMk/>
+            <pc:sldMasterMk cId="1825988211" sldId="2147483672"/>
+            <pc:sldLayoutMk cId="3078211142" sldId="2147483682"/>
+          </pc:sldLayoutMkLst>
+        </pc:sldLayoutChg>
+        <pc:sldLayoutChg chg="add del mod replId">
+          <pc:chgData name="Eduardo Savian" userId="83fefb37af455394" providerId="Windows Live" clId="Web-{6808E06D-317C-48B5-80AB-C63B5B44D7D8}" dt="2024-04-28T21:41:09.510" v="1"/>
+          <pc:sldLayoutMkLst>
+            <pc:docMk/>
+            <pc:sldMasterMk cId="1825988211" sldId="2147483672"/>
+            <pc:sldLayoutMk cId="459548907" sldId="2147483683"/>
+          </pc:sldLayoutMkLst>
+        </pc:sldLayoutChg>
+      </pc:sldMasterChg>
+      <pc:sldMasterChg chg="add del addSldLayout delSldLayout modSldLayout">
+        <pc:chgData name="Eduardo Savian" userId="83fefb37af455394" providerId="Windows Live" clId="Web-{6808E06D-317C-48B5-80AB-C63B5B44D7D8}" dt="2024-04-28T21:41:19.260" v="2"/>
+        <pc:sldMasterMkLst>
           <pc:docMk/>
-          <pc:sldMk cId="1967995460" sldId="259"/>
-        </pc:sldMkLst>
-        <pc:spChg chg="mod ord">
-          <ac:chgData name="Eduardo Savian" userId="83fefb37af455394" providerId="Windows Live" clId="Web-{236A428B-EB3A-4EDA-8B94-5C42A3C67680}" dt="2024-05-08T01:13:54.042" v="2"/>
-          <ac:spMkLst>
-            <pc:docMk/>
-            <pc:sldMk cId="1967995460" sldId="259"/>
-            <ac:spMk id="2" creationId="{39887D89-22FC-622C-690A-E2571C8358CE}"/>
-          </ac:spMkLst>
-        </pc:spChg>
-        <pc:spChg chg="mod ord">
-          <ac:chgData name="Eduardo Savian" userId="83fefb37af455394" providerId="Windows Live" clId="Web-{236A428B-EB3A-4EDA-8B94-5C42A3C67680}" dt="2024-05-08T01:13:54.042" v="2"/>
-          <ac:spMkLst>
-            <pc:docMk/>
-            <pc:sldMk cId="1967995460" sldId="259"/>
-            <ac:spMk id="3" creationId="{D18A5516-B06F-36C5-F2E3-84103FADF1AC}"/>
-          </ac:spMkLst>
-        </pc:spChg>
-        <pc:spChg chg="mod ord">
-          <ac:chgData name="Eduardo Savian" userId="83fefb37af455394" providerId="Windows Live" clId="Web-{236A428B-EB3A-4EDA-8B94-5C42A3C67680}" dt="2024-05-08T01:13:54.042" v="2"/>
-          <ac:spMkLst>
-            <pc:docMk/>
-            <pc:sldMk cId="1967995460" sldId="259"/>
-            <ac:spMk id="4" creationId="{FBBE62BA-F7B8-8240-F43C-643DB196171D}"/>
-          </ac:spMkLst>
-        </pc:spChg>
-        <pc:spChg chg="mod ord">
-          <ac:chgData name="Eduardo Savian" userId="83fefb37af455394" providerId="Windows Live" clId="Web-{236A428B-EB3A-4EDA-8B94-5C42A3C67680}" dt="2024-05-08T01:13:54.042" v="2"/>
-          <ac:spMkLst>
-            <pc:docMk/>
-            <pc:sldMk cId="1967995460" sldId="259"/>
-            <ac:spMk id="5" creationId="{BB056759-BDF5-5450-E526-02C0EF64F525}"/>
-          </ac:spMkLst>
-        </pc:spChg>
-        <pc:spChg chg="mod ord">
-          <ac:chgData name="Eduardo Savian" userId="83fefb37af455394" providerId="Windows Live" clId="Web-{236A428B-EB3A-4EDA-8B94-5C42A3C67680}" dt="2024-05-08T01:13:54.042" v="2"/>
-          <ac:spMkLst>
-            <pc:docMk/>
-            <pc:sldMk cId="1967995460" sldId="259"/>
-            <ac:spMk id="6" creationId="{4CA22887-B5A5-3AD7-1BCD-A285BC742658}"/>
-          </ac:spMkLst>
-        </pc:spChg>
-      </pc:sldChg>
-      <pc:sldChg chg="modSp mod modClrScheme chgLayout">
-        <pc:chgData name="Eduardo Savian" userId="83fefb37af455394" providerId="Windows Live" clId="Web-{236A428B-EB3A-4EDA-8B94-5C42A3C67680}" dt="2024-05-08T01:13:54.042" v="2"/>
-        <pc:sldMkLst>
-          <pc:docMk/>
-          <pc:sldMk cId="2210678312" sldId="260"/>
-        </pc:sldMkLst>
-        <pc:spChg chg="mod ord">
-          <ac:chgData name="Eduardo Savian" userId="83fefb37af455394" providerId="Windows Live" clId="Web-{236A428B-EB3A-4EDA-8B94-5C42A3C67680}" dt="2024-05-08T01:13:54.042" v="2"/>
-          <ac:spMkLst>
-            <pc:docMk/>
-            <pc:sldMk cId="2210678312" sldId="260"/>
-            <ac:spMk id="2" creationId="{B1F35A36-4B8A-CC21-A7B3-D24FC5357485}"/>
-          </ac:spMkLst>
-        </pc:spChg>
-        <pc:spChg chg="mod ord">
-          <ac:chgData name="Eduardo Savian" userId="83fefb37af455394" providerId="Windows Live" clId="Web-{236A428B-EB3A-4EDA-8B94-5C42A3C67680}" dt="2024-05-08T01:13:54.042" v="2"/>
-          <ac:spMkLst>
-            <pc:docMk/>
-            <pc:sldMk cId="2210678312" sldId="260"/>
-            <ac:spMk id="4" creationId="{50137EE9-4887-8E0A-6349-CC3BFA083A91}"/>
-          </ac:spMkLst>
-        </pc:spChg>
-        <pc:spChg chg="mod ord">
-          <ac:chgData name="Eduardo Savian" userId="83fefb37af455394" providerId="Windows Live" clId="Web-{236A428B-EB3A-4EDA-8B94-5C42A3C67680}" dt="2024-05-08T01:13:54.042" v="2"/>
-          <ac:spMkLst>
-            <pc:docMk/>
-            <pc:sldMk cId="2210678312" sldId="260"/>
-            <ac:spMk id="5" creationId="{F359168D-AE6A-4BA1-7FED-DC37B5B538AC}"/>
-          </ac:spMkLst>
-        </pc:spChg>
-        <pc:spChg chg="mod ord">
-          <ac:chgData name="Eduardo Savian" userId="83fefb37af455394" providerId="Windows Live" clId="Web-{236A428B-EB3A-4EDA-8B94-5C42A3C67680}" dt="2024-05-08T01:13:54.042" v="2"/>
-          <ac:spMkLst>
-            <pc:docMk/>
-            <pc:sldMk cId="2210678312" sldId="260"/>
-            <ac:spMk id="6" creationId="{4880F13E-F76E-22C7-A8C6-39DB72471046}"/>
-          </ac:spMkLst>
-        </pc:spChg>
-      </pc:sldChg>
-      <pc:sldMasterChg chg="del delSldLayout">
-        <pc:chgData name="Eduardo Savian" userId="83fefb37af455394" providerId="Windows Live" clId="Web-{236A428B-EB3A-4EDA-8B94-5C42A3C67680}" dt="2024-05-08T01:13:49.792" v="1"/>
+          <pc:sldMasterMk cId="3576760201" sldId="2147483684"/>
+        </pc:sldMasterMkLst>
+        <pc:sldLayoutChg chg="add del mod replId">
+          <pc:chgData name="Eduardo Savian" userId="83fefb37af455394" providerId="Windows Live" clId="Web-{6808E06D-317C-48B5-80AB-C63B5B44D7D8}" dt="2024-04-28T21:41:19.260" v="2"/>
+          <pc:sldLayoutMkLst>
+            <pc:docMk/>
+            <pc:sldMasterMk cId="3576760201" sldId="2147483684"/>
+            <pc:sldLayoutMk cId="2216021014" sldId="2147483685"/>
+          </pc:sldLayoutMkLst>
+        </pc:sldLayoutChg>
+        <pc:sldLayoutChg chg="add del mod replId">
+          <pc:chgData name="Eduardo Savian" userId="83fefb37af455394" providerId="Windows Live" clId="Web-{6808E06D-317C-48B5-80AB-C63B5B44D7D8}" dt="2024-04-28T21:41:19.260" v="2"/>
+          <pc:sldLayoutMkLst>
+            <pc:docMk/>
+            <pc:sldMasterMk cId="3576760201" sldId="2147483684"/>
+            <pc:sldLayoutMk cId="3902083424" sldId="2147483686"/>
+          </pc:sldLayoutMkLst>
+        </pc:sldLayoutChg>
+        <pc:sldLayoutChg chg="add del mod replId">
+          <pc:chgData name="Eduardo Savian" userId="83fefb37af455394" providerId="Windows Live" clId="Web-{6808E06D-317C-48B5-80AB-C63B5B44D7D8}" dt="2024-04-28T21:41:19.260" v="2"/>
+          <pc:sldLayoutMkLst>
+            <pc:docMk/>
+            <pc:sldMasterMk cId="3576760201" sldId="2147483684"/>
+            <pc:sldLayoutMk cId="303830792" sldId="2147483687"/>
+          </pc:sldLayoutMkLst>
+        </pc:sldLayoutChg>
+        <pc:sldLayoutChg chg="add del mod replId">
+          <pc:chgData name="Eduardo Savian" userId="83fefb37af455394" providerId="Windows Live" clId="Web-{6808E06D-317C-48B5-80AB-C63B5B44D7D8}" dt="2024-04-28T21:41:19.260" v="2"/>
+          <pc:sldLayoutMkLst>
+            <pc:docMk/>
+            <pc:sldMasterMk cId="3576760201" sldId="2147483684"/>
+            <pc:sldLayoutMk cId="3294796599" sldId="2147483688"/>
+          </pc:sldLayoutMkLst>
+        </pc:sldLayoutChg>
+        <pc:sldLayoutChg chg="add del mod replId">
+          <pc:chgData name="Eduardo Savian" userId="83fefb37af455394" providerId="Windows Live" clId="Web-{6808E06D-317C-48B5-80AB-C63B5B44D7D8}" dt="2024-04-28T21:41:19.260" v="2"/>
+          <pc:sldLayoutMkLst>
+            <pc:docMk/>
+            <pc:sldMasterMk cId="3576760201" sldId="2147483684"/>
+            <pc:sldLayoutMk cId="2202936919" sldId="2147483689"/>
+          </pc:sldLayoutMkLst>
+        </pc:sldLayoutChg>
+        <pc:sldLayoutChg chg="add del mod replId">
+          <pc:chgData name="Eduardo Savian" userId="83fefb37af455394" providerId="Windows Live" clId="Web-{6808E06D-317C-48B5-80AB-C63B5B44D7D8}" dt="2024-04-28T21:41:19.260" v="2"/>
+          <pc:sldLayoutMkLst>
+            <pc:docMk/>
+            <pc:sldMasterMk cId="3576760201" sldId="2147483684"/>
+            <pc:sldLayoutMk cId="4008400113" sldId="2147483690"/>
+          </pc:sldLayoutMkLst>
+        </pc:sldLayoutChg>
+        <pc:sldLayoutChg chg="add del mod replId">
+          <pc:chgData name="Eduardo Savian" userId="83fefb37af455394" providerId="Windows Live" clId="Web-{6808E06D-317C-48B5-80AB-C63B5B44D7D8}" dt="2024-04-28T21:41:19.260" v="2"/>
+          <pc:sldLayoutMkLst>
+            <pc:docMk/>
+            <pc:sldMasterMk cId="3576760201" sldId="2147483684"/>
+            <pc:sldLayoutMk cId="2748376286" sldId="2147483691"/>
+          </pc:sldLayoutMkLst>
+        </pc:sldLayoutChg>
+        <pc:sldLayoutChg chg="add del mod replId">
+          <pc:chgData name="Eduardo Savian" userId="83fefb37af455394" providerId="Windows Live" clId="Web-{6808E06D-317C-48B5-80AB-C63B5B44D7D8}" dt="2024-04-28T21:41:19.260" v="2"/>
+          <pc:sldLayoutMkLst>
+            <pc:docMk/>
+            <pc:sldMasterMk cId="3576760201" sldId="2147483684"/>
+            <pc:sldLayoutMk cId="382359778" sldId="2147483692"/>
+          </pc:sldLayoutMkLst>
+        </pc:sldLayoutChg>
+        <pc:sldLayoutChg chg="add del mod replId">
+          <pc:chgData name="Eduardo Savian" userId="83fefb37af455394" providerId="Windows Live" clId="Web-{6808E06D-317C-48B5-80AB-C63B5B44D7D8}" dt="2024-04-28T21:41:19.260" v="2"/>
+          <pc:sldLayoutMkLst>
+            <pc:docMk/>
+            <pc:sldMasterMk cId="3576760201" sldId="2147483684"/>
+            <pc:sldLayoutMk cId="4040316331" sldId="2147483693"/>
+          </pc:sldLayoutMkLst>
+        </pc:sldLayoutChg>
+        <pc:sldLayoutChg chg="add del mod replId">
+          <pc:chgData name="Eduardo Savian" userId="83fefb37af455394" providerId="Windows Live" clId="Web-{6808E06D-317C-48B5-80AB-C63B5B44D7D8}" dt="2024-04-28T21:41:19.260" v="2"/>
+          <pc:sldLayoutMkLst>
+            <pc:docMk/>
+            <pc:sldMasterMk cId="3576760201" sldId="2147483684"/>
+            <pc:sldLayoutMk cId="509449739" sldId="2147483694"/>
+          </pc:sldLayoutMkLst>
+        </pc:sldLayoutChg>
+        <pc:sldLayoutChg chg="add del mod replId">
+          <pc:chgData name="Eduardo Savian" userId="83fefb37af455394" providerId="Windows Live" clId="Web-{6808E06D-317C-48B5-80AB-C63B5B44D7D8}" dt="2024-04-28T21:41:19.260" v="2"/>
+          <pc:sldLayoutMkLst>
+            <pc:docMk/>
+            <pc:sldMasterMk cId="3576760201" sldId="2147483684"/>
+            <pc:sldLayoutMk cId="623420917" sldId="2147483695"/>
+          </pc:sldLayoutMkLst>
+        </pc:sldLayoutChg>
+        <pc:sldLayoutChg chg="add del mod replId">
+          <pc:chgData name="Eduardo Savian" userId="83fefb37af455394" providerId="Windows Live" clId="Web-{6808E06D-317C-48B5-80AB-C63B5B44D7D8}" dt="2024-04-28T21:41:19.260" v="2"/>
+          <pc:sldLayoutMkLst>
+            <pc:docMk/>
+            <pc:sldMasterMk cId="3576760201" sldId="2147483684"/>
+            <pc:sldLayoutMk cId="2864147052" sldId="2147483696"/>
+          </pc:sldLayoutMkLst>
+        </pc:sldLayoutChg>
+        <pc:sldLayoutChg chg="add del mod replId">
+          <pc:chgData name="Eduardo Savian" userId="83fefb37af455394" providerId="Windows Live" clId="Web-{6808E06D-317C-48B5-80AB-C63B5B44D7D8}" dt="2024-04-28T21:41:19.260" v="2"/>
+          <pc:sldLayoutMkLst>
+            <pc:docMk/>
+            <pc:sldMasterMk cId="3576760201" sldId="2147483684"/>
+            <pc:sldLayoutMk cId="318747777" sldId="2147483697"/>
+          </pc:sldLayoutMkLst>
+        </pc:sldLayoutChg>
+        <pc:sldLayoutChg chg="add del mod replId">
+          <pc:chgData name="Eduardo Savian" userId="83fefb37af455394" providerId="Windows Live" clId="Web-{6808E06D-317C-48B5-80AB-C63B5B44D7D8}" dt="2024-04-28T21:41:19.260" v="2"/>
+          <pc:sldLayoutMkLst>
+            <pc:docMk/>
+            <pc:sldMasterMk cId="3576760201" sldId="2147483684"/>
+            <pc:sldLayoutMk cId="1646594572" sldId="2147483698"/>
+          </pc:sldLayoutMkLst>
+        </pc:sldLayoutChg>
+        <pc:sldLayoutChg chg="add del mod replId">
+          <pc:chgData name="Eduardo Savian" userId="83fefb37af455394" providerId="Windows Live" clId="Web-{6808E06D-317C-48B5-80AB-C63B5B44D7D8}" dt="2024-04-28T21:41:19.260" v="2"/>
+          <pc:sldLayoutMkLst>
+            <pc:docMk/>
+            <pc:sldMasterMk cId="3576760201" sldId="2147483684"/>
+            <pc:sldLayoutMk cId="2879648242" sldId="2147483699"/>
+          </pc:sldLayoutMkLst>
+        </pc:sldLayoutChg>
+        <pc:sldLayoutChg chg="add del mod replId">
+          <pc:chgData name="Eduardo Savian" userId="83fefb37af455394" providerId="Windows Live" clId="Web-{6808E06D-317C-48B5-80AB-C63B5B44D7D8}" dt="2024-04-28T21:41:19.260" v="2"/>
+          <pc:sldLayoutMkLst>
+            <pc:docMk/>
+            <pc:sldMasterMk cId="3576760201" sldId="2147483684"/>
+            <pc:sldLayoutMk cId="541596521" sldId="2147483700"/>
+          </pc:sldLayoutMkLst>
+        </pc:sldLayoutChg>
+        <pc:sldLayoutChg chg="add del mod replId">
+          <pc:chgData name="Eduardo Savian" userId="83fefb37af455394" providerId="Windows Live" clId="Web-{6808E06D-317C-48B5-80AB-C63B5B44D7D8}" dt="2024-04-28T21:41:19.260" v="2"/>
+          <pc:sldLayoutMkLst>
+            <pc:docMk/>
+            <pc:sldMasterMk cId="3576760201" sldId="2147483684"/>
+            <pc:sldLayoutMk cId="388203491" sldId="2147483701"/>
+          </pc:sldLayoutMkLst>
+        </pc:sldLayoutChg>
+      </pc:sldMasterChg>
+      <pc:sldMasterChg chg="add addSldLayout modSldLayout">
+        <pc:chgData name="Eduardo Savian" userId="83fefb37af455394" providerId="Windows Live" clId="Web-{6808E06D-317C-48B5-80AB-C63B5B44D7D8}" dt="2024-04-28T21:41:19.260" v="2"/>
         <pc:sldMasterMkLst>
           <pc:docMk/>
           <pc:sldMasterMk cId="380110844" sldId="2147483702"/>
         </pc:sldMasterMkLst>
-        <pc:sldLayoutChg chg="del">
-          <pc:chgData name="Eduardo Savian" userId="83fefb37af455394" providerId="Windows Live" clId="Web-{236A428B-EB3A-4EDA-8B94-5C42A3C67680}" dt="2024-05-08T01:13:49.792" v="1"/>
+        <pc:sldLayoutChg chg="add mod replId">
+          <pc:chgData name="Eduardo Savian" userId="83fefb37af455394" providerId="Windows Live" clId="Web-{6808E06D-317C-48B5-80AB-C63B5B44D7D8}" dt="2024-04-28T21:41:19.260" v="2"/>
           <pc:sldLayoutMkLst>
             <pc:docMk/>
             <pc:sldMasterMk cId="380110844" sldId="2147483702"/>
             <pc:sldLayoutMk cId="2993827588" sldId="2147483703"/>
           </pc:sldLayoutMkLst>
         </pc:sldLayoutChg>
-        <pc:sldLayoutChg chg="del">
-          <pc:chgData name="Eduardo Savian" userId="83fefb37af455394" providerId="Windows Live" clId="Web-{236A428B-EB3A-4EDA-8B94-5C42A3C67680}" dt="2024-05-08T01:13:49.792" v="1"/>
+        <pc:sldLayoutChg chg="add mod replId">
+          <pc:chgData name="Eduardo Savian" userId="83fefb37af455394" providerId="Windows Live" clId="Web-{6808E06D-317C-48B5-80AB-C63B5B44D7D8}" dt="2024-04-28T21:41:19.260" v="2"/>
           <pc:sldLayoutMkLst>
             <pc:docMk/>
             <pc:sldMasterMk cId="380110844" sldId="2147483702"/>
             <pc:sldLayoutMk cId="2457156884" sldId="2147483704"/>
           </pc:sldLayoutMkLst>
         </pc:sldLayoutChg>
-        <pc:sldLayoutChg chg="del">
-          <pc:chgData name="Eduardo Savian" userId="83fefb37af455394" providerId="Windows Live" clId="Web-{236A428B-EB3A-4EDA-8B94-5C42A3C67680}" dt="2024-05-08T01:13:49.792" v="1"/>
+        <pc:sldLayoutChg chg="add mod replId">
+          <pc:chgData name="Eduardo Savian" userId="83fefb37af455394" providerId="Windows Live" clId="Web-{6808E06D-317C-48B5-80AB-C63B5B44D7D8}" dt="2024-04-28T21:41:19.260" v="2"/>
           <pc:sldLayoutMkLst>
             <pc:docMk/>
             <pc:sldMasterMk cId="380110844" sldId="2147483702"/>
             <pc:sldLayoutMk cId="2260547415" sldId="2147483705"/>
           </pc:sldLayoutMkLst>
         </pc:sldLayoutChg>
-        <pc:sldLayoutChg chg="del">
-          <pc:chgData name="Eduardo Savian" userId="83fefb37af455394" providerId="Windows Live" clId="Web-{236A428B-EB3A-4EDA-8B94-5C42A3C67680}" dt="2024-05-08T01:13:49.792" v="1"/>
+        <pc:sldLayoutChg chg="add mod replId">
+          <pc:chgData name="Eduardo Savian" userId="83fefb37af455394" providerId="Windows Live" clId="Web-{6808E06D-317C-48B5-80AB-C63B5B44D7D8}" dt="2024-04-28T21:41:19.260" v="2"/>
           <pc:sldLayoutMkLst>
             <pc:docMk/>
             <pc:sldMasterMk cId="380110844" sldId="2147483702"/>
             <pc:sldLayoutMk cId="51149255" sldId="2147483706"/>
           </pc:sldLayoutMkLst>
         </pc:sldLayoutChg>
-        <pc:sldLayoutChg chg="del">
-          <pc:chgData name="Eduardo Savian" userId="83fefb37af455394" providerId="Windows Live" clId="Web-{236A428B-EB3A-4EDA-8B94-5C42A3C67680}" dt="2024-05-08T01:13:49.792" v="1"/>
+        <pc:sldLayoutChg chg="add mod replId">
+          <pc:chgData name="Eduardo Savian" userId="83fefb37af455394" providerId="Windows Live" clId="Web-{6808E06D-317C-48B5-80AB-C63B5B44D7D8}" dt="2024-04-28T21:41:19.260" v="2"/>
           <pc:sldLayoutMkLst>
             <pc:docMk/>
             <pc:sldMasterMk cId="380110844" sldId="2147483702"/>
             <pc:sldLayoutMk cId="3095146221" sldId="2147483707"/>
           </pc:sldLayoutMkLst>
         </pc:sldLayoutChg>
-        <pc:sldLayoutChg chg="del">
-          <pc:chgData name="Eduardo Savian" userId="83fefb37af455394" providerId="Windows Live" clId="Web-{236A428B-EB3A-4EDA-8B94-5C42A3C67680}" dt="2024-05-08T01:13:49.792" v="1"/>
+        <pc:sldLayoutChg chg="add mod replId">
+          <pc:chgData name="Eduardo Savian" userId="83fefb37af455394" providerId="Windows Live" clId="Web-{6808E06D-317C-48B5-80AB-C63B5B44D7D8}" dt="2024-04-28T21:41:19.260" v="2"/>
           <pc:sldLayoutMkLst>
             <pc:docMk/>
             <pc:sldMasterMk cId="380110844" sldId="2147483702"/>
             <pc:sldLayoutMk cId="3266165134" sldId="2147483708"/>
           </pc:sldLayoutMkLst>
         </pc:sldLayoutChg>
-        <pc:sldLayoutChg chg="del">
-          <pc:chgData name="Eduardo Savian" userId="83fefb37af455394" providerId="Windows Live" clId="Web-{236A428B-EB3A-4EDA-8B94-5C42A3C67680}" dt="2024-05-08T01:13:49.792" v="1"/>
+        <pc:sldLayoutChg chg="add mod replId">
+          <pc:chgData name="Eduardo Savian" userId="83fefb37af455394" providerId="Windows Live" clId="Web-{6808E06D-317C-48B5-80AB-C63B5B44D7D8}" dt="2024-04-28T21:41:19.260" v="2"/>
           <pc:sldLayoutMkLst>
             <pc:docMk/>
             <pc:sldMasterMk cId="380110844" sldId="2147483702"/>
             <pc:sldLayoutMk cId="3757151552" sldId="2147483709"/>
           </pc:sldLayoutMkLst>
         </pc:sldLayoutChg>
-        <pc:sldLayoutChg chg="del">
-          <pc:chgData name="Eduardo Savian" userId="83fefb37af455394" providerId="Windows Live" clId="Web-{236A428B-EB3A-4EDA-8B94-5C42A3C67680}" dt="2024-05-08T01:13:49.792" v="1"/>
+        <pc:sldLayoutChg chg="add mod replId">
+          <pc:chgData name="Eduardo Savian" userId="83fefb37af455394" providerId="Windows Live" clId="Web-{6808E06D-317C-48B5-80AB-C63B5B44D7D8}" dt="2024-04-28T21:41:19.260" v="2"/>
           <pc:sldLayoutMkLst>
             <pc:docMk/>
             <pc:sldMasterMk cId="380110844" sldId="2147483702"/>
             <pc:sldLayoutMk cId="2400739392" sldId="2147483710"/>
           </pc:sldLayoutMkLst>
         </pc:sldLayoutChg>
-        <pc:sldLayoutChg chg="del">
-          <pc:chgData name="Eduardo Savian" userId="83fefb37af455394" providerId="Windows Live" clId="Web-{236A428B-EB3A-4EDA-8B94-5C42A3C67680}" dt="2024-05-08T01:13:49.792" v="1"/>
+        <pc:sldLayoutChg chg="add mod replId">
+          <pc:chgData name="Eduardo Savian" userId="83fefb37af455394" providerId="Windows Live" clId="Web-{6808E06D-317C-48B5-80AB-C63B5B44D7D8}" dt="2024-04-28T21:41:19.260" v="2"/>
           <pc:sldLayoutMkLst>
             <pc:docMk/>
             <pc:sldMasterMk cId="380110844" sldId="2147483702"/>
             <pc:sldLayoutMk cId="1672042868" sldId="2147483711"/>
           </pc:sldLayoutMkLst>
         </pc:sldLayoutChg>
-        <pc:sldLayoutChg chg="del">
-          <pc:chgData name="Eduardo Savian" userId="83fefb37af455394" providerId="Windows Live" clId="Web-{236A428B-EB3A-4EDA-8B94-5C42A3C67680}" dt="2024-05-08T01:13:49.792" v="1"/>
+        <pc:sldLayoutChg chg="add mod replId">
+          <pc:chgData name="Eduardo Savian" userId="83fefb37af455394" providerId="Windows Live" clId="Web-{6808E06D-317C-48B5-80AB-C63B5B44D7D8}" dt="2024-04-28T21:41:19.260" v="2"/>
           <pc:sldLayoutMkLst>
             <pc:docMk/>
             <pc:sldMasterMk cId="380110844" sldId="2147483702"/>
             <pc:sldLayoutMk cId="3551866296" sldId="2147483712"/>
           </pc:sldLayoutMkLst>
         </pc:sldLayoutChg>
-        <pc:sldLayoutChg chg="del">
-          <pc:chgData name="Eduardo Savian" userId="83fefb37af455394" providerId="Windows Live" clId="Web-{236A428B-EB3A-4EDA-8B94-5C42A3C67680}" dt="2024-05-08T01:13:49.792" v="1"/>
+        <pc:sldLayoutChg chg="add mod replId">
+          <pc:chgData name="Eduardo Savian" userId="83fefb37af455394" providerId="Windows Live" clId="Web-{6808E06D-317C-48B5-80AB-C63B5B44D7D8}" dt="2024-04-28T21:41:19.260" v="2"/>
           <pc:sldLayoutMkLst>
             <pc:docMk/>
             <pc:sldMasterMk cId="380110844" sldId="2147483702"/>
             <pc:sldLayoutMk cId="3957431958" sldId="2147483713"/>
-          </pc:sldLayoutMkLst>
-        </pc:sldLayoutChg>
-      </pc:sldMasterChg>
-      <pc:sldMasterChg chg="add del addSldLayout delSldLayout modSldLayout">
-        <pc:chgData name="Eduardo Savian" userId="83fefb37af455394" providerId="Windows Live" clId="Web-{236A428B-EB3A-4EDA-8B94-5C42A3C67680}" dt="2024-05-08T01:13:54.042" v="2"/>
-        <pc:sldMasterMkLst>
-          <pc:docMk/>
-          <pc:sldMasterMk cId="645011375" sldId="2147483714"/>
-        </pc:sldMasterMkLst>
-        <pc:sldLayoutChg chg="add del mod replId">
-          <pc:chgData name="Eduardo Savian" userId="83fefb37af455394" providerId="Windows Live" clId="Web-{236A428B-EB3A-4EDA-8B94-5C42A3C67680}" dt="2024-05-08T01:13:54.042" v="2"/>
-          <pc:sldLayoutMkLst>
-            <pc:docMk/>
-            <pc:sldMasterMk cId="645011375" sldId="2147483714"/>
-            <pc:sldLayoutMk cId="3543416935" sldId="2147483715"/>
-          </pc:sldLayoutMkLst>
-        </pc:sldLayoutChg>
-        <pc:sldLayoutChg chg="add del mod replId">
-          <pc:chgData name="Eduardo Savian" userId="83fefb37af455394" providerId="Windows Live" clId="Web-{236A428B-EB3A-4EDA-8B94-5C42A3C67680}" dt="2024-05-08T01:13:54.042" v="2"/>
-          <pc:sldLayoutMkLst>
-            <pc:docMk/>
-            <pc:sldMasterMk cId="645011375" sldId="2147483714"/>
-            <pc:sldLayoutMk cId="4178920073" sldId="2147483716"/>
-          </pc:sldLayoutMkLst>
-        </pc:sldLayoutChg>
-        <pc:sldLayoutChg chg="add del mod replId">
-          <pc:chgData name="Eduardo Savian" userId="83fefb37af455394" providerId="Windows Live" clId="Web-{236A428B-EB3A-4EDA-8B94-5C42A3C67680}" dt="2024-05-08T01:13:54.042" v="2"/>
-          <pc:sldLayoutMkLst>
-            <pc:docMk/>
-            <pc:sldMasterMk cId="645011375" sldId="2147483714"/>
-            <pc:sldLayoutMk cId="2575441499" sldId="2147483717"/>
-          </pc:sldLayoutMkLst>
-        </pc:sldLayoutChg>
-        <pc:sldLayoutChg chg="add del mod replId">
-          <pc:chgData name="Eduardo Savian" userId="83fefb37af455394" providerId="Windows Live" clId="Web-{236A428B-EB3A-4EDA-8B94-5C42A3C67680}" dt="2024-05-08T01:13:54.042" v="2"/>
-          <pc:sldLayoutMkLst>
-            <pc:docMk/>
-            <pc:sldMasterMk cId="645011375" sldId="2147483714"/>
-            <pc:sldLayoutMk cId="1070394006" sldId="2147483718"/>
-          </pc:sldLayoutMkLst>
-        </pc:sldLayoutChg>
-        <pc:sldLayoutChg chg="add del mod replId">
-          <pc:chgData name="Eduardo Savian" userId="83fefb37af455394" providerId="Windows Live" clId="Web-{236A428B-EB3A-4EDA-8B94-5C42A3C67680}" dt="2024-05-08T01:13:54.042" v="2"/>
-          <pc:sldLayoutMkLst>
-            <pc:docMk/>
-            <pc:sldMasterMk cId="645011375" sldId="2147483714"/>
-            <pc:sldLayoutMk cId="1428766048" sldId="2147483719"/>
-          </pc:sldLayoutMkLst>
-        </pc:sldLayoutChg>
-        <pc:sldLayoutChg chg="add del mod replId">
-          <pc:chgData name="Eduardo Savian" userId="83fefb37af455394" providerId="Windows Live" clId="Web-{236A428B-EB3A-4EDA-8B94-5C42A3C67680}" dt="2024-05-08T01:13:54.042" v="2"/>
-          <pc:sldLayoutMkLst>
-            <pc:docMk/>
-            <pc:sldMasterMk cId="645011375" sldId="2147483714"/>
-            <pc:sldLayoutMk cId="520660179" sldId="2147483720"/>
-          </pc:sldLayoutMkLst>
-        </pc:sldLayoutChg>
-        <pc:sldLayoutChg chg="add del mod replId">
-          <pc:chgData name="Eduardo Savian" userId="83fefb37af455394" providerId="Windows Live" clId="Web-{236A428B-EB3A-4EDA-8B94-5C42A3C67680}" dt="2024-05-08T01:13:54.042" v="2"/>
-          <pc:sldLayoutMkLst>
-            <pc:docMk/>
-            <pc:sldMasterMk cId="645011375" sldId="2147483714"/>
-            <pc:sldLayoutMk cId="1367664888" sldId="2147483721"/>
-          </pc:sldLayoutMkLst>
-        </pc:sldLayoutChg>
-        <pc:sldLayoutChg chg="add del mod replId">
-          <pc:chgData name="Eduardo Savian" userId="83fefb37af455394" providerId="Windows Live" clId="Web-{236A428B-EB3A-4EDA-8B94-5C42A3C67680}" dt="2024-05-08T01:13:54.042" v="2"/>
-          <pc:sldLayoutMkLst>
-            <pc:docMk/>
-            <pc:sldMasterMk cId="645011375" sldId="2147483714"/>
-            <pc:sldLayoutMk cId="3959125597" sldId="2147483722"/>
-          </pc:sldLayoutMkLst>
-        </pc:sldLayoutChg>
-        <pc:sldLayoutChg chg="add del mod replId">
-          <pc:chgData name="Eduardo Savian" userId="83fefb37af455394" providerId="Windows Live" clId="Web-{236A428B-EB3A-4EDA-8B94-5C42A3C67680}" dt="2024-05-08T01:13:54.042" v="2"/>
-          <pc:sldLayoutMkLst>
-            <pc:docMk/>
-            <pc:sldMasterMk cId="645011375" sldId="2147483714"/>
-            <pc:sldLayoutMk cId="3000397119" sldId="2147483723"/>
-          </pc:sldLayoutMkLst>
-        </pc:sldLayoutChg>
-        <pc:sldLayoutChg chg="add del mod replId">
-          <pc:chgData name="Eduardo Savian" userId="83fefb37af455394" providerId="Windows Live" clId="Web-{236A428B-EB3A-4EDA-8B94-5C42A3C67680}" dt="2024-05-08T01:13:54.042" v="2"/>
-          <pc:sldLayoutMkLst>
-            <pc:docMk/>
-            <pc:sldMasterMk cId="645011375" sldId="2147483714"/>
-            <pc:sldLayoutMk cId="539627506" sldId="2147483724"/>
-          </pc:sldLayoutMkLst>
-        </pc:sldLayoutChg>
-        <pc:sldLayoutChg chg="add del mod replId">
-          <pc:chgData name="Eduardo Savian" userId="83fefb37af455394" providerId="Windows Live" clId="Web-{236A428B-EB3A-4EDA-8B94-5C42A3C67680}" dt="2024-05-08T01:13:54.042" v="2"/>
-          <pc:sldLayoutMkLst>
-            <pc:docMk/>
-            <pc:sldMasterMk cId="645011375" sldId="2147483714"/>
-            <pc:sldLayoutMk cId="1386191390" sldId="2147483725"/>
-          </pc:sldLayoutMkLst>
-        </pc:sldLayoutChg>
-      </pc:sldMasterChg>
-      <pc:sldMasterChg chg="add addSldLayout modSldLayout">
-        <pc:chgData name="Eduardo Savian" userId="83fefb37af455394" providerId="Windows Live" clId="Web-{236A428B-EB3A-4EDA-8B94-5C42A3C67680}" dt="2024-05-08T01:13:54.042" v="2"/>
-        <pc:sldMasterMkLst>
-          <pc:docMk/>
-          <pc:sldMasterMk cId="4053071425" sldId="2147483726"/>
-        </pc:sldMasterMkLst>
-        <pc:sldLayoutChg chg="add mod replId">
-          <pc:chgData name="Eduardo Savian" userId="83fefb37af455394" providerId="Windows Live" clId="Web-{236A428B-EB3A-4EDA-8B94-5C42A3C67680}" dt="2024-05-08T01:13:54.042" v="2"/>
-          <pc:sldLayoutMkLst>
-            <pc:docMk/>
-            <pc:sldMasterMk cId="4053071425" sldId="2147483726"/>
-            <pc:sldLayoutMk cId="3405480151" sldId="2147483727"/>
-          </pc:sldLayoutMkLst>
-        </pc:sldLayoutChg>
-        <pc:sldLayoutChg chg="add mod replId">
-          <pc:chgData name="Eduardo Savian" userId="83fefb37af455394" providerId="Windows Live" clId="Web-{236A428B-EB3A-4EDA-8B94-5C42A3C67680}" dt="2024-05-08T01:13:54.042" v="2"/>
-          <pc:sldLayoutMkLst>
-            <pc:docMk/>
-            <pc:sldMasterMk cId="4053071425" sldId="2147483726"/>
-            <pc:sldLayoutMk cId="1815732919" sldId="2147483728"/>
-          </pc:sldLayoutMkLst>
-        </pc:sldLayoutChg>
-        <pc:sldLayoutChg chg="add mod replId">
-          <pc:chgData name="Eduardo Savian" userId="83fefb37af455394" providerId="Windows Live" clId="Web-{236A428B-EB3A-4EDA-8B94-5C42A3C67680}" dt="2024-05-08T01:13:54.042" v="2"/>
-          <pc:sldLayoutMkLst>
-            <pc:docMk/>
-            <pc:sldMasterMk cId="4053071425" sldId="2147483726"/>
-            <pc:sldLayoutMk cId="3855284416" sldId="2147483729"/>
-          </pc:sldLayoutMkLst>
-        </pc:sldLayoutChg>
-        <pc:sldLayoutChg chg="add mod replId">
-          <pc:chgData name="Eduardo Savian" userId="83fefb37af455394" providerId="Windows Live" clId="Web-{236A428B-EB3A-4EDA-8B94-5C42A3C67680}" dt="2024-05-08T01:13:54.042" v="2"/>
-          <pc:sldLayoutMkLst>
-            <pc:docMk/>
-            <pc:sldMasterMk cId="4053071425" sldId="2147483726"/>
-            <pc:sldLayoutMk cId="369291616" sldId="2147483730"/>
-          </pc:sldLayoutMkLst>
-        </pc:sldLayoutChg>
-        <pc:sldLayoutChg chg="add mod replId">
-          <pc:chgData name="Eduardo Savian" userId="83fefb37af455394" providerId="Windows Live" clId="Web-{236A428B-EB3A-4EDA-8B94-5C42A3C67680}" dt="2024-05-08T01:13:54.042" v="2"/>
-          <pc:sldLayoutMkLst>
-            <pc:docMk/>
-            <pc:sldMasterMk cId="4053071425" sldId="2147483726"/>
-            <pc:sldLayoutMk cId="367543662" sldId="2147483731"/>
-          </pc:sldLayoutMkLst>
-        </pc:sldLayoutChg>
-        <pc:sldLayoutChg chg="add mod replId">
-          <pc:chgData name="Eduardo Savian" userId="83fefb37af455394" providerId="Windows Live" clId="Web-{236A428B-EB3A-4EDA-8B94-5C42A3C67680}" dt="2024-05-08T01:13:54.042" v="2"/>
-          <pc:sldLayoutMkLst>
-            <pc:docMk/>
-            <pc:sldMasterMk cId="4053071425" sldId="2147483726"/>
-            <pc:sldLayoutMk cId="1653701556" sldId="2147483732"/>
-          </pc:sldLayoutMkLst>
-        </pc:sldLayoutChg>
-        <pc:sldLayoutChg chg="add mod replId">
-          <pc:chgData name="Eduardo Savian" userId="83fefb37af455394" providerId="Windows Live" clId="Web-{236A428B-EB3A-4EDA-8B94-5C42A3C67680}" dt="2024-05-08T01:13:54.042" v="2"/>
-          <pc:sldLayoutMkLst>
-            <pc:docMk/>
-            <pc:sldMasterMk cId="4053071425" sldId="2147483726"/>
-            <pc:sldLayoutMk cId="834732239" sldId="2147483733"/>
-          </pc:sldLayoutMkLst>
-        </pc:sldLayoutChg>
-        <pc:sldLayoutChg chg="add mod replId">
-          <pc:chgData name="Eduardo Savian" userId="83fefb37af455394" providerId="Windows Live" clId="Web-{236A428B-EB3A-4EDA-8B94-5C42A3C67680}" dt="2024-05-08T01:13:54.042" v="2"/>
-          <pc:sldLayoutMkLst>
-            <pc:docMk/>
-            <pc:sldMasterMk cId="4053071425" sldId="2147483726"/>
-            <pc:sldLayoutMk cId="4185700777" sldId="2147483734"/>
-          </pc:sldLayoutMkLst>
-        </pc:sldLayoutChg>
-        <pc:sldLayoutChg chg="add mod replId">
-          <pc:chgData name="Eduardo Savian" userId="83fefb37af455394" providerId="Windows Live" clId="Web-{236A428B-EB3A-4EDA-8B94-5C42A3C67680}" dt="2024-05-08T01:13:54.042" v="2"/>
-          <pc:sldLayoutMkLst>
-            <pc:docMk/>
-            <pc:sldMasterMk cId="4053071425" sldId="2147483726"/>
-            <pc:sldLayoutMk cId="3644836093" sldId="2147483735"/>
-          </pc:sldLayoutMkLst>
-        </pc:sldLayoutChg>
-        <pc:sldLayoutChg chg="add mod replId">
-          <pc:chgData name="Eduardo Savian" userId="83fefb37af455394" providerId="Windows Live" clId="Web-{236A428B-EB3A-4EDA-8B94-5C42A3C67680}" dt="2024-05-08T01:13:54.042" v="2"/>
-          <pc:sldLayoutMkLst>
-            <pc:docMk/>
-            <pc:sldMasterMk cId="4053071425" sldId="2147483726"/>
-            <pc:sldLayoutMk cId="2852958450" sldId="2147483736"/>
-          </pc:sldLayoutMkLst>
-        </pc:sldLayoutChg>
-        <pc:sldLayoutChg chg="add mod replId">
-          <pc:chgData name="Eduardo Savian" userId="83fefb37af455394" providerId="Windows Live" clId="Web-{236A428B-EB3A-4EDA-8B94-5C42A3C67680}" dt="2024-05-08T01:13:54.042" v="2"/>
-          <pc:sldLayoutMkLst>
-            <pc:docMk/>
-            <pc:sldMasterMk cId="4053071425" sldId="2147483726"/>
-            <pc:sldLayoutMk cId="3921917631" sldId="2147483737"/>
           </pc:sldLayoutMkLst>
         </pc:sldLayoutChg>
       </pc:sldMasterChg>
@@ -1330,7 +1949,7 @@
           <a:p>
             <a:fld id="{12575099-B3AD-44D7-919B-BCB6DC3E7F21}" type="datetimeFigureOut">
               <a:rPr lang="en-US" dirty="0"/>
-              <a:t>5/7/2024</a:t>
+              <a:t>5/8/2024</a:t>
             </a:fld>
             <a:endParaRPr lang="en-US" dirty="0"/>
           </a:p>
@@ -1388,7 +2007,7 @@
           <a:p>
             <a:fld id="{E30AF5A0-43BB-4336-8627-9123B9144D80}" type="slidenum">
               <a:rPr lang="en-US" dirty="0"/>
-              <a:t>‹#›</a:t>
+              <a:t>‹nº›</a:t>
             </a:fld>
             <a:endParaRPr lang="en-US" dirty="0"/>
           </a:p>
@@ -1537,7 +2156,7 @@
           <a:p>
             <a:fld id="{F18115DA-6CBC-4AEF-A85F-371C66916CF8}" type="datetimeFigureOut">
               <a:rPr lang="en-US" dirty="0"/>
-              <a:t>5/7/2024</a:t>
+              <a:t>5/8/2024</a:t>
             </a:fld>
             <a:endParaRPr lang="en-US" dirty="0"/>
           </a:p>
@@ -1595,7 +2214,7 @@
           <a:p>
             <a:fld id="{E30AF5A0-43BB-4336-8627-9123B9144D80}" type="slidenum">
               <a:rPr lang="en-US" dirty="0"/>
-              <a:t>‹#›</a:t>
+              <a:t>‹nº›</a:t>
             </a:fld>
             <a:endParaRPr lang="en-US" dirty="0"/>
           </a:p>
@@ -1754,7 +2373,7 @@
           <a:p>
             <a:fld id="{2A6007E4-95E8-4ABC-B20B-51235318A487}" type="datetimeFigureOut">
               <a:rPr lang="en-US" dirty="0"/>
-              <a:t>5/7/2024</a:t>
+              <a:t>5/8/2024</a:t>
             </a:fld>
             <a:endParaRPr lang="en-US" dirty="0"/>
           </a:p>
@@ -1812,7 +2431,7 @@
           <a:p>
             <a:fld id="{E30AF5A0-43BB-4336-8627-9123B9144D80}" type="slidenum">
               <a:rPr lang="en-US" dirty="0"/>
-              <a:t>‹#›</a:t>
+              <a:t>‹nº›</a:t>
             </a:fld>
             <a:endParaRPr lang="en-US" dirty="0"/>
           </a:p>
@@ -1961,7 +2580,7 @@
           <a:p>
             <a:fld id="{2A4BF121-2723-4D35-ADA9-215CD054C4BC}" type="datetimeFigureOut">
               <a:rPr lang="en-US" dirty="0"/>
-              <a:t>5/7/2024</a:t>
+              <a:t>5/8/2024</a:t>
             </a:fld>
             <a:endParaRPr lang="en-US" dirty="0"/>
           </a:p>
@@ -2019,7 +2638,7 @@
           <a:p>
             <a:fld id="{E30AF5A0-43BB-4336-8627-9123B9144D80}" type="slidenum">
               <a:rPr lang="en-US" dirty="0"/>
-              <a:t>‹#›</a:t>
+              <a:t>‹nº›</a:t>
             </a:fld>
             <a:endParaRPr lang="en-US" dirty="0"/>
           </a:p>
@@ -2245,7 +2864,7 @@
           <a:p>
             <a:fld id="{C54F54BA-4BC6-480F-839C-951A49B248A9}" type="datetimeFigureOut">
               <a:rPr lang="en-US" dirty="0"/>
-              <a:t>5/7/2024</a:t>
+              <a:t>5/8/2024</a:t>
             </a:fld>
             <a:endParaRPr lang="en-US" dirty="0"/>
           </a:p>
@@ -2303,7 +2922,7 @@
           <a:p>
             <a:fld id="{E30AF5A0-43BB-4336-8627-9123B9144D80}" type="slidenum">
               <a:rPr lang="en-US" dirty="0"/>
-              <a:t>‹#›</a:t>
+              <a:t>‹nº›</a:t>
             </a:fld>
             <a:endParaRPr lang="en-US" dirty="0"/>
           </a:p>
@@ -2524,7 +3143,7 @@
           <a:p>
             <a:fld id="{0F9DD0EA-4726-4440-BF9D-E88296FC3068}" type="datetimeFigureOut">
               <a:rPr lang="en-US" dirty="0"/>
-              <a:t>5/7/2024</a:t>
+              <a:t>5/8/2024</a:t>
             </a:fld>
             <a:endParaRPr lang="en-US" dirty="0"/>
           </a:p>
@@ -2582,7 +3201,7 @@
           <a:p>
             <a:fld id="{E30AF5A0-43BB-4336-8627-9123B9144D80}" type="slidenum">
               <a:rPr lang="en-US" dirty="0"/>
-              <a:t>‹#›</a:t>
+              <a:t>‹nº›</a:t>
             </a:fld>
             <a:endParaRPr lang="en-US" dirty="0"/>
           </a:p>
@@ -2953,7 +3572,7 @@
           <a:p>
             <a:fld id="{19CAD10D-99D1-46B2-A85A-C16850FCF8CF}" type="datetimeFigureOut">
               <a:rPr lang="en-US" dirty="0"/>
-              <a:t>5/7/2024</a:t>
+              <a:t>5/8/2024</a:t>
             </a:fld>
             <a:endParaRPr lang="en-US" dirty="0"/>
           </a:p>
@@ -3011,7 +3630,7 @@
           <a:p>
             <a:fld id="{E30AF5A0-43BB-4336-8627-9123B9144D80}" type="slidenum">
               <a:rPr lang="en-US" dirty="0"/>
-              <a:t>‹#›</a:t>
+              <a:t>‹nº›</a:t>
             </a:fld>
             <a:endParaRPr lang="en-US" dirty="0"/>
           </a:p>
@@ -3098,7 +3717,7 @@
           <a:p>
             <a:fld id="{48C67E51-34D6-4E3D-8F41-CC63EA446EDD}" type="datetimeFigureOut">
               <a:rPr lang="en-US" dirty="0"/>
-              <a:t>5/7/2024</a:t>
+              <a:t>5/8/2024</a:t>
             </a:fld>
             <a:endParaRPr lang="en-US" dirty="0"/>
           </a:p>
@@ -3156,7 +3775,7 @@
           <a:p>
             <a:fld id="{E30AF5A0-43BB-4336-8627-9123B9144D80}" type="slidenum">
               <a:rPr lang="en-US" dirty="0"/>
-              <a:t>‹#›</a:t>
+              <a:t>‹nº›</a:t>
             </a:fld>
             <a:endParaRPr lang="en-US" dirty="0"/>
           </a:p>
@@ -3215,7 +3834,7 @@
           <a:p>
             <a:fld id="{8D49E550-CE3F-497F-B953-7DE0932F91C0}" type="datetimeFigureOut">
               <a:rPr lang="en-US" dirty="0"/>
-              <a:t>5/7/2024</a:t>
+              <a:t>5/8/2024</a:t>
             </a:fld>
             <a:endParaRPr lang="en-US" dirty="0"/>
           </a:p>
@@ -3273,7 +3892,7 @@
           <a:p>
             <a:fld id="{E30AF5A0-43BB-4336-8627-9123B9144D80}" type="slidenum">
               <a:rPr lang="en-US" dirty="0"/>
-              <a:t>‹#›</a:t>
+              <a:t>‹nº›</a:t>
             </a:fld>
             <a:endParaRPr lang="en-US" dirty="0"/>
           </a:p>
@@ -3530,7 +4149,7 @@
           <a:p>
             <a:fld id="{217A0BF4-BAA0-4539-95F2-9C4277F97478}" type="datetimeFigureOut">
               <a:rPr lang="en-US" dirty="0"/>
-              <a:t>5/7/2024</a:t>
+              <a:t>5/8/2024</a:t>
             </a:fld>
             <a:endParaRPr lang="en-US" dirty="0"/>
           </a:p>
@@ -3588,7 +4207,7 @@
           <a:p>
             <a:fld id="{E30AF5A0-43BB-4336-8627-9123B9144D80}" type="slidenum">
               <a:rPr lang="en-US" dirty="0"/>
-              <a:t>‹#›</a:t>
+              <a:t>‹nº›</a:t>
             </a:fld>
             <a:endParaRPr lang="en-US" dirty="0"/>
           </a:p>
@@ -3827,7 +4446,7 @@
           <a:p>
             <a:fld id="{52E9884E-D945-496C-84BE-49C61F78F9EC}" type="datetimeFigureOut">
               <a:rPr lang="en-US" dirty="0"/>
-              <a:t>5/7/2024</a:t>
+              <a:t>5/8/2024</a:t>
             </a:fld>
             <a:endParaRPr lang="en-US" dirty="0"/>
           </a:p>
@@ -3885,7 +4504,7 @@
           <a:p>
             <a:fld id="{E30AF5A0-43BB-4336-8627-9123B9144D80}" type="slidenum">
               <a:rPr lang="en-US" dirty="0"/>
-              <a:t>‹#›</a:t>
+              <a:t>‹nº›</a:t>
             </a:fld>
             <a:endParaRPr lang="en-US" dirty="0"/>
           </a:p>
@@ -4076,7 +4695,7 @@
           <a:p>
             <a:fld id="{CD438618-DEE5-47CF-A8B2-A9E090D503CD}" type="datetimeFigureOut">
               <a:rPr lang="en-US" dirty="0"/>
-              <a:t>5/7/2024</a:t>
+              <a:t>5/8/2024</a:t>
             </a:fld>
             <a:endParaRPr lang="en-US" dirty="0"/>
           </a:p>
@@ -4167,7 +4786,7 @@
           <a:p>
             <a:fld id="{E30AF5A0-43BB-4336-8627-9123B9144D80}" type="slidenum">
               <a:rPr lang="en-US" dirty="0"/>
-              <a:t>‹#›</a:t>
+              <a:t>‹nº›</a:t>
             </a:fld>
             <a:endParaRPr lang="en-US" dirty="0"/>
           </a:p>
@@ -4694,6 +5313,1465 @@
 </p:sld>
 </file>
 
+<file path=ppt/slides/slide10.xml><?xml version="1.0" encoding="utf-8"?>
+<p:sld xmlns:a="http://schemas.openxmlformats.org/drawingml/2006/main" xmlns:r="http://schemas.openxmlformats.org/officeDocument/2006/relationships" xmlns:p="http://schemas.openxmlformats.org/presentationml/2006/main">
+  <p:cSld>
+    <p:spTree>
+      <p:nvGrpSpPr>
+        <p:cNvPr id="1" name=""/>
+        <p:cNvGrpSpPr/>
+        <p:nvPr/>
+      </p:nvGrpSpPr>
+      <p:grpSpPr>
+        <a:xfrm>
+          <a:off x="0" y="0"/>
+          <a:ext cx="0" cy="0"/>
+          <a:chOff x="0" y="0"/>
+          <a:chExt cx="0" cy="0"/>
+        </a:xfrm>
+      </p:grpSpPr>
+      <p:sp>
+        <p:nvSpPr>
+          <p:cNvPr id="2" name="Título 1">
+            <a:extLst>
+              <a:ext uri="{FF2B5EF4-FFF2-40B4-BE49-F238E27FC236}">
+                <a16:creationId xmlns:a16="http://schemas.microsoft.com/office/drawing/2014/main" id="{39887D89-22FC-622C-690A-E2571C8358CE}"/>
+              </a:ext>
+            </a:extLst>
+          </p:cNvPr>
+          <p:cNvSpPr>
+            <a:spLocks noGrp="1"/>
+          </p:cNvSpPr>
+          <p:nvPr>
+            <p:ph type="title"/>
+          </p:nvPr>
+        </p:nvSpPr>
+        <p:spPr/>
+        <p:txBody>
+          <a:bodyPr/>
+          <a:lstStyle/>
+          <a:p>
+            <a:r>
+              <a:rPr lang="en-US" dirty="0" err="1"/>
+              <a:t>Verificar</a:t>
+            </a:r>
+            <a:r>
+              <a:rPr lang="en-US" dirty="0"/>
+              <a:t> se a </a:t>
+            </a:r>
+            <a:r>
+              <a:rPr lang="en-US" dirty="0" err="1"/>
+              <a:t>cor</a:t>
+            </a:r>
+            <a:r>
+              <a:rPr lang="en-US" dirty="0"/>
+              <a:t> </a:t>
+            </a:r>
+            <a:r>
+              <a:rPr lang="en-US" dirty="0" err="1"/>
+              <a:t>pode</a:t>
+            </a:r>
+            <a:r>
+              <a:rPr lang="en-US" dirty="0"/>
+              <a:t> ser </a:t>
+            </a:r>
+            <a:r>
+              <a:rPr lang="en-US" dirty="0" err="1"/>
+              <a:t>usada</a:t>
+            </a:r>
+            <a:endParaRPr lang="pt-BR" dirty="0"/>
+          </a:p>
+        </p:txBody>
+      </p:sp>
+      <p:pic>
+        <p:nvPicPr>
+          <p:cNvPr id="12" name="Espaço Reservado para Conteúdo 11">
+            <a:extLst>
+              <a:ext uri="{FF2B5EF4-FFF2-40B4-BE49-F238E27FC236}">
+                <a16:creationId xmlns:a16="http://schemas.microsoft.com/office/drawing/2014/main" id="{91EFBEF1-DAB5-FE3F-2356-678CD9318547}"/>
+              </a:ext>
+            </a:extLst>
+          </p:cNvPr>
+          <p:cNvPicPr>
+            <a:picLocks noGrp="1" noChangeAspect="1"/>
+          </p:cNvPicPr>
+          <p:nvPr>
+            <p:ph idx="1"/>
+          </p:nvPr>
+        </p:nvPicPr>
+        <p:blipFill>
+          <a:blip r:embed="rId2"/>
+          <a:stretch>
+            <a:fillRect/>
+          </a:stretch>
+        </p:blipFill>
+        <p:spPr>
+          <a:xfrm>
+            <a:off x="1288574" y="1497161"/>
+            <a:ext cx="7933072" cy="4438743"/>
+          </a:xfrm>
+        </p:spPr>
+      </p:pic>
+      <p:sp>
+        <p:nvSpPr>
+          <p:cNvPr id="4" name="Espaço Reservado para Data 3">
+            <a:extLst>
+              <a:ext uri="{FF2B5EF4-FFF2-40B4-BE49-F238E27FC236}">
+                <a16:creationId xmlns:a16="http://schemas.microsoft.com/office/drawing/2014/main" id="{FBBE62BA-F7B8-8240-F43C-643DB196171D}"/>
+              </a:ext>
+            </a:extLst>
+          </p:cNvPr>
+          <p:cNvSpPr>
+            <a:spLocks noGrp="1"/>
+          </p:cNvSpPr>
+          <p:nvPr>
+            <p:ph type="dt" sz="half" idx="10"/>
+          </p:nvPr>
+        </p:nvSpPr>
+        <p:spPr/>
+        <p:txBody>
+          <a:bodyPr/>
+          <a:lstStyle/>
+          <a:p>
+            <a:fld id="{9E427858-1B63-42BF-A081-F881375F2F0E}" type="datetime1">
+              <a:rPr lang="en-US" smtClean="0"/>
+              <a:t>5/8/2024</a:t>
+            </a:fld>
+            <a:endParaRPr lang="en-US" dirty="0"/>
+          </a:p>
+        </p:txBody>
+      </p:sp>
+      <p:sp>
+        <p:nvSpPr>
+          <p:cNvPr id="5" name="Espaço Reservado para Rodapé 4">
+            <a:extLst>
+              <a:ext uri="{FF2B5EF4-FFF2-40B4-BE49-F238E27FC236}">
+                <a16:creationId xmlns:a16="http://schemas.microsoft.com/office/drawing/2014/main" id="{BB056759-BDF5-5450-E526-02C0EF64F525}"/>
+              </a:ext>
+            </a:extLst>
+          </p:cNvPr>
+          <p:cNvSpPr>
+            <a:spLocks noGrp="1"/>
+          </p:cNvSpPr>
+          <p:nvPr>
+            <p:ph type="ftr" sz="quarter" idx="11"/>
+          </p:nvPr>
+        </p:nvSpPr>
+        <p:spPr/>
+        <p:txBody>
+          <a:bodyPr/>
+          <a:lstStyle/>
+          <a:p>
+            <a:r>
+              <a:rPr lang="en-US"/>
+              <a:t>
+              </a:t>
+            </a:r>
+            <a:endParaRPr lang="en-US" dirty="0"/>
+          </a:p>
+        </p:txBody>
+      </p:sp>
+      <p:sp>
+        <p:nvSpPr>
+          <p:cNvPr id="6" name="Espaço Reservado para Número de Slide 5">
+            <a:extLst>
+              <a:ext uri="{FF2B5EF4-FFF2-40B4-BE49-F238E27FC236}">
+                <a16:creationId xmlns:a16="http://schemas.microsoft.com/office/drawing/2014/main" id="{4CA22887-B5A5-3AD7-1BCD-A285BC742658}"/>
+              </a:ext>
+            </a:extLst>
+          </p:cNvPr>
+          <p:cNvSpPr>
+            <a:spLocks noGrp="1"/>
+          </p:cNvSpPr>
+          <p:nvPr>
+            <p:ph type="sldNum" sz="quarter" idx="12"/>
+          </p:nvPr>
+        </p:nvSpPr>
+        <p:spPr/>
+        <p:txBody>
+          <a:bodyPr/>
+          <a:lstStyle/>
+          <a:p>
+            <a:fld id="{196A61CA-0502-4EE4-9724-96EA822543E5}" type="slidenum">
+              <a:rPr lang="en-US" smtClean="0"/>
+              <a:t>10</a:t>
+            </a:fld>
+            <a:endParaRPr lang="en-US" dirty="0"/>
+          </a:p>
+        </p:txBody>
+      </p:sp>
+    </p:spTree>
+    <p:extLst>
+      <p:ext uri="{BB962C8B-B14F-4D97-AF65-F5344CB8AC3E}">
+        <p14:creationId xmlns:p14="http://schemas.microsoft.com/office/powerpoint/2010/main" val="1967995460"/>
+      </p:ext>
+    </p:extLst>
+  </p:cSld>
+  <p:clrMapOvr>
+    <a:masterClrMapping/>
+  </p:clrMapOvr>
+</p:sld>
+</file>
+
+<file path=ppt/slides/slide11.xml><?xml version="1.0" encoding="utf-8"?>
+<p:sld xmlns:a="http://schemas.openxmlformats.org/drawingml/2006/main" xmlns:r="http://schemas.openxmlformats.org/officeDocument/2006/relationships" xmlns:p="http://schemas.openxmlformats.org/presentationml/2006/main">
+  <p:cSld>
+    <p:spTree>
+      <p:nvGrpSpPr>
+        <p:cNvPr id="1" name=""/>
+        <p:cNvGrpSpPr/>
+        <p:nvPr/>
+      </p:nvGrpSpPr>
+      <p:grpSpPr>
+        <a:xfrm>
+          <a:off x="0" y="0"/>
+          <a:ext cx="0" cy="0"/>
+          <a:chOff x="0" y="0"/>
+          <a:chExt cx="0" cy="0"/>
+        </a:xfrm>
+      </p:grpSpPr>
+      <p:sp>
+        <p:nvSpPr>
+          <p:cNvPr id="2" name="Título 1">
+            <a:extLst>
+              <a:ext uri="{FF2B5EF4-FFF2-40B4-BE49-F238E27FC236}">
+                <a16:creationId xmlns:a16="http://schemas.microsoft.com/office/drawing/2014/main" id="{8CA5BA22-DDB8-EA28-662F-932D9B518648}"/>
+              </a:ext>
+            </a:extLst>
+          </p:cNvPr>
+          <p:cNvSpPr>
+            <a:spLocks noGrp="1"/>
+          </p:cNvSpPr>
+          <p:nvPr>
+            <p:ph type="title"/>
+          </p:nvPr>
+        </p:nvSpPr>
+        <p:spPr/>
+        <p:txBody>
+          <a:bodyPr/>
+          <a:lstStyle/>
+          <a:p>
+            <a:r>
+              <a:rPr lang="en-US" dirty="0"/>
+              <a:t>Converter  </a:t>
+            </a:r>
+            <a:r>
+              <a:rPr lang="en-US" dirty="0" err="1"/>
+              <a:t>grafo</a:t>
+            </a:r>
+            <a:r>
+              <a:rPr lang="en-US" dirty="0"/>
+              <a:t> para </a:t>
+            </a:r>
+            <a:r>
+              <a:rPr lang="en-US" dirty="0" err="1"/>
+              <a:t>json</a:t>
+            </a:r>
+            <a:endParaRPr lang="pt-BR" dirty="0"/>
+          </a:p>
+        </p:txBody>
+      </p:sp>
+      <p:sp>
+        <p:nvSpPr>
+          <p:cNvPr id="4" name="Espaço Reservado para Data 3">
+            <a:extLst>
+              <a:ext uri="{FF2B5EF4-FFF2-40B4-BE49-F238E27FC236}">
+                <a16:creationId xmlns:a16="http://schemas.microsoft.com/office/drawing/2014/main" id="{1131B9C5-ECD6-57E5-9FD7-BC1EB3E3D585}"/>
+              </a:ext>
+            </a:extLst>
+          </p:cNvPr>
+          <p:cNvSpPr>
+            <a:spLocks noGrp="1"/>
+          </p:cNvSpPr>
+          <p:nvPr>
+            <p:ph type="dt" sz="half" idx="10"/>
+          </p:nvPr>
+        </p:nvSpPr>
+        <p:spPr/>
+        <p:txBody>
+          <a:bodyPr/>
+          <a:lstStyle/>
+          <a:p>
+            <a:fld id="{B320DF82-DB03-45A0-ACCF-79B6BA019DEA}" type="datetime1">
+              <a:rPr lang="en-US" smtClean="0"/>
+              <a:t>5/8/2024</a:t>
+            </a:fld>
+            <a:endParaRPr lang="en-US" dirty="0"/>
+          </a:p>
+        </p:txBody>
+      </p:sp>
+      <p:sp>
+        <p:nvSpPr>
+          <p:cNvPr id="5" name="Espaço Reservado para Rodapé 4">
+            <a:extLst>
+              <a:ext uri="{FF2B5EF4-FFF2-40B4-BE49-F238E27FC236}">
+                <a16:creationId xmlns:a16="http://schemas.microsoft.com/office/drawing/2014/main" id="{E7747CD2-6424-E60E-9752-F01BEF8C9231}"/>
+              </a:ext>
+            </a:extLst>
+          </p:cNvPr>
+          <p:cNvSpPr>
+            <a:spLocks noGrp="1"/>
+          </p:cNvSpPr>
+          <p:nvPr>
+            <p:ph type="ftr" sz="quarter" idx="11"/>
+          </p:nvPr>
+        </p:nvSpPr>
+        <p:spPr/>
+        <p:txBody>
+          <a:bodyPr/>
+          <a:lstStyle/>
+          <a:p>
+            <a:r>
+              <a:rPr lang="en-US"/>
+              <a:t>
+              </a:t>
+            </a:r>
+            <a:endParaRPr lang="en-US" dirty="0"/>
+          </a:p>
+        </p:txBody>
+      </p:sp>
+      <p:sp>
+        <p:nvSpPr>
+          <p:cNvPr id="6" name="Espaço Reservado para Número de Slide 5">
+            <a:extLst>
+              <a:ext uri="{FF2B5EF4-FFF2-40B4-BE49-F238E27FC236}">
+                <a16:creationId xmlns:a16="http://schemas.microsoft.com/office/drawing/2014/main" id="{730D7149-A62B-8721-8BB7-6B01E29ED4F7}"/>
+              </a:ext>
+            </a:extLst>
+          </p:cNvPr>
+          <p:cNvSpPr>
+            <a:spLocks noGrp="1"/>
+          </p:cNvSpPr>
+          <p:nvPr>
+            <p:ph type="sldNum" sz="quarter" idx="12"/>
+          </p:nvPr>
+        </p:nvSpPr>
+        <p:spPr/>
+        <p:txBody>
+          <a:bodyPr/>
+          <a:lstStyle/>
+          <a:p>
+            <a:fld id="{E30AF5A0-43BB-4336-8627-9123B9144D80}" type="slidenum">
+              <a:rPr lang="en-US" smtClean="0"/>
+              <a:t>11</a:t>
+            </a:fld>
+            <a:endParaRPr lang="en-US" dirty="0"/>
+          </a:p>
+        </p:txBody>
+      </p:sp>
+      <p:pic>
+        <p:nvPicPr>
+          <p:cNvPr id="16" name="Espaço Reservado para Conteúdo 15">
+            <a:extLst>
+              <a:ext uri="{FF2B5EF4-FFF2-40B4-BE49-F238E27FC236}">
+                <a16:creationId xmlns:a16="http://schemas.microsoft.com/office/drawing/2014/main" id="{F3F62092-4A47-DE51-7B8F-649D763BBB50}"/>
+              </a:ext>
+            </a:extLst>
+          </p:cNvPr>
+          <p:cNvPicPr>
+            <a:picLocks noGrp="1" noChangeAspect="1"/>
+          </p:cNvPicPr>
+          <p:nvPr>
+            <p:ph idx="1"/>
+          </p:nvPr>
+        </p:nvPicPr>
+        <p:blipFill>
+          <a:blip r:embed="rId2"/>
+          <a:stretch>
+            <a:fillRect/>
+          </a:stretch>
+        </p:blipFill>
+        <p:spPr>
+          <a:xfrm>
+            <a:off x="2946400" y="1858822"/>
+            <a:ext cx="5602493" cy="4070492"/>
+          </a:xfrm>
+        </p:spPr>
+      </p:pic>
+    </p:spTree>
+    <p:extLst>
+      <p:ext uri="{BB962C8B-B14F-4D97-AF65-F5344CB8AC3E}">
+        <p14:creationId xmlns:p14="http://schemas.microsoft.com/office/powerpoint/2010/main" val="922261976"/>
+      </p:ext>
+    </p:extLst>
+  </p:cSld>
+  <p:clrMapOvr>
+    <a:masterClrMapping/>
+  </p:clrMapOvr>
+</p:sld>
+</file>
+
+<file path=ppt/slides/slide12.xml><?xml version="1.0" encoding="utf-8"?>
+<p:sld xmlns:a="http://schemas.openxmlformats.org/drawingml/2006/main" xmlns:r="http://schemas.openxmlformats.org/officeDocument/2006/relationships" xmlns:p="http://schemas.openxmlformats.org/presentationml/2006/main">
+  <p:cSld>
+    <p:spTree>
+      <p:nvGrpSpPr>
+        <p:cNvPr id="1" name=""/>
+        <p:cNvGrpSpPr/>
+        <p:nvPr/>
+      </p:nvGrpSpPr>
+      <p:grpSpPr>
+        <a:xfrm>
+          <a:off x="0" y="0"/>
+          <a:ext cx="0" cy="0"/>
+          <a:chOff x="0" y="0"/>
+          <a:chExt cx="0" cy="0"/>
+        </a:xfrm>
+      </p:grpSpPr>
+      <p:sp>
+        <p:nvSpPr>
+          <p:cNvPr id="2" name="Título 1">
+            <a:extLst>
+              <a:ext uri="{FF2B5EF4-FFF2-40B4-BE49-F238E27FC236}">
+                <a16:creationId xmlns:a16="http://schemas.microsoft.com/office/drawing/2014/main" id="{914E3F11-14DD-8077-FB41-A3392F54C934}"/>
+              </a:ext>
+            </a:extLst>
+          </p:cNvPr>
+          <p:cNvSpPr>
+            <a:spLocks noGrp="1"/>
+          </p:cNvSpPr>
+          <p:nvPr>
+            <p:ph type="title"/>
+          </p:nvPr>
+        </p:nvSpPr>
+        <p:spPr/>
+        <p:txBody>
+          <a:bodyPr/>
+          <a:lstStyle/>
+          <a:p>
+            <a:r>
+              <a:rPr lang="en-US" dirty="0" err="1"/>
+              <a:t>Exemplo</a:t>
+            </a:r>
+            <a:r>
+              <a:rPr lang="en-US" dirty="0"/>
+              <a:t> 4x4</a:t>
+            </a:r>
+            <a:endParaRPr lang="pt-BR" dirty="0"/>
+          </a:p>
+        </p:txBody>
+      </p:sp>
+      <p:pic>
+        <p:nvPicPr>
+          <p:cNvPr id="10" name="Espaço Reservado para Conteúdo 9">
+            <a:extLst>
+              <a:ext uri="{FF2B5EF4-FFF2-40B4-BE49-F238E27FC236}">
+                <a16:creationId xmlns:a16="http://schemas.microsoft.com/office/drawing/2014/main" id="{A3D69FE1-307A-CBBF-E9CC-8C1B00F440D1}"/>
+              </a:ext>
+            </a:extLst>
+          </p:cNvPr>
+          <p:cNvPicPr>
+            <a:picLocks noGrp="1" noChangeAspect="1"/>
+          </p:cNvPicPr>
+          <p:nvPr>
+            <p:ph idx="1"/>
+          </p:nvPr>
+        </p:nvPicPr>
+        <p:blipFill>
+          <a:blip r:embed="rId2"/>
+          <a:stretch>
+            <a:fillRect/>
+          </a:stretch>
+        </p:blipFill>
+        <p:spPr>
+          <a:xfrm>
+            <a:off x="3502460" y="2298941"/>
+            <a:ext cx="7416552" cy="3636963"/>
+          </a:xfrm>
+        </p:spPr>
+      </p:pic>
+      <p:sp>
+        <p:nvSpPr>
+          <p:cNvPr id="4" name="Espaço Reservado para Data 3">
+            <a:extLst>
+              <a:ext uri="{FF2B5EF4-FFF2-40B4-BE49-F238E27FC236}">
+                <a16:creationId xmlns:a16="http://schemas.microsoft.com/office/drawing/2014/main" id="{76CEE75B-5DF8-AD96-3DA5-5DB61E0B1DB9}"/>
+              </a:ext>
+            </a:extLst>
+          </p:cNvPr>
+          <p:cNvSpPr>
+            <a:spLocks noGrp="1"/>
+          </p:cNvSpPr>
+          <p:nvPr>
+            <p:ph type="dt" sz="half" idx="10"/>
+          </p:nvPr>
+        </p:nvSpPr>
+        <p:spPr/>
+        <p:txBody>
+          <a:bodyPr/>
+          <a:lstStyle/>
+          <a:p>
+            <a:fld id="{C5E30C39-5165-4D2B-ACBD-E17B2F524E7D}" type="datetime1">
+              <a:rPr lang="en-US" smtClean="0"/>
+              <a:t>5/8/2024</a:t>
+            </a:fld>
+            <a:endParaRPr lang="en-US" dirty="0"/>
+          </a:p>
+        </p:txBody>
+      </p:sp>
+      <p:sp>
+        <p:nvSpPr>
+          <p:cNvPr id="5" name="Espaço Reservado para Rodapé 4">
+            <a:extLst>
+              <a:ext uri="{FF2B5EF4-FFF2-40B4-BE49-F238E27FC236}">
+                <a16:creationId xmlns:a16="http://schemas.microsoft.com/office/drawing/2014/main" id="{FE122278-3F9C-F2F8-DCEA-3A53F620BAF0}"/>
+              </a:ext>
+            </a:extLst>
+          </p:cNvPr>
+          <p:cNvSpPr>
+            <a:spLocks noGrp="1"/>
+          </p:cNvSpPr>
+          <p:nvPr>
+            <p:ph type="ftr" sz="quarter" idx="11"/>
+          </p:nvPr>
+        </p:nvSpPr>
+        <p:spPr/>
+        <p:txBody>
+          <a:bodyPr/>
+          <a:lstStyle/>
+          <a:p>
+            <a:r>
+              <a:rPr lang="en-US"/>
+              <a:t>
+              </a:t>
+            </a:r>
+            <a:endParaRPr lang="en-US" dirty="0"/>
+          </a:p>
+        </p:txBody>
+      </p:sp>
+      <p:sp>
+        <p:nvSpPr>
+          <p:cNvPr id="6" name="Espaço Reservado para Número de Slide 5">
+            <a:extLst>
+              <a:ext uri="{FF2B5EF4-FFF2-40B4-BE49-F238E27FC236}">
+                <a16:creationId xmlns:a16="http://schemas.microsoft.com/office/drawing/2014/main" id="{9F02F008-0472-28F0-6C44-774E60D672A0}"/>
+              </a:ext>
+            </a:extLst>
+          </p:cNvPr>
+          <p:cNvSpPr>
+            <a:spLocks noGrp="1"/>
+          </p:cNvSpPr>
+          <p:nvPr>
+            <p:ph type="sldNum" sz="quarter" idx="12"/>
+          </p:nvPr>
+        </p:nvSpPr>
+        <p:spPr/>
+        <p:txBody>
+          <a:bodyPr/>
+          <a:lstStyle/>
+          <a:p>
+            <a:fld id="{E30AF5A0-43BB-4336-8627-9123B9144D80}" type="slidenum">
+              <a:rPr lang="en-US" smtClean="0"/>
+              <a:t>12</a:t>
+            </a:fld>
+            <a:endParaRPr lang="en-US" dirty="0"/>
+          </a:p>
+        </p:txBody>
+      </p:sp>
+      <p:pic>
+        <p:nvPicPr>
+          <p:cNvPr id="12" name="Imagem 11">
+            <a:extLst>
+              <a:ext uri="{FF2B5EF4-FFF2-40B4-BE49-F238E27FC236}">
+                <a16:creationId xmlns:a16="http://schemas.microsoft.com/office/drawing/2014/main" id="{E99D66E1-B7D0-5B01-9676-188171541776}"/>
+              </a:ext>
+            </a:extLst>
+          </p:cNvPr>
+          <p:cNvPicPr>
+            <a:picLocks noChangeAspect="1"/>
+          </p:cNvPicPr>
+          <p:nvPr/>
+        </p:nvPicPr>
+        <p:blipFill>
+          <a:blip r:embed="rId3"/>
+          <a:stretch>
+            <a:fillRect/>
+          </a:stretch>
+        </p:blipFill>
+        <p:spPr>
+          <a:xfrm>
+            <a:off x="715383" y="2293126"/>
+            <a:ext cx="2562583" cy="1752845"/>
+          </a:xfrm>
+          <a:prstGeom prst="rect">
+            <a:avLst/>
+          </a:prstGeom>
+        </p:spPr>
+      </p:pic>
+    </p:spTree>
+    <p:extLst>
+      <p:ext uri="{BB962C8B-B14F-4D97-AF65-F5344CB8AC3E}">
+        <p14:creationId xmlns:p14="http://schemas.microsoft.com/office/powerpoint/2010/main" val="43700074"/>
+      </p:ext>
+    </p:extLst>
+  </p:cSld>
+  <p:clrMapOvr>
+    <a:masterClrMapping/>
+  </p:clrMapOvr>
+</p:sld>
+</file>
+
+<file path=ppt/slides/slide13.xml><?xml version="1.0" encoding="utf-8"?>
+<p:sld xmlns:a="http://schemas.openxmlformats.org/drawingml/2006/main" xmlns:r="http://schemas.openxmlformats.org/officeDocument/2006/relationships" xmlns:p="http://schemas.openxmlformats.org/presentationml/2006/main">
+  <p:cSld>
+    <p:spTree>
+      <p:nvGrpSpPr>
+        <p:cNvPr id="1" name=""/>
+        <p:cNvGrpSpPr/>
+        <p:nvPr/>
+      </p:nvGrpSpPr>
+      <p:grpSpPr>
+        <a:xfrm>
+          <a:off x="0" y="0"/>
+          <a:ext cx="0" cy="0"/>
+          <a:chOff x="0" y="0"/>
+          <a:chExt cx="0" cy="0"/>
+        </a:xfrm>
+      </p:grpSpPr>
+      <p:sp>
+        <p:nvSpPr>
+          <p:cNvPr id="2" name="Título 1">
+            <a:extLst>
+              <a:ext uri="{FF2B5EF4-FFF2-40B4-BE49-F238E27FC236}">
+                <a16:creationId xmlns:a16="http://schemas.microsoft.com/office/drawing/2014/main" id="{A1FFD85E-227F-A119-5DAB-F0AEE197D36E}"/>
+              </a:ext>
+            </a:extLst>
+          </p:cNvPr>
+          <p:cNvSpPr>
+            <a:spLocks noGrp="1"/>
+          </p:cNvSpPr>
+          <p:nvPr>
+            <p:ph type="title"/>
+          </p:nvPr>
+        </p:nvSpPr>
+        <p:spPr/>
+        <p:txBody>
+          <a:bodyPr/>
+          <a:lstStyle/>
+          <a:p>
+            <a:r>
+              <a:rPr lang="en-US" dirty="0"/>
+              <a:t>EXEMPLO 9X9</a:t>
+            </a:r>
+            <a:endParaRPr lang="pt-BR" dirty="0"/>
+          </a:p>
+        </p:txBody>
+      </p:sp>
+      <p:pic>
+        <p:nvPicPr>
+          <p:cNvPr id="10" name="Espaço Reservado para Conteúdo 9">
+            <a:extLst>
+              <a:ext uri="{FF2B5EF4-FFF2-40B4-BE49-F238E27FC236}">
+                <a16:creationId xmlns:a16="http://schemas.microsoft.com/office/drawing/2014/main" id="{9417624B-D04C-0DED-84E1-CA4C40EF63C8}"/>
+              </a:ext>
+            </a:extLst>
+          </p:cNvPr>
+          <p:cNvPicPr>
+            <a:picLocks noGrp="1" noChangeAspect="1"/>
+          </p:cNvPicPr>
+          <p:nvPr>
+            <p:ph idx="1"/>
+          </p:nvPr>
+        </p:nvPicPr>
+        <p:blipFill>
+          <a:blip r:embed="rId2"/>
+          <a:stretch>
+            <a:fillRect/>
+          </a:stretch>
+        </p:blipFill>
+        <p:spPr>
+          <a:xfrm>
+            <a:off x="3472863" y="2261022"/>
+            <a:ext cx="7446149" cy="3636963"/>
+          </a:xfrm>
+        </p:spPr>
+      </p:pic>
+      <p:sp>
+        <p:nvSpPr>
+          <p:cNvPr id="4" name="Espaço Reservado para Data 3">
+            <a:extLst>
+              <a:ext uri="{FF2B5EF4-FFF2-40B4-BE49-F238E27FC236}">
+                <a16:creationId xmlns:a16="http://schemas.microsoft.com/office/drawing/2014/main" id="{9CDA858B-B4DC-6780-8F0D-A59CC23C697E}"/>
+              </a:ext>
+            </a:extLst>
+          </p:cNvPr>
+          <p:cNvSpPr>
+            <a:spLocks noGrp="1"/>
+          </p:cNvSpPr>
+          <p:nvPr>
+            <p:ph type="dt" sz="half" idx="10"/>
+          </p:nvPr>
+        </p:nvSpPr>
+        <p:spPr/>
+        <p:txBody>
+          <a:bodyPr/>
+          <a:lstStyle/>
+          <a:p>
+            <a:fld id="{E533C912-0E07-4761-AF31-F15308DB0B4D}" type="datetime1">
+              <a:rPr lang="en-US" smtClean="0"/>
+              <a:t>5/8/2024</a:t>
+            </a:fld>
+            <a:endParaRPr lang="en-US" dirty="0"/>
+          </a:p>
+        </p:txBody>
+      </p:sp>
+      <p:sp>
+        <p:nvSpPr>
+          <p:cNvPr id="5" name="Espaço Reservado para Rodapé 4">
+            <a:extLst>
+              <a:ext uri="{FF2B5EF4-FFF2-40B4-BE49-F238E27FC236}">
+                <a16:creationId xmlns:a16="http://schemas.microsoft.com/office/drawing/2014/main" id="{F9105FAB-89D3-1DBD-F78A-8ABA4162AF9E}"/>
+              </a:ext>
+            </a:extLst>
+          </p:cNvPr>
+          <p:cNvSpPr>
+            <a:spLocks noGrp="1"/>
+          </p:cNvSpPr>
+          <p:nvPr>
+            <p:ph type="ftr" sz="quarter" idx="11"/>
+          </p:nvPr>
+        </p:nvSpPr>
+        <p:spPr/>
+        <p:txBody>
+          <a:bodyPr/>
+          <a:lstStyle/>
+          <a:p>
+            <a:r>
+              <a:rPr lang="en-US"/>
+              <a:t>
+              </a:t>
+            </a:r>
+            <a:endParaRPr lang="en-US" dirty="0"/>
+          </a:p>
+        </p:txBody>
+      </p:sp>
+      <p:sp>
+        <p:nvSpPr>
+          <p:cNvPr id="6" name="Espaço Reservado para Número de Slide 5">
+            <a:extLst>
+              <a:ext uri="{FF2B5EF4-FFF2-40B4-BE49-F238E27FC236}">
+                <a16:creationId xmlns:a16="http://schemas.microsoft.com/office/drawing/2014/main" id="{FA1B5402-E59B-4737-C46D-723F0FA9C9C9}"/>
+              </a:ext>
+            </a:extLst>
+          </p:cNvPr>
+          <p:cNvSpPr>
+            <a:spLocks noGrp="1"/>
+          </p:cNvSpPr>
+          <p:nvPr>
+            <p:ph type="sldNum" sz="quarter" idx="12"/>
+          </p:nvPr>
+        </p:nvSpPr>
+        <p:spPr/>
+        <p:txBody>
+          <a:bodyPr/>
+          <a:lstStyle/>
+          <a:p>
+            <a:fld id="{E30AF5A0-43BB-4336-8627-9123B9144D80}" type="slidenum">
+              <a:rPr lang="en-US" smtClean="0"/>
+              <a:t>13</a:t>
+            </a:fld>
+            <a:endParaRPr lang="en-US" dirty="0"/>
+          </a:p>
+        </p:txBody>
+      </p:sp>
+      <p:pic>
+        <p:nvPicPr>
+          <p:cNvPr id="12" name="Imagem 11">
+            <a:extLst>
+              <a:ext uri="{FF2B5EF4-FFF2-40B4-BE49-F238E27FC236}">
+                <a16:creationId xmlns:a16="http://schemas.microsoft.com/office/drawing/2014/main" id="{1DFCAF14-CBEA-6458-A895-9A5CB9178174}"/>
+              </a:ext>
+            </a:extLst>
+          </p:cNvPr>
+          <p:cNvPicPr>
+            <a:picLocks noChangeAspect="1"/>
+          </p:cNvPicPr>
+          <p:nvPr/>
+        </p:nvPicPr>
+        <p:blipFill>
+          <a:blip r:embed="rId3"/>
+          <a:stretch>
+            <a:fillRect/>
+          </a:stretch>
+        </p:blipFill>
+        <p:spPr>
+          <a:xfrm>
+            <a:off x="700635" y="2393343"/>
+            <a:ext cx="2648320" cy="1686160"/>
+          </a:xfrm>
+          <a:prstGeom prst="rect">
+            <a:avLst/>
+          </a:prstGeom>
+        </p:spPr>
+      </p:pic>
+    </p:spTree>
+    <p:extLst>
+      <p:ext uri="{BB962C8B-B14F-4D97-AF65-F5344CB8AC3E}">
+        <p14:creationId xmlns:p14="http://schemas.microsoft.com/office/powerpoint/2010/main" val="1206012243"/>
+      </p:ext>
+    </p:extLst>
+  </p:cSld>
+  <p:clrMapOvr>
+    <a:masterClrMapping/>
+  </p:clrMapOvr>
+</p:sld>
+</file>
+
+<file path=ppt/slides/slide14.xml><?xml version="1.0" encoding="utf-8"?>
+<p:sld xmlns:a="http://schemas.openxmlformats.org/drawingml/2006/main" xmlns:r="http://schemas.openxmlformats.org/officeDocument/2006/relationships" xmlns:p="http://schemas.openxmlformats.org/presentationml/2006/main">
+  <p:cSld>
+    <p:spTree>
+      <p:nvGrpSpPr>
+        <p:cNvPr id="1" name=""/>
+        <p:cNvGrpSpPr/>
+        <p:nvPr/>
+      </p:nvGrpSpPr>
+      <p:grpSpPr>
+        <a:xfrm>
+          <a:off x="0" y="0"/>
+          <a:ext cx="0" cy="0"/>
+          <a:chOff x="0" y="0"/>
+          <a:chExt cx="0" cy="0"/>
+        </a:xfrm>
+      </p:grpSpPr>
+      <p:sp>
+        <p:nvSpPr>
+          <p:cNvPr id="2" name="Título 1">
+            <a:extLst>
+              <a:ext uri="{FF2B5EF4-FFF2-40B4-BE49-F238E27FC236}">
+                <a16:creationId xmlns:a16="http://schemas.microsoft.com/office/drawing/2014/main" id="{06D4FCB5-D603-7C18-263A-DC43F62E06AB}"/>
+              </a:ext>
+            </a:extLst>
+          </p:cNvPr>
+          <p:cNvSpPr>
+            <a:spLocks noGrp="1"/>
+          </p:cNvSpPr>
+          <p:nvPr>
+            <p:ph type="title"/>
+          </p:nvPr>
+        </p:nvSpPr>
+        <p:spPr/>
+        <p:txBody>
+          <a:bodyPr/>
+          <a:lstStyle/>
+          <a:p>
+            <a:r>
+              <a:rPr lang="en-US" dirty="0"/>
+              <a:t>EXEMPLO 16X16</a:t>
+            </a:r>
+            <a:endParaRPr lang="pt-BR" dirty="0"/>
+          </a:p>
+        </p:txBody>
+      </p:sp>
+      <p:pic>
+        <p:nvPicPr>
+          <p:cNvPr id="11" name="Espaço Reservado para Conteúdo 10">
+            <a:extLst>
+              <a:ext uri="{FF2B5EF4-FFF2-40B4-BE49-F238E27FC236}">
+                <a16:creationId xmlns:a16="http://schemas.microsoft.com/office/drawing/2014/main" id="{02E0E287-0931-F414-F9A2-4EFE97E37BB3}"/>
+              </a:ext>
+            </a:extLst>
+          </p:cNvPr>
+          <p:cNvPicPr>
+            <a:picLocks noGrp="1" noChangeAspect="1"/>
+          </p:cNvPicPr>
+          <p:nvPr>
+            <p:ph idx="1"/>
+          </p:nvPr>
+        </p:nvPicPr>
+        <p:blipFill>
+          <a:blip r:embed="rId2"/>
+          <a:stretch>
+            <a:fillRect/>
+          </a:stretch>
+        </p:blipFill>
+        <p:spPr>
+          <a:xfrm>
+            <a:off x="3467054" y="2372072"/>
+            <a:ext cx="7451958" cy="3636963"/>
+          </a:xfrm>
+        </p:spPr>
+      </p:pic>
+      <p:sp>
+        <p:nvSpPr>
+          <p:cNvPr id="4" name="Espaço Reservado para Data 3">
+            <a:extLst>
+              <a:ext uri="{FF2B5EF4-FFF2-40B4-BE49-F238E27FC236}">
+                <a16:creationId xmlns:a16="http://schemas.microsoft.com/office/drawing/2014/main" id="{7BE7C2CA-F9A8-131C-A984-7D5CEB154DD1}"/>
+              </a:ext>
+            </a:extLst>
+          </p:cNvPr>
+          <p:cNvSpPr>
+            <a:spLocks noGrp="1"/>
+          </p:cNvSpPr>
+          <p:nvPr>
+            <p:ph type="dt" sz="half" idx="10"/>
+          </p:nvPr>
+        </p:nvSpPr>
+        <p:spPr/>
+        <p:txBody>
+          <a:bodyPr/>
+          <a:lstStyle/>
+          <a:p>
+            <a:fld id="{9EBC9115-3CF0-462F-BCAE-E56F346017DF}" type="datetime1">
+              <a:rPr lang="en-US" smtClean="0"/>
+              <a:t>5/8/2024</a:t>
+            </a:fld>
+            <a:endParaRPr lang="en-US" dirty="0"/>
+          </a:p>
+        </p:txBody>
+      </p:sp>
+      <p:sp>
+        <p:nvSpPr>
+          <p:cNvPr id="5" name="Espaço Reservado para Rodapé 4">
+            <a:extLst>
+              <a:ext uri="{FF2B5EF4-FFF2-40B4-BE49-F238E27FC236}">
+                <a16:creationId xmlns:a16="http://schemas.microsoft.com/office/drawing/2014/main" id="{5983C01C-65C7-3A10-662C-6CB124288166}"/>
+              </a:ext>
+            </a:extLst>
+          </p:cNvPr>
+          <p:cNvSpPr>
+            <a:spLocks noGrp="1"/>
+          </p:cNvSpPr>
+          <p:nvPr>
+            <p:ph type="ftr" sz="quarter" idx="11"/>
+          </p:nvPr>
+        </p:nvSpPr>
+        <p:spPr/>
+        <p:txBody>
+          <a:bodyPr/>
+          <a:lstStyle/>
+          <a:p>
+            <a:r>
+              <a:rPr lang="en-US"/>
+              <a:t>
+              </a:t>
+            </a:r>
+            <a:endParaRPr lang="en-US" dirty="0"/>
+          </a:p>
+        </p:txBody>
+      </p:sp>
+      <p:sp>
+        <p:nvSpPr>
+          <p:cNvPr id="6" name="Espaço Reservado para Número de Slide 5">
+            <a:extLst>
+              <a:ext uri="{FF2B5EF4-FFF2-40B4-BE49-F238E27FC236}">
+                <a16:creationId xmlns:a16="http://schemas.microsoft.com/office/drawing/2014/main" id="{55CF30A9-9077-E1C3-B115-2A419DA9973E}"/>
+              </a:ext>
+            </a:extLst>
+          </p:cNvPr>
+          <p:cNvSpPr>
+            <a:spLocks noGrp="1"/>
+          </p:cNvSpPr>
+          <p:nvPr>
+            <p:ph type="sldNum" sz="quarter" idx="12"/>
+          </p:nvPr>
+        </p:nvSpPr>
+        <p:spPr/>
+        <p:txBody>
+          <a:bodyPr/>
+          <a:lstStyle/>
+          <a:p>
+            <a:fld id="{E30AF5A0-43BB-4336-8627-9123B9144D80}" type="slidenum">
+              <a:rPr lang="en-US" smtClean="0"/>
+              <a:t>14</a:t>
+            </a:fld>
+            <a:endParaRPr lang="en-US" dirty="0"/>
+          </a:p>
+        </p:txBody>
+      </p:sp>
+      <p:pic>
+        <p:nvPicPr>
+          <p:cNvPr id="15" name="Imagem 14">
+            <a:extLst>
+              <a:ext uri="{FF2B5EF4-FFF2-40B4-BE49-F238E27FC236}">
+                <a16:creationId xmlns:a16="http://schemas.microsoft.com/office/drawing/2014/main" id="{6A412369-67DD-9B1E-2547-D4C59F3129B6}"/>
+              </a:ext>
+            </a:extLst>
+          </p:cNvPr>
+          <p:cNvPicPr>
+            <a:picLocks noChangeAspect="1"/>
+          </p:cNvPicPr>
+          <p:nvPr/>
+        </p:nvPicPr>
+        <p:blipFill>
+          <a:blip r:embed="rId3"/>
+          <a:stretch>
+            <a:fillRect/>
+          </a:stretch>
+        </p:blipFill>
+        <p:spPr>
+          <a:xfrm>
+            <a:off x="700635" y="2393343"/>
+            <a:ext cx="2619741" cy="1743318"/>
+          </a:xfrm>
+          <a:prstGeom prst="rect">
+            <a:avLst/>
+          </a:prstGeom>
+        </p:spPr>
+      </p:pic>
+    </p:spTree>
+    <p:extLst>
+      <p:ext uri="{BB962C8B-B14F-4D97-AF65-F5344CB8AC3E}">
+        <p14:creationId xmlns:p14="http://schemas.microsoft.com/office/powerpoint/2010/main" val="1961177669"/>
+      </p:ext>
+    </p:extLst>
+  </p:cSld>
+  <p:clrMapOvr>
+    <a:masterClrMapping/>
+  </p:clrMapOvr>
+</p:sld>
+</file>
+
+<file path=ppt/slides/slide15.xml><?xml version="1.0" encoding="utf-8"?>
+<p:sld xmlns:a="http://schemas.openxmlformats.org/drawingml/2006/main" xmlns:r="http://schemas.openxmlformats.org/officeDocument/2006/relationships" xmlns:p="http://schemas.openxmlformats.org/presentationml/2006/main">
+  <p:cSld>
+    <p:spTree>
+      <p:nvGrpSpPr>
+        <p:cNvPr id="1" name=""/>
+        <p:cNvGrpSpPr/>
+        <p:nvPr/>
+      </p:nvGrpSpPr>
+      <p:grpSpPr>
+        <a:xfrm>
+          <a:off x="0" y="0"/>
+          <a:ext cx="0" cy="0"/>
+          <a:chOff x="0" y="0"/>
+          <a:chExt cx="0" cy="0"/>
+        </a:xfrm>
+      </p:grpSpPr>
+      <p:sp>
+        <p:nvSpPr>
+          <p:cNvPr id="2" name="Título 1">
+            <a:extLst>
+              <a:ext uri="{FF2B5EF4-FFF2-40B4-BE49-F238E27FC236}">
+                <a16:creationId xmlns:a16="http://schemas.microsoft.com/office/drawing/2014/main" id="{4E319447-D02E-7C4B-241A-4A96C7ABC44D}"/>
+              </a:ext>
+            </a:extLst>
+          </p:cNvPr>
+          <p:cNvSpPr>
+            <a:spLocks noGrp="1"/>
+          </p:cNvSpPr>
+          <p:nvPr>
+            <p:ph type="title"/>
+          </p:nvPr>
+        </p:nvSpPr>
+        <p:spPr/>
+        <p:txBody>
+          <a:bodyPr/>
+          <a:lstStyle/>
+          <a:p>
+            <a:r>
+              <a:rPr lang="en-US" dirty="0" err="1"/>
+              <a:t>Referências</a:t>
+            </a:r>
+            <a:r>
+              <a:rPr lang="en-US" dirty="0"/>
+              <a:t> </a:t>
+            </a:r>
+            <a:r>
+              <a:rPr lang="en-US" dirty="0" err="1"/>
+              <a:t>bibliográficas</a:t>
+            </a:r>
+            <a:endParaRPr lang="pt-BR" dirty="0"/>
+          </a:p>
+        </p:txBody>
+      </p:sp>
+      <p:sp>
+        <p:nvSpPr>
+          <p:cNvPr id="3" name="Espaço Reservado para Conteúdo 2">
+            <a:extLst>
+              <a:ext uri="{FF2B5EF4-FFF2-40B4-BE49-F238E27FC236}">
+                <a16:creationId xmlns:a16="http://schemas.microsoft.com/office/drawing/2014/main" id="{DF5ABD57-ADCB-25E7-5CDB-095C18654DD9}"/>
+              </a:ext>
+            </a:extLst>
+          </p:cNvPr>
+          <p:cNvSpPr>
+            <a:spLocks noGrp="1"/>
+          </p:cNvSpPr>
+          <p:nvPr>
+            <p:ph idx="1"/>
+          </p:nvPr>
+        </p:nvSpPr>
+        <p:spPr/>
+        <p:txBody>
+          <a:bodyPr>
+            <a:normAutofit fontScale="85000" lnSpcReduction="10000"/>
+          </a:bodyPr>
+          <a:lstStyle/>
+          <a:p>
+            <a:r>
+              <a:rPr lang="pt-BR" dirty="0"/>
+              <a:t>AULA, B. –. </a:t>
+            </a:r>
+            <a:r>
+              <a:rPr lang="pt-BR" b="1" dirty="0"/>
+              <a:t>Túlio </a:t>
+            </a:r>
+            <a:r>
+              <a:rPr lang="pt-BR" b="1" dirty="0" err="1"/>
+              <a:t>Toffolo</a:t>
+            </a:r>
+            <a:r>
+              <a:rPr lang="pt-BR" b="1" dirty="0"/>
+              <a:t> – www.toffolo.com.br Marco Antônio Carvalho – marco.opt@gmail.com</a:t>
+            </a:r>
+            <a:r>
+              <a:rPr lang="pt-BR" dirty="0"/>
+              <a:t>. Disponível em: &lt;http://www3.decom.ufop.br/</a:t>
+            </a:r>
+            <a:r>
+              <a:rPr lang="pt-BR" dirty="0" err="1"/>
+              <a:t>toffolo</a:t>
+            </a:r>
+            <a:r>
+              <a:rPr lang="pt-BR" dirty="0"/>
+              <a:t>/</a:t>
+            </a:r>
+            <a:r>
+              <a:rPr lang="pt-BR" dirty="0" err="1"/>
+              <a:t>site_media</a:t>
+            </a:r>
+            <a:r>
+              <a:rPr lang="pt-BR" dirty="0"/>
+              <a:t>/uploads/2011-1/bcc402/slides/10._backtracking.pdf&gt;. Acesso em: 8 maio. 2024.</a:t>
+            </a:r>
+          </a:p>
+          <a:p>
+            <a:r>
+              <a:rPr lang="pt-BR" b="1" dirty="0"/>
+              <a:t>O que é um algoritmo </a:t>
+            </a:r>
+            <a:r>
+              <a:rPr lang="pt-BR" b="1" dirty="0" err="1"/>
+              <a:t>Backtracking</a:t>
+            </a:r>
+            <a:r>
+              <a:rPr lang="pt-BR" b="1" dirty="0"/>
+              <a:t>? </a:t>
+            </a:r>
+            <a:r>
+              <a:rPr lang="pt-BR" dirty="0"/>
+              <a:t>Disponível em: &lt;https://pt.stackoverflow.com/</a:t>
+            </a:r>
+            <a:r>
+              <a:rPr lang="pt-BR" dirty="0" err="1"/>
+              <a:t>questions</a:t>
+            </a:r>
+            <a:r>
+              <a:rPr lang="pt-BR" dirty="0"/>
+              <a:t>/103184/</a:t>
+            </a:r>
+            <a:r>
+              <a:rPr lang="pt-BR" dirty="0" err="1"/>
+              <a:t>o-que</a:t>
+            </a:r>
+            <a:r>
+              <a:rPr lang="pt-BR" dirty="0"/>
+              <a:t>-%C3%A9-um-algoritmo-backtracking&gt;. Acesso em: 8 maio. 2024.</a:t>
+            </a:r>
+          </a:p>
+          <a:p>
+            <a:endParaRPr lang="pt-BR" dirty="0"/>
+          </a:p>
+          <a:p>
+            <a:endParaRPr lang="pt-BR" dirty="0"/>
+          </a:p>
+          <a:p>
+            <a:endParaRPr lang="pt-BR" dirty="0"/>
+          </a:p>
+          <a:p>
+            <a:r>
+              <a:rPr lang="pt-BR" dirty="0"/>
+              <a:t>WIKIPEDIA CONTRIBUTORS. </a:t>
+            </a:r>
+            <a:r>
+              <a:rPr lang="pt-BR" b="1" dirty="0"/>
+              <a:t>Sudoku</a:t>
+            </a:r>
+            <a:r>
+              <a:rPr lang="pt-BR" dirty="0"/>
+              <a:t>. Disponível em: &lt;https://en.wikipedia.org/w/</a:t>
+            </a:r>
+            <a:r>
+              <a:rPr lang="pt-BR" dirty="0" err="1"/>
+              <a:t>index.php?title</a:t>
+            </a:r>
+            <a:r>
+              <a:rPr lang="pt-BR" dirty="0"/>
+              <a:t>=</a:t>
+            </a:r>
+            <a:r>
+              <a:rPr lang="pt-BR" dirty="0" err="1"/>
+              <a:t>Sudoku&amp;oldid</a:t>
+            </a:r>
+            <a:r>
+              <a:rPr lang="pt-BR" dirty="0"/>
+              <a:t>=1222342494&gt;.</a:t>
+            </a:r>
+          </a:p>
+          <a:p>
+            <a:endParaRPr lang="pt-BR" dirty="0"/>
+          </a:p>
+          <a:p>
+            <a:endParaRPr lang="pt-BR" dirty="0"/>
+          </a:p>
+        </p:txBody>
+      </p:sp>
+      <p:sp>
+        <p:nvSpPr>
+          <p:cNvPr id="4" name="Espaço Reservado para Data 3">
+            <a:extLst>
+              <a:ext uri="{FF2B5EF4-FFF2-40B4-BE49-F238E27FC236}">
+                <a16:creationId xmlns:a16="http://schemas.microsoft.com/office/drawing/2014/main" id="{E575A558-438B-6388-C74A-CB3D2C97D3F8}"/>
+              </a:ext>
+            </a:extLst>
+          </p:cNvPr>
+          <p:cNvSpPr>
+            <a:spLocks noGrp="1"/>
+          </p:cNvSpPr>
+          <p:nvPr>
+            <p:ph type="dt" sz="half" idx="10"/>
+          </p:nvPr>
+        </p:nvSpPr>
+        <p:spPr/>
+        <p:txBody>
+          <a:bodyPr/>
+          <a:lstStyle/>
+          <a:p>
+            <a:fld id="{5C0E8BC3-A60E-4E31-8AE4-2BE08893AD21}" type="datetime1">
+              <a:rPr lang="en-US" smtClean="0"/>
+              <a:t>5/8/2024</a:t>
+            </a:fld>
+            <a:endParaRPr lang="en-US" dirty="0"/>
+          </a:p>
+        </p:txBody>
+      </p:sp>
+      <p:sp>
+        <p:nvSpPr>
+          <p:cNvPr id="5" name="Espaço Reservado para Rodapé 4">
+            <a:extLst>
+              <a:ext uri="{FF2B5EF4-FFF2-40B4-BE49-F238E27FC236}">
+                <a16:creationId xmlns:a16="http://schemas.microsoft.com/office/drawing/2014/main" id="{5792529F-47F6-73F8-4E0C-FA5B71473D22}"/>
+              </a:ext>
+            </a:extLst>
+          </p:cNvPr>
+          <p:cNvSpPr>
+            <a:spLocks noGrp="1"/>
+          </p:cNvSpPr>
+          <p:nvPr>
+            <p:ph type="ftr" sz="quarter" idx="11"/>
+          </p:nvPr>
+        </p:nvSpPr>
+        <p:spPr/>
+        <p:txBody>
+          <a:bodyPr/>
+          <a:lstStyle/>
+          <a:p>
+            <a:r>
+              <a:rPr lang="en-US"/>
+              <a:t>
+              </a:t>
+            </a:r>
+            <a:endParaRPr lang="en-US" dirty="0"/>
+          </a:p>
+        </p:txBody>
+      </p:sp>
+      <p:sp>
+        <p:nvSpPr>
+          <p:cNvPr id="6" name="Espaço Reservado para Número de Slide 5">
+            <a:extLst>
+              <a:ext uri="{FF2B5EF4-FFF2-40B4-BE49-F238E27FC236}">
+                <a16:creationId xmlns:a16="http://schemas.microsoft.com/office/drawing/2014/main" id="{6590052F-4EE3-8698-0A10-CB8C4E35A1E4}"/>
+              </a:ext>
+            </a:extLst>
+          </p:cNvPr>
+          <p:cNvSpPr>
+            <a:spLocks noGrp="1"/>
+          </p:cNvSpPr>
+          <p:nvPr>
+            <p:ph type="sldNum" sz="quarter" idx="12"/>
+          </p:nvPr>
+        </p:nvSpPr>
+        <p:spPr/>
+        <p:txBody>
+          <a:bodyPr/>
+          <a:lstStyle/>
+          <a:p>
+            <a:fld id="{E30AF5A0-43BB-4336-8627-9123B9144D80}" type="slidenum">
+              <a:rPr lang="en-US" smtClean="0"/>
+              <a:t>15</a:t>
+            </a:fld>
+            <a:endParaRPr lang="en-US" dirty="0"/>
+          </a:p>
+        </p:txBody>
+      </p:sp>
+    </p:spTree>
+    <p:extLst>
+      <p:ext uri="{BB962C8B-B14F-4D97-AF65-F5344CB8AC3E}">
+        <p14:creationId xmlns:p14="http://schemas.microsoft.com/office/powerpoint/2010/main" val="2097304172"/>
+      </p:ext>
+    </p:extLst>
+  </p:cSld>
+  <p:clrMapOvr>
+    <a:masterClrMapping/>
+  </p:clrMapOvr>
+</p:sld>
+</file>
+
+<file path=ppt/slides/slide16.xml><?xml version="1.0" encoding="utf-8"?>
+<p:sld xmlns:a="http://schemas.openxmlformats.org/drawingml/2006/main" xmlns:r="http://schemas.openxmlformats.org/officeDocument/2006/relationships" xmlns:p="http://schemas.openxmlformats.org/presentationml/2006/main">
+  <p:cSld>
+    <p:spTree>
+      <p:nvGrpSpPr>
+        <p:cNvPr id="1" name=""/>
+        <p:cNvGrpSpPr/>
+        <p:nvPr/>
+      </p:nvGrpSpPr>
+      <p:grpSpPr>
+        <a:xfrm>
+          <a:off x="0" y="0"/>
+          <a:ext cx="0" cy="0"/>
+          <a:chOff x="0" y="0"/>
+          <a:chExt cx="0" cy="0"/>
+        </a:xfrm>
+      </p:grpSpPr>
+      <p:sp>
+        <p:nvSpPr>
+          <p:cNvPr id="2" name="Título 1">
+            <a:extLst>
+              <a:ext uri="{FF2B5EF4-FFF2-40B4-BE49-F238E27FC236}">
+                <a16:creationId xmlns:a16="http://schemas.microsoft.com/office/drawing/2014/main" id="{B1F35A36-4B8A-CC21-A7B3-D24FC5357485}"/>
+              </a:ext>
+            </a:extLst>
+          </p:cNvPr>
+          <p:cNvSpPr>
+            <a:spLocks noGrp="1"/>
+          </p:cNvSpPr>
+          <p:nvPr>
+            <p:ph type="title"/>
+          </p:nvPr>
+        </p:nvSpPr>
+        <p:spPr>
+          <a:xfrm>
+            <a:off x="1371828" y="2217082"/>
+            <a:ext cx="9448343" cy="1820173"/>
+          </a:xfrm>
+        </p:spPr>
+        <p:txBody>
+          <a:bodyPr/>
+          <a:lstStyle/>
+          <a:p>
+            <a:pPr algn="ctr"/>
+            <a:r>
+              <a:rPr lang="en-US" sz="5400" dirty="0" err="1"/>
+              <a:t>Obrigado</a:t>
+            </a:r>
+            <a:endParaRPr lang="pt-BR" sz="5400" dirty="0"/>
+          </a:p>
+        </p:txBody>
+      </p:sp>
+      <p:sp>
+        <p:nvSpPr>
+          <p:cNvPr id="4" name="Espaço Reservado para Data 3">
+            <a:extLst>
+              <a:ext uri="{FF2B5EF4-FFF2-40B4-BE49-F238E27FC236}">
+                <a16:creationId xmlns:a16="http://schemas.microsoft.com/office/drawing/2014/main" id="{50137EE9-4887-8E0A-6349-CC3BFA083A91}"/>
+              </a:ext>
+            </a:extLst>
+          </p:cNvPr>
+          <p:cNvSpPr>
+            <a:spLocks noGrp="1"/>
+          </p:cNvSpPr>
+          <p:nvPr>
+            <p:ph type="dt" sz="half" idx="10"/>
+          </p:nvPr>
+        </p:nvSpPr>
+        <p:spPr/>
+        <p:txBody>
+          <a:bodyPr/>
+          <a:lstStyle/>
+          <a:p>
+            <a:fld id="{8ADC9E49-246E-484A-926C-3041536DB8F7}" type="datetime1">
+              <a:rPr lang="en-US" smtClean="0"/>
+              <a:t>5/8/2024</a:t>
+            </a:fld>
+            <a:endParaRPr lang="en-US" dirty="0"/>
+          </a:p>
+        </p:txBody>
+      </p:sp>
+      <p:sp>
+        <p:nvSpPr>
+          <p:cNvPr id="5" name="Espaço Reservado para Rodapé 4">
+            <a:extLst>
+              <a:ext uri="{FF2B5EF4-FFF2-40B4-BE49-F238E27FC236}">
+                <a16:creationId xmlns:a16="http://schemas.microsoft.com/office/drawing/2014/main" id="{F359168D-AE6A-4BA1-7FED-DC37B5B538AC}"/>
+              </a:ext>
+            </a:extLst>
+          </p:cNvPr>
+          <p:cNvSpPr>
+            <a:spLocks noGrp="1"/>
+          </p:cNvSpPr>
+          <p:nvPr>
+            <p:ph type="ftr" sz="quarter" idx="11"/>
+          </p:nvPr>
+        </p:nvSpPr>
+        <p:spPr/>
+        <p:txBody>
+          <a:bodyPr/>
+          <a:lstStyle/>
+          <a:p>
+            <a:r>
+              <a:rPr lang="en-US"/>
+              <a:t>
+              </a:t>
+            </a:r>
+            <a:endParaRPr lang="en-US" dirty="0"/>
+          </a:p>
+        </p:txBody>
+      </p:sp>
+      <p:sp>
+        <p:nvSpPr>
+          <p:cNvPr id="6" name="Espaço Reservado para Número de Slide 5">
+            <a:extLst>
+              <a:ext uri="{FF2B5EF4-FFF2-40B4-BE49-F238E27FC236}">
+                <a16:creationId xmlns:a16="http://schemas.microsoft.com/office/drawing/2014/main" id="{4880F13E-F76E-22C7-A8C6-39DB72471046}"/>
+              </a:ext>
+            </a:extLst>
+          </p:cNvPr>
+          <p:cNvSpPr>
+            <a:spLocks noGrp="1"/>
+          </p:cNvSpPr>
+          <p:nvPr>
+            <p:ph type="sldNum" sz="quarter" idx="12"/>
+          </p:nvPr>
+        </p:nvSpPr>
+        <p:spPr/>
+        <p:txBody>
+          <a:bodyPr/>
+          <a:lstStyle/>
+          <a:p>
+            <a:fld id="{196A61CA-0502-4EE4-9724-96EA822543E5}" type="slidenum">
+              <a:rPr lang="en-US" smtClean="0"/>
+              <a:t>16</a:t>
+            </a:fld>
+            <a:endParaRPr lang="en-US" dirty="0"/>
+          </a:p>
+        </p:txBody>
+      </p:sp>
+    </p:spTree>
+    <p:extLst>
+      <p:ext uri="{BB962C8B-B14F-4D97-AF65-F5344CB8AC3E}">
+        <p14:creationId xmlns:p14="http://schemas.microsoft.com/office/powerpoint/2010/main" val="2210678312"/>
+      </p:ext>
+    </p:extLst>
+  </p:cSld>
+  <p:clrMapOvr>
+    <a:masterClrMapping/>
+  </p:clrMapOvr>
+</p:sld>
+</file>
+
 <file path=ppt/slides/slide2.xml><?xml version="1.0" encoding="utf-8"?>
 <p:sld xmlns:a="http://schemas.openxmlformats.org/drawingml/2006/main" xmlns:r="http://schemas.openxmlformats.org/officeDocument/2006/relationships" xmlns:p="http://schemas.openxmlformats.org/presentationml/2006/main">
   <p:cSld>
@@ -4761,7 +6839,52 @@
           <a:bodyPr/>
           <a:lstStyle/>
           <a:p>
-            <a:endParaRPr lang="pt-BR"/>
+            <a:r>
+              <a:rPr lang="pt-BR" dirty="0"/>
+              <a:t>O Sudoku é um quebra-cabeça lógico com tabuleiro N por N, sendo a raiz quadrada de N um número inteiro, de modo que cada linha, coluna e </a:t>
+            </a:r>
+            <a:r>
+              <a:rPr lang="pt-BR" dirty="0" err="1"/>
+              <a:t>sub-grade</a:t>
+            </a:r>
+            <a:r>
+              <a:rPr lang="pt-BR" dirty="0"/>
+              <a:t> de tamanho da raiz quadrada de N que contenha todos os números de 1 a N sem repetição;</a:t>
+            </a:r>
+          </a:p>
+          <a:p>
+            <a:r>
+              <a:rPr lang="pt-BR" dirty="0"/>
+              <a:t>A técnica usa é o </a:t>
+            </a:r>
+            <a:r>
+              <a:rPr lang="pt-BR" i="1" dirty="0" err="1"/>
+              <a:t>Backtracking</a:t>
+            </a:r>
+            <a:r>
+              <a:rPr lang="pt-BR" dirty="0"/>
+              <a:t> (Busca Recursiva), que a partir do input do usuário, pinta uma célula vazia com o número 1 e verifica se ele não viola as regras. Se não violar, continua preenchendo as células subsequentes.;</a:t>
+            </a:r>
+          </a:p>
+          <a:p>
+            <a:r>
+              <a:rPr lang="pt-BR" dirty="0"/>
+              <a:t>Se chegar a uma célula onde não podemos preencher nenhum número válido, se é voltado atrás (</a:t>
+            </a:r>
+            <a:r>
+              <a:rPr lang="pt-BR" i="1" dirty="0" err="1"/>
+              <a:t>backtrack</a:t>
+            </a:r>
+            <a:r>
+              <a:rPr lang="pt-BR" dirty="0"/>
+              <a:t>) e tenta outro número na célula anterior. Esse processo continua até que todas as células estejam preenchidas corretamente.</a:t>
+            </a:r>
+          </a:p>
+          <a:p>
+            <a:endParaRPr lang="pt-BR" dirty="0"/>
+          </a:p>
+          <a:p>
+            <a:endParaRPr lang="pt-BR" dirty="0"/>
           </a:p>
         </p:txBody>
       </p:sp>
@@ -4788,7 +6911,7 @@
           <a:p>
             <a:fld id="{9FBE1B50-9130-47DA-B4F9-EEE798F3A0B6}" type="datetime1">
               <a:rPr lang="en-US" smtClean="0"/>
-              <a:t>5/7/2024</a:t>
+              <a:t>5/8/2024</a:t>
             </a:fld>
             <a:endParaRPr lang="en-US" dirty="0"/>
           </a:p>
@@ -4888,7 +7011,7 @@
           <p:cNvPr id="2" name="Título 1">
             <a:extLst>
               <a:ext uri="{FF2B5EF4-FFF2-40B4-BE49-F238E27FC236}">
-                <a16:creationId xmlns:a16="http://schemas.microsoft.com/office/drawing/2014/main" id="{3DA2759E-6509-5739-997F-79FBA3389A58}"/>
+                <a16:creationId xmlns:a16="http://schemas.microsoft.com/office/drawing/2014/main" id="{E7A62A9E-C411-78B0-B6D7-66BA12C68737}"/>
               </a:ext>
             </a:extLst>
           </p:cNvPr>
@@ -4906,15 +7029,23 @@
           <a:p>
             <a:r>
               <a:rPr lang="en-US" dirty="0" err="1"/>
-              <a:t>Funções</a:t>
-            </a:r>
-            <a:r>
-              <a:rPr lang="en-US" dirty="0"/>
-              <a:t> de </a:t>
+              <a:t>Pontos</a:t>
+            </a:r>
+            <a:r>
+              <a:rPr lang="en-US" dirty="0"/>
+              <a:t> </a:t>
             </a:r>
             <a:r>
               <a:rPr lang="en-US" dirty="0" err="1"/>
-              <a:t>similaridade</a:t>
+              <a:t>positos</a:t>
+            </a:r>
+            <a:r>
+              <a:rPr lang="en-US" dirty="0"/>
+              <a:t> e </a:t>
+            </a:r>
+            <a:r>
+              <a:rPr lang="en-US" dirty="0" err="1"/>
+              <a:t>negativos</a:t>
             </a:r>
             <a:endParaRPr lang="pt-BR" dirty="0"/>
           </a:p>
@@ -4925,7 +7056,7 @@
           <p:cNvPr id="3" name="Espaço Reservado para Conteúdo 2">
             <a:extLst>
               <a:ext uri="{FF2B5EF4-FFF2-40B4-BE49-F238E27FC236}">
-                <a16:creationId xmlns:a16="http://schemas.microsoft.com/office/drawing/2014/main" id="{AD684354-353E-8862-FCBF-8C22177AF4B9}"/>
+                <a16:creationId xmlns:a16="http://schemas.microsoft.com/office/drawing/2014/main" id="{A0A824DE-1396-458D-85D1-532A91E9C44F}"/>
               </a:ext>
             </a:extLst>
           </p:cNvPr>
@@ -4941,7 +7072,58 @@
           <a:bodyPr/>
           <a:lstStyle/>
           <a:p>
-            <a:endParaRPr lang="pt-BR" dirty="0"/>
+            <a:pPr algn="l" fontAlgn="base">
+              <a:buFont typeface="Arial" panose="020B0604020202020204" pitchFamily="34" charset="0"/>
+              <a:buChar char="•"/>
+            </a:pPr>
+            <a:r>
+              <a:rPr lang="pt-BR" dirty="0"/>
+              <a:t>Forma bastante fácil de implementar um problema que de outra forma seria muito mais complexo de se resolver;</a:t>
+            </a:r>
+          </a:p>
+          <a:p>
+            <a:pPr algn="l" fontAlgn="base">
+              <a:buFont typeface="Arial" panose="020B0604020202020204" pitchFamily="34" charset="0"/>
+              <a:buChar char="•"/>
+            </a:pPr>
+            <a:r>
+              <a:rPr lang="pt-BR" dirty="0"/>
+              <a:t>É examinado todas as opções, garantindo que a solução final seja encontrada;</a:t>
+            </a:r>
+          </a:p>
+          <a:p>
+            <a:r>
+              <a:rPr lang="pt-BR" dirty="0"/>
+              <a:t>Se não por restrições (</a:t>
+            </a:r>
+            <a:r>
+              <a:rPr lang="pt-BR" dirty="0" err="1"/>
+              <a:t>constraints</a:t>
+            </a:r>
+            <a:r>
+              <a:rPr lang="pt-BR" dirty="0"/>
+              <a:t>) </a:t>
+            </a:r>
+            <a:r>
+              <a:rPr lang="pt-BR" dirty="0" err="1"/>
+              <a:t>executão</a:t>
+            </a:r>
+            <a:r>
+              <a:rPr lang="pt-BR" dirty="0"/>
+              <a:t> acontecerá uma busca exaustiva e tenderão à explosão combinatória; </a:t>
+            </a:r>
+          </a:p>
+          <a:p>
+            <a:r>
+              <a:rPr lang="pt-BR" dirty="0"/>
+              <a:t>Necessitam de muita memória no Stack;</a:t>
+            </a:r>
+          </a:p>
+          <a:p>
+            <a:r>
+              <a:rPr lang="pt-BR" dirty="0"/>
+              <a:t>A ordem em que os candidatos são explorados afeta o desempenho. Uma escolha inadequada de ordem pode levar a um tempo de execução mais longo.</a:t>
+            </a:r>
           </a:p>
         </p:txBody>
       </p:sp>
@@ -4950,7 +7132,7 @@
           <p:cNvPr id="4" name="Espaço Reservado para Data 3">
             <a:extLst>
               <a:ext uri="{FF2B5EF4-FFF2-40B4-BE49-F238E27FC236}">
-                <a16:creationId xmlns:a16="http://schemas.microsoft.com/office/drawing/2014/main" id="{01FADF07-4BC5-F71C-E155-7E699903405F}"/>
+                <a16:creationId xmlns:a16="http://schemas.microsoft.com/office/drawing/2014/main" id="{77174FB9-A974-FB88-32F9-BC9B37338731}"/>
               </a:ext>
             </a:extLst>
           </p:cNvPr>
@@ -4966,9 +7148,9 @@
           <a:bodyPr/>
           <a:lstStyle/>
           <a:p>
-            <a:fld id="{A6D1F2CA-FA0A-421E-92E7-5CBF624CA0D2}" type="datetime1">
+            <a:fld id="{B4EA89E8-3B98-4FD1-88D7-71179ABDB4AC}" type="datetime1">
               <a:rPr lang="en-US" smtClean="0"/>
-              <a:t>5/7/2024</a:t>
+              <a:t>5/8/2024</a:t>
             </a:fld>
             <a:endParaRPr lang="en-US" dirty="0"/>
           </a:p>
@@ -4979,7 +7161,7 @@
           <p:cNvPr id="5" name="Espaço Reservado para Rodapé 4">
             <a:extLst>
               <a:ext uri="{FF2B5EF4-FFF2-40B4-BE49-F238E27FC236}">
-                <a16:creationId xmlns:a16="http://schemas.microsoft.com/office/drawing/2014/main" id="{C30563B5-F358-CCDC-BE50-1AA3C53B3CC6}"/>
+                <a16:creationId xmlns:a16="http://schemas.microsoft.com/office/drawing/2014/main" id="{AAA8279A-6988-1224-B19B-F9F009A1BDE1}"/>
               </a:ext>
             </a:extLst>
           </p:cNvPr>
@@ -5009,7 +7191,7 @@
           <p:cNvPr id="6" name="Espaço Reservado para Número de Slide 5">
             <a:extLst>
               <a:ext uri="{FF2B5EF4-FFF2-40B4-BE49-F238E27FC236}">
-                <a16:creationId xmlns:a16="http://schemas.microsoft.com/office/drawing/2014/main" id="{D5485450-93CC-472B-2AE9-4E3E69B21993}"/>
+                <a16:creationId xmlns:a16="http://schemas.microsoft.com/office/drawing/2014/main" id="{14BE491F-9665-6FB1-1CCD-FAED2E8B8122}"/>
               </a:ext>
             </a:extLst>
           </p:cNvPr>
@@ -5025,7 +7207,7 @@
           <a:bodyPr/>
           <a:lstStyle/>
           <a:p>
-            <a:fld id="{196A61CA-0502-4EE4-9724-96EA822543E5}" type="slidenum">
+            <a:fld id="{E30AF5A0-43BB-4336-8627-9123B9144D80}" type="slidenum">
               <a:rPr lang="en-US" smtClean="0"/>
               <a:t>3</a:t>
             </a:fld>
@@ -5036,7 +7218,7 @@
     </p:spTree>
     <p:extLst>
       <p:ext uri="{BB962C8B-B14F-4D97-AF65-F5344CB8AC3E}">
-        <p14:creationId xmlns:p14="http://schemas.microsoft.com/office/powerpoint/2010/main" val="1767302655"/>
+        <p14:creationId xmlns:p14="http://schemas.microsoft.com/office/powerpoint/2010/main" val="1839108021"/>
       </p:ext>
     </p:extLst>
   </p:cSld>
@@ -5068,7 +7250,7 @@
           <p:cNvPr id="2" name="Título 1">
             <a:extLst>
               <a:ext uri="{FF2B5EF4-FFF2-40B4-BE49-F238E27FC236}">
-                <a16:creationId xmlns:a16="http://schemas.microsoft.com/office/drawing/2014/main" id="{39887D89-22FC-622C-690A-E2571C8358CE}"/>
+                <a16:creationId xmlns:a16="http://schemas.microsoft.com/office/drawing/2014/main" id="{714336CA-46CB-E909-FCA2-DB7B50170DF0}"/>
               </a:ext>
             </a:extLst>
           </p:cNvPr>
@@ -5084,41 +7266,49 @@
           <a:bodyPr/>
           <a:lstStyle/>
           <a:p>
-            <a:endParaRPr lang="pt-BR"/>
-          </a:p>
-        </p:txBody>
-      </p:sp>
-      <p:sp>
-        <p:nvSpPr>
-          <p:cNvPr id="3" name="Espaço Reservado para Conteúdo 2">
-            <a:extLst>
-              <a:ext uri="{FF2B5EF4-FFF2-40B4-BE49-F238E27FC236}">
-                <a16:creationId xmlns:a16="http://schemas.microsoft.com/office/drawing/2014/main" id="{D18A5516-B06F-36C5-F2E3-84103FADF1AC}"/>
-              </a:ext>
-            </a:extLst>
-          </p:cNvPr>
-          <p:cNvSpPr>
-            <a:spLocks noGrp="1"/>
-          </p:cNvSpPr>
+            <a:r>
+              <a:rPr lang="en-US" dirty="0"/>
+              <a:t>PRINCIPAL</a:t>
+            </a:r>
+            <a:endParaRPr lang="pt-BR" dirty="0"/>
+          </a:p>
+        </p:txBody>
+      </p:sp>
+      <p:pic>
+        <p:nvPicPr>
+          <p:cNvPr id="8" name="Espaço Reservado para Conteúdo 7">
+            <a:extLst>
+              <a:ext uri="{FF2B5EF4-FFF2-40B4-BE49-F238E27FC236}">
+                <a16:creationId xmlns:a16="http://schemas.microsoft.com/office/drawing/2014/main" id="{00F452FC-2464-3821-2B96-E293938164EB}"/>
+              </a:ext>
+            </a:extLst>
+          </p:cNvPr>
+          <p:cNvPicPr>
+            <a:picLocks noGrp="1" noChangeAspect="1"/>
+          </p:cNvPicPr>
           <p:nvPr>
             <p:ph idx="1"/>
           </p:nvPr>
-        </p:nvSpPr>
-        <p:spPr/>
-        <p:txBody>
-          <a:bodyPr/>
-          <a:lstStyle/>
-          <a:p>
-            <a:endParaRPr lang="pt-BR"/>
-          </a:p>
-        </p:txBody>
-      </p:sp>
+        </p:nvPicPr>
+        <p:blipFill>
+          <a:blip r:embed="rId2"/>
+          <a:stretch>
+            <a:fillRect/>
+          </a:stretch>
+        </p:blipFill>
+        <p:spPr>
+          <a:xfrm>
+            <a:off x="3133979" y="1126230"/>
+            <a:ext cx="5924042" cy="4893085"/>
+          </a:xfrm>
+        </p:spPr>
+      </p:pic>
       <p:sp>
         <p:nvSpPr>
           <p:cNvPr id="4" name="Espaço Reservado para Data 3">
             <a:extLst>
               <a:ext uri="{FF2B5EF4-FFF2-40B4-BE49-F238E27FC236}">
-                <a16:creationId xmlns:a16="http://schemas.microsoft.com/office/drawing/2014/main" id="{FBBE62BA-F7B8-8240-F43C-643DB196171D}"/>
+                <a16:creationId xmlns:a16="http://schemas.microsoft.com/office/drawing/2014/main" id="{BDC38012-20EA-F590-0716-D92A4F1E52D1}"/>
               </a:ext>
             </a:extLst>
           </p:cNvPr>
@@ -5134,9 +7324,9 @@
           <a:bodyPr/>
           <a:lstStyle/>
           <a:p>
-            <a:fld id="{9E427858-1B63-42BF-A081-F881375F2F0E}" type="datetime1">
+            <a:fld id="{33E77BEC-1D54-41B7-9FA4-F1B382CF0549}" type="datetime1">
               <a:rPr lang="en-US" smtClean="0"/>
-              <a:t>5/7/2024</a:t>
+              <a:t>5/8/2024</a:t>
             </a:fld>
             <a:endParaRPr lang="en-US" dirty="0"/>
           </a:p>
@@ -5147,7 +7337,7 @@
           <p:cNvPr id="5" name="Espaço Reservado para Rodapé 4">
             <a:extLst>
               <a:ext uri="{FF2B5EF4-FFF2-40B4-BE49-F238E27FC236}">
-                <a16:creationId xmlns:a16="http://schemas.microsoft.com/office/drawing/2014/main" id="{BB056759-BDF5-5450-E526-02C0EF64F525}"/>
+                <a16:creationId xmlns:a16="http://schemas.microsoft.com/office/drawing/2014/main" id="{259A0D6A-365A-87AD-B545-6B2165F56DB3}"/>
               </a:ext>
             </a:extLst>
           </p:cNvPr>
@@ -5177,7 +7367,7 @@
           <p:cNvPr id="6" name="Espaço Reservado para Número de Slide 5">
             <a:extLst>
               <a:ext uri="{FF2B5EF4-FFF2-40B4-BE49-F238E27FC236}">
-                <a16:creationId xmlns:a16="http://schemas.microsoft.com/office/drawing/2014/main" id="{4CA22887-B5A5-3AD7-1BCD-A285BC742658}"/>
+                <a16:creationId xmlns:a16="http://schemas.microsoft.com/office/drawing/2014/main" id="{3F283DCA-B281-F185-2AF0-1153408B2159}"/>
               </a:ext>
             </a:extLst>
           </p:cNvPr>
@@ -5193,7 +7383,7 @@
           <a:bodyPr/>
           <a:lstStyle/>
           <a:p>
-            <a:fld id="{196A61CA-0502-4EE4-9724-96EA822543E5}" type="slidenum">
+            <a:fld id="{E30AF5A0-43BB-4336-8627-9123B9144D80}" type="slidenum">
               <a:rPr lang="en-US" smtClean="0"/>
               <a:t>4</a:t>
             </a:fld>
@@ -5204,7 +7394,7 @@
     </p:spTree>
     <p:extLst>
       <p:ext uri="{BB962C8B-B14F-4D97-AF65-F5344CB8AC3E}">
-        <p14:creationId xmlns:p14="http://schemas.microsoft.com/office/powerpoint/2010/main" val="1967995460"/>
+        <p14:creationId xmlns:p14="http://schemas.microsoft.com/office/powerpoint/2010/main" val="2804307500"/>
       </p:ext>
     </p:extLst>
   </p:cSld>
@@ -5236,7 +7426,7 @@
           <p:cNvPr id="2" name="Título 1">
             <a:extLst>
               <a:ext uri="{FF2B5EF4-FFF2-40B4-BE49-F238E27FC236}">
-                <a16:creationId xmlns:a16="http://schemas.microsoft.com/office/drawing/2014/main" id="{B1F35A36-4B8A-CC21-A7B3-D24FC5357485}"/>
+                <a16:creationId xmlns:a16="http://schemas.microsoft.com/office/drawing/2014/main" id="{30C56C44-CE58-41CD-29E4-49176BAA2E4E}"/>
               </a:ext>
             </a:extLst>
           </p:cNvPr>
@@ -5247,31 +7437,54 @@
             <p:ph type="title"/>
           </p:nvPr>
         </p:nvSpPr>
+        <p:spPr/>
+        <p:txBody>
+          <a:bodyPr/>
+          <a:lstStyle/>
+          <a:p>
+            <a:r>
+              <a:rPr lang="en-US" dirty="0" err="1"/>
+              <a:t>pRINCIPAL</a:t>
+            </a:r>
+            <a:endParaRPr lang="pt-BR" dirty="0"/>
+          </a:p>
+        </p:txBody>
+      </p:sp>
+      <p:pic>
+        <p:nvPicPr>
+          <p:cNvPr id="8" name="Espaço Reservado para Conteúdo 7">
+            <a:extLst>
+              <a:ext uri="{FF2B5EF4-FFF2-40B4-BE49-F238E27FC236}">
+                <a16:creationId xmlns:a16="http://schemas.microsoft.com/office/drawing/2014/main" id="{9144A76C-7831-775B-9992-B2783F29472A}"/>
+              </a:ext>
+            </a:extLst>
+          </p:cNvPr>
+          <p:cNvPicPr>
+            <a:picLocks noGrp="1" noChangeAspect="1"/>
+          </p:cNvPicPr>
+          <p:nvPr>
+            <p:ph idx="1"/>
+          </p:nvPr>
+        </p:nvPicPr>
+        <p:blipFill>
+          <a:blip r:embed="rId2"/>
+          <a:stretch>
+            <a:fillRect/>
+          </a:stretch>
+        </p:blipFill>
         <p:spPr>
           <a:xfrm>
-            <a:off x="1371828" y="2217082"/>
-            <a:ext cx="9448343" cy="1820173"/>
+            <a:off x="1852004" y="1589768"/>
+            <a:ext cx="6806212" cy="4346136"/>
           </a:xfrm>
         </p:spPr>
-        <p:txBody>
-          <a:bodyPr/>
-          <a:lstStyle/>
-          <a:p>
-            <a:pPr algn="ctr"/>
-            <a:r>
-              <a:rPr lang="en-US" sz="5400" dirty="0" err="1"/>
-              <a:t>Obrigado</a:t>
-            </a:r>
-            <a:endParaRPr lang="pt-BR" sz="5400" dirty="0"/>
-          </a:p>
-        </p:txBody>
-      </p:sp>
+      </p:pic>
       <p:sp>
         <p:nvSpPr>
           <p:cNvPr id="4" name="Espaço Reservado para Data 3">
             <a:extLst>
               <a:ext uri="{FF2B5EF4-FFF2-40B4-BE49-F238E27FC236}">
-                <a16:creationId xmlns:a16="http://schemas.microsoft.com/office/drawing/2014/main" id="{50137EE9-4887-8E0A-6349-CC3BFA083A91}"/>
+                <a16:creationId xmlns:a16="http://schemas.microsoft.com/office/drawing/2014/main" id="{6B9D5B44-50BA-7A8E-FE92-46CD6A257CDE}"/>
               </a:ext>
             </a:extLst>
           </p:cNvPr>
@@ -5287,9 +7500,9 @@
           <a:bodyPr/>
           <a:lstStyle/>
           <a:p>
-            <a:fld id="{8ADC9E49-246E-484A-926C-3041536DB8F7}" type="datetime1">
+            <a:fld id="{667C705A-C0FD-4DBB-A08B-0ABAC21AD1B9}" type="datetime1">
               <a:rPr lang="en-US" smtClean="0"/>
-              <a:t>5/7/2024</a:t>
+              <a:t>5/8/2024</a:t>
             </a:fld>
             <a:endParaRPr lang="en-US" dirty="0"/>
           </a:p>
@@ -5300,7 +7513,7 @@
           <p:cNvPr id="5" name="Espaço Reservado para Rodapé 4">
             <a:extLst>
               <a:ext uri="{FF2B5EF4-FFF2-40B4-BE49-F238E27FC236}">
-                <a16:creationId xmlns:a16="http://schemas.microsoft.com/office/drawing/2014/main" id="{F359168D-AE6A-4BA1-7FED-DC37B5B538AC}"/>
+                <a16:creationId xmlns:a16="http://schemas.microsoft.com/office/drawing/2014/main" id="{E32AE09A-BB25-9967-61E8-F68F2D68FC4E}"/>
               </a:ext>
             </a:extLst>
           </p:cNvPr>
@@ -5330,7 +7543,7 @@
           <p:cNvPr id="6" name="Espaço Reservado para Número de Slide 5">
             <a:extLst>
               <a:ext uri="{FF2B5EF4-FFF2-40B4-BE49-F238E27FC236}">
-                <a16:creationId xmlns:a16="http://schemas.microsoft.com/office/drawing/2014/main" id="{4880F13E-F76E-22C7-A8C6-39DB72471046}"/>
+                <a16:creationId xmlns:a16="http://schemas.microsoft.com/office/drawing/2014/main" id="{7FEB571C-08E1-C3F7-6CDE-52EFB0BA151B}"/>
               </a:ext>
             </a:extLst>
           </p:cNvPr>
@@ -5346,7 +7559,7 @@
           <a:bodyPr/>
           <a:lstStyle/>
           <a:p>
-            <a:fld id="{196A61CA-0502-4EE4-9724-96EA822543E5}" type="slidenum">
+            <a:fld id="{E30AF5A0-43BB-4336-8627-9123B9144D80}" type="slidenum">
               <a:rPr lang="en-US" smtClean="0"/>
               <a:t>5</a:t>
             </a:fld>
@@ -5357,7 +7570,775 @@
     </p:spTree>
     <p:extLst>
       <p:ext uri="{BB962C8B-B14F-4D97-AF65-F5344CB8AC3E}">
-        <p14:creationId xmlns:p14="http://schemas.microsoft.com/office/powerpoint/2010/main" val="2210678312"/>
+        <p14:creationId xmlns:p14="http://schemas.microsoft.com/office/powerpoint/2010/main" val="3546819228"/>
+      </p:ext>
+    </p:extLst>
+  </p:cSld>
+  <p:clrMapOvr>
+    <a:masterClrMapping/>
+  </p:clrMapOvr>
+</p:sld>
+</file>
+
+<file path=ppt/slides/slide6.xml><?xml version="1.0" encoding="utf-8"?>
+<p:sld xmlns:a="http://schemas.openxmlformats.org/drawingml/2006/main" xmlns:r="http://schemas.openxmlformats.org/officeDocument/2006/relationships" xmlns:p="http://schemas.openxmlformats.org/presentationml/2006/main">
+  <p:cSld>
+    <p:spTree>
+      <p:nvGrpSpPr>
+        <p:cNvPr id="1" name=""/>
+        <p:cNvGrpSpPr/>
+        <p:nvPr/>
+      </p:nvGrpSpPr>
+      <p:grpSpPr>
+        <a:xfrm>
+          <a:off x="0" y="0"/>
+          <a:ext cx="0" cy="0"/>
+          <a:chOff x="0" y="0"/>
+          <a:chExt cx="0" cy="0"/>
+        </a:xfrm>
+      </p:grpSpPr>
+      <p:sp>
+        <p:nvSpPr>
+          <p:cNvPr id="2" name="Título 1">
+            <a:extLst>
+              <a:ext uri="{FF2B5EF4-FFF2-40B4-BE49-F238E27FC236}">
+                <a16:creationId xmlns:a16="http://schemas.microsoft.com/office/drawing/2014/main" id="{017149C2-F1C9-B662-3A74-0B3F0A9B813C}"/>
+              </a:ext>
+            </a:extLst>
+          </p:cNvPr>
+          <p:cNvSpPr>
+            <a:spLocks noGrp="1"/>
+          </p:cNvSpPr>
+          <p:nvPr>
+            <p:ph type="title"/>
+          </p:nvPr>
+        </p:nvSpPr>
+        <p:spPr/>
+        <p:txBody>
+          <a:bodyPr/>
+          <a:lstStyle/>
+          <a:p>
+            <a:r>
+              <a:rPr lang="en-US" dirty="0" err="1"/>
+              <a:t>Gerar</a:t>
+            </a:r>
+            <a:r>
+              <a:rPr lang="en-US" dirty="0"/>
+              <a:t> </a:t>
+            </a:r>
+            <a:r>
+              <a:rPr lang="en-US" dirty="0" err="1"/>
+              <a:t>jogo</a:t>
+            </a:r>
+            <a:r>
+              <a:rPr lang="en-US" dirty="0"/>
+              <a:t> sudoku </a:t>
+            </a:r>
+            <a:r>
+              <a:rPr lang="en-US" dirty="0" err="1"/>
+              <a:t>parcialmente</a:t>
+            </a:r>
+            <a:r>
+              <a:rPr lang="en-US" dirty="0"/>
+              <a:t> </a:t>
+            </a:r>
+            <a:r>
+              <a:rPr lang="en-US" dirty="0" err="1"/>
+              <a:t>completo</a:t>
+            </a:r>
+            <a:endParaRPr lang="pt-BR" dirty="0"/>
+          </a:p>
+        </p:txBody>
+      </p:sp>
+      <p:pic>
+        <p:nvPicPr>
+          <p:cNvPr id="8" name="Espaço Reservado para Conteúdo 7">
+            <a:extLst>
+              <a:ext uri="{FF2B5EF4-FFF2-40B4-BE49-F238E27FC236}">
+                <a16:creationId xmlns:a16="http://schemas.microsoft.com/office/drawing/2014/main" id="{7C901518-C422-89C1-6369-69ED99F70AF8}"/>
+              </a:ext>
+            </a:extLst>
+          </p:cNvPr>
+          <p:cNvPicPr>
+            <a:picLocks noGrp="1" noChangeAspect="1"/>
+          </p:cNvPicPr>
+          <p:nvPr>
+            <p:ph idx="1"/>
+          </p:nvPr>
+        </p:nvPicPr>
+        <p:blipFill>
+          <a:blip r:embed="rId2"/>
+          <a:stretch>
+            <a:fillRect/>
+          </a:stretch>
+        </p:blipFill>
+        <p:spPr>
+          <a:xfrm>
+            <a:off x="3029339" y="2292350"/>
+            <a:ext cx="6033310" cy="3636963"/>
+          </a:xfrm>
+        </p:spPr>
+      </p:pic>
+      <p:sp>
+        <p:nvSpPr>
+          <p:cNvPr id="4" name="Espaço Reservado para Data 3">
+            <a:extLst>
+              <a:ext uri="{FF2B5EF4-FFF2-40B4-BE49-F238E27FC236}">
+                <a16:creationId xmlns:a16="http://schemas.microsoft.com/office/drawing/2014/main" id="{2970FD21-8104-B811-194F-022F35A2EEFD}"/>
+              </a:ext>
+            </a:extLst>
+          </p:cNvPr>
+          <p:cNvSpPr>
+            <a:spLocks noGrp="1"/>
+          </p:cNvSpPr>
+          <p:nvPr>
+            <p:ph type="dt" sz="half" idx="10"/>
+          </p:nvPr>
+        </p:nvSpPr>
+        <p:spPr/>
+        <p:txBody>
+          <a:bodyPr/>
+          <a:lstStyle/>
+          <a:p>
+            <a:fld id="{16EA947A-AFE5-4751-8EB6-6ADAB3367E02}" type="datetime1">
+              <a:rPr lang="en-US" smtClean="0"/>
+              <a:t>5/8/2024</a:t>
+            </a:fld>
+            <a:endParaRPr lang="en-US" dirty="0"/>
+          </a:p>
+        </p:txBody>
+      </p:sp>
+      <p:sp>
+        <p:nvSpPr>
+          <p:cNvPr id="5" name="Espaço Reservado para Rodapé 4">
+            <a:extLst>
+              <a:ext uri="{FF2B5EF4-FFF2-40B4-BE49-F238E27FC236}">
+                <a16:creationId xmlns:a16="http://schemas.microsoft.com/office/drawing/2014/main" id="{F23A7914-9088-768E-6AF3-02191E0067F0}"/>
+              </a:ext>
+            </a:extLst>
+          </p:cNvPr>
+          <p:cNvSpPr>
+            <a:spLocks noGrp="1"/>
+          </p:cNvSpPr>
+          <p:nvPr>
+            <p:ph type="ftr" sz="quarter" idx="11"/>
+          </p:nvPr>
+        </p:nvSpPr>
+        <p:spPr/>
+        <p:txBody>
+          <a:bodyPr/>
+          <a:lstStyle/>
+          <a:p>
+            <a:r>
+              <a:rPr lang="en-US"/>
+              <a:t>
+              </a:t>
+            </a:r>
+            <a:endParaRPr lang="en-US" dirty="0"/>
+          </a:p>
+        </p:txBody>
+      </p:sp>
+      <p:sp>
+        <p:nvSpPr>
+          <p:cNvPr id="6" name="Espaço Reservado para Número de Slide 5">
+            <a:extLst>
+              <a:ext uri="{FF2B5EF4-FFF2-40B4-BE49-F238E27FC236}">
+                <a16:creationId xmlns:a16="http://schemas.microsoft.com/office/drawing/2014/main" id="{5127E54B-5185-90E8-3CCF-C9956A04787C}"/>
+              </a:ext>
+            </a:extLst>
+          </p:cNvPr>
+          <p:cNvSpPr>
+            <a:spLocks noGrp="1"/>
+          </p:cNvSpPr>
+          <p:nvPr>
+            <p:ph type="sldNum" sz="quarter" idx="12"/>
+          </p:nvPr>
+        </p:nvSpPr>
+        <p:spPr/>
+        <p:txBody>
+          <a:bodyPr/>
+          <a:lstStyle/>
+          <a:p>
+            <a:fld id="{E30AF5A0-43BB-4336-8627-9123B9144D80}" type="slidenum">
+              <a:rPr lang="en-US" smtClean="0"/>
+              <a:t>6</a:t>
+            </a:fld>
+            <a:endParaRPr lang="en-US" dirty="0"/>
+          </a:p>
+        </p:txBody>
+      </p:sp>
+    </p:spTree>
+    <p:extLst>
+      <p:ext uri="{BB962C8B-B14F-4D97-AF65-F5344CB8AC3E}">
+        <p14:creationId xmlns:p14="http://schemas.microsoft.com/office/powerpoint/2010/main" val="1498387516"/>
+      </p:ext>
+    </p:extLst>
+  </p:cSld>
+  <p:clrMapOvr>
+    <a:masterClrMapping/>
+  </p:clrMapOvr>
+</p:sld>
+</file>
+
+<file path=ppt/slides/slide7.xml><?xml version="1.0" encoding="utf-8"?>
+<p:sld xmlns:a="http://schemas.openxmlformats.org/drawingml/2006/main" xmlns:r="http://schemas.openxmlformats.org/officeDocument/2006/relationships" xmlns:p="http://schemas.openxmlformats.org/presentationml/2006/main">
+  <p:cSld>
+    <p:spTree>
+      <p:nvGrpSpPr>
+        <p:cNvPr id="1" name=""/>
+        <p:cNvGrpSpPr/>
+        <p:nvPr/>
+      </p:nvGrpSpPr>
+      <p:grpSpPr>
+        <a:xfrm>
+          <a:off x="0" y="0"/>
+          <a:ext cx="0" cy="0"/>
+          <a:chOff x="0" y="0"/>
+          <a:chExt cx="0" cy="0"/>
+        </a:xfrm>
+      </p:grpSpPr>
+      <p:sp>
+        <p:nvSpPr>
+          <p:cNvPr id="2" name="Título 1">
+            <a:extLst>
+              <a:ext uri="{FF2B5EF4-FFF2-40B4-BE49-F238E27FC236}">
+                <a16:creationId xmlns:a16="http://schemas.microsoft.com/office/drawing/2014/main" id="{06A686DF-65D1-C31B-9C66-BF7F4C7748DA}"/>
+              </a:ext>
+            </a:extLst>
+          </p:cNvPr>
+          <p:cNvSpPr>
+            <a:spLocks noGrp="1"/>
+          </p:cNvSpPr>
+          <p:nvPr>
+            <p:ph type="title"/>
+          </p:nvPr>
+        </p:nvSpPr>
+        <p:spPr/>
+        <p:txBody>
+          <a:bodyPr/>
+          <a:lstStyle/>
+          <a:p>
+            <a:r>
+              <a:rPr lang="en-US" dirty="0" err="1"/>
+              <a:t>Gerar</a:t>
+            </a:r>
+            <a:r>
+              <a:rPr lang="en-US" dirty="0"/>
+              <a:t> </a:t>
+            </a:r>
+            <a:r>
+              <a:rPr lang="en-US" dirty="0" err="1"/>
+              <a:t>jogo</a:t>
+            </a:r>
+            <a:r>
+              <a:rPr lang="en-US" dirty="0"/>
+              <a:t> sudoku </a:t>
+            </a:r>
+            <a:r>
+              <a:rPr lang="en-US" dirty="0" err="1"/>
+              <a:t>parcialmente</a:t>
+            </a:r>
+            <a:r>
+              <a:rPr lang="en-US" dirty="0"/>
+              <a:t> </a:t>
+            </a:r>
+            <a:r>
+              <a:rPr lang="en-US" dirty="0" err="1"/>
+              <a:t>feito</a:t>
+            </a:r>
+            <a:endParaRPr lang="pt-BR" dirty="0"/>
+          </a:p>
+        </p:txBody>
+      </p:sp>
+      <p:pic>
+        <p:nvPicPr>
+          <p:cNvPr id="10" name="Espaço Reservado para Conteúdo 9">
+            <a:extLst>
+              <a:ext uri="{FF2B5EF4-FFF2-40B4-BE49-F238E27FC236}">
+                <a16:creationId xmlns:a16="http://schemas.microsoft.com/office/drawing/2014/main" id="{1977DA46-0F53-57B2-6472-D211005044D0}"/>
+              </a:ext>
+            </a:extLst>
+          </p:cNvPr>
+          <p:cNvPicPr>
+            <a:picLocks noGrp="1" noChangeAspect="1"/>
+          </p:cNvPicPr>
+          <p:nvPr>
+            <p:ph idx="1"/>
+          </p:nvPr>
+        </p:nvPicPr>
+        <p:blipFill>
+          <a:blip r:embed="rId2"/>
+          <a:stretch>
+            <a:fillRect/>
+          </a:stretch>
+        </p:blipFill>
+        <p:spPr>
+          <a:xfrm>
+            <a:off x="3587735" y="2292350"/>
+            <a:ext cx="4916518" cy="3636963"/>
+          </a:xfrm>
+        </p:spPr>
+      </p:pic>
+      <p:sp>
+        <p:nvSpPr>
+          <p:cNvPr id="4" name="Espaço Reservado para Data 3">
+            <a:extLst>
+              <a:ext uri="{FF2B5EF4-FFF2-40B4-BE49-F238E27FC236}">
+                <a16:creationId xmlns:a16="http://schemas.microsoft.com/office/drawing/2014/main" id="{BB0FFB5D-9645-F3FA-1FD5-784C585DFE37}"/>
+              </a:ext>
+            </a:extLst>
+          </p:cNvPr>
+          <p:cNvSpPr>
+            <a:spLocks noGrp="1"/>
+          </p:cNvSpPr>
+          <p:nvPr>
+            <p:ph type="dt" sz="half" idx="10"/>
+          </p:nvPr>
+        </p:nvSpPr>
+        <p:spPr/>
+        <p:txBody>
+          <a:bodyPr/>
+          <a:lstStyle/>
+          <a:p>
+            <a:fld id="{893FFDDA-7EEF-4A19-81FF-08E9A71601AB}" type="datetime1">
+              <a:rPr lang="en-US" smtClean="0"/>
+              <a:t>5/8/2024</a:t>
+            </a:fld>
+            <a:endParaRPr lang="en-US" dirty="0"/>
+          </a:p>
+        </p:txBody>
+      </p:sp>
+      <p:sp>
+        <p:nvSpPr>
+          <p:cNvPr id="5" name="Espaço Reservado para Rodapé 4">
+            <a:extLst>
+              <a:ext uri="{FF2B5EF4-FFF2-40B4-BE49-F238E27FC236}">
+                <a16:creationId xmlns:a16="http://schemas.microsoft.com/office/drawing/2014/main" id="{B99D05ED-3483-79A1-7FC4-F4CBF5A9F743}"/>
+              </a:ext>
+            </a:extLst>
+          </p:cNvPr>
+          <p:cNvSpPr>
+            <a:spLocks noGrp="1"/>
+          </p:cNvSpPr>
+          <p:nvPr>
+            <p:ph type="ftr" sz="quarter" idx="11"/>
+          </p:nvPr>
+        </p:nvSpPr>
+        <p:spPr/>
+        <p:txBody>
+          <a:bodyPr/>
+          <a:lstStyle/>
+          <a:p>
+            <a:r>
+              <a:rPr lang="en-US"/>
+              <a:t>
+              </a:t>
+            </a:r>
+            <a:endParaRPr lang="en-US" dirty="0"/>
+          </a:p>
+        </p:txBody>
+      </p:sp>
+      <p:sp>
+        <p:nvSpPr>
+          <p:cNvPr id="6" name="Espaço Reservado para Número de Slide 5">
+            <a:extLst>
+              <a:ext uri="{FF2B5EF4-FFF2-40B4-BE49-F238E27FC236}">
+                <a16:creationId xmlns:a16="http://schemas.microsoft.com/office/drawing/2014/main" id="{B1517D38-5E50-C8F6-3F3E-E8948FB1A944}"/>
+              </a:ext>
+            </a:extLst>
+          </p:cNvPr>
+          <p:cNvSpPr>
+            <a:spLocks noGrp="1"/>
+          </p:cNvSpPr>
+          <p:nvPr>
+            <p:ph type="sldNum" sz="quarter" idx="12"/>
+          </p:nvPr>
+        </p:nvSpPr>
+        <p:spPr/>
+        <p:txBody>
+          <a:bodyPr/>
+          <a:lstStyle/>
+          <a:p>
+            <a:fld id="{E30AF5A0-43BB-4336-8627-9123B9144D80}" type="slidenum">
+              <a:rPr lang="en-US" smtClean="0"/>
+              <a:t>7</a:t>
+            </a:fld>
+            <a:endParaRPr lang="en-US" dirty="0"/>
+          </a:p>
+        </p:txBody>
+      </p:sp>
+    </p:spTree>
+    <p:extLst>
+      <p:ext uri="{BB962C8B-B14F-4D97-AF65-F5344CB8AC3E}">
+        <p14:creationId xmlns:p14="http://schemas.microsoft.com/office/powerpoint/2010/main" val="1606520421"/>
+      </p:ext>
+    </p:extLst>
+  </p:cSld>
+  <p:clrMapOvr>
+    <a:masterClrMapping/>
+  </p:clrMapOvr>
+</p:sld>
+</file>
+
+<file path=ppt/slides/slide8.xml><?xml version="1.0" encoding="utf-8"?>
+<p:sld xmlns:a="http://schemas.openxmlformats.org/drawingml/2006/main" xmlns:r="http://schemas.openxmlformats.org/officeDocument/2006/relationships" xmlns:p="http://schemas.openxmlformats.org/presentationml/2006/main">
+  <p:cSld>
+    <p:spTree>
+      <p:nvGrpSpPr>
+        <p:cNvPr id="1" name=""/>
+        <p:cNvGrpSpPr/>
+        <p:nvPr/>
+      </p:nvGrpSpPr>
+      <p:grpSpPr>
+        <a:xfrm>
+          <a:off x="0" y="0"/>
+          <a:ext cx="0" cy="0"/>
+          <a:chOff x="0" y="0"/>
+          <a:chExt cx="0" cy="0"/>
+        </a:xfrm>
+      </p:grpSpPr>
+      <p:sp>
+        <p:nvSpPr>
+          <p:cNvPr id="2" name="Título 1">
+            <a:extLst>
+              <a:ext uri="{FF2B5EF4-FFF2-40B4-BE49-F238E27FC236}">
+                <a16:creationId xmlns:a16="http://schemas.microsoft.com/office/drawing/2014/main" id="{E2040403-79F0-823D-2409-D5E0B58B5402}"/>
+              </a:ext>
+            </a:extLst>
+          </p:cNvPr>
+          <p:cNvSpPr>
+            <a:spLocks noGrp="1"/>
+          </p:cNvSpPr>
+          <p:nvPr>
+            <p:ph type="title"/>
+          </p:nvPr>
+        </p:nvSpPr>
+        <p:spPr/>
+        <p:txBody>
+          <a:bodyPr/>
+          <a:lstStyle/>
+          <a:p>
+            <a:r>
+              <a:rPr lang="en-US" dirty="0"/>
+              <a:t>COLORINDO O GRAFO</a:t>
+            </a:r>
+            <a:endParaRPr lang="pt-BR" dirty="0"/>
+          </a:p>
+        </p:txBody>
+      </p:sp>
+      <p:pic>
+        <p:nvPicPr>
+          <p:cNvPr id="8" name="Espaço Reservado para Conteúdo 7">
+            <a:extLst>
+              <a:ext uri="{FF2B5EF4-FFF2-40B4-BE49-F238E27FC236}">
+                <a16:creationId xmlns:a16="http://schemas.microsoft.com/office/drawing/2014/main" id="{5EE782DC-34E0-2145-3B71-7A7901F7FC0E}"/>
+              </a:ext>
+            </a:extLst>
+          </p:cNvPr>
+          <p:cNvPicPr>
+            <a:picLocks noGrp="1" noChangeAspect="1"/>
+          </p:cNvPicPr>
+          <p:nvPr>
+            <p:ph idx="1"/>
+          </p:nvPr>
+        </p:nvPicPr>
+        <p:blipFill>
+          <a:blip r:embed="rId2"/>
+          <a:stretch>
+            <a:fillRect/>
+          </a:stretch>
+        </p:blipFill>
+        <p:spPr>
+          <a:xfrm>
+            <a:off x="2359162" y="1401822"/>
+            <a:ext cx="6010286" cy="4954528"/>
+          </a:xfrm>
+        </p:spPr>
+      </p:pic>
+      <p:sp>
+        <p:nvSpPr>
+          <p:cNvPr id="4" name="Espaço Reservado para Data 3">
+            <a:extLst>
+              <a:ext uri="{FF2B5EF4-FFF2-40B4-BE49-F238E27FC236}">
+                <a16:creationId xmlns:a16="http://schemas.microsoft.com/office/drawing/2014/main" id="{19FD61E1-2EC2-706B-DD07-923C49B262C0}"/>
+              </a:ext>
+            </a:extLst>
+          </p:cNvPr>
+          <p:cNvSpPr>
+            <a:spLocks noGrp="1"/>
+          </p:cNvSpPr>
+          <p:nvPr>
+            <p:ph type="dt" sz="half" idx="10"/>
+          </p:nvPr>
+        </p:nvSpPr>
+        <p:spPr/>
+        <p:txBody>
+          <a:bodyPr/>
+          <a:lstStyle/>
+          <a:p>
+            <a:fld id="{03FAB47E-E857-47C8-9885-0C648C707DBF}" type="datetime1">
+              <a:rPr lang="en-US" smtClean="0"/>
+              <a:t>5/8/2024</a:t>
+            </a:fld>
+            <a:endParaRPr lang="en-US" dirty="0"/>
+          </a:p>
+        </p:txBody>
+      </p:sp>
+      <p:sp>
+        <p:nvSpPr>
+          <p:cNvPr id="5" name="Espaço Reservado para Rodapé 4">
+            <a:extLst>
+              <a:ext uri="{FF2B5EF4-FFF2-40B4-BE49-F238E27FC236}">
+                <a16:creationId xmlns:a16="http://schemas.microsoft.com/office/drawing/2014/main" id="{176982DA-FC37-1F4B-29A6-82121031D3A1}"/>
+              </a:ext>
+            </a:extLst>
+          </p:cNvPr>
+          <p:cNvSpPr>
+            <a:spLocks noGrp="1"/>
+          </p:cNvSpPr>
+          <p:nvPr>
+            <p:ph type="ftr" sz="quarter" idx="11"/>
+          </p:nvPr>
+        </p:nvSpPr>
+        <p:spPr/>
+        <p:txBody>
+          <a:bodyPr/>
+          <a:lstStyle/>
+          <a:p>
+            <a:r>
+              <a:rPr lang="en-US"/>
+              <a:t>
+              </a:t>
+            </a:r>
+            <a:endParaRPr lang="en-US" dirty="0"/>
+          </a:p>
+        </p:txBody>
+      </p:sp>
+      <p:sp>
+        <p:nvSpPr>
+          <p:cNvPr id="6" name="Espaço Reservado para Número de Slide 5">
+            <a:extLst>
+              <a:ext uri="{FF2B5EF4-FFF2-40B4-BE49-F238E27FC236}">
+                <a16:creationId xmlns:a16="http://schemas.microsoft.com/office/drawing/2014/main" id="{7CABA8B8-DE71-8921-FCEE-49A28EA0C1BF}"/>
+              </a:ext>
+            </a:extLst>
+          </p:cNvPr>
+          <p:cNvSpPr>
+            <a:spLocks noGrp="1"/>
+          </p:cNvSpPr>
+          <p:nvPr>
+            <p:ph type="sldNum" sz="quarter" idx="12"/>
+          </p:nvPr>
+        </p:nvSpPr>
+        <p:spPr/>
+        <p:txBody>
+          <a:bodyPr/>
+          <a:lstStyle/>
+          <a:p>
+            <a:fld id="{E30AF5A0-43BB-4336-8627-9123B9144D80}" type="slidenum">
+              <a:rPr lang="en-US" smtClean="0"/>
+              <a:t>8</a:t>
+            </a:fld>
+            <a:endParaRPr lang="en-US" dirty="0"/>
+          </a:p>
+        </p:txBody>
+      </p:sp>
+    </p:spTree>
+    <p:extLst>
+      <p:ext uri="{BB962C8B-B14F-4D97-AF65-F5344CB8AC3E}">
+        <p14:creationId xmlns:p14="http://schemas.microsoft.com/office/powerpoint/2010/main" val="4074611433"/>
+      </p:ext>
+    </p:extLst>
+  </p:cSld>
+  <p:clrMapOvr>
+    <a:masterClrMapping/>
+  </p:clrMapOvr>
+</p:sld>
+</file>
+
+<file path=ppt/slides/slide9.xml><?xml version="1.0" encoding="utf-8"?>
+<p:sld xmlns:a="http://schemas.openxmlformats.org/drawingml/2006/main" xmlns:r="http://schemas.openxmlformats.org/officeDocument/2006/relationships" xmlns:p="http://schemas.openxmlformats.org/presentationml/2006/main">
+  <p:cSld>
+    <p:spTree>
+      <p:nvGrpSpPr>
+        <p:cNvPr id="1" name=""/>
+        <p:cNvGrpSpPr/>
+        <p:nvPr/>
+      </p:nvGrpSpPr>
+      <p:grpSpPr>
+        <a:xfrm>
+          <a:off x="0" y="0"/>
+          <a:ext cx="0" cy="0"/>
+          <a:chOff x="0" y="0"/>
+          <a:chExt cx="0" cy="0"/>
+        </a:xfrm>
+      </p:grpSpPr>
+      <p:sp>
+        <p:nvSpPr>
+          <p:cNvPr id="2" name="Título 1">
+            <a:extLst>
+              <a:ext uri="{FF2B5EF4-FFF2-40B4-BE49-F238E27FC236}">
+                <a16:creationId xmlns:a16="http://schemas.microsoft.com/office/drawing/2014/main" id="{B4FB27EB-9630-9CCA-54BD-82695DF6A1E3}"/>
+              </a:ext>
+            </a:extLst>
+          </p:cNvPr>
+          <p:cNvSpPr>
+            <a:spLocks noGrp="1"/>
+          </p:cNvSpPr>
+          <p:nvPr>
+            <p:ph type="title"/>
+          </p:nvPr>
+        </p:nvSpPr>
+        <p:spPr/>
+        <p:txBody>
+          <a:bodyPr/>
+          <a:lstStyle/>
+          <a:p>
+            <a:r>
+              <a:rPr lang="en-US" dirty="0" err="1"/>
+              <a:t>Encontrar</a:t>
+            </a:r>
+            <a:r>
+              <a:rPr lang="en-US" dirty="0"/>
+              <a:t> local </a:t>
+            </a:r>
+            <a:r>
+              <a:rPr lang="en-US" dirty="0" err="1"/>
+              <a:t>não</a:t>
+            </a:r>
+            <a:r>
+              <a:rPr lang="en-US" dirty="0"/>
+              <a:t> </a:t>
+            </a:r>
+            <a:r>
+              <a:rPr lang="en-US" dirty="0" err="1"/>
+              <a:t>colorido</a:t>
+            </a:r>
+            <a:endParaRPr lang="pt-BR" dirty="0"/>
+          </a:p>
+        </p:txBody>
+      </p:sp>
+      <p:sp>
+        <p:nvSpPr>
+          <p:cNvPr id="4" name="Espaço Reservado para Data 3">
+            <a:extLst>
+              <a:ext uri="{FF2B5EF4-FFF2-40B4-BE49-F238E27FC236}">
+                <a16:creationId xmlns:a16="http://schemas.microsoft.com/office/drawing/2014/main" id="{C96863F3-9666-B920-ED06-064D2D35DAC6}"/>
+              </a:ext>
+            </a:extLst>
+          </p:cNvPr>
+          <p:cNvSpPr>
+            <a:spLocks noGrp="1"/>
+          </p:cNvSpPr>
+          <p:nvPr>
+            <p:ph type="dt" sz="half" idx="10"/>
+          </p:nvPr>
+        </p:nvSpPr>
+        <p:spPr/>
+        <p:txBody>
+          <a:bodyPr/>
+          <a:lstStyle/>
+          <a:p>
+            <a:fld id="{F90133E3-916B-4903-A3F2-E565CDEFFD2A}" type="datetime1">
+              <a:rPr lang="en-US" smtClean="0"/>
+              <a:t>5/8/2024</a:t>
+            </a:fld>
+            <a:endParaRPr lang="en-US" dirty="0"/>
+          </a:p>
+        </p:txBody>
+      </p:sp>
+      <p:sp>
+        <p:nvSpPr>
+          <p:cNvPr id="5" name="Espaço Reservado para Rodapé 4">
+            <a:extLst>
+              <a:ext uri="{FF2B5EF4-FFF2-40B4-BE49-F238E27FC236}">
+                <a16:creationId xmlns:a16="http://schemas.microsoft.com/office/drawing/2014/main" id="{E283AC53-5D94-BD4E-DF5E-03CBB2392431}"/>
+              </a:ext>
+            </a:extLst>
+          </p:cNvPr>
+          <p:cNvSpPr>
+            <a:spLocks noGrp="1"/>
+          </p:cNvSpPr>
+          <p:nvPr>
+            <p:ph type="ftr" sz="quarter" idx="11"/>
+          </p:nvPr>
+        </p:nvSpPr>
+        <p:spPr/>
+        <p:txBody>
+          <a:bodyPr/>
+          <a:lstStyle/>
+          <a:p>
+            <a:r>
+              <a:rPr lang="en-US"/>
+              <a:t>
+              </a:t>
+            </a:r>
+            <a:endParaRPr lang="en-US" dirty="0"/>
+          </a:p>
+        </p:txBody>
+      </p:sp>
+      <p:sp>
+        <p:nvSpPr>
+          <p:cNvPr id="6" name="Espaço Reservado para Número de Slide 5">
+            <a:extLst>
+              <a:ext uri="{FF2B5EF4-FFF2-40B4-BE49-F238E27FC236}">
+                <a16:creationId xmlns:a16="http://schemas.microsoft.com/office/drawing/2014/main" id="{FB1C2BC9-964D-D15F-BB65-FFD25A78FBD7}"/>
+              </a:ext>
+            </a:extLst>
+          </p:cNvPr>
+          <p:cNvSpPr>
+            <a:spLocks noGrp="1"/>
+          </p:cNvSpPr>
+          <p:nvPr>
+            <p:ph type="sldNum" sz="quarter" idx="12"/>
+          </p:nvPr>
+        </p:nvSpPr>
+        <p:spPr/>
+        <p:txBody>
+          <a:bodyPr/>
+          <a:lstStyle/>
+          <a:p>
+            <a:fld id="{E30AF5A0-43BB-4336-8627-9123B9144D80}" type="slidenum">
+              <a:rPr lang="en-US" smtClean="0"/>
+              <a:t>9</a:t>
+            </a:fld>
+            <a:endParaRPr lang="en-US" dirty="0"/>
+          </a:p>
+        </p:txBody>
+      </p:sp>
+      <p:pic>
+        <p:nvPicPr>
+          <p:cNvPr id="14" name="Espaço Reservado para Conteúdo 13">
+            <a:extLst>
+              <a:ext uri="{FF2B5EF4-FFF2-40B4-BE49-F238E27FC236}">
+                <a16:creationId xmlns:a16="http://schemas.microsoft.com/office/drawing/2014/main" id="{CB3B0777-5292-ECBA-8C1A-6098EEFCD096}"/>
+              </a:ext>
+            </a:extLst>
+          </p:cNvPr>
+          <p:cNvPicPr>
+            <a:picLocks noGrp="1" noChangeAspect="1"/>
+          </p:cNvPicPr>
+          <p:nvPr>
+            <p:ph idx="1"/>
+          </p:nvPr>
+        </p:nvPicPr>
+        <p:blipFill>
+          <a:blip r:embed="rId2"/>
+          <a:stretch>
+            <a:fillRect/>
+          </a:stretch>
+        </p:blipFill>
+        <p:spPr>
+          <a:xfrm>
+            <a:off x="1166096" y="2292350"/>
+            <a:ext cx="9759796" cy="3636963"/>
+          </a:xfrm>
+        </p:spPr>
+      </p:pic>
+    </p:spTree>
+    <p:extLst>
+      <p:ext uri="{BB962C8B-B14F-4D97-AF65-F5344CB8AC3E}">
+        <p14:creationId xmlns:p14="http://schemas.microsoft.com/office/powerpoint/2010/main" val="2753850936"/>
       </p:ext>
     </p:extLst>
   </p:cSld>

--- a/Presentation.pptx
+++ b/Presentation.pptx
@@ -707,7 +707,7 @@
   <pc:docChgLst>
     <pc:chgData name="Eduardo Savian" userId="83fefb37af455394" providerId="LiveId" clId="{9027FE1D-C861-432B-B1C8-11A99DB4171A}"/>
     <pc:docChg chg="undo redo custSel addSld delSld modSld sldOrd">
-      <pc:chgData name="Eduardo Savian" userId="83fefb37af455394" providerId="LiveId" clId="{9027FE1D-C861-432B-B1C8-11A99DB4171A}" dt="2024-05-08T21:37:22.219" v="949" actId="20577"/>
+      <pc:chgData name="Eduardo Savian" userId="83fefb37af455394" providerId="LiveId" clId="{9027FE1D-C861-432B-B1C8-11A99DB4171A}" dt="2024-05-08T21:45:57.566" v="977" actId="27636"/>
       <pc:docMkLst>
         <pc:docMk/>
       </pc:docMkLst>
@@ -1062,7 +1062,7 @@
         </pc:picChg>
       </pc:sldChg>
       <pc:sldChg chg="modSp new mod">
-        <pc:chgData name="Eduardo Savian" userId="83fefb37af455394" providerId="LiveId" clId="{9027FE1D-C861-432B-B1C8-11A99DB4171A}" dt="2024-05-08T21:23:53.416" v="742" actId="113"/>
+        <pc:chgData name="Eduardo Savian" userId="83fefb37af455394" providerId="LiveId" clId="{9027FE1D-C861-432B-B1C8-11A99DB4171A}" dt="2024-05-08T21:45:57.566" v="977" actId="27636"/>
         <pc:sldMkLst>
           <pc:docMk/>
           <pc:sldMk cId="2097304172" sldId="268"/>
@@ -1076,7 +1076,7 @@
           </ac:spMkLst>
         </pc:spChg>
         <pc:spChg chg="mod">
-          <ac:chgData name="Eduardo Savian" userId="83fefb37af455394" providerId="LiveId" clId="{9027FE1D-C861-432B-B1C8-11A99DB4171A}" dt="2024-05-08T21:23:53.416" v="742" actId="113"/>
+          <ac:chgData name="Eduardo Savian" userId="83fefb37af455394" providerId="LiveId" clId="{9027FE1D-C861-432B-B1C8-11A99DB4171A}" dt="2024-05-08T21:45:57.566" v="977" actId="27636"/>
           <ac:spMkLst>
             <pc:docMk/>
             <pc:sldMk cId="2097304172" sldId="268"/>
@@ -1139,7 +1139,7 @@
         </pc:picChg>
       </pc:sldChg>
       <pc:sldChg chg="addSp delSp modSp new mod">
-        <pc:chgData name="Eduardo Savian" userId="83fefb37af455394" providerId="LiveId" clId="{9027FE1D-C861-432B-B1C8-11A99DB4171A}" dt="2024-05-08T21:32:56.956" v="857" actId="20577"/>
+        <pc:chgData name="Eduardo Savian" userId="83fefb37af455394" providerId="LiveId" clId="{9027FE1D-C861-432B-B1C8-11A99DB4171A}" dt="2024-05-08T21:45:39.408" v="968" actId="1076"/>
         <pc:sldMkLst>
           <pc:docMk/>
           <pc:sldMk cId="1206012243" sldId="271"/>
@@ -1160,6 +1160,14 @@
             <ac:spMk id="3" creationId="{E36961EA-6A69-141B-5102-C3CBC720447B}"/>
           </ac:spMkLst>
         </pc:spChg>
+        <pc:spChg chg="add del mod">
+          <ac:chgData name="Eduardo Savian" userId="83fefb37af455394" providerId="LiveId" clId="{9027FE1D-C861-432B-B1C8-11A99DB4171A}" dt="2024-05-08T21:44:35.735" v="959" actId="22"/>
+          <ac:spMkLst>
+            <pc:docMk/>
+            <pc:sldMk cId="1206012243" sldId="271"/>
+            <ac:spMk id="7" creationId="{EC8153B1-ADCE-3E10-7113-86591DBC55EC}"/>
+          </ac:spMkLst>
+        </pc:spChg>
         <pc:picChg chg="add del mod ord">
           <ac:chgData name="Eduardo Savian" userId="83fefb37af455394" providerId="LiveId" clId="{9027FE1D-C861-432B-B1C8-11A99DB4171A}" dt="2024-05-08T21:30:30.456" v="825" actId="22"/>
           <ac:picMkLst>
@@ -1168,8 +1176,16 @@
             <ac:picMk id="8" creationId="{B96B0055-8BDC-9DEE-030B-B55D0304E7BC}"/>
           </ac:picMkLst>
         </pc:picChg>
-        <pc:picChg chg="add mod ord">
-          <ac:chgData name="Eduardo Savian" userId="83fefb37af455394" providerId="LiveId" clId="{9027FE1D-C861-432B-B1C8-11A99DB4171A}" dt="2024-05-08T21:31:12.841" v="829" actId="1076"/>
+        <pc:picChg chg="add del mod">
+          <ac:chgData name="Eduardo Savian" userId="83fefb37af455394" providerId="LiveId" clId="{9027FE1D-C861-432B-B1C8-11A99DB4171A}" dt="2024-05-08T21:44:34.492" v="958" actId="22"/>
+          <ac:picMkLst>
+            <pc:docMk/>
+            <pc:sldMk cId="1206012243" sldId="271"/>
+            <ac:picMk id="9" creationId="{B28271F7-C59B-85CC-D6DD-47E50D7EE788}"/>
+          </ac:picMkLst>
+        </pc:picChg>
+        <pc:picChg chg="add del mod ord">
+          <ac:chgData name="Eduardo Savian" userId="83fefb37af455394" providerId="LiveId" clId="{9027FE1D-C861-432B-B1C8-11A99DB4171A}" dt="2024-05-08T21:44:30.709" v="954" actId="478"/>
           <ac:picMkLst>
             <pc:docMk/>
             <pc:sldMk cId="1206012243" sldId="271"/>
@@ -1182,6 +1198,14 @@
             <pc:docMk/>
             <pc:sldMk cId="1206012243" sldId="271"/>
             <ac:picMk id="12" creationId="{1DFCAF14-CBEA-6458-A895-9A5CB9178174}"/>
+          </ac:picMkLst>
+        </pc:picChg>
+        <pc:picChg chg="add mod ord">
+          <ac:chgData name="Eduardo Savian" userId="83fefb37af455394" providerId="LiveId" clId="{9027FE1D-C861-432B-B1C8-11A99DB4171A}" dt="2024-05-08T21:45:39.408" v="968" actId="1076"/>
+          <ac:picMkLst>
+            <pc:docMk/>
+            <pc:sldMk cId="1206012243" sldId="271"/>
+            <ac:picMk id="13" creationId="{3C812D51-3395-7F75-3A24-0973BDF2A881}"/>
           </ac:picMkLst>
         </pc:picChg>
       </pc:sldChg>
@@ -1263,7 +1287,7 @@
         </pc:picChg>
       </pc:sldChg>
       <pc:sldChg chg="addSp delSp modSp new mod ord">
-        <pc:chgData name="Eduardo Savian" userId="83fefb37af455394" providerId="LiveId" clId="{9027FE1D-C861-432B-B1C8-11A99DB4171A}" dt="2024-05-08T21:35:23.403" v="906" actId="1076"/>
+        <pc:chgData name="Eduardo Savian" userId="83fefb37af455394" providerId="LiveId" clId="{9027FE1D-C861-432B-B1C8-11A99DB4171A}" dt="2024-05-08T21:45:43.386" v="969" actId="1076"/>
         <pc:sldMkLst>
           <pc:docMk/>
           <pc:sldMk cId="43700074" sldId="275"/>
@@ -1284,6 +1308,22 @@
             <ac:spMk id="3" creationId="{CE4BB36B-B0A5-5C54-126D-4BB4F3BFD59D}"/>
           </ac:spMkLst>
         </pc:spChg>
+        <pc:spChg chg="add del mod">
+          <ac:chgData name="Eduardo Savian" userId="83fefb37af455394" providerId="LiveId" clId="{9027FE1D-C861-432B-B1C8-11A99DB4171A}" dt="2024-05-08T21:44:29.070" v="953" actId="478"/>
+          <ac:spMkLst>
+            <pc:docMk/>
+            <pc:sldMk cId="43700074" sldId="275"/>
+            <ac:spMk id="7" creationId="{EEAB86D8-3114-7A75-2C87-3995D4011F6F}"/>
+          </ac:spMkLst>
+        </pc:spChg>
+        <pc:spChg chg="add del mod">
+          <ac:chgData name="Eduardo Savian" userId="83fefb37af455394" providerId="LiveId" clId="{9027FE1D-C861-432B-B1C8-11A99DB4171A}" dt="2024-05-08T21:45:23.163" v="964" actId="22"/>
+          <ac:spMkLst>
+            <pc:docMk/>
+            <pc:sldMk cId="43700074" sldId="275"/>
+            <ac:spMk id="13" creationId="{6CB0353D-079C-DD02-C36E-B933E49A5693}"/>
+          </ac:spMkLst>
+        </pc:spChg>
         <pc:picChg chg="add del mod">
           <ac:chgData name="Eduardo Savian" userId="83fefb37af455394" providerId="LiveId" clId="{9027FE1D-C861-432B-B1C8-11A99DB4171A}" dt="2024-05-08T21:35:20.186" v="904" actId="478"/>
           <ac:picMkLst>
@@ -1292,8 +1332,16 @@
             <ac:picMk id="8" creationId="{7610941A-37BD-9C19-64D1-2358EC2E8510}"/>
           </ac:picMkLst>
         </pc:picChg>
-        <pc:picChg chg="add mod ord">
-          <ac:chgData name="Eduardo Savian" userId="83fefb37af455394" providerId="LiveId" clId="{9027FE1D-C861-432B-B1C8-11A99DB4171A}" dt="2024-05-08T21:34:30.726" v="903" actId="1076"/>
+        <pc:picChg chg="add del">
+          <ac:chgData name="Eduardo Savian" userId="83fefb37af455394" providerId="LiveId" clId="{9027FE1D-C861-432B-B1C8-11A99DB4171A}" dt="2024-05-08T21:44:28.124" v="952" actId="22"/>
+          <ac:picMkLst>
+            <pc:docMk/>
+            <pc:sldMk cId="43700074" sldId="275"/>
+            <ac:picMk id="9" creationId="{B8355BE1-3360-9963-116F-8D6F78F51FCD}"/>
+          </ac:picMkLst>
+        </pc:picChg>
+        <pc:picChg chg="add del mod ord">
+          <ac:chgData name="Eduardo Savian" userId="83fefb37af455394" providerId="LiveId" clId="{9027FE1D-C861-432B-B1C8-11A99DB4171A}" dt="2024-05-08T21:45:20.696" v="961" actId="478"/>
           <ac:picMkLst>
             <pc:docMk/>
             <pc:sldMk cId="43700074" sldId="275"/>
@@ -1306,6 +1354,22 @@
             <pc:docMk/>
             <pc:sldMk cId="43700074" sldId="275"/>
             <ac:picMk id="12" creationId="{E99D66E1-B7D0-5B01-9676-188171541776}"/>
+          </ac:picMkLst>
+        </pc:picChg>
+        <pc:picChg chg="add del">
+          <ac:chgData name="Eduardo Savian" userId="83fefb37af455394" providerId="LiveId" clId="{9027FE1D-C861-432B-B1C8-11A99DB4171A}" dt="2024-05-08T21:45:21.771" v="963" actId="22"/>
+          <ac:picMkLst>
+            <pc:docMk/>
+            <pc:sldMk cId="43700074" sldId="275"/>
+            <ac:picMk id="15" creationId="{AA5DBF5C-6758-D7E9-19FF-DF00DC8EC6A6}"/>
+          </ac:picMkLst>
+        </pc:picChg>
+        <pc:picChg chg="add mod ord">
+          <ac:chgData name="Eduardo Savian" userId="83fefb37af455394" providerId="LiveId" clId="{9027FE1D-C861-432B-B1C8-11A99DB4171A}" dt="2024-05-08T21:45:43.386" v="969" actId="1076"/>
+          <ac:picMkLst>
+            <pc:docMk/>
+            <pc:sldMk cId="43700074" sldId="275"/>
+            <ac:picMk id="17" creationId="{82257A56-F537-8637-2D1A-5FD85F9F23FA}"/>
           </ac:picMkLst>
         </pc:picChg>
       </pc:sldChg>
@@ -5751,35 +5815,6 @@
           </a:p>
         </p:txBody>
       </p:sp>
-      <p:pic>
-        <p:nvPicPr>
-          <p:cNvPr id="10" name="Espaço Reservado para Conteúdo 9">
-            <a:extLst>
-              <a:ext uri="{FF2B5EF4-FFF2-40B4-BE49-F238E27FC236}">
-                <a16:creationId xmlns:a16="http://schemas.microsoft.com/office/drawing/2014/main" id="{A3D69FE1-307A-CBBF-E9CC-8C1B00F440D1}"/>
-              </a:ext>
-            </a:extLst>
-          </p:cNvPr>
-          <p:cNvPicPr>
-            <a:picLocks noGrp="1" noChangeAspect="1"/>
-          </p:cNvPicPr>
-          <p:nvPr>
-            <p:ph idx="1"/>
-          </p:nvPr>
-        </p:nvPicPr>
-        <p:blipFill>
-          <a:blip r:embed="rId2"/>
-          <a:stretch>
-            <a:fillRect/>
-          </a:stretch>
-        </p:blipFill>
-        <p:spPr>
-          <a:xfrm>
-            <a:off x="3502460" y="2298941"/>
-            <a:ext cx="7416552" cy="3636963"/>
-          </a:xfrm>
-        </p:spPr>
-      </p:pic>
       <p:sp>
         <p:nvSpPr>
           <p:cNvPr id="4" name="Espaço Reservado para Data 3">
@@ -5883,7 +5918,7 @@
           <p:nvPr/>
         </p:nvPicPr>
         <p:blipFill>
-          <a:blip r:embed="rId3"/>
+          <a:blip r:embed="rId2"/>
           <a:stretch>
             <a:fillRect/>
           </a:stretch>
@@ -5896,6 +5931,35 @@
           <a:prstGeom prst="rect">
             <a:avLst/>
           </a:prstGeom>
+        </p:spPr>
+      </p:pic>
+      <p:pic>
+        <p:nvPicPr>
+          <p:cNvPr id="17" name="Espaço Reservado para Conteúdo 16">
+            <a:extLst>
+              <a:ext uri="{FF2B5EF4-FFF2-40B4-BE49-F238E27FC236}">
+                <a16:creationId xmlns:a16="http://schemas.microsoft.com/office/drawing/2014/main" id="{82257A56-F537-8637-2D1A-5FD85F9F23FA}"/>
+              </a:ext>
+            </a:extLst>
+          </p:cNvPr>
+          <p:cNvPicPr>
+            <a:picLocks noGrp="1" noChangeAspect="1"/>
+          </p:cNvPicPr>
+          <p:nvPr>
+            <p:ph idx="1"/>
+          </p:nvPr>
+        </p:nvPicPr>
+        <p:blipFill>
+          <a:blip r:embed="rId3"/>
+          <a:stretch>
+            <a:fillRect/>
+          </a:stretch>
+        </p:blipFill>
+        <p:spPr>
+          <a:xfrm>
+            <a:off x="3394714" y="2293126"/>
+            <a:ext cx="7374672" cy="3636963"/>
+          </a:xfrm>
         </p:spPr>
       </p:pic>
     </p:spTree>
@@ -5957,35 +6021,6 @@
           </a:p>
         </p:txBody>
       </p:sp>
-      <p:pic>
-        <p:nvPicPr>
-          <p:cNvPr id="10" name="Espaço Reservado para Conteúdo 9">
-            <a:extLst>
-              <a:ext uri="{FF2B5EF4-FFF2-40B4-BE49-F238E27FC236}">
-                <a16:creationId xmlns:a16="http://schemas.microsoft.com/office/drawing/2014/main" id="{9417624B-D04C-0DED-84E1-CA4C40EF63C8}"/>
-              </a:ext>
-            </a:extLst>
-          </p:cNvPr>
-          <p:cNvPicPr>
-            <a:picLocks noGrp="1" noChangeAspect="1"/>
-          </p:cNvPicPr>
-          <p:nvPr>
-            <p:ph idx="1"/>
-          </p:nvPr>
-        </p:nvPicPr>
-        <p:blipFill>
-          <a:blip r:embed="rId2"/>
-          <a:stretch>
-            <a:fillRect/>
-          </a:stretch>
-        </p:blipFill>
-        <p:spPr>
-          <a:xfrm>
-            <a:off x="3472863" y="2261022"/>
-            <a:ext cx="7446149" cy="3636963"/>
-          </a:xfrm>
-        </p:spPr>
-      </p:pic>
       <p:sp>
         <p:nvSpPr>
           <p:cNvPr id="4" name="Espaço Reservado para Data 3">
@@ -6089,7 +6124,7 @@
           <p:nvPr/>
         </p:nvPicPr>
         <p:blipFill>
-          <a:blip r:embed="rId3"/>
+          <a:blip r:embed="rId2"/>
           <a:stretch>
             <a:fillRect/>
           </a:stretch>
@@ -6102,6 +6137,35 @@
           <a:prstGeom prst="rect">
             <a:avLst/>
           </a:prstGeom>
+        </p:spPr>
+      </p:pic>
+      <p:pic>
+        <p:nvPicPr>
+          <p:cNvPr id="13" name="Espaço Reservado para Conteúdo 12">
+            <a:extLst>
+              <a:ext uri="{FF2B5EF4-FFF2-40B4-BE49-F238E27FC236}">
+                <a16:creationId xmlns:a16="http://schemas.microsoft.com/office/drawing/2014/main" id="{3C812D51-3395-7F75-3A24-0973BDF2A881}"/>
+              </a:ext>
+            </a:extLst>
+          </p:cNvPr>
+          <p:cNvPicPr>
+            <a:picLocks noGrp="1" noChangeAspect="1"/>
+          </p:cNvPicPr>
+          <p:nvPr>
+            <p:ph idx="1"/>
+          </p:nvPr>
+        </p:nvPicPr>
+        <p:blipFill>
+          <a:blip r:embed="rId3"/>
+          <a:stretch>
+            <a:fillRect/>
+          </a:stretch>
+        </p:blipFill>
+        <p:spPr>
+          <a:xfrm>
+            <a:off x="3489459" y="2358535"/>
+            <a:ext cx="7472583" cy="3636963"/>
+          </a:xfrm>
         </p:spPr>
       </p:pic>
     </p:spTree>
@@ -6396,7 +6460,7 @@
         <p:spPr/>
         <p:txBody>
           <a:bodyPr>
-            <a:normAutofit fontScale="85000" lnSpcReduction="10000"/>
+            <a:normAutofit/>
           </a:bodyPr>
           <a:lstStyle/>
           <a:p>
@@ -6468,16 +6532,12 @@
             </a:r>
             <a:r>
               <a:rPr lang="pt-BR" dirty="0"/>
-              <a:t>-%C3%A9-um-algoritmo-backtracking&gt;. Acesso em: 8 maio. 2024.</a:t>
-            </a:r>
-          </a:p>
-          <a:p>
-            <a:endParaRPr lang="pt-BR" dirty="0"/>
-          </a:p>
-          <a:p>
-            <a:endParaRPr lang="pt-BR" dirty="0"/>
-          </a:p>
-          <a:p>
+              <a:t>-%C3%A9-um-algoritmo-backtracking&gt;. Acesso em: 8 maio. </a:t>
+            </a:r>
+            <a:r>
+              <a:rPr lang="pt-BR"/>
+              <a:t>2024.</a:t>
+            </a:r>
             <a:endParaRPr lang="pt-BR" dirty="0"/>
           </a:p>
           <a:p>

--- a/Presentation.pptx
+++ b/Presentation.pptx
@@ -132,6 +132,7 @@
   <p1510:revLst>
     <p1510:client id="{236A428B-EB3A-4EDA-8B94-5C42A3C67680}" v="15" dt="2024-05-08T01:13:54.042"/>
     <p1510:client id="{9027FE1D-C861-432B-B1C8-11A99DB4171A}" v="1" dt="2024-05-08T21:31:22.540"/>
+    <p1510:client id="{F92F2121-E3A7-4D5C-8A92-F61E052B0D7C}" v="1" dt="2024-05-08T21:56:46.763"/>
   </p1510:revLst>
 </p1510:revInfo>
 </file>
@@ -1370,6 +1371,38 @@
             <pc:docMk/>
             <pc:sldMk cId="43700074" sldId="275"/>
             <ac:picMk id="17" creationId="{82257A56-F537-8637-2D1A-5FD85F9F23FA}"/>
+          </ac:picMkLst>
+        </pc:picChg>
+      </pc:sldChg>
+    </pc:docChg>
+  </pc:docChgLst>
+  <pc:docChgLst>
+    <pc:chgData name="Eduardo Savian" userId="83fefb37af455394" providerId="LiveId" clId="{F92F2121-E3A7-4D5C-8A92-F61E052B0D7C}"/>
+    <pc:docChg chg="modSld">
+      <pc:chgData name="Eduardo Savian" userId="83fefb37af455394" providerId="LiveId" clId="{F92F2121-E3A7-4D5C-8A92-F61E052B0D7C}" dt="2024-05-08T21:56:59.808" v="11" actId="1076"/>
+      <pc:docMkLst>
+        <pc:docMk/>
+      </pc:docMkLst>
+      <pc:sldChg chg="addSp modSp mod">
+        <pc:chgData name="Eduardo Savian" userId="83fefb37af455394" providerId="LiveId" clId="{F92F2121-E3A7-4D5C-8A92-F61E052B0D7C}" dt="2024-05-08T21:56:59.808" v="11" actId="1076"/>
+        <pc:sldMkLst>
+          <pc:docMk/>
+          <pc:sldMk cId="2753850936" sldId="261"/>
+        </pc:sldMkLst>
+        <pc:picChg chg="add mod">
+          <ac:chgData name="Eduardo Savian" userId="83fefb37af455394" providerId="LiveId" clId="{F92F2121-E3A7-4D5C-8A92-F61E052B0D7C}" dt="2024-05-08T21:56:56.310" v="8" actId="27614"/>
+          <ac:picMkLst>
+            <pc:docMk/>
+            <pc:sldMk cId="2753850936" sldId="261"/>
+            <ac:picMk id="7" creationId="{24B49B10-7660-3EA2-3964-3F937A078934}"/>
+          </ac:picMkLst>
+        </pc:picChg>
+        <pc:picChg chg="mod">
+          <ac:chgData name="Eduardo Savian" userId="83fefb37af455394" providerId="LiveId" clId="{F92F2121-E3A7-4D5C-8A92-F61E052B0D7C}" dt="2024-05-08T21:56:59.808" v="11" actId="1076"/>
+          <ac:picMkLst>
+            <pc:docMk/>
+            <pc:sldMk cId="2753850936" sldId="261"/>
+            <ac:picMk id="14" creationId="{CB3B0777-5292-ECBA-8C1A-6098EEFCD096}"/>
           </ac:picMkLst>
         </pc:picChg>
       </pc:sldChg>
@@ -8390,9 +8423,45 @@
         </p:blipFill>
         <p:spPr>
           <a:xfrm>
-            <a:off x="1166096" y="2292350"/>
-            <a:ext cx="9759796" cy="3636963"/>
+            <a:off x="28542" y="2032126"/>
+            <a:ext cx="8340906" cy="3108217"/>
           </a:xfrm>
+        </p:spPr>
+      </p:pic>
+      <p:pic>
+        <p:nvPicPr>
+          <p:cNvPr id="7" name="Imagem 6" descr="A screen shot of a computer program&#10;&#10;Descrição gerada automaticamente">
+            <a:extLst>
+              <a:ext uri="{FF2B5EF4-FFF2-40B4-BE49-F238E27FC236}">
+                <a16:creationId xmlns:a16="http://schemas.microsoft.com/office/drawing/2014/main" id="{24B49B10-7660-3EA2-3964-3F937A078934}"/>
+              </a:ext>
+            </a:extLst>
+          </p:cNvPr>
+          <p:cNvPicPr>
+            <a:picLocks noChangeAspect="1"/>
+          </p:cNvPicPr>
+          <p:nvPr/>
+        </p:nvPicPr>
+        <p:blipFill>
+          <a:blip r:embed="rId3">
+            <a:extLst>
+              <a:ext uri="{28A0092B-C50C-407E-A947-70E740481C1C}">
+                <a14:useLocalDpi xmlns:a14="http://schemas.microsoft.com/office/drawing/2010/main" val="0"/>
+              </a:ext>
+            </a:extLst>
+          </a:blip>
+          <a:stretch>
+            <a:fillRect/>
+          </a:stretch>
+        </p:blipFill>
+        <p:spPr>
+          <a:xfrm>
+            <a:off x="8524844" y="1315950"/>
+            <a:ext cx="3256303" cy="4706591"/>
+          </a:xfrm>
+          <a:prstGeom prst="rect">
+            <a:avLst/>
+          </a:prstGeom>
         </p:spPr>
       </p:pic>
     </p:spTree>
